--- a/Schachprojekt.pptx
+++ b/Schachprojekt.pptx
@@ -4,15 +4,28 @@
   <p:sldMasterIdLst>
     <p:sldMasterId id="2147483648" r:id="rId1"/>
   </p:sldMasterIdLst>
+  <p:notesMasterIdLst>
+    <p:notesMasterId r:id="rId20"/>
+  </p:notesMasterIdLst>
   <p:sldIdLst>
     <p:sldId id="256" r:id="rId2"/>
     <p:sldId id="257" r:id="rId3"/>
-    <p:sldId id="258" r:id="rId4"/>
-    <p:sldId id="259" r:id="rId5"/>
-    <p:sldId id="260" r:id="rId6"/>
-    <p:sldId id="262" r:id="rId7"/>
-    <p:sldId id="263" r:id="rId8"/>
-    <p:sldId id="261" r:id="rId9"/>
+    <p:sldId id="264" r:id="rId4"/>
+    <p:sldId id="265" r:id="rId5"/>
+    <p:sldId id="258" r:id="rId6"/>
+    <p:sldId id="259" r:id="rId7"/>
+    <p:sldId id="267" r:id="rId8"/>
+    <p:sldId id="260" r:id="rId9"/>
+    <p:sldId id="268" r:id="rId10"/>
+    <p:sldId id="272" r:id="rId11"/>
+    <p:sldId id="274" r:id="rId12"/>
+    <p:sldId id="269" r:id="rId13"/>
+    <p:sldId id="271" r:id="rId14"/>
+    <p:sldId id="262" r:id="rId15"/>
+    <p:sldId id="276" r:id="rId16"/>
+    <p:sldId id="275" r:id="rId17"/>
+    <p:sldId id="261" r:id="rId18"/>
+    <p:sldId id="278" r:id="rId19"/>
   </p:sldIdLst>
   <p:sldSz cx="12192000" cy="6858000"/>
   <p:notesSz cx="6858000" cy="9144000"/>
@@ -111,7 +124,1314 @@
       </a:defRPr>
     </a:lvl9pPr>
   </p:defaultTextStyle>
+  <p:extLst>
+    <p:ext uri="{EFAFB233-063F-42B5-8137-9DF3F51BA10A}">
+      <p15:sldGuideLst xmlns:p15="http://schemas.microsoft.com/office/powerpoint/2012/main"/>
+    </p:ext>
+  </p:extLst>
 </p:presentation>
+</file>
+
+<file path=ppt/ink/ink1.xml><?xml version="1.0" encoding="utf-8"?>
+<inkml:ink xmlns:inkml="http://www.w3.org/2003/InkML">
+  <inkml:definitions>
+    <inkml:context xml:id="ctx0">
+      <inkml:inkSource xml:id="inkSrc0">
+        <inkml:traceFormat>
+          <inkml:channel name="X" type="integer" min="-2.14748E9" max="2.14748E9" units="cm"/>
+          <inkml:channel name="Y" type="integer" min="-2.14748E9" max="2.14748E9" units="cm"/>
+          <inkml:channel name="F" type="integer" max="32767" units="dev"/>
+        </inkml:traceFormat>
+        <inkml:channelProperties>
+          <inkml:channelProperty channel="X" name="resolution" value="1000" units="1/cm"/>
+          <inkml:channelProperty channel="Y" name="resolution" value="1000" units="1/cm"/>
+          <inkml:channelProperty channel="F" name="resolution" value="0" units="1/dev"/>
+        </inkml:channelProperties>
+      </inkml:inkSource>
+      <inkml:timestamp xml:id="ts0" timeString="2023-09-25T07:52:17.392"/>
+    </inkml:context>
+    <inkml:brush xml:id="br0">
+      <inkml:brushProperty name="width" value="0.05" units="cm"/>
+      <inkml:brushProperty name="height" value="0.05" units="cm"/>
+      <inkml:brushProperty name="color" value="#E71224"/>
+    </inkml:brush>
+  </inkml:definitions>
+  <inkml:trace contextRef="#ctx0" brushRef="#br0">0 1540 24575,'28'0'0,"5"0"0,13 0 0,5 0 0,8 0 0,-2 0 0,2 0 0,-3 0 0,-3 0 0,-5 0 0,-5 0 0,-1 0 0,-3 0 0,-2 0 0,2 0 0,-1 0 0,5 0 0,-2 0 0,7 0 0,1 0 0,8 2 0,-1 1 0,4 0 0,0 0 0,2-3 0,2 0 0,-10 0 0,19 0 0,2 0 0,1 0 0,-8 0 0,-16 0 0,-7 0 0,1 0 0,-4 0 0,-2 0 0,-2 0 0,1 0 0,-1 0 0,1 2 0,-4 0 0,1 1 0,-1 0 0,1-3 0,5 0 0,-4 0 0,3 2 0,-5 1 0,-1-1 0,1 0 0,-1-2 0,-2 0 0,0 0 0,-1 0 0,4 0 0,0 0 0,-2 0 0,-1 0 0,0 0 0,0 0 0,-1 0 0,-3 0 0,-4 0 0,-1 0 0,0 0 0,0 0 0,-3 0 0,3 0 0,-2 0 0,9 0 0,3 0 0,-2 0 0,-5 0 0,-10 0 0,-6 0 0,-1 0 0,-2 0 0,2 0 0,0 0 0,-1 0 0,1 0 0,-2 0 0,1 0 0,0 0 0,-3-1 0,-1-1 0,-4-1 0,0-3 0,0 0 0,0-1 0,0-1 0,0-4 0,0-9 0,-3-16 0,-3-17 0,-6-19 0,-5-15 0,6 34 0,0-1-645,1 1 1,0 0 644,-2-8 0,1-1 0,0 5 0,1 1 0,1 5 0,0 1-259,-7-43 259,6 19 0,2 6 0,4 11 0,1 6 0,0 14 1272,0 3-1272,1 8 276,-1 1-276,3 3 0,0 0 0,-1-1 0,-2 1 0,1 2 0,0 0 0,0 3 0,-1-3 0,1 5 0,0 1 0,2 7 0,0 5 0,0 1 0</inkml:trace>
+</inkml:ink>
+</file>
+
+<file path=ppt/ink/ink10.xml><?xml version="1.0" encoding="utf-8"?>
+<inkml:ink xmlns:inkml="http://www.w3.org/2003/InkML">
+  <inkml:definitions>
+    <inkml:context xml:id="ctx0">
+      <inkml:inkSource xml:id="inkSrc0">
+        <inkml:traceFormat>
+          <inkml:channel name="X" type="integer" min="-2.14748E9" max="2.14748E9" units="cm"/>
+          <inkml:channel name="Y" type="integer" min="-2.14748E9" max="2.14748E9" units="cm"/>
+          <inkml:channel name="F" type="integer" max="32767" units="dev"/>
+        </inkml:traceFormat>
+        <inkml:channelProperties>
+          <inkml:channelProperty channel="X" name="resolution" value="1000" units="1/cm"/>
+          <inkml:channelProperty channel="Y" name="resolution" value="1000" units="1/cm"/>
+          <inkml:channelProperty channel="F" name="resolution" value="0" units="1/dev"/>
+        </inkml:channelProperties>
+      </inkml:inkSource>
+      <inkml:timestamp xml:id="ts0" timeString="2023-09-25T07:52:57.581"/>
+    </inkml:context>
+    <inkml:brush xml:id="br0">
+      <inkml:brushProperty name="width" value="0.05" units="cm"/>
+      <inkml:brushProperty name="height" value="0.05" units="cm"/>
+      <inkml:brushProperty name="color" value="#E71224"/>
+    </inkml:brush>
+  </inkml:definitions>
+  <inkml:trace contextRef="#ctx0" brushRef="#br0">1 0 24575,'0'0'0</inkml:trace>
+</inkml:ink>
+</file>
+
+<file path=ppt/ink/ink11.xml><?xml version="1.0" encoding="utf-8"?>
+<inkml:ink xmlns:inkml="http://www.w3.org/2003/InkML">
+  <inkml:definitions>
+    <inkml:context xml:id="ctx0">
+      <inkml:inkSource xml:id="inkSrc0">
+        <inkml:traceFormat>
+          <inkml:channel name="X" type="integer" min="-2.14748E9" max="2.14748E9" units="cm"/>
+          <inkml:channel name="Y" type="integer" min="-2.14748E9" max="2.14748E9" units="cm"/>
+          <inkml:channel name="F" type="integer" max="32767" units="dev"/>
+        </inkml:traceFormat>
+        <inkml:channelProperties>
+          <inkml:channelProperty channel="X" name="resolution" value="1000" units="1/cm"/>
+          <inkml:channelProperty channel="Y" name="resolution" value="1000" units="1/cm"/>
+          <inkml:channelProperty channel="F" name="resolution" value="0" units="1/dev"/>
+        </inkml:channelProperties>
+      </inkml:inkSource>
+      <inkml:timestamp xml:id="ts0" timeString="2023-09-25T07:53:53.032"/>
+    </inkml:context>
+    <inkml:brush xml:id="br0">
+      <inkml:brushProperty name="width" value="0.05" units="cm"/>
+      <inkml:brushProperty name="height" value="0.05" units="cm"/>
+      <inkml:brushProperty name="color" value="#E71224"/>
+    </inkml:brush>
+  </inkml:definitions>
+  <inkml:trace contextRef="#ctx0" brushRef="#br0">38 2068 24575,'-4'-17'0,"2"-8"0,1-20 0,1-5 0,0-14 0,0-8 0,0-1 0,0 2 0,0 6 0,0 8 0,0-1 0,0 1 0,0 10 0,0 3 0,0 7 0,0 2 0,0 2 0,0 2 0,0-4 0,0-19 0,0-11 0,0-15 0,-3 13 0,-2 6 0,-1 15 0,1 4 0,3 0 0,2 4 0,0-1 0,0 4 0,-2 4 0,0 7 0,-1 2 0,1 1 0,2 0 0,0 1 0,0 2 0,0-2 0,0-3 0,0-4 0,0 0 0,0-2 0,0 3 0,1-1 0,1 2 0,2-1 0,1 0 0,0 3 0,-1 2 0,-1 7 0,-1 1 0,-2 4 0,0 2 0,0 3 0,0 0 0,0 0 0,0-1 0,0-1 0,0-1 0,0-1 0,0 1 0,0 0 0,0 0 0,0 1 0,-1 2 0,-1 3 0,0-1 0,0 0 0,2-2 0,0 1 0,0 2 0,0 6 0,0 1 0,0 5 0,0-7 0,0 0 0</inkml:trace>
+</inkml:ink>
+</file>
+
+<file path=ppt/ink/ink12.xml><?xml version="1.0" encoding="utf-8"?>
+<inkml:ink xmlns:inkml="http://www.w3.org/2003/InkML">
+  <inkml:definitions>
+    <inkml:context xml:id="ctx0">
+      <inkml:inkSource xml:id="inkSrc0">
+        <inkml:traceFormat>
+          <inkml:channel name="X" type="integer" min="-2.14748E9" max="2.14748E9" units="cm"/>
+          <inkml:channel name="Y" type="integer" min="-2.14748E9" max="2.14748E9" units="cm"/>
+          <inkml:channel name="F" type="integer" max="32767" units="dev"/>
+        </inkml:traceFormat>
+        <inkml:channelProperties>
+          <inkml:channelProperty channel="X" name="resolution" value="1000" units="1/cm"/>
+          <inkml:channelProperty channel="Y" name="resolution" value="1000" units="1/cm"/>
+          <inkml:channelProperty channel="F" name="resolution" value="0" units="1/dev"/>
+        </inkml:channelProperties>
+      </inkml:inkSource>
+      <inkml:timestamp xml:id="ts0" timeString="2023-09-25T07:53:55.165"/>
+    </inkml:context>
+    <inkml:brush xml:id="br0">
+      <inkml:brushProperty name="width" value="0.05" units="cm"/>
+      <inkml:brushProperty name="height" value="0.05" units="cm"/>
+      <inkml:brushProperty name="color" value="#E71224"/>
+    </inkml:brush>
+  </inkml:definitions>
+  <inkml:trace contextRef="#ctx0" brushRef="#br0">1 421 24575,'0'-12'0,"0"-3"0,0-3 0,0 2 0,0 2 0,0 3 0,0 3 0,0 1 0,0 2 0,0-8 0,0-1 0,6-9 0,14-17 0,10-7 0,2-5 0,-2 7 0,-13 17 0,-3 10 0,-3 4 0,-3 5 0,0 3 0,-2 1 0,-2 4 0,-2 3 0,0 1 0,4 3 0,4-1 0,7 2 0,3 1 0,3 1 0,3 1 0,0-1 0,3 1 0,2 1 0,-1 2 0,1 1 0,-5 0 0,-3 0 0,0-1 0,-4 1 0,-1-1 0,-4-1 0,-1-2 0,-3-1 0,0-1 0,-3-1 0,0 0 0,0-1 0,-2 0 0,-1-2 0,-3-2 0</inkml:trace>
+</inkml:ink>
+</file>
+
+<file path=ppt/ink/ink13.xml><?xml version="1.0" encoding="utf-8"?>
+<inkml:ink xmlns:inkml="http://www.w3.org/2003/InkML">
+  <inkml:definitions>
+    <inkml:context xml:id="ctx0">
+      <inkml:inkSource xml:id="inkSrc0">
+        <inkml:traceFormat>
+          <inkml:channel name="X" type="integer" min="-2.14748E9" max="2.14748E9" units="cm"/>
+          <inkml:channel name="Y" type="integer" min="-2.14748E9" max="2.14748E9" units="cm"/>
+          <inkml:channel name="F" type="integer" max="32767" units="dev"/>
+        </inkml:traceFormat>
+        <inkml:channelProperties>
+          <inkml:channelProperty channel="X" name="resolution" value="1000" units="1/cm"/>
+          <inkml:channelProperty channel="Y" name="resolution" value="1000" units="1/cm"/>
+          <inkml:channelProperty channel="F" name="resolution" value="0" units="1/dev"/>
+        </inkml:channelProperties>
+      </inkml:inkSource>
+      <inkml:timestamp xml:id="ts0" timeString="2023-09-25T07:53:56.915"/>
+    </inkml:context>
+    <inkml:brush xml:id="br0">
+      <inkml:brushProperty name="width" value="0.05" units="cm"/>
+      <inkml:brushProperty name="height" value="0.05" units="cm"/>
+      <inkml:brushProperty name="color" value="#E71224"/>
+    </inkml:brush>
+  </inkml:definitions>
+  <inkml:trace contextRef="#ctx0" brushRef="#br0">0 1 24575,'18'0'0,"-5"0"0,8 0 0,-6 0 0,3 4 0,12 9 0,6 10 0,4 4 0,-1 0 0,-10-6 0,-3-2 0,0-1 0,-3 1 0,-2-3 0,-1 0 0,-3-2 0,-2-2 0,-2 1 0,-2 0 0,1 1 0,-2-1 0,3 1 0,-1 1 0,0 0 0,1 3 0,-1-2 0,-1-1 0,0-2 0,-3-3 0,0 0 0,-2-2 0,0-2 0,-2-2 0,0 0 0,0-1 0,0 1 0,-1-1 0,2-1 0,-1 0 0,3 1 0,-1 3 0,0 1 0,0 0 0,0 1 0,1 0 0,3 0 0,1 0 0,-1 0 0,0-1 0,-2-3 0,-1 0 0,-1-2 0,-2 1 0,-2 1 0,0-2 0,-2 0 0</inkml:trace>
+</inkml:ink>
+</file>
+
+<file path=ppt/ink/ink14.xml><?xml version="1.0" encoding="utf-8"?>
+<inkml:ink xmlns:inkml="http://www.w3.org/2003/InkML">
+  <inkml:definitions>
+    <inkml:context xml:id="ctx0">
+      <inkml:inkSource xml:id="inkSrc0">
+        <inkml:traceFormat>
+          <inkml:channel name="X" type="integer" min="-2.14748E9" max="2.14748E9" units="cm"/>
+          <inkml:channel name="Y" type="integer" min="-2.14748E9" max="2.14748E9" units="cm"/>
+          <inkml:channel name="F" type="integer" max="32767" units="dev"/>
+        </inkml:traceFormat>
+        <inkml:channelProperties>
+          <inkml:channelProperty channel="X" name="resolution" value="1000" units="1/cm"/>
+          <inkml:channelProperty channel="Y" name="resolution" value="1000" units="1/cm"/>
+          <inkml:channelProperty channel="F" name="resolution" value="0" units="1/dev"/>
+        </inkml:channelProperties>
+      </inkml:inkSource>
+      <inkml:timestamp xml:id="ts0" timeString="2023-09-25T07:53:59.953"/>
+    </inkml:context>
+    <inkml:brush xml:id="br0">
+      <inkml:brushProperty name="width" value="0.05" units="cm"/>
+      <inkml:brushProperty name="height" value="0.05" units="cm"/>
+      <inkml:brushProperty name="color" value="#E71224"/>
+    </inkml:brush>
+  </inkml:definitions>
+  <inkml:trace contextRef="#ctx0" brushRef="#br0">1 522 24575,'0'4'0,"7"-4"0,6-3 0,9-6 0,0-2 0,2-6 0,3-4 0,-2 1 0,5-5 0,-3 2 0,3 1 0,-1-1 0,0 3 0,-1 1 0,3-1 0,1 1 0,0-1 0,0 0 0,-5 5 0,-1 1 0,-5 2 0,-1 1 0,-4 2 0,-1 1 0,-4 5 0,-1 1 0,-4 0 0,0 0 0,-2 0 0,-1 0 0,1 2 0,1-2 0,2-1 0,5-5 0,3-4 0,8-4 0,2-2 0,1-1 0,0 0 0,-5 3 0,-2 2 0,-4 5 0,-4 2 0,-1 3 0,-1 1 0,-5 2 0,-1 0 0</inkml:trace>
+</inkml:ink>
+</file>
+
+<file path=ppt/ink/ink15.xml><?xml version="1.0" encoding="utf-8"?>
+<inkml:ink xmlns:inkml="http://www.w3.org/2003/InkML">
+  <inkml:definitions>
+    <inkml:context xml:id="ctx0">
+      <inkml:inkSource xml:id="inkSrc0">
+        <inkml:traceFormat>
+          <inkml:channel name="X" type="integer" min="-2.14748E9" max="2.14748E9" units="cm"/>
+          <inkml:channel name="Y" type="integer" min="-2.14748E9" max="2.14748E9" units="cm"/>
+          <inkml:channel name="F" type="integer" max="32767" units="dev"/>
+        </inkml:traceFormat>
+        <inkml:channelProperties>
+          <inkml:channelProperty channel="X" name="resolution" value="1000" units="1/cm"/>
+          <inkml:channelProperty channel="Y" name="resolution" value="1000" units="1/cm"/>
+          <inkml:channelProperty channel="F" name="resolution" value="0" units="1/dev"/>
+        </inkml:channelProperties>
+      </inkml:inkSource>
+      <inkml:timestamp xml:id="ts0" timeString="2023-09-25T07:55:01.349"/>
+    </inkml:context>
+    <inkml:brush xml:id="br0">
+      <inkml:brushProperty name="width" value="0.05" units="cm"/>
+      <inkml:brushProperty name="height" value="0.05" units="cm"/>
+      <inkml:brushProperty name="color" value="#E71224"/>
+    </inkml:brush>
+  </inkml:definitions>
+  <inkml:trace contextRef="#ctx0" brushRef="#br0">12 1075 24575,'0'-7'0,"0"-5"0,0-8 0,0-5 0,0-5 0,0 7 0,0 7 0,0 3 0,0 1 0,0-4 0,0-2 0,0-2 0,0-3 0,0-1 0,0-5 0,0 0 0,0 1 0,0-2 0,0 4 0,0 0 0,0 3 0,0 2 0,0-1 0,0 3 0,0 0 0,0 1 0,0 1 0,0-1 0,0 2 0,0 1 0,0 4 0,0 1 0,0 1 0,0 2 0,0 0 0,0 1 0,0-1 0,0-1 0,0-4 0,0 0 0,0 1 0,0 1 0,0 4 0,0-2 0,0 2 0,0-1 0,0-1 0,0 3 0,0-1 0,0 3 0,0-3 0,0-7 0,0-3 0,0-12 0,0-2 0,0-5 0,0 0 0,0 3 0,0 3 0,0 9 0,0 2 0,-1 7 0,-2 1 0,1 3 0,-1 1 0,2 4 0,0 0 0</inkml:trace>
+</inkml:ink>
+</file>
+
+<file path=ppt/ink/ink16.xml><?xml version="1.0" encoding="utf-8"?>
+<inkml:ink xmlns:inkml="http://www.w3.org/2003/InkML">
+  <inkml:definitions>
+    <inkml:context xml:id="ctx0">
+      <inkml:inkSource xml:id="inkSrc0">
+        <inkml:traceFormat>
+          <inkml:channel name="X" type="integer" min="-2.14748E9" max="2.14748E9" units="cm"/>
+          <inkml:channel name="Y" type="integer" min="-2.14748E9" max="2.14748E9" units="cm"/>
+          <inkml:channel name="F" type="integer" max="32767" units="dev"/>
+        </inkml:traceFormat>
+        <inkml:channelProperties>
+          <inkml:channelProperty channel="X" name="resolution" value="1000" units="1/cm"/>
+          <inkml:channelProperty channel="Y" name="resolution" value="1000" units="1/cm"/>
+          <inkml:channelProperty channel="F" name="resolution" value="0" units="1/dev"/>
+        </inkml:channelProperties>
+      </inkml:inkSource>
+      <inkml:timestamp xml:id="ts0" timeString="2023-09-25T07:55:03.366"/>
+    </inkml:context>
+    <inkml:brush xml:id="br0">
+      <inkml:brushProperty name="width" value="0.05" units="cm"/>
+      <inkml:brushProperty name="height" value="0.05" units="cm"/>
+      <inkml:brushProperty name="color" value="#E71224"/>
+    </inkml:brush>
+  </inkml:definitions>
+  <inkml:trace contextRef="#ctx0" brushRef="#br0">1 385 24575,'8'-12'0,"6"-6"0,5-7 0,2-1 0,-1-1 0,-4 7 0,-2 1 0,-4 4 0,-1 3 0,-1 3 0,-2 3 0,-2 2 0,-2 0 0,-2-4 0,0-1 0,2-8 0,0-1 0,4-3 0,1 1 0,1 1 0,-2 1 0,1 0 0,0 0 0,-3 7 0,0 1 0,-4 9 0,0 1 0,0 4 0,0-1 0,3 2 0,2 2 0,8 1 0,4 0 0,14 9 0,2 1 0,13 6 0,-1 0 0,7 3 0,1 1 0,-3 0 0,2 1 0,-12-8 0,8 7 0,-9-4 0,-3 0 0,-11-5 0,-8-7 0,-4-2 0,-2-1 0,-1-1 0,-1 0 0,-1 0 0,0 0 0,0 0 0,0-2 0,-2-2 0,-2 0 0,-3-4 0,-1 2 0</inkml:trace>
+</inkml:ink>
+</file>
+
+<file path=ppt/ink/ink17.xml><?xml version="1.0" encoding="utf-8"?>
+<inkml:ink xmlns:inkml="http://www.w3.org/2003/InkML">
+  <inkml:definitions>
+    <inkml:context xml:id="ctx0">
+      <inkml:inkSource xml:id="inkSrc0">
+        <inkml:traceFormat>
+          <inkml:channel name="X" type="integer" min="-2.14748E9" max="2.14748E9" units="cm"/>
+          <inkml:channel name="Y" type="integer" min="-2.14748E9" max="2.14748E9" units="cm"/>
+          <inkml:channel name="F" type="integer" max="32767" units="dev"/>
+        </inkml:traceFormat>
+        <inkml:channelProperties>
+          <inkml:channelProperty channel="X" name="resolution" value="1000" units="1/cm"/>
+          <inkml:channelProperty channel="Y" name="resolution" value="1000" units="1/cm"/>
+          <inkml:channelProperty channel="F" name="resolution" value="0" units="1/dev"/>
+        </inkml:channelProperties>
+      </inkml:inkSource>
+      <inkml:timestamp xml:id="ts0" timeString="2023-09-25T07:55:05.049"/>
+    </inkml:context>
+    <inkml:brush xml:id="br0">
+      <inkml:brushProperty name="width" value="0.05" units="cm"/>
+      <inkml:brushProperty name="height" value="0.05" units="cm"/>
+      <inkml:brushProperty name="color" value="#E71224"/>
+    </inkml:brush>
+  </inkml:definitions>
+  <inkml:trace contextRef="#ctx0" brushRef="#br0">1 0 24575,'18'8'0,"-5"2"0,4 3 0,-1 3 0,-2 0 0,6 4 0,-3-3 0,1 1 0,-1-2 0,-1-1 0,-1-1 0,-2-1 0,-2-1 0,0-1 0,-3-1 0,0-2 0,0-2 0,0 0 0,-1 0 0,-1-2 0,0 2 0,-2 0 0,2 0 0,-1 0 0,3 0 0,-1 0 0,0 1 0,-2 1 0,0 0 0,-1-1 0,0 1 0,0 0 0,0-3 0,1 0 0,1-1 0,1 0 0,-1 1 0,-2-1 0,0-2 0,-2 1 0,0-2 0,-1 2 0,1-2 0,0 2 0,1-2 0,0 1 0,-1 2 0,1-2 0,0 0 0,0 1 0,3-1 0,0 1 0,1 3 0,1 0 0,2 4 0,1 0 0,1 3 0,1-1 0,-2 1 0,0-1 0,-2 0 0,-1-2 0,0-1 0,0-1 0,-2-2 0,2 2 0,-4-2 0,0-2 0,-2-1 0</inkml:trace>
+</inkml:ink>
+</file>
+
+<file path=ppt/ink/ink18.xml><?xml version="1.0" encoding="utf-8"?>
+<inkml:ink xmlns:inkml="http://www.w3.org/2003/InkML">
+  <inkml:definitions>
+    <inkml:context xml:id="ctx0">
+      <inkml:inkSource xml:id="inkSrc0">
+        <inkml:traceFormat>
+          <inkml:channel name="X" type="integer" min="-2.14748E9" max="2.14748E9" units="cm"/>
+          <inkml:channel name="Y" type="integer" min="-2.14748E9" max="2.14748E9" units="cm"/>
+          <inkml:channel name="F" type="integer" max="32767" units="dev"/>
+        </inkml:traceFormat>
+        <inkml:channelProperties>
+          <inkml:channelProperty channel="X" name="resolution" value="1000" units="1/cm"/>
+          <inkml:channelProperty channel="Y" name="resolution" value="1000" units="1/cm"/>
+          <inkml:channelProperty channel="F" name="resolution" value="0" units="1/dev"/>
+        </inkml:channelProperties>
+      </inkml:inkSource>
+      <inkml:timestamp xml:id="ts0" timeString="2023-09-25T07:55:07.140"/>
+    </inkml:context>
+    <inkml:brush xml:id="br0">
+      <inkml:brushProperty name="width" value="0.05" units="cm"/>
+      <inkml:brushProperty name="height" value="0.05" units="cm"/>
+      <inkml:brushProperty name="color" value="#E71224"/>
+    </inkml:brush>
+  </inkml:definitions>
+  <inkml:trace contextRef="#ctx0" brushRef="#br0">1 519 24575,'2'-4'0,"4"1"0,7 1 0,-1 0 0,1-2 0,0-1 0,2-3 0,0-1 0,1 0 0,0 0 0,6-2 0,2-2 0,2-8 0,4-3 0,-3-1 0,8-8 0,-2 6 0,0 1 0,-11 9 0,-6 7 0,-6 4 0,-4 2 0,-2-1 0,-3 1 0,4-9 0,2-1 0,5-5 0,1-1 0,0 4 0,0 0 0,-1 3 0,-2 0 0,-1 4 0,-1 1 0,-2 6 0,1 0 0,-1 1 0,1 1 0,0 0 0,0-1 0,1-5 0,1-2 0,4-5 0,2 0 0,0 2 0,-2 0 0,-3 5 0,-1 0 0,-2 2 0,1 1 0,-2-1 0,0 1 0,-4 1 0,-1 2 0</inkml:trace>
+</inkml:ink>
+</file>
+
+<file path=ppt/ink/ink19.xml><?xml version="1.0" encoding="utf-8"?>
+<inkml:ink xmlns:inkml="http://www.w3.org/2003/InkML">
+  <inkml:definitions>
+    <inkml:context xml:id="ctx0">
+      <inkml:inkSource xml:id="inkSrc0">
+        <inkml:traceFormat>
+          <inkml:channel name="X" type="integer" min="-2.14748E9" max="2.14748E9" units="cm"/>
+          <inkml:channel name="Y" type="integer" min="-2.14748E9" max="2.14748E9" units="cm"/>
+          <inkml:channel name="F" type="integer" max="32767" units="dev"/>
+        </inkml:traceFormat>
+        <inkml:channelProperties>
+          <inkml:channelProperty channel="X" name="resolution" value="1000" units="1/cm"/>
+          <inkml:channelProperty channel="Y" name="resolution" value="1000" units="1/cm"/>
+          <inkml:channelProperty channel="F" name="resolution" value="0" units="1/dev"/>
+        </inkml:channelProperties>
+      </inkml:inkSource>
+      <inkml:timestamp xml:id="ts0" timeString="2023-09-25T07:38:09.088"/>
+    </inkml:context>
+    <inkml:brush xml:id="br0">
+      <inkml:brushProperty name="width" value="0.05" units="cm"/>
+      <inkml:brushProperty name="height" value="0.05" units="cm"/>
+      <inkml:brushProperty name="color" value="#E71224"/>
+    </inkml:brush>
+  </inkml:definitions>
+  <inkml:trace contextRef="#ctx0" brushRef="#br0">0 0 24575,'24'0'0,"12"12"0,3 3 0,23 20 0,-16-8 0,2 2 0,-2 1 0,2 0 0,7 5 0,0-1 0,22 15 0,-23-17 0,-15-10 0,-14-8 0,0-1 0,1 3 0,0 1 0,6 4 0,0 1 0,1 0 0,2 3 0,0-1 0,3 3 0,-3-3 0,-4-2 0,-6-6 0,-6-4 0,-4-3 0,-5-2 0,-3 0 0,-1-1 0,0-1 0,-2-1 0,0-1 0,-1 0 0,1 2 0,0-1 0,5 3 0,2-1 0,11 7 0,4 2 0,11 13 0,1 2 0,1 2 0,4 2 0,-8-7 0,8 7 0,-13-9 0,-3-3 0,-10-9 0,-7-6 0,-2-1 0,-3-1 0,-2 0 0,-2-2 0,-6-1 0,2-1 0,-3-1 0</inkml:trace>
+</inkml:ink>
+</file>
+
+<file path=ppt/ink/ink2.xml><?xml version="1.0" encoding="utf-8"?>
+<inkml:ink xmlns:inkml="http://www.w3.org/2003/InkML">
+  <inkml:definitions>
+    <inkml:context xml:id="ctx0">
+      <inkml:inkSource xml:id="inkSrc0">
+        <inkml:traceFormat>
+          <inkml:channel name="X" type="integer" min="-2.14748E9" max="2.14748E9" units="cm"/>
+          <inkml:channel name="Y" type="integer" min="-2.14748E9" max="2.14748E9" units="cm"/>
+          <inkml:channel name="F" type="integer" max="32767" units="dev"/>
+        </inkml:traceFormat>
+        <inkml:channelProperties>
+          <inkml:channelProperty channel="X" name="resolution" value="1000" units="1/cm"/>
+          <inkml:channelProperty channel="Y" name="resolution" value="1000" units="1/cm"/>
+          <inkml:channelProperty channel="F" name="resolution" value="0" units="1/dev"/>
+        </inkml:channelProperties>
+      </inkml:inkSource>
+      <inkml:timestamp xml:id="ts0" timeString="2023-09-25T07:52:19.749"/>
+    </inkml:context>
+    <inkml:brush xml:id="br0">
+      <inkml:brushProperty name="width" value="0.05" units="cm"/>
+      <inkml:brushProperty name="height" value="0.05" units="cm"/>
+      <inkml:brushProperty name="color" value="#E71224"/>
+    </inkml:brush>
+  </inkml:definitions>
+  <inkml:trace contextRef="#ctx0" brushRef="#br0">7 467 24575,'0'-9'0,"-2"0"0,0 0 0,-1 0 0,3-1 0,2 0 0,1 1 0,1 1 0,0 2 0,0 3 0,4-7 0,0-1 0,9-6 0,2-1 0,2-3 0,-1 0 0,0 0 0,7-3 0,-4 8 0,0-1 0,-10 9 0,-5 4 0,-5 1 0,-1 1 0,0-1 0,2-3 0,1 1 0,3-3 0,0 0 0,2-2 0,2-3 0,3 0 0,3-2 0,-2 1 0,-3 3 0,-2 1 0,-4 4 0,0 1 0,-1-1 0,-3 2 0,-1-3 0,1 0 0,5-3 0,2 0 0,-1 2 0,-2 2 0,-3 2 0,-1 2 0,-1 2 0,0 3 0,0 3 0,10 4 0,2 1 0,15 9 0,22 15 0,17 17 0,8 5 0,-3-4 0,-18-12 0,-14-11 0,-4-1 0,-7-4 0,-2-2 0,-4-2 0,-3-3 0,-4-3 0,1 0 0,-3 0 0,0 2 0,0-2 0,1 1 0,-1-1 0,0-2 0,0 4 0,-1-1 0,2 0 0,-3-1 0,1-3 0,-1-2 0,-2-1 0,-1-1 0,-3-2 0,1 0 0,-1-3 0,-3-2 0,-2 0 0</inkml:trace>
+</inkml:ink>
+</file>
+
+<file path=ppt/ink/ink20.xml><?xml version="1.0" encoding="utf-8"?>
+<inkml:ink xmlns:inkml="http://www.w3.org/2003/InkML">
+  <inkml:definitions>
+    <inkml:context xml:id="ctx0">
+      <inkml:inkSource xml:id="inkSrc0">
+        <inkml:traceFormat>
+          <inkml:channel name="X" type="integer" min="-2.14748E9" max="2.14748E9" units="cm"/>
+          <inkml:channel name="Y" type="integer" min="-2.14748E9" max="2.14748E9" units="cm"/>
+          <inkml:channel name="F" type="integer" max="32767" units="dev"/>
+        </inkml:traceFormat>
+        <inkml:channelProperties>
+          <inkml:channelProperty channel="X" name="resolution" value="1000" units="1/cm"/>
+          <inkml:channelProperty channel="Y" name="resolution" value="1000" units="1/cm"/>
+          <inkml:channelProperty channel="F" name="resolution" value="0" units="1/dev"/>
+        </inkml:channelProperties>
+      </inkml:inkSource>
+      <inkml:timestamp xml:id="ts0" timeString="2023-09-25T07:38:10.946"/>
+    </inkml:context>
+    <inkml:brush xml:id="br0">
+      <inkml:brushProperty name="width" value="0.05" units="cm"/>
+      <inkml:brushProperty name="height" value="0.05" units="cm"/>
+      <inkml:brushProperty name="color" value="#E71224"/>
+    </inkml:brush>
+  </inkml:definitions>
+  <inkml:trace contextRef="#ctx0" brushRef="#br0">1 1484 24575,'14'-16'0,"4"-8"0,16-18 0,10-12 0,11-17 0,-23 33 0,0-2 0,2-2 0,-1 0 0,1-1 0,0 1 0,-2 3 0,0 1 0,2-2 0,0 0-681,3-1 0,1 1 681,-2 3 0,0 1 0,30-31 444,-15 16-444,-7 10 225,-3 2-225,0 1 0,-2 4 0,-7 7 693,-3 4-693,-8 8 0,-3 2 0,-6 4 0,-3 1 0,-2 4 0,-1 1 0,-1-2 0,2-4 0,7-11 0,6-5 0,8-6 0,6-6 0,-1 3 0,3-4 0,0 2 0,-5 5 0,-5 5 0,-7 7 0,-7 6 0,-2 4 0,-3 3 0,-1 1 0,-2 4 0,-2-1 0</inkml:trace>
+</inkml:ink>
+</file>
+
+<file path=ppt/ink/ink21.xml><?xml version="1.0" encoding="utf-8"?>
+<inkml:ink xmlns:inkml="http://www.w3.org/2003/InkML">
+  <inkml:definitions>
+    <inkml:context xml:id="ctx0">
+      <inkml:inkSource xml:id="inkSrc0">
+        <inkml:traceFormat>
+          <inkml:channel name="X" type="integer" min="-2.14748E9" max="2.14748E9" units="cm"/>
+          <inkml:channel name="Y" type="integer" min="-2.14748E9" max="2.14748E9" units="cm"/>
+          <inkml:channel name="F" type="integer" max="32767" units="dev"/>
+        </inkml:traceFormat>
+        <inkml:channelProperties>
+          <inkml:channelProperty channel="X" name="resolution" value="1000" units="1/cm"/>
+          <inkml:channelProperty channel="Y" name="resolution" value="1000" units="1/cm"/>
+          <inkml:channelProperty channel="F" name="resolution" value="0" units="1/dev"/>
+        </inkml:channelProperties>
+      </inkml:inkSource>
+      <inkml:timestamp xml:id="ts0" timeString="2023-09-25T09:51:16.240"/>
+    </inkml:context>
+    <inkml:brush xml:id="br0">
+      <inkml:brushProperty name="width" value="0.05" units="cm"/>
+      <inkml:brushProperty name="height" value="0.05" units="cm"/>
+      <inkml:brushProperty name="color" value="#F6630D"/>
+    </inkml:brush>
+  </inkml:definitions>
+  <inkml:trace contextRef="#ctx0" brushRef="#br0">1 1400 24575,'1'-9'0,"3"-1"0,7-8 0,4-4 0,3-4 0,-1 0 0,-2 5 0,-2 0 0,-2 6 0,-2 3 0,-3 4 0,1 1 0,-1 2 0,0-1 0,1-2 0,0-2 0,-1-1 0,2 0 0,4-2 0,2-2 0,2-3 0,-3 0 0,0 3 0,-3 3 0,0 3 0,0 1 0,-1 2 0,-1 1 0,-4 1 0,1 1 0,1-1 0,0-1 0,4-2 0,1 0 0,3-4 0,1 0 0,4-3 0,0 1 0,-3 3 0,12-4 0,3-1 0,2-1 0,0-1 0,-10 5 0,-2 1 0,4-2 0,1-1 0,4-2 0,0 0 0,-1 0 0,-1 0 0,-2 0 0,-1 3 0,-3 1 0,-5 3 0,-3 1 0,-4 3 0,-1 2 0,2-1 0,-1 0 0,7-2 0,2-1 0,7-1 0,2 0 0,7-2 0,1-1 0,0 0 0,0 1 0,-7 2 0,-2 2 0,-5 1 0,-2-1 0,-2 1 0,0-1 0,3 2 0,0 0 0,1-1 0,5-1 0,-1 0 0,13-1 0,9 2 0,1 1 0,-1 2 0,-10 1 0,-3-1 0,1 0 0,0 0 0,2 1 0,0 1 0,2 0 0,1 0 0,-2 0 0,-3 0 0,1 0 0,-4 0 0,-2 0 0,-1 0 0,-1 0 0,-1 0 0,-2 0 0,3 0 0,-1 0 0,5 0 0,3 0 0,2 0 0,0 0 0,4 0 0,-1 0 0,2 0 0,-2 0 0,-4 0 0,-1 0 0,-2 0 0,-1 0 0,-2 0 0,-2 0 0,-2 0 0,-2 0 0,0 0 0,1 0 0,2 0 0,9 0 0,4 0 0,3 0 0,-5 0 0,-7 0 0,-3 0 0,1 0 0,0 0 0,0 0 0,-2 0 0,2 0 0,0 2 0,-1 0 0,-1 2 0,-2 1 0,-4-1 0,2 2 0,-2-1 0,-1 1 0,2 0 0,-2-3 0,3 0 0,-2 0 0,5-1 0,1-1 0,4-1 0,0 0 0,4 0 0,0 0 0,3 0 0,0 0 0,-2 0 0,-1 0 0,0 0 0,0 0 0,1 0 0,-2 0 0,-4 0 0,-1 0 0,1 0 0,-1 0 0,3 0 0,14 0 0,7 0 0,6 0 0,-6 0 0,-9 2 0,-4 0 0,-1 1 0,2 2 0,-2-1 0,-4 0 0,-1-1 0,-2 1 0,0-2 0,0 2 0,1 0 0,-1 0 0,3 2 0,0-1 0,0 1 0,7 0 0,-2-1 0,3 0 0,-2-1 0,0 1 0,-1-1 0,3 2 0,-3-2 0,-1 0 0,-1 1 0,-4-1 0,-3 0 0,-3 0 0,-1 0 0,-4 0 0,-2 0 0,-3-2 0,-1 0 0,-3-1 0,-1 1 0,-1 0 0,2-1 0,1-1 0,10 0 0,4 0 0,9 0 0,2 0 0,-9 0 0,5 0 0,-5 0 0,0 0 0,1 0 0,-5 0 0,2 0 0,0 0 0,0 0 0,1 0 0,2 0 0,-1 0 0,5 0 0,1 0 0,5 0 0,6 3 0,-3 2 0,4 1 0,-5 0 0,0-2 0,-1-2 0,-3 0 0,-3 0 0,-3 0 0,-2 0 0,1-1 0,-1-1 0,-5 0 0,-1 0 0,-1 0 0,0 0 0,2 0 0,-1 0 0,1 0 0,0 0 0,0 0 0,0 0 0,2 0 0,15 0 0,6-2 0,4-1 0,-9-3 0,-13-2 0,-10 1 0,-3-1 0,-6 3 0,-2 1 0,-4 1 0,-1 0 0,0 0 0,3-2 0,2-1 0,0-3 0,0 1 0,0-1 0,-2 3 0,0-1 0,-1 0 0,-3 0 0,1 2 0,-3 1 0,0-1 0,-1 0 0,5-8 0,4-3 0,10-14 0,2-6 0,0-2 0,-3 1 0,-1 8 0,-2 3 0,-3 4 0,-3 1 0,-5 9 0,0 2 0,-3 7 0,-2-2 0,-1 0 0,-1-1 0,0 1 0,1-4 0,2-4 0,3-5 0,1-5 0,1-5 0,0-2 0,2-3 0,0 2 0,0 3 0,0 5 0,-3 6 0,0 4 0,-2 5 0,-2 0 0,-1 3 0,-2 0 0,0 1 0,0-1 0,0-1 0,0 2 0,0 1 0,0 2 0</inkml:trace>
+</inkml:ink>
+</file>
+
+<file path=ppt/ink/ink22.xml><?xml version="1.0" encoding="utf-8"?>
+<inkml:ink xmlns:inkml="http://www.w3.org/2003/InkML">
+  <inkml:definitions>
+    <inkml:context xml:id="ctx0">
+      <inkml:inkSource xml:id="inkSrc0">
+        <inkml:traceFormat>
+          <inkml:channel name="X" type="integer" min="-2.14748E9" max="2.14748E9" units="cm"/>
+          <inkml:channel name="Y" type="integer" min="-2.14748E9" max="2.14748E9" units="cm"/>
+          <inkml:channel name="F" type="integer" max="32767" units="dev"/>
+        </inkml:traceFormat>
+        <inkml:channelProperties>
+          <inkml:channelProperty channel="X" name="resolution" value="1000" units="1/cm"/>
+          <inkml:channelProperty channel="Y" name="resolution" value="1000" units="1/cm"/>
+          <inkml:channelProperty channel="F" name="resolution" value="0" units="1/dev"/>
+        </inkml:channelProperties>
+      </inkml:inkSource>
+      <inkml:timestamp xml:id="ts0" timeString="2023-09-25T09:51:20.241"/>
+    </inkml:context>
+    <inkml:brush xml:id="br0">
+      <inkml:brushProperty name="width" value="0.05" units="cm"/>
+      <inkml:brushProperty name="height" value="0.05" units="cm"/>
+      <inkml:brushProperty name="color" value="#F6630D"/>
+    </inkml:brush>
+  </inkml:definitions>
+  <inkml:trace contextRef="#ctx0" brushRef="#br0">1 1 24575,'0'12'0,"0"-2"0,0 0 0,0-2 0,0 1 0,0 0 0,0 3 0,0 0 0,0 2 0,1 0 0,2-1 0,2 1 0,2 0 0,0 0 0,0 0 0,-2 0 0,1 0 0,-1-1 0,-1-3 0,1-2 0,-2-1 0,0-1 0,1 0 0,-1 0 0,1 0 0,1 1 0,1-1 0,0 0 0,5 2 0,2 1 0,5 3 0,0 2 0,1 1 0,0 0 0,-2-2 0,-2-1 0,-3-1 0,-1 0 0,-3-3 0,4 3 0,1-1 0,0 0 0,4 0 0,1-3 0,2 2 0,2 1 0,0 1 0,1 1 0,0-1 0,0 0 0,-1-1 0,1-1 0,0-1 0,0-1 0,-1 1 0,1-1 0,0-1 0,2 0 0,5 0 0,-1-2 0,5 2 0,-3-2 0,1-1 0,-2 1 0,-1-1 0,-2 1 0,-2-2 0,-3 0 0,-3-1 0,-1-1 0,0 0 0,0 0 0,0 0 0,0 0 0,1 0 0,0 0 0,1 0 0,-2 0 0,3 0 0,0 0 0,0 0 0,12 0 0,3 0 0,7 0 0,-4 0 0,-10 0 0,5 0 0,-2 0 0,0 0 0,4 0 0,3 0 0,3 0 0,1 0 0,1 0 0,-6 0 0,2 0 0,-1 0 0,-7-2 0,0 0 0,-2-2 0,-2 0 0,-2 0 0,-5 0 0,-3 0 0,2-1 0,1 1 0,1 0 0,-2 0 0,-2 0 0,1 1 0,0 0 0,-1-1 0,-3 3 0,-1-1 0,2 2 0,1 0 0,4 0 0,0 0 0,2 0 0,-1 0 0,6 0 0,8 0 0,8 0 0,12 0 0,-7 0 0,-1 0 0,-13 0 0,-4 0 0,-3 0 0,0 0 0,0 0 0,-1 0 0,3 0 0,0-2 0,-2 0 0,2 0 0,-1 1 0,-1 1 0,2 0 0,3-2 0,0-1 0,0 1 0,-5 0 0,-4 2 0,2 0 0,-4 0 0,-2 0 0,-3 0 0,-1 0 0,1 0 0,-1 0 0,1 0 0,2 0 0,0 0 0,0 0 0,-6 0 0,-2 0 0,3 0 0,0 0 0,3 0 0,-2 0 0,1 0 0,6 0 0,5 0 0,5 0 0,-6 0 0,-1 0 0,-4 0 0,0 0 0,0 0 0,1 0 0,1 0 0,0 0 0,1 0 0,4 0 0,-1 0 0,-1 0 0,0 0 0,-6 0 0,3 0 0,2 0 0,-1 0 0,0 0 0,-3 0 0,-3 0 0,0 0 0,-1 1 0,-2 0 0,1 1 0,0 0 0,1 0 0,-1 0 0,2 0 0,0-1 0,3 0 0,-1 1 0,1 0 0,0 0 0,2-1 0,0 1 0,-2 2 0,0-1 0,-1 1 0,9 1 0,2 1 0,1 0 0,-8-1 0,-5-1 0,-1 0 0,1 0 0,1 0 0,0 0 0,-1 1 0,0-1 0,1 2 0,0-2 0,2 0 0,2-1 0,-1 0 0,4-1 0,3-2 0,1 0 0,9 1 0,1 2 0,-2-1 0,-3 0 0,-2-2 0,0 0 0,-2 0 0,-4 0 0,-6 1 0,-4 1 0,-1 1 0,-1 0 0,-2 1 0,0-1 0,-2 2 0,0 0 0,-3 0 0,-1 0 0,0 0 0,0 0 0,2 1 0,0 1 0,-2 1 0,5 5 0,-1 2 0,5 6 0,-2-5 0,-4-3 0,-2-4 0,-3-3 0,1 0 0,-1 1 0,0-1 0,2 0 0,2 2 0,1 0 0,3 1 0,0 1 0,0 1 0,-2-1 0,0 0 0,0-1 0,-1-2 0,1 1 0,-2-2 0,1 2 0,1 0 0,1 1 0,1 0 0,-3-1 0,-1 1 0,-1 0 0,-1-1 0,0-2 0,0 0 0,-1 1 0,-1-1 0,0 0 0,0 0 0,1-1 0,-1 0 0,0-1 0,0 1 0,0 0 0,3 2 0,1 0 0,1 0 0,-3 0 0,-2-2 0,-2-1 0,1-1 0,-1 0 0,1 0 0,-1 0 0,-1 0 0,-1 0 0,1 0 0,0 0 0,1 0 0,0-1 0,-1 1 0,0 0 0,2 2 0,0 2 0,2-1 0,-1 1 0,1-1 0,-1 0 0,0 0 0,0 1 0,0-1 0,1 0 0,-1 0 0,0 1 0,0-1 0,1 0 0,-1 0 0,0 0 0,0 1 0,0-1 0,1 2 0,-1 0 0,1 0 0,-1 0 0,-1 0 0,0 2 0,0 0 0,1 5 0,1-2 0,-1 0 0,-1-3 0,-1-2 0,0-3 0,0 2 0,0-1 0,0 1 0,2 2 0,0 1 0,1 1 0,-1 1 0,1 2 0,-1-2 0,-1 0 0,0-2 0,0 0 0,2 1 0,0 0 0,0 1 0,0-2 0,-2 0 0,0 0 0,-2-1 0,0-1 0,1-1 0,-1-1 0,-1-1 0,0-1 0,-1-1 0,1 0 0,1 2 0,0 0 0,-1 0 0,0 0 0,0 0 0,0-2 0,-1 0 0</inkml:trace>
+</inkml:ink>
+</file>
+
+<file path=ppt/ink/ink23.xml><?xml version="1.0" encoding="utf-8"?>
+<inkml:ink xmlns:inkml="http://www.w3.org/2003/InkML">
+  <inkml:definitions>
+    <inkml:context xml:id="ctx0">
+      <inkml:inkSource xml:id="inkSrc0">
+        <inkml:traceFormat>
+          <inkml:channel name="X" type="integer" min="-2.14748E9" max="2.14748E9" units="cm"/>
+          <inkml:channel name="Y" type="integer" min="-2.14748E9" max="2.14748E9" units="cm"/>
+          <inkml:channel name="F" type="integer" max="32767" units="dev"/>
+        </inkml:traceFormat>
+        <inkml:channelProperties>
+          <inkml:channelProperty channel="X" name="resolution" value="1000" units="1/cm"/>
+          <inkml:channelProperty channel="Y" name="resolution" value="1000" units="1/cm"/>
+          <inkml:channelProperty channel="F" name="resolution" value="0" units="1/dev"/>
+        </inkml:channelProperties>
+      </inkml:inkSource>
+      <inkml:timestamp xml:id="ts0" timeString="2023-09-25T09:52:04.673"/>
+    </inkml:context>
+    <inkml:brush xml:id="br0">
+      <inkml:brushProperty name="width" value="0.05" units="cm"/>
+      <inkml:brushProperty name="height" value="0.05" units="cm"/>
+      <inkml:brushProperty name="color" value="#F6630D"/>
+    </inkml:brush>
+  </inkml:definitions>
+  <inkml:trace contextRef="#ctx0" brushRef="#br0">1107 0 24575,'-15'0'0,"-2"0"0,1 0 0,-2 0 0,0 0 0,0 0 0,-1 0 0,0 0 0,1 0 0,3 0 0,1 0 0,3 0 0,1 0 0,3 0 0,-2 0 0,4 0 0,-2 1 0,-1 4 0,3 0 0,-3 3 0,1-1 0,-1 0 0,0-1 0,0 0 0,1 1 0,-1-1 0,-1 0 0,-1 2 0,-1 1 0,-1 1 0,-2 2 0,0 2 0,-1 2 0,0 3 0,0-1 0,-2 1 0,0 0 0,-1 0 0,1 0 0,2 0 0,0-1 0,2-1 0,1-1 0,1-2 0,1 0 0,0-1 0,2-2 0,0 1 0,-1 0 0,0 2 0,1 0 0,-1 0 0,0-1 0,0 0 0,1-2 0,2-1 0,-4 5 0,0 0 0,-3 7 0,1-3 0,2 0 0,1-4 0,1 1 0,-1 0 0,0 0 0,1 0 0,1 0 0,1 0 0,1 0 0,-2 2 0,1 0 0,-1 1 0,0 1 0,-1 0 0,-2 4 0,-1-1 0,1 2 0,3-2 0,-1-2 0,1-1 0,-1-3 0,1-1 0,2-2 0,0-2 0,2-2 0,-1 0 0,1-2 0,0 0 0,-1 2 0,1 0 0,-1 2 0,1-1 0,-2 3 0,-1 0 0,-1 3 0,0-2 0,0 2 0,-1 1 0,1 1 0,-4 9 0,0 2 0,-1 0 0,2-1 0,1-9 0,4-4 0,0-1 0,0-1 0,0 0 0,2 0 0,1 0 0,0-1 0,0 1 0,0 2 0,1 0 0,1 1 0,-2 0 0,0 4 0,0 0 0,-1 7 0,1-2 0,0 3 0,0 2 0,0-2 0,-1 1 0,0-1 0,-1-1 0,0 3 0,0-1 0,0 0 0,0 0 0,0-2 0,0-1 0,1 0 0,-1-2 0,1-2 0,2 0 0,0 0 0,1-1 0,0 1 0,0 2 0,0 1 0,0 12 0,0 4 0,0 3 0,0 0 0,0-6 0,0-3 0,0-1 0,0-2 0,0 0 0,0-2 0,0-1 0,0-2 0,0 0 0,0 0 0,0 0 0,0 0 0,0 1 0,0-2 0,0 2 0,0 0 0,0-5 0,0 2 0,0-6 0,0 2 0,0 1 0,0 1 0,0 1 0,0 3 0,0-1 0,0 6 0,0 0 0,0 6 0,0-1 0,0 0 0,0-3 0,2 1 0,1 0 0,1 6 0,0 0 0,3 0 0,-1 2 0,1-7 0,2 15 0,0 2 0,1 0 0,0-3 0,-3-13 0,2-3 0,-2 1 0,-1 0 0,0 1 0,1 2 0,1 0 0,2 3 0,2 0 0,-1-1 0,0 2 0,-3-2 0,1-3 0,-1-5 0,2 0 0,1-1 0,0-1 0,-1 0 0,-2-6 0,0 1 0,0 0 0,1 3 0,1 1 0,2 1 0,-1-1 0,2 3 0,-1 0 0,1 3 0,-1-1 0,1-1 0,-1-1 0,-1-2 0,-1-1 0,0-1 0,0-2 0,0-1 0,0 1 0,-2-1 0,5 10 0,1 1 0,0 2 0,1-6 0,-4-6 0,-2-4 0,1 2 0,-3-2 0,1-1 0,-1-1 0,0-2 0,0-1 0,1 0 0,-1 1 0,0-1 0,-1 1 0,-1-2 0,0 0 0,1 2 0,0-1 0,-1 3 0,1 0 0,0-3 0,3 6 0,-2-4 0,1 5 0,-1 0 0,1 1 0,0-1 0,-2-2 0,-1 0 0,1 0 0,0-1 0,1 3 0,1 0 0,0 3 0,0 0 0,0 0 0,-1 0 0,0 0 0,-2 0 0,1-2 0,3 11 0,1 5 0,1 6 0,-1-2 0,-3-9 0,1-4 0,-1 2 0,-1 0 0,0 2 0,-1-2 0,0-1 0,-1-1 0,0 0 0,0 0 0,-1 3 0,1-2 0,-2 0 0,0-2 0,0 0 0,0 2 0,0-2 0,0-4 0,-1-5 0,-1-3 0,0-1 0,0 0 0,0-1 0,0-2 0,0 0 0,0-4 0,0 0 0,0-3 0,0-1 0,0-2 0,0 0 0,0 1 0,0-1 0,0-1 0,0-1 0,-3 1 0,-11 8 0,-19 16 0,-10 8 0,-14 10 0,3-1 0,-7 2 0,-4 2 0,-7 1 0,1-5 0,4-9 0,3-5 0,9-8 0,0-2 0,12-5 0,7-3 0,10-4 0,7-3 0,7-3 0,4-2 0,3-2 0,0 0 0,1 0 0,1 0 0,0 0 0,2 0 0</inkml:trace>
+</inkml:ink>
+</file>
+
+<file path=ppt/ink/ink24.xml><?xml version="1.0" encoding="utf-8"?>
+<inkml:ink xmlns:inkml="http://www.w3.org/2003/InkML">
+  <inkml:definitions>
+    <inkml:context xml:id="ctx0">
+      <inkml:inkSource xml:id="inkSrc0">
+        <inkml:traceFormat>
+          <inkml:channel name="X" type="integer" min="-2.14748E9" max="2.14748E9" units="cm"/>
+          <inkml:channel name="Y" type="integer" min="-2.14748E9" max="2.14748E9" units="cm"/>
+          <inkml:channel name="F" type="integer" max="32767" units="dev"/>
+        </inkml:traceFormat>
+        <inkml:channelProperties>
+          <inkml:channelProperty channel="X" name="resolution" value="1000" units="1/cm"/>
+          <inkml:channelProperty channel="Y" name="resolution" value="1000" units="1/cm"/>
+          <inkml:channelProperty channel="F" name="resolution" value="0" units="1/dev"/>
+        </inkml:channelProperties>
+      </inkml:inkSource>
+      <inkml:timestamp xml:id="ts0" timeString="2023-09-25T09:52:07.874"/>
+    </inkml:context>
+    <inkml:brush xml:id="br0">
+      <inkml:brushProperty name="width" value="0.05" units="cm"/>
+      <inkml:brushProperty name="height" value="0.05" units="cm"/>
+      <inkml:brushProperty name="color" value="#F6630D"/>
+    </inkml:brush>
+  </inkml:definitions>
+  <inkml:trace contextRef="#ctx0" brushRef="#br0">1 1 24575,'7'0'0,"11"0"0,10 0 0,7 0 0,-3 0 0,-8 0 0,-9 0 0,-5 1 0,0 2 0,-1 2 0,3 2 0,0 5 0,2 3 0,0 1 0,1 2 0,2-2 0,0 3 0,0 2 0,2 1 0,2 4 0,-3 0 0,4 4 0,-3-1 0,3 2 0,-1-2 0,-2 0 0,-2 0 0,-1 1 0,0 0 0,0 5 0,-1 1 0,-2 2 0,0 0 0,-1-1 0,1-1 0,-2 0 0,-1 0 0,0 0 0,1 0 0,-1-3 0,0 0 0,-1 3 0,3 15 0,1 3 0,1 14 0,-3-14 0,-4-8 0,-2-12 0,-3-4 0,0 3 0,-2-3 0,0 0 0,0 0 0,0 1 0,0 2 0,0 0 0,0 0 0,0 1 0,0-4 0,0-1 0,0-4 0,0-2 0,-2 1 0,0-2 0,-3-2 0,0-4 0,-1-1 0,1 2 0,-1 2 0,1 2 0,-4 1 0,-1 0 0,-3 3 0,0 0 0,-1 1 0,1-1 0,-1 0 0,0 1 0,-1-1 0,-1 0 0,3-4 0,0-1 0,4-6 0,1-3 0,2-4 0,-2-1 0,1-3 0,0 0 0,2-3 0,1 0 0,0 0 0,0 0 0,-3 0 0,2-1 0,-2-2 0,1-2 0,0-3 0,0 0 0,3 1 0,1 5 0,-3 31 0,-1 9 0,-10 37 0,6-26 0,1 3 0,-1 1 0,0 0 0,1 3 0,1-2 0,-2 28 0,3-23 0,3-14 0,0-4 0,2-8 0,0-4 0,0-9 0,0-2 0,0-6 0,1 0 0,1-2 0,0-2 0,0 0 0,0 0 0,0 2 0,0 2 0,0 5 0,0-1 0,-2 5 0,0 0 0,0 2 0,0 0 0,1 1 0,-1 1 0,-2 9 0,-1 3 0,0 12 0,0 3 0,-1 18 0,1 4 0,-3 20-902,-1 3 902,4-41 0,1 1 0,0-1 0,0 2 0,-1 2 0,1 0 0,-1 0 0,0-3 0,-4 38 0,3-38 0,-1-1 0,-3 30 0,0 5 0,3-32 0,6-24 0,1-12 902,0 5-902,0 8 0,0 11 0,0 9 0,0 11 0,0 2 0,0 10 0,0-3 0,0-8 0,1 1 0,2-16 0,0 1 0,-1-9 0,-2-7 0,0-6 0,0-9 0,1-3 0,1-4 0,1-3 0,1 1 0,0 2 0,2 0 0,1 6 0,1 2 0,0 6 0,0 0 0,2 6 0,1-1 0,0 7 0,0-1 0,-2 2 0,-1-2 0,1-4 0,-1-2 0,0-4 0,0-1 0,0-6 0,3 8 0,2-1 0,1 3 0,-1-4 0,-2-7 0,-2-5 0,0-1 0,-1-4 0,0 0 0,-2-3 0,1-1 0,-2-3 0,0-1 0,-1-1 0,1 1 0,2 0 0,7 2 0,1 1 0,4 2 0,0 1 0,-1 0 0,0 0 0,0-3 0,1-1 0,0 0 0,2 1 0,1-1 0,0 1 0,1-1 0,0 1 0,0-3 0,-1-2 0,-3-3 0,-1 0 0,0 0 0,1 0 0,3 0 0,1 0 0,0 0 0,0 0 0,-5 0 0,4 0 0,-4 0 0,1 0 0,-1 0 0,0 0 0,2 0 0,2 0 0,1 0 0,0 0 0,-1 0 0,0 0 0,-2 0 0,-1 0 0,-1 0 0,0 0 0,0 0 0,1 0 0,-3 0 0,-2 0 0,-1 0 0,-3 0 0,-1 0 0,-1 0 0,-2 0 0,0 0 0,-1 0 0,0 0 0,-1 0 0,1 0 0,1 0 0,0 0 0,-3 0 0,0 0 0</inkml:trace>
+</inkml:ink>
+</file>
+
+<file path=ppt/ink/ink25.xml><?xml version="1.0" encoding="utf-8"?>
+<inkml:ink xmlns:inkml="http://www.w3.org/2003/InkML">
+  <inkml:definitions>
+    <inkml:context xml:id="ctx0">
+      <inkml:inkSource xml:id="inkSrc0">
+        <inkml:traceFormat>
+          <inkml:channel name="X" type="integer" min="-2.14748E9" max="2.14748E9" units="cm"/>
+          <inkml:channel name="Y" type="integer" min="-2.14748E9" max="2.14748E9" units="cm"/>
+          <inkml:channel name="F" type="integer" max="32767" units="dev"/>
+        </inkml:traceFormat>
+        <inkml:channelProperties>
+          <inkml:channelProperty channel="X" name="resolution" value="1000" units="1/cm"/>
+          <inkml:channelProperty channel="Y" name="resolution" value="1000" units="1/cm"/>
+          <inkml:channelProperty channel="F" name="resolution" value="0" units="1/dev"/>
+        </inkml:channelProperties>
+      </inkml:inkSource>
+      <inkml:timestamp xml:id="ts0" timeString="2023-09-25T09:54:34.306"/>
+    </inkml:context>
+    <inkml:brush xml:id="br0">
+      <inkml:brushProperty name="width" value="0.05" units="cm"/>
+      <inkml:brushProperty name="height" value="0.05" units="cm"/>
+      <inkml:brushProperty name="color" value="#F6630D"/>
+    </inkml:brush>
+  </inkml:definitions>
+  <inkml:trace contextRef="#ctx0" brushRef="#br0">1 1228 24575,'25'0'0,"4"0"0,11 0 0,2 0 0,-8 0 0,3 0 0,-3 0 0,-2 0 0,-5 0 0,-5 0 0,-9 0 0,-2 0 0,-3 0 0,0 0 0,5-3 0,3-2 0,14-12 0,5-5 0,15-14 0,6-2 0,2-1 0,0 2 0,-3-1 0,-2 0 0,-2 0 0,-3 1 0,-13 9 0,-6 4 0,-11 9 0,-4 2 0,-3 5 0,-1 0 0,-4 3 0,0 0 0,-2-1 0,5-6 0,12-14 0,5-5 0,9-9 0,-2 0 0,-3-1 0,0 0 0,-4 4 0,-1 3 0,-6 7 0,-3 5 0,-6 6 0,-1 5 0,-3 3 0,-2 0 0,-2 1 0,-1 2 0,-1 0 0,0 1 0,0-8 0,0-1 0,0-12 0,0-5 0,0-6 0,0-3 0,0-1 0,0 1 0,2 7 0,0 4 0,1 9 0,-1 2 0,-2 7 0,0 2 0,0 5 0,0 2 0</inkml:trace>
+</inkml:ink>
+</file>
+
+<file path=ppt/ink/ink26.xml><?xml version="1.0" encoding="utf-8"?>
+<inkml:ink xmlns:inkml="http://www.w3.org/2003/InkML">
+  <inkml:definitions>
+    <inkml:context xml:id="ctx0">
+      <inkml:inkSource xml:id="inkSrc0">
+        <inkml:traceFormat>
+          <inkml:channel name="X" type="integer" min="-2.14748E9" max="2.14748E9" units="cm"/>
+          <inkml:channel name="Y" type="integer" min="-2.14748E9" max="2.14748E9" units="cm"/>
+          <inkml:channel name="F" type="integer" max="32767" units="dev"/>
+        </inkml:traceFormat>
+        <inkml:channelProperties>
+          <inkml:channelProperty channel="X" name="resolution" value="1000" units="1/cm"/>
+          <inkml:channelProperty channel="Y" name="resolution" value="1000" units="1/cm"/>
+          <inkml:channelProperty channel="F" name="resolution" value="0" units="1/dev"/>
+        </inkml:channelProperties>
+      </inkml:inkSource>
+      <inkml:timestamp xml:id="ts0" timeString="2023-09-25T09:54:36.808"/>
+    </inkml:context>
+    <inkml:brush xml:id="br0">
+      <inkml:brushProperty name="width" value="0.05" units="cm"/>
+      <inkml:brushProperty name="height" value="0.05" units="cm"/>
+      <inkml:brushProperty name="color" value="#F6630D"/>
+    </inkml:brush>
+  </inkml:definitions>
+  <inkml:trace contextRef="#ctx0" brushRef="#br0">1 393 24575,'5'0'0,"0"0"0,-2 0 0,1 0 0,0-3 0,-1-1 0,5-7 0,0-1 0,12-11 0,0-2 0,6 0 0,-2 1 0,-6 5 0,0 1 0,-7 6 0,-1 2 0,-3 6 0,-2-2 0,-1-3 0,1-3 0,3-3 0,3 0 0,1 0 0,5-4 0,2-2 0,0-1 0,-1 4 0,-3 2 0,-5 4 0,1 3 0,-2 2 0,-1 2 0,-2 3 0,-1 3 0,-2 2 0,1 2 0,2-1 0,0 2 0,-1-1 0,9 6 0,4 3 0,14 10 0,5 3 0,7 9 0,1 1 0,4 4 0,-1-2 0,-6-5 0,-3-2 0,-12-10 0,-4-1 0,-7-7 0,-1-2 0,-6-5 0,0 0 0,-4-1 0,-2-2 0,-1 0 0</inkml:trace>
+</inkml:ink>
+</file>
+
+<file path=ppt/ink/ink27.xml><?xml version="1.0" encoding="utf-8"?>
+<inkml:ink xmlns:inkml="http://www.w3.org/2003/InkML">
+  <inkml:definitions>
+    <inkml:context xml:id="ctx0">
+      <inkml:inkSource xml:id="inkSrc0">
+        <inkml:traceFormat>
+          <inkml:channel name="X" type="integer" min="-2.14748E9" max="2.14748E9" units="cm"/>
+          <inkml:channel name="Y" type="integer" min="-2.14748E9" max="2.14748E9" units="cm"/>
+          <inkml:channel name="F" type="integer" max="32767" units="dev"/>
+        </inkml:traceFormat>
+        <inkml:channelProperties>
+          <inkml:channelProperty channel="X" name="resolution" value="1000" units="1/cm"/>
+          <inkml:channelProperty channel="Y" name="resolution" value="1000" units="1/cm"/>
+          <inkml:channelProperty channel="F" name="resolution" value="0" units="1/dev"/>
+        </inkml:channelProperties>
+      </inkml:inkSource>
+      <inkml:timestamp xml:id="ts0" timeString="2023-09-25T09:54:48.297"/>
+    </inkml:context>
+    <inkml:brush xml:id="br0">
+      <inkml:brushProperty name="width" value="0.05" units="cm"/>
+      <inkml:brushProperty name="height" value="0.05" units="cm"/>
+      <inkml:brushProperty name="color" value="#F6630D"/>
+    </inkml:brush>
+  </inkml:definitions>
+  <inkml:trace contextRef="#ctx0" brushRef="#br0">0 1 24575,'0'0'0</inkml:trace>
+</inkml:ink>
+</file>
+
+<file path=ppt/ink/ink28.xml><?xml version="1.0" encoding="utf-8"?>
+<inkml:ink xmlns:inkml="http://www.w3.org/2003/InkML">
+  <inkml:definitions>
+    <inkml:context xml:id="ctx0">
+      <inkml:inkSource xml:id="inkSrc0">
+        <inkml:traceFormat>
+          <inkml:channel name="X" type="integer" min="-2.14748E9" max="2.14748E9" units="cm"/>
+          <inkml:channel name="Y" type="integer" min="-2.14748E9" max="2.14748E9" units="cm"/>
+          <inkml:channel name="F" type="integer" max="32767" units="dev"/>
+        </inkml:traceFormat>
+        <inkml:channelProperties>
+          <inkml:channelProperty channel="X" name="resolution" value="1000" units="1/cm"/>
+          <inkml:channelProperty channel="Y" name="resolution" value="1000" units="1/cm"/>
+          <inkml:channelProperty channel="F" name="resolution" value="0" units="1/dev"/>
+        </inkml:channelProperties>
+      </inkml:inkSource>
+      <inkml:timestamp xml:id="ts0" timeString="2023-09-25T09:54:49.732"/>
+    </inkml:context>
+    <inkml:brush xml:id="br0">
+      <inkml:brushProperty name="width" value="0.05" units="cm"/>
+      <inkml:brushProperty name="height" value="0.05" units="cm"/>
+      <inkml:brushProperty name="color" value="#F6630D"/>
+    </inkml:brush>
+  </inkml:definitions>
+  <inkml:trace contextRef="#ctx0" brushRef="#br0">0 1 24575,'0'0'0</inkml:trace>
+</inkml:ink>
+</file>
+
+<file path=ppt/ink/ink29.xml><?xml version="1.0" encoding="utf-8"?>
+<inkml:ink xmlns:inkml="http://www.w3.org/2003/InkML">
+  <inkml:definitions>
+    <inkml:context xml:id="ctx0">
+      <inkml:inkSource xml:id="inkSrc0">
+        <inkml:traceFormat>
+          <inkml:channel name="X" type="integer" min="-2.14748E9" max="2.14748E9" units="cm"/>
+          <inkml:channel name="Y" type="integer" min="-2.14748E9" max="2.14748E9" units="cm"/>
+          <inkml:channel name="F" type="integer" max="32767" units="dev"/>
+        </inkml:traceFormat>
+        <inkml:channelProperties>
+          <inkml:channelProperty channel="X" name="resolution" value="1000" units="1/cm"/>
+          <inkml:channelProperty channel="Y" name="resolution" value="1000" units="1/cm"/>
+          <inkml:channelProperty channel="F" name="resolution" value="0" units="1/dev"/>
+        </inkml:channelProperties>
+      </inkml:inkSource>
+      <inkml:timestamp xml:id="ts0" timeString="2023-09-25T09:54:51.139"/>
+    </inkml:context>
+    <inkml:brush xml:id="br0">
+      <inkml:brushProperty name="width" value="0.05" units="cm"/>
+      <inkml:brushProperty name="height" value="0.05" units="cm"/>
+      <inkml:brushProperty name="color" value="#F6630D"/>
+    </inkml:brush>
+  </inkml:definitions>
+  <inkml:trace contextRef="#ctx0" brushRef="#br0">1 1 24575,'0'0'0</inkml:trace>
+</inkml:ink>
+</file>
+
+<file path=ppt/ink/ink3.xml><?xml version="1.0" encoding="utf-8"?>
+<inkml:ink xmlns:inkml="http://www.w3.org/2003/InkML">
+  <inkml:definitions>
+    <inkml:context xml:id="ctx0">
+      <inkml:inkSource xml:id="inkSrc0">
+        <inkml:traceFormat>
+          <inkml:channel name="X" type="integer" min="-2.14748E9" max="2.14748E9" units="cm"/>
+          <inkml:channel name="Y" type="integer" min="-2.14748E9" max="2.14748E9" units="cm"/>
+          <inkml:channel name="F" type="integer" max="32767" units="dev"/>
+        </inkml:traceFormat>
+        <inkml:channelProperties>
+          <inkml:channelProperty channel="X" name="resolution" value="1000" units="1/cm"/>
+          <inkml:channelProperty channel="Y" name="resolution" value="1000" units="1/cm"/>
+          <inkml:channelProperty channel="F" name="resolution" value="0" units="1/dev"/>
+        </inkml:channelProperties>
+      </inkml:inkSource>
+      <inkml:timestamp xml:id="ts0" timeString="2023-09-25T07:52:24.415"/>
+    </inkml:context>
+    <inkml:brush xml:id="br0">
+      <inkml:brushProperty name="width" value="0.05" units="cm"/>
+      <inkml:brushProperty name="height" value="0.05" units="cm"/>
+      <inkml:brushProperty name="color" value="#E71224"/>
+    </inkml:brush>
+  </inkml:definitions>
+  <inkml:trace contextRef="#ctx0" brushRef="#br0">1 4 24575,'19'-2'0,"6"1"0,9 0 0,-3 4 0,-3 9 0,0 1 0,-1 5 0,-1 0 0,-5-4 0,-2 1 0,-4-4 0,-2 0 0,2-1 0,-1-1 0,4 2 0,2 2 0,1 5 0,5 4 0,6 5 0,2-1 0,3 3 0,-3 0 0,-2 0 0,-1-1 0,-5-6 0,-3-4 0,-6-4 0,-2-1 0,-4-2 0,-1-1 0,-5-4 0,-1 0 0,-4-4 0,0-1 0</inkml:trace>
+</inkml:ink>
+</file>
+
+<file path=ppt/ink/ink30.xml><?xml version="1.0" encoding="utf-8"?>
+<inkml:ink xmlns:inkml="http://www.w3.org/2003/InkML">
+  <inkml:definitions>
+    <inkml:context xml:id="ctx0">
+      <inkml:inkSource xml:id="inkSrc0">
+        <inkml:traceFormat>
+          <inkml:channel name="X" type="integer" min="-2.14748E9" max="2.14748E9" units="cm"/>
+          <inkml:channel name="Y" type="integer" min="-2.14748E9" max="2.14748E9" units="cm"/>
+          <inkml:channel name="F" type="integer" max="32767" units="dev"/>
+        </inkml:traceFormat>
+        <inkml:channelProperties>
+          <inkml:channelProperty channel="X" name="resolution" value="1000" units="1/cm"/>
+          <inkml:channelProperty channel="Y" name="resolution" value="1000" units="1/cm"/>
+          <inkml:channelProperty channel="F" name="resolution" value="0" units="1/dev"/>
+        </inkml:channelProperties>
+      </inkml:inkSource>
+      <inkml:timestamp xml:id="ts0" timeString="2023-09-25T09:54:52.539"/>
+    </inkml:context>
+    <inkml:brush xml:id="br0">
+      <inkml:brushProperty name="width" value="0.05" units="cm"/>
+      <inkml:brushProperty name="height" value="0.05" units="cm"/>
+      <inkml:brushProperty name="color" value="#F6630D"/>
+    </inkml:brush>
+  </inkml:definitions>
+  <inkml:trace contextRef="#ctx0" brushRef="#br0">0 1 24575,'0'0'0</inkml:trace>
+</inkml:ink>
+</file>
+
+<file path=ppt/ink/ink31.xml><?xml version="1.0" encoding="utf-8"?>
+<inkml:ink xmlns:inkml="http://www.w3.org/2003/InkML">
+  <inkml:definitions>
+    <inkml:context xml:id="ctx0">
+      <inkml:inkSource xml:id="inkSrc0">
+        <inkml:traceFormat>
+          <inkml:channel name="X" type="integer" min="-2.14748E9" max="2.14748E9" units="cm"/>
+          <inkml:channel name="Y" type="integer" min="-2.14748E9" max="2.14748E9" units="cm"/>
+          <inkml:channel name="F" type="integer" max="32767" units="dev"/>
+        </inkml:traceFormat>
+        <inkml:channelProperties>
+          <inkml:channelProperty channel="X" name="resolution" value="1000" units="1/cm"/>
+          <inkml:channelProperty channel="Y" name="resolution" value="1000" units="1/cm"/>
+          <inkml:channelProperty channel="F" name="resolution" value="0" units="1/dev"/>
+        </inkml:channelProperties>
+      </inkml:inkSource>
+      <inkml:timestamp xml:id="ts0" timeString="2023-09-25T09:54:53.522"/>
+    </inkml:context>
+    <inkml:brush xml:id="br0">
+      <inkml:brushProperty name="width" value="0.05" units="cm"/>
+      <inkml:brushProperty name="height" value="0.05" units="cm"/>
+      <inkml:brushProperty name="color" value="#F6630D"/>
+    </inkml:brush>
+  </inkml:definitions>
+  <inkml:trace contextRef="#ctx0" brushRef="#br0">1 1 24575,'0'0'0</inkml:trace>
+</inkml:ink>
+</file>
+
+<file path=ppt/ink/ink32.xml><?xml version="1.0" encoding="utf-8"?>
+<inkml:ink xmlns:inkml="http://www.w3.org/2003/InkML">
+  <inkml:definitions>
+    <inkml:context xml:id="ctx0">
+      <inkml:inkSource xml:id="inkSrc0">
+        <inkml:traceFormat>
+          <inkml:channel name="X" type="integer" min="-2.14748E9" max="2.14748E9" units="cm"/>
+          <inkml:channel name="Y" type="integer" min="-2.14748E9" max="2.14748E9" units="cm"/>
+          <inkml:channel name="F" type="integer" max="32767" units="dev"/>
+        </inkml:traceFormat>
+        <inkml:channelProperties>
+          <inkml:channelProperty channel="X" name="resolution" value="1000" units="1/cm"/>
+          <inkml:channelProperty channel="Y" name="resolution" value="1000" units="1/cm"/>
+          <inkml:channelProperty channel="F" name="resolution" value="0" units="1/dev"/>
+        </inkml:channelProperties>
+      </inkml:inkSource>
+      <inkml:timestamp xml:id="ts0" timeString="2023-09-25T09:54:54.272"/>
+    </inkml:context>
+    <inkml:brush xml:id="br0">
+      <inkml:brushProperty name="width" value="0.05" units="cm"/>
+      <inkml:brushProperty name="height" value="0.05" units="cm"/>
+      <inkml:brushProperty name="color" value="#F6630D"/>
+    </inkml:brush>
+  </inkml:definitions>
+  <inkml:trace contextRef="#ctx0" brushRef="#br0">1 1 24575,'0'0'0</inkml:trace>
+</inkml:ink>
+</file>
+
+<file path=ppt/ink/ink33.xml><?xml version="1.0" encoding="utf-8"?>
+<inkml:ink xmlns:inkml="http://www.w3.org/2003/InkML">
+  <inkml:definitions>
+    <inkml:context xml:id="ctx0">
+      <inkml:inkSource xml:id="inkSrc0">
+        <inkml:traceFormat>
+          <inkml:channel name="X" type="integer" min="-2.14748E9" max="2.14748E9" units="cm"/>
+          <inkml:channel name="Y" type="integer" min="-2.14748E9" max="2.14748E9" units="cm"/>
+          <inkml:channel name="F" type="integer" max="32767" units="dev"/>
+        </inkml:traceFormat>
+        <inkml:channelProperties>
+          <inkml:channelProperty channel="X" name="resolution" value="1000" units="1/cm"/>
+          <inkml:channelProperty channel="Y" name="resolution" value="1000" units="1/cm"/>
+          <inkml:channelProperty channel="F" name="resolution" value="0" units="1/dev"/>
+        </inkml:channelProperties>
+      </inkml:inkSource>
+      <inkml:timestamp xml:id="ts0" timeString="2023-09-25T09:55:48.798"/>
+    </inkml:context>
+    <inkml:brush xml:id="br0">
+      <inkml:brushProperty name="width" value="0.05" units="cm"/>
+      <inkml:brushProperty name="height" value="0.05" units="cm"/>
+      <inkml:brushProperty name="color" value="#F6630D"/>
+    </inkml:brush>
+  </inkml:definitions>
+  <inkml:trace contextRef="#ctx0" brushRef="#br0">0 1583 24575,'0'-7'0,"0"-6"0,0-3 0,0-8 0,0-2 0,0-1 0,0 2 0,0 6 0,0 1 0,0 9 0,0 2 0,0 1 0,0 1 0,0-3 0,0-8 0,2-1 0,2-8 0,2 1 0,3 3 0,5-11 0,5-9 0,3-6 0,2-2 0,-2 10 0,-5 7 0,-2 2 0,-4 7 0,-1 4 0,-1 4 0,0 4 0,-2 4 0,1 2 0,-3 3 0,3-4 0,0 0 0,5-4 0,-1-1 0,3 0 0,0 1 0,11-7 0,2-2 0,3-2 0,-2 2 0,-9 7 0,6-2 0,-5 4 0,-1 2 0,-8 4 0,-5 4 0,-2-2 0,3 0 0,4-2 0,4-2 0,10-1 0,5-2 0,7-1 0,3 1 0,1 1 0,-3 1 0,-4 1 0,-4 1 0,-10 3 0,-3-1 0,-5 1 0,-2 0 0,0 0 0,-4 2 0,3 0 0,0 0 0,8 0 0,4 0 0,6 0 0,0 0 0,2-3 0,-2 1 0,-4-3 0,-1 1 0,-10 1 0,-1 1 0,-3 2 0,-2 0 0,3 0 0,8 0 0,9 0 0,11 0 0,-2 0 0,-5 0 0,-10 0 0,-9 0 0,-1 0 0,-3 0 0,0 0 0,-2 0 0,0 0 0,-1 0 0,1 0 0,2 0 0,0 0 0,6 0 0,3 0 0,3 0 0,0 0 0,2-1 0,2-1 0,3-4 0,-2-1 0,-4-2 0,-1 0 0,-1 0 0,2 0 0,-1 0 0,0 0 0,-4 2 0,-1 0 0,-4 3 0,-1 0 0,-2 0 0,0 0 0,-4 0 0,0-2 0,-2-1 0,7-23 0,8-15 0,3-6 0,-1 0 0,-4 17 0,0-4 0,3-4 0,0-1 0,-1 2 0,-5 9 0,-2 4 0,-1 4 0,0 5 0,-2 3 0,-3 3 0,-2 6 0,-1 3 0</inkml:trace>
+</inkml:ink>
+</file>
+
+<file path=ppt/ink/ink34.xml><?xml version="1.0" encoding="utf-8"?>
+<inkml:ink xmlns:inkml="http://www.w3.org/2003/InkML">
+  <inkml:definitions>
+    <inkml:context xml:id="ctx0">
+      <inkml:inkSource xml:id="inkSrc0">
+        <inkml:traceFormat>
+          <inkml:channel name="X" type="integer" min="-2.14748E9" max="2.14748E9" units="cm"/>
+          <inkml:channel name="Y" type="integer" min="-2.14748E9" max="2.14748E9" units="cm"/>
+          <inkml:channel name="F" type="integer" max="32767" units="dev"/>
+        </inkml:traceFormat>
+        <inkml:channelProperties>
+          <inkml:channelProperty channel="X" name="resolution" value="1000" units="1/cm"/>
+          <inkml:channelProperty channel="Y" name="resolution" value="1000" units="1/cm"/>
+          <inkml:channelProperty channel="F" name="resolution" value="0" units="1/dev"/>
+        </inkml:channelProperties>
+      </inkml:inkSource>
+      <inkml:timestamp xml:id="ts0" timeString="2023-09-25T09:55:50.914"/>
+    </inkml:context>
+    <inkml:brush xml:id="br0">
+      <inkml:brushProperty name="width" value="0.05" units="cm"/>
+      <inkml:brushProperty name="height" value="0.05" units="cm"/>
+      <inkml:brushProperty name="color" value="#F6630D"/>
+    </inkml:brush>
+  </inkml:definitions>
+  <inkml:trace contextRef="#ctx0" brushRef="#br0">1 0 24575,'0'20'0,"0"1"0,0 4 0,0-2 0,0-4 0,0-1 0,0-5 0,0 0 0,0-3 0,0 0 0,0-2 0,0 0 0,0-2 0,0-1 0,0 5 0,0 1 0,0 11 0,0 2 0,0 11 0,0 0 0,0 2 0,0-3 0,0-5 0,0 9 0,0-7 0,0 0 0,0-13 0,0-8 0,1-1 0,1-1 0,0 0 0,0-1 0,0 1 0,0 2 0,1 2 0,3 3 0,2 5 0,1 2 0,1-1 0,0 1 0,-2-4 0,1-4 0,-1-2 0,-2-3 0,0-1 0,-2-2 0,0 0 0,2-3 0,0-2 0,1 2 0,1-1 0,2 3 0,0 1 0,5 3 0,0-1 0,5 1 0,0 0 0,1 0 0,4 3 0,-4-1 0,-1 1 0,-7-4 0,-3-4 0,1-1 0,0 0 0,2 1 0,0 0 0,4-2 0,1 1 0,3-1 0,-1 1 0,-3-1 0,1-2 0,-1 0 0,-1 0 0,-1 0 0,0 0 0,-1 0 0,-2 0 0,-1 1 0,-3 1 0,2 0 0,1 0 0,1 1 0,0-1 0,2 3 0,1 1 0,1 1 0,-2-1 0,2 0 0,-1 1 0,0 0 0,0-1 0,-4-2 0,-1 0 0,-2 0 0,0 0 0,0 0 0,0 0 0,0 2 0,0 1 0,0-1 0,6 3 0,-2-1 0,1 1 0,-2 0 0,-3-3 0,-1-1 0,1-1 0,0 0 0,0 0 0,0 0 0,-2 2 0,0 0 0,-1 2 0,1 0 0,2-1 0,0 1 0,0 0 0,0 0 0,0 1 0,1-1 0,0 3 0,-1-1 0,0 1 0,0-1 0,0 0 0,0 0 0,0 3 0,0-1 0,-1 1 0,-1 0 0,0 1 0,0 1 0,1-2 0,-1-1 0,-2-4 0,0 0 0,-2 0 0,0 0 0,0 0 0,0 0 0,2 2 0,0 0 0,1 7 0,1 14 0,2 10 0,0 3 0,-1-7 0,-1-14 0,-2-10 0,-1-2 0,-1-3 0,-2 0 0,0-1 0,0 1 0,0 0 0,2 2 0,0 2 0,0 5 0,0 12 0,-1 2 0,-1 4 0,0-3 0,1-9 0,1-3 0,0-9 0,0-4 0,-1-4 0</inkml:trace>
+</inkml:ink>
+</file>
+
+<file path=ppt/ink/ink4.xml><?xml version="1.0" encoding="utf-8"?>
+<inkml:ink xmlns:inkml="http://www.w3.org/2003/InkML">
+  <inkml:definitions>
+    <inkml:context xml:id="ctx0">
+      <inkml:inkSource xml:id="inkSrc0">
+        <inkml:traceFormat>
+          <inkml:channel name="X" type="integer" min="-2.14748E9" max="2.14748E9" units="cm"/>
+          <inkml:channel name="Y" type="integer" min="-2.14748E9" max="2.14748E9" units="cm"/>
+          <inkml:channel name="F" type="integer" max="32767" units="dev"/>
+        </inkml:traceFormat>
+        <inkml:channelProperties>
+          <inkml:channelProperty channel="X" name="resolution" value="1000" units="1/cm"/>
+          <inkml:channelProperty channel="Y" name="resolution" value="1000" units="1/cm"/>
+          <inkml:channelProperty channel="F" name="resolution" value="0" units="1/dev"/>
+        </inkml:channelProperties>
+      </inkml:inkSource>
+      <inkml:timestamp xml:id="ts0" timeString="2023-09-25T07:52:25.898"/>
+    </inkml:context>
+    <inkml:brush xml:id="br0">
+      <inkml:brushProperty name="width" value="0.05" units="cm"/>
+      <inkml:brushProperty name="height" value="0.05" units="cm"/>
+      <inkml:brushProperty name="color" value="#E71224"/>
+    </inkml:brush>
+  </inkml:definitions>
+  <inkml:trace contextRef="#ctx0" brushRef="#br0">0 659 24575,'9'0'0,"2"0"0,2 0 0,4 0 0,0 0 0,1 0 0,-2 0 0,-2 0 0,-2 0 0,3-1 0,0-2 0,7-4 0,1-3 0,8-9 0,2-2 0,4-8 0,0 0 0,-1-3 0,-2 1 0,1-4 0,-1 0 0,5-4 0,2-2 0,-4 4 0,1-1 0,-6 6 0,3-3 0,-3 5 0,-5 5 0,-8 11 0,-8 7 0,-4 3 0,2-1 0,-3 1 0,-1-1 0,-1-1 0,7-3 0,2-2 0,5 0 0,-1 0 0,-3 0 0,-1 1 0,-3 1 0,0 1 0,-2 5 0,0 2 0,-3 0 0,-2 1 0</inkml:trace>
+</inkml:ink>
+</file>
+
+<file path=ppt/ink/ink5.xml><?xml version="1.0" encoding="utf-8"?>
+<inkml:ink xmlns:inkml="http://www.w3.org/2003/InkML">
+  <inkml:definitions>
+    <inkml:context xml:id="ctx0">
+      <inkml:inkSource xml:id="inkSrc0">
+        <inkml:traceFormat>
+          <inkml:channel name="X" type="integer" min="-2.14748E9" max="2.14748E9" units="cm"/>
+          <inkml:channel name="Y" type="integer" min="-2.14748E9" max="2.14748E9" units="cm"/>
+          <inkml:channel name="F" type="integer" max="32767" units="dev"/>
+        </inkml:traceFormat>
+        <inkml:channelProperties>
+          <inkml:channelProperty channel="X" name="resolution" value="1000" units="1/cm"/>
+          <inkml:channelProperty channel="Y" name="resolution" value="1000" units="1/cm"/>
+          <inkml:channelProperty channel="F" name="resolution" value="0" units="1/dev"/>
+        </inkml:channelProperties>
+      </inkml:inkSource>
+      <inkml:timestamp xml:id="ts0" timeString="2023-09-25T07:52:57.192"/>
+    </inkml:context>
+    <inkml:brush xml:id="br0">
+      <inkml:brushProperty name="width" value="0.05" units="cm"/>
+      <inkml:brushProperty name="height" value="0.05" units="cm"/>
+      <inkml:brushProperty name="color" value="#E71224"/>
+    </inkml:brush>
+  </inkml:definitions>
+  <inkml:trace contextRef="#ctx0" brushRef="#br0">1 1 24575,'0'0'0</inkml:trace>
+</inkml:ink>
+</file>
+
+<file path=ppt/ink/ink6.xml><?xml version="1.0" encoding="utf-8"?>
+<inkml:ink xmlns:inkml="http://www.w3.org/2003/InkML">
+  <inkml:definitions>
+    <inkml:context xml:id="ctx0">
+      <inkml:inkSource xml:id="inkSrc0">
+        <inkml:traceFormat>
+          <inkml:channel name="X" type="integer" min="-2.14748E9" max="2.14748E9" units="cm"/>
+          <inkml:channel name="Y" type="integer" min="-2.14748E9" max="2.14748E9" units="cm"/>
+          <inkml:channel name="F" type="integer" max="32767" units="dev"/>
+        </inkml:traceFormat>
+        <inkml:channelProperties>
+          <inkml:channelProperty channel="X" name="resolution" value="1000" units="1/cm"/>
+          <inkml:channelProperty channel="Y" name="resolution" value="1000" units="1/cm"/>
+          <inkml:channelProperty channel="F" name="resolution" value="0" units="1/dev"/>
+        </inkml:channelProperties>
+      </inkml:inkSource>
+      <inkml:timestamp xml:id="ts0" timeString="2023-09-25T07:52:57.448"/>
+    </inkml:context>
+    <inkml:brush xml:id="br0">
+      <inkml:brushProperty name="width" value="0.05" units="cm"/>
+      <inkml:brushProperty name="height" value="0.05" units="cm"/>
+      <inkml:brushProperty name="color" value="#E71224"/>
+    </inkml:brush>
+  </inkml:definitions>
+  <inkml:trace contextRef="#ctx0" brushRef="#br0">1 0 24575,'0'0'0</inkml:trace>
+</inkml:ink>
+</file>
+
+<file path=ppt/ink/ink7.xml><?xml version="1.0" encoding="utf-8"?>
+<inkml:ink xmlns:inkml="http://www.w3.org/2003/InkML">
+  <inkml:definitions>
+    <inkml:context xml:id="ctx0">
+      <inkml:inkSource xml:id="inkSrc0">
+        <inkml:traceFormat>
+          <inkml:channel name="X" type="integer" min="-2.14748E9" max="2.14748E9" units="cm"/>
+          <inkml:channel name="Y" type="integer" min="-2.14748E9" max="2.14748E9" units="cm"/>
+          <inkml:channel name="F" type="integer" max="32767" units="dev"/>
+        </inkml:traceFormat>
+        <inkml:channelProperties>
+          <inkml:channelProperty channel="X" name="resolution" value="1000" units="1/cm"/>
+          <inkml:channelProperty channel="Y" name="resolution" value="1000" units="1/cm"/>
+          <inkml:channelProperty channel="F" name="resolution" value="0" units="1/dev"/>
+        </inkml:channelProperties>
+      </inkml:inkSource>
+      <inkml:timestamp xml:id="ts0" timeString="2023-09-25T07:52:57.581"/>
+    </inkml:context>
+    <inkml:brush xml:id="br0">
+      <inkml:brushProperty name="width" value="0.05" units="cm"/>
+      <inkml:brushProperty name="height" value="0.05" units="cm"/>
+      <inkml:brushProperty name="color" value="#E71224"/>
+    </inkml:brush>
+  </inkml:definitions>
+  <inkml:trace contextRef="#ctx0" brushRef="#br0">1 0 24575,'0'0'0</inkml:trace>
+</inkml:ink>
+</file>
+
+<file path=ppt/ink/ink8.xml><?xml version="1.0" encoding="utf-8"?>
+<inkml:ink xmlns:inkml="http://www.w3.org/2003/InkML">
+  <inkml:definitions>
+    <inkml:context xml:id="ctx0">
+      <inkml:inkSource xml:id="inkSrc0">
+        <inkml:traceFormat>
+          <inkml:channel name="X" type="integer" min="-2.14748E9" max="2.14748E9" units="cm"/>
+          <inkml:channel name="Y" type="integer" min="-2.14748E9" max="2.14748E9" units="cm"/>
+          <inkml:channel name="F" type="integer" max="32767" units="dev"/>
+        </inkml:traceFormat>
+        <inkml:channelProperties>
+          <inkml:channelProperty channel="X" name="resolution" value="1000" units="1/cm"/>
+          <inkml:channelProperty channel="Y" name="resolution" value="1000" units="1/cm"/>
+          <inkml:channelProperty channel="F" name="resolution" value="0" units="1/dev"/>
+        </inkml:channelProperties>
+      </inkml:inkSource>
+      <inkml:timestamp xml:id="ts0" timeString="2023-09-25T07:52:57.192"/>
+    </inkml:context>
+    <inkml:brush xml:id="br0">
+      <inkml:brushProperty name="width" value="0.05" units="cm"/>
+      <inkml:brushProperty name="height" value="0.05" units="cm"/>
+      <inkml:brushProperty name="color" value="#E71224"/>
+    </inkml:brush>
+  </inkml:definitions>
+  <inkml:trace contextRef="#ctx0" brushRef="#br0">1 1 24575,'0'0'0</inkml:trace>
+</inkml:ink>
+</file>
+
+<file path=ppt/ink/ink9.xml><?xml version="1.0" encoding="utf-8"?>
+<inkml:ink xmlns:inkml="http://www.w3.org/2003/InkML">
+  <inkml:definitions>
+    <inkml:context xml:id="ctx0">
+      <inkml:inkSource xml:id="inkSrc0">
+        <inkml:traceFormat>
+          <inkml:channel name="X" type="integer" min="-2.14748E9" max="2.14748E9" units="cm"/>
+          <inkml:channel name="Y" type="integer" min="-2.14748E9" max="2.14748E9" units="cm"/>
+          <inkml:channel name="F" type="integer" max="32767" units="dev"/>
+        </inkml:traceFormat>
+        <inkml:channelProperties>
+          <inkml:channelProperty channel="X" name="resolution" value="1000" units="1/cm"/>
+          <inkml:channelProperty channel="Y" name="resolution" value="1000" units="1/cm"/>
+          <inkml:channelProperty channel="F" name="resolution" value="0" units="1/dev"/>
+        </inkml:channelProperties>
+      </inkml:inkSource>
+      <inkml:timestamp xml:id="ts0" timeString="2023-09-25T07:52:57.448"/>
+    </inkml:context>
+    <inkml:brush xml:id="br0">
+      <inkml:brushProperty name="width" value="0.05" units="cm"/>
+      <inkml:brushProperty name="height" value="0.05" units="cm"/>
+      <inkml:brushProperty name="color" value="#E71224"/>
+    </inkml:brush>
+  </inkml:definitions>
+  <inkml:trace contextRef="#ctx0" brushRef="#br0">1 0 24575,'0'0'0</inkml:trace>
+</inkml:ink>
+</file>
+
+<file path=ppt/notesMasters/notesMaster1.xml><?xml version="1.0" encoding="utf-8"?>
+<p:notesMaster xmlns:a="http://schemas.openxmlformats.org/drawingml/2006/main" xmlns:r="http://schemas.openxmlformats.org/officeDocument/2006/relationships" xmlns:p="http://schemas.openxmlformats.org/presentationml/2006/main">
+  <p:cSld>
+    <p:bg>
+      <p:bgRef idx="1001">
+        <a:schemeClr val="bg1"/>
+      </p:bgRef>
+    </p:bg>
+    <p:spTree>
+      <p:nvGrpSpPr>
+        <p:cNvPr id="1" name=""/>
+        <p:cNvGrpSpPr/>
+        <p:nvPr/>
+      </p:nvGrpSpPr>
+      <p:grpSpPr>
+        <a:xfrm>
+          <a:off x="0" y="0"/>
+          <a:ext cx="0" cy="0"/>
+          <a:chOff x="0" y="0"/>
+          <a:chExt cx="0" cy="0"/>
+        </a:xfrm>
+      </p:grpSpPr>
+      <p:sp>
+        <p:nvSpPr>
+          <p:cNvPr id="2" name="Header Placeholder 1"/>
+          <p:cNvSpPr>
+            <a:spLocks noGrp="1"/>
+          </p:cNvSpPr>
+          <p:nvPr>
+            <p:ph type="hdr" sz="quarter"/>
+          </p:nvPr>
+        </p:nvSpPr>
+        <p:spPr>
+          <a:xfrm>
+            <a:off x="0" y="0"/>
+            <a:ext cx="2971800" cy="458788"/>
+          </a:xfrm>
+          <a:prstGeom prst="rect">
+            <a:avLst/>
+          </a:prstGeom>
+        </p:spPr>
+        <p:txBody>
+          <a:bodyPr vert="horz" lIns="91440" tIns="45720" rIns="91440" bIns="45720" rtlCol="0"/>
+          <a:lstStyle>
+            <a:lvl1pPr algn="l">
+              <a:defRPr sz="1200"/>
+            </a:lvl1pPr>
+          </a:lstStyle>
+          <a:p>
+            <a:endParaRPr lang="en-DE"/>
+          </a:p>
+        </p:txBody>
+      </p:sp>
+      <p:sp>
+        <p:nvSpPr>
+          <p:cNvPr id="3" name="Date Placeholder 2"/>
+          <p:cNvSpPr>
+            <a:spLocks noGrp="1"/>
+          </p:cNvSpPr>
+          <p:nvPr>
+            <p:ph type="dt" idx="1"/>
+          </p:nvPr>
+        </p:nvSpPr>
+        <p:spPr>
+          <a:xfrm>
+            <a:off x="3884613" y="0"/>
+            <a:ext cx="2971800" cy="458788"/>
+          </a:xfrm>
+          <a:prstGeom prst="rect">
+            <a:avLst/>
+          </a:prstGeom>
+        </p:spPr>
+        <p:txBody>
+          <a:bodyPr vert="horz" lIns="91440" tIns="45720" rIns="91440" bIns="45720" rtlCol="0"/>
+          <a:lstStyle>
+            <a:lvl1pPr algn="r">
+              <a:defRPr sz="1200"/>
+            </a:lvl1pPr>
+          </a:lstStyle>
+          <a:p>
+            <a:fld id="{42CF7E99-2191-2D4B-8A1B-D25596C138CF}" type="datetimeFigureOut">
+              <a:rPr lang="en-DE" smtClean="0"/>
+              <a:t>25.09.23</a:t>
+            </a:fld>
+            <a:endParaRPr lang="en-DE"/>
+          </a:p>
+        </p:txBody>
+      </p:sp>
+      <p:sp>
+        <p:nvSpPr>
+          <p:cNvPr id="4" name="Slide Image Placeholder 3"/>
+          <p:cNvSpPr>
+            <a:spLocks noGrp="1" noRot="1" noChangeAspect="1"/>
+          </p:cNvSpPr>
+          <p:nvPr>
+            <p:ph type="sldImg" idx="2"/>
+          </p:nvPr>
+        </p:nvSpPr>
+        <p:spPr>
+          <a:xfrm>
+            <a:off x="685800" y="1143000"/>
+            <a:ext cx="5486400" cy="3086100"/>
+          </a:xfrm>
+          <a:prstGeom prst="rect">
+            <a:avLst/>
+          </a:prstGeom>
+          <a:noFill/>
+          <a:ln w="12700">
+            <a:solidFill>
+              <a:prstClr val="black"/>
+            </a:solidFill>
+          </a:ln>
+        </p:spPr>
+        <p:txBody>
+          <a:bodyPr vert="horz" lIns="91440" tIns="45720" rIns="91440" bIns="45720" rtlCol="0" anchor="ctr"/>
+          <a:lstStyle/>
+          <a:p>
+            <a:endParaRPr lang="en-DE"/>
+          </a:p>
+        </p:txBody>
+      </p:sp>
+      <p:sp>
+        <p:nvSpPr>
+          <p:cNvPr id="5" name="Notes Placeholder 4"/>
+          <p:cNvSpPr>
+            <a:spLocks noGrp="1"/>
+          </p:cNvSpPr>
+          <p:nvPr>
+            <p:ph type="body" sz="quarter" idx="3"/>
+          </p:nvPr>
+        </p:nvSpPr>
+        <p:spPr>
+          <a:xfrm>
+            <a:off x="685800" y="4400550"/>
+            <a:ext cx="5486400" cy="3600450"/>
+          </a:xfrm>
+          <a:prstGeom prst="rect">
+            <a:avLst/>
+          </a:prstGeom>
+        </p:spPr>
+        <p:txBody>
+          <a:bodyPr vert="horz" lIns="91440" tIns="45720" rIns="91440" bIns="45720" rtlCol="0"/>
+          <a:lstStyle/>
+          <a:p>
+            <a:pPr lvl="0"/>
+            <a:r>
+              <a:rPr lang="en-GB"/>
+              <a:t>Click to edit Master text styles</a:t>
+            </a:r>
+          </a:p>
+          <a:p>
+            <a:pPr lvl="1"/>
+            <a:r>
+              <a:rPr lang="en-GB"/>
+              <a:t>Second level</a:t>
+            </a:r>
+          </a:p>
+          <a:p>
+            <a:pPr lvl="2"/>
+            <a:r>
+              <a:rPr lang="en-GB"/>
+              <a:t>Third level</a:t>
+            </a:r>
+          </a:p>
+          <a:p>
+            <a:pPr lvl="3"/>
+            <a:r>
+              <a:rPr lang="en-GB"/>
+              <a:t>Fourth level</a:t>
+            </a:r>
+          </a:p>
+          <a:p>
+            <a:pPr lvl="4"/>
+            <a:r>
+              <a:rPr lang="en-GB"/>
+              <a:t>Fifth level</a:t>
+            </a:r>
+            <a:endParaRPr lang="en-DE"/>
+          </a:p>
+        </p:txBody>
+      </p:sp>
+      <p:sp>
+        <p:nvSpPr>
+          <p:cNvPr id="6" name="Footer Placeholder 5"/>
+          <p:cNvSpPr>
+            <a:spLocks noGrp="1"/>
+          </p:cNvSpPr>
+          <p:nvPr>
+            <p:ph type="ftr" sz="quarter" idx="4"/>
+          </p:nvPr>
+        </p:nvSpPr>
+        <p:spPr>
+          <a:xfrm>
+            <a:off x="0" y="8685213"/>
+            <a:ext cx="2971800" cy="458787"/>
+          </a:xfrm>
+          <a:prstGeom prst="rect">
+            <a:avLst/>
+          </a:prstGeom>
+        </p:spPr>
+        <p:txBody>
+          <a:bodyPr vert="horz" lIns="91440" tIns="45720" rIns="91440" bIns="45720" rtlCol="0" anchor="b"/>
+          <a:lstStyle>
+            <a:lvl1pPr algn="l">
+              <a:defRPr sz="1200"/>
+            </a:lvl1pPr>
+          </a:lstStyle>
+          <a:p>
+            <a:endParaRPr lang="en-DE"/>
+          </a:p>
+        </p:txBody>
+      </p:sp>
+      <p:sp>
+        <p:nvSpPr>
+          <p:cNvPr id="7" name="Slide Number Placeholder 6"/>
+          <p:cNvSpPr>
+            <a:spLocks noGrp="1"/>
+          </p:cNvSpPr>
+          <p:nvPr>
+            <p:ph type="sldNum" sz="quarter" idx="5"/>
+          </p:nvPr>
+        </p:nvSpPr>
+        <p:spPr>
+          <a:xfrm>
+            <a:off x="3884613" y="8685213"/>
+            <a:ext cx="2971800" cy="458787"/>
+          </a:xfrm>
+          <a:prstGeom prst="rect">
+            <a:avLst/>
+          </a:prstGeom>
+        </p:spPr>
+        <p:txBody>
+          <a:bodyPr vert="horz" lIns="91440" tIns="45720" rIns="91440" bIns="45720" rtlCol="0" anchor="b"/>
+          <a:lstStyle>
+            <a:lvl1pPr algn="r">
+              <a:defRPr sz="1200"/>
+            </a:lvl1pPr>
+          </a:lstStyle>
+          <a:p>
+            <a:fld id="{6BFC99E3-4167-F247-A4BB-F9F180B470E4}" type="slidenum">
+              <a:rPr lang="en-DE" smtClean="0"/>
+              <a:t>‹#›</a:t>
+            </a:fld>
+            <a:endParaRPr lang="en-DE"/>
+          </a:p>
+        </p:txBody>
+      </p:sp>
+    </p:spTree>
+    <p:extLst>
+      <p:ext uri="{BB962C8B-B14F-4D97-AF65-F5344CB8AC3E}">
+        <p14:creationId xmlns:p14="http://schemas.microsoft.com/office/powerpoint/2010/main" val="617806277"/>
+      </p:ext>
+    </p:extLst>
+  </p:cSld>
+  <p:clrMap bg1="lt1" tx1="dk1" bg2="lt2" tx2="dk2" accent1="accent1" accent2="accent2" accent3="accent3" accent4="accent4" accent5="accent5" accent6="accent6" hlink="hlink" folHlink="folHlink"/>
+  <p:notesStyle>
+    <a:lvl1pPr marL="0" algn="l" defTabSz="914400" rtl="0" eaLnBrk="1" latinLnBrk="0" hangingPunct="1">
+      <a:defRPr sz="1200" kern="1200">
+        <a:solidFill>
+          <a:schemeClr val="tx1"/>
+        </a:solidFill>
+        <a:latin typeface="+mn-lt"/>
+        <a:ea typeface="+mn-ea"/>
+        <a:cs typeface="+mn-cs"/>
+      </a:defRPr>
+    </a:lvl1pPr>
+    <a:lvl2pPr marL="457200" algn="l" defTabSz="914400" rtl="0" eaLnBrk="1" latinLnBrk="0" hangingPunct="1">
+      <a:defRPr sz="1200" kern="1200">
+        <a:solidFill>
+          <a:schemeClr val="tx1"/>
+        </a:solidFill>
+        <a:latin typeface="+mn-lt"/>
+        <a:ea typeface="+mn-ea"/>
+        <a:cs typeface="+mn-cs"/>
+      </a:defRPr>
+    </a:lvl2pPr>
+    <a:lvl3pPr marL="914400" algn="l" defTabSz="914400" rtl="0" eaLnBrk="1" latinLnBrk="0" hangingPunct="1">
+      <a:defRPr sz="1200" kern="1200">
+        <a:solidFill>
+          <a:schemeClr val="tx1"/>
+        </a:solidFill>
+        <a:latin typeface="+mn-lt"/>
+        <a:ea typeface="+mn-ea"/>
+        <a:cs typeface="+mn-cs"/>
+      </a:defRPr>
+    </a:lvl3pPr>
+    <a:lvl4pPr marL="1371600" algn="l" defTabSz="914400" rtl="0" eaLnBrk="1" latinLnBrk="0" hangingPunct="1">
+      <a:defRPr sz="1200" kern="1200">
+        <a:solidFill>
+          <a:schemeClr val="tx1"/>
+        </a:solidFill>
+        <a:latin typeface="+mn-lt"/>
+        <a:ea typeface="+mn-ea"/>
+        <a:cs typeface="+mn-cs"/>
+      </a:defRPr>
+    </a:lvl4pPr>
+    <a:lvl5pPr marL="1828800" algn="l" defTabSz="914400" rtl="0" eaLnBrk="1" latinLnBrk="0" hangingPunct="1">
+      <a:defRPr sz="1200" kern="1200">
+        <a:solidFill>
+          <a:schemeClr val="tx1"/>
+        </a:solidFill>
+        <a:latin typeface="+mn-lt"/>
+        <a:ea typeface="+mn-ea"/>
+        <a:cs typeface="+mn-cs"/>
+      </a:defRPr>
+    </a:lvl5pPr>
+    <a:lvl6pPr marL="2286000" algn="l" defTabSz="914400" rtl="0" eaLnBrk="1" latinLnBrk="0" hangingPunct="1">
+      <a:defRPr sz="1200" kern="1200">
+        <a:solidFill>
+          <a:schemeClr val="tx1"/>
+        </a:solidFill>
+        <a:latin typeface="+mn-lt"/>
+        <a:ea typeface="+mn-ea"/>
+        <a:cs typeface="+mn-cs"/>
+      </a:defRPr>
+    </a:lvl6pPr>
+    <a:lvl7pPr marL="2743200" algn="l" defTabSz="914400" rtl="0" eaLnBrk="1" latinLnBrk="0" hangingPunct="1">
+      <a:defRPr sz="1200" kern="1200">
+        <a:solidFill>
+          <a:schemeClr val="tx1"/>
+        </a:solidFill>
+        <a:latin typeface="+mn-lt"/>
+        <a:ea typeface="+mn-ea"/>
+        <a:cs typeface="+mn-cs"/>
+      </a:defRPr>
+    </a:lvl7pPr>
+    <a:lvl8pPr marL="3200400" algn="l" defTabSz="914400" rtl="0" eaLnBrk="1" latinLnBrk="0" hangingPunct="1">
+      <a:defRPr sz="1200" kern="1200">
+        <a:solidFill>
+          <a:schemeClr val="tx1"/>
+        </a:solidFill>
+        <a:latin typeface="+mn-lt"/>
+        <a:ea typeface="+mn-ea"/>
+        <a:cs typeface="+mn-cs"/>
+      </a:defRPr>
+    </a:lvl8pPr>
+    <a:lvl9pPr marL="3657600" algn="l" defTabSz="914400" rtl="0" eaLnBrk="1" latinLnBrk="0" hangingPunct="1">
+      <a:defRPr sz="1200" kern="1200">
+        <a:solidFill>
+          <a:schemeClr val="tx1"/>
+        </a:solidFill>
+        <a:latin typeface="+mn-lt"/>
+        <a:ea typeface="+mn-ea"/>
+        <a:cs typeface="+mn-cs"/>
+      </a:defRPr>
+    </a:lvl9pPr>
+  </p:notesStyle>
+</p:notesMaster>
 </file>
 
 <file path=ppt/slideLayouts/slideLayout1.xml><?xml version="1.0" encoding="utf-8"?>
@@ -715,7 +2035,7 @@
           </a:lstStyle>
           <a:p>
             <a:r>
-              <a:rPr lang="de-DE" smtClean="0"/>
+              <a:rPr lang="de-DE"/>
               <a:t>Titelmasterformat durch Klicken bearbeiten</a:t>
             </a:r>
             <a:endParaRPr lang="en-US" dirty="0"/>
@@ -835,7 +2155,7 @@
           </a:lstStyle>
           <a:p>
             <a:r>
-              <a:rPr lang="de-DE" smtClean="0"/>
+              <a:rPr lang="de-DE"/>
               <a:t>Formatvorlage des Untertitelmasters durch Klicken bearbeiten</a:t>
             </a:r>
             <a:endParaRPr lang="en-US" dirty="0"/>
@@ -860,7 +2180,7 @@
             <a:fld id="{B61BEF0D-F0BB-DE4B-95CE-6DB70DBA9567}" type="datetimeFigureOut">
               <a:rPr lang="en-US" dirty="0"/>
               <a:pPr/>
-              <a:t>9/25/2023</a:t>
+              <a:t>9/25/23</a:t>
             </a:fld>
             <a:endParaRPr lang="en-US" dirty="0"/>
           </a:p>
@@ -903,7 +2223,7 @@
             <a:fld id="{D57F1E4F-1CFF-5643-939E-217C01CDF565}" type="slidenum">
               <a:rPr lang="en-US" dirty="0"/>
               <a:pPr/>
-              <a:t>‹Nr.›</a:t>
+              <a:t>‹#›</a:t>
             </a:fld>
             <a:endParaRPr lang="en-US" dirty="0"/>
           </a:p>
@@ -961,7 +2281,7 @@
           </a:lstStyle>
           <a:p>
             <a:r>
-              <a:rPr lang="de-DE" smtClean="0"/>
+              <a:rPr lang="de-DE"/>
               <a:t>Titelmasterformat durch Klicken bearbeiten</a:t>
             </a:r>
             <a:endParaRPr lang="en-US" dirty="0"/>
@@ -1084,7 +2404,7 @@
           <a:p>
             <a:pPr lvl="0"/>
             <a:r>
-              <a:rPr lang="de-DE" smtClean="0"/>
+              <a:rPr lang="de-DE"/>
               <a:t>Formatvorlagen des Textmasters bearbeiten</a:t>
             </a:r>
           </a:p>
@@ -1108,7 +2428,7 @@
             <a:fld id="{B61BEF0D-F0BB-DE4B-95CE-6DB70DBA9567}" type="datetimeFigureOut">
               <a:rPr lang="en-US" dirty="0"/>
               <a:pPr/>
-              <a:t>9/25/2023</a:t>
+              <a:t>9/25/23</a:t>
             </a:fld>
             <a:endParaRPr lang="en-US" dirty="0"/>
           </a:p>
@@ -1151,7 +2471,7 @@
             <a:fld id="{D57F1E4F-1CFF-5643-939E-217C01CDF565}" type="slidenum">
               <a:rPr lang="en-US" dirty="0"/>
               <a:pPr/>
-              <a:t>‹Nr.›</a:t>
+              <a:t>‹#›</a:t>
             </a:fld>
             <a:endParaRPr lang="en-US" dirty="0"/>
           </a:p>
@@ -1209,7 +2529,7 @@
           </a:lstStyle>
           <a:p>
             <a:r>
-              <a:rPr lang="de-DE" smtClean="0"/>
+              <a:rPr lang="de-DE"/>
               <a:t>Titelmasterformat durch Klicken bearbeiten</a:t>
             </a:r>
             <a:endParaRPr lang="en-US" dirty="0"/>
@@ -1273,7 +2593,7 @@
           <a:p>
             <a:pPr lvl="0"/>
             <a:r>
-              <a:rPr lang="de-DE" smtClean="0"/>
+              <a:rPr lang="de-DE"/>
               <a:t>Formatvorlagen des Textmasters bearbeiten</a:t>
             </a:r>
           </a:p>
@@ -1395,7 +2715,7 @@
           <a:p>
             <a:pPr lvl="0"/>
             <a:r>
-              <a:rPr lang="de-DE" smtClean="0"/>
+              <a:rPr lang="de-DE"/>
               <a:t>Formatvorlagen des Textmasters bearbeiten</a:t>
             </a:r>
           </a:p>
@@ -1419,7 +2739,7 @@
             <a:fld id="{B61BEF0D-F0BB-DE4B-95CE-6DB70DBA9567}" type="datetimeFigureOut">
               <a:rPr lang="en-US" dirty="0"/>
               <a:pPr/>
-              <a:t>9/25/2023</a:t>
+              <a:t>9/25/23</a:t>
             </a:fld>
             <a:endParaRPr lang="en-US" dirty="0"/>
           </a:p>
@@ -1462,7 +2782,7 @@
             <a:fld id="{D57F1E4F-1CFF-5643-939E-217C01CDF565}" type="slidenum">
               <a:rPr lang="en-US" dirty="0"/>
               <a:pPr/>
-              <a:t>‹Nr.›</a:t>
+              <a:t>‹#›</a:t>
             </a:fld>
             <a:endParaRPr lang="en-US" dirty="0"/>
           </a:p>
@@ -1602,7 +2922,7 @@
           </a:lstStyle>
           <a:p>
             <a:r>
-              <a:rPr lang="de-DE" smtClean="0"/>
+              <a:rPr lang="de-DE"/>
               <a:t>Titelmasterformat durch Klicken bearbeiten</a:t>
             </a:r>
             <a:endParaRPr lang="en-US" dirty="0"/>
@@ -1725,7 +3045,7 @@
           <a:p>
             <a:pPr lvl="0"/>
             <a:r>
-              <a:rPr lang="de-DE" smtClean="0"/>
+              <a:rPr lang="de-DE"/>
               <a:t>Formatvorlagen des Textmasters bearbeiten</a:t>
             </a:r>
           </a:p>
@@ -1749,7 +3069,7 @@
             <a:fld id="{B61BEF0D-F0BB-DE4B-95CE-6DB70DBA9567}" type="datetimeFigureOut">
               <a:rPr lang="en-US" dirty="0"/>
               <a:pPr/>
-              <a:t>9/25/2023</a:t>
+              <a:t>9/25/23</a:t>
             </a:fld>
             <a:endParaRPr lang="en-US" dirty="0"/>
           </a:p>
@@ -1792,7 +3112,7 @@
             <a:fld id="{D57F1E4F-1CFF-5643-939E-217C01CDF565}" type="slidenum">
               <a:rPr lang="en-US" dirty="0"/>
               <a:pPr/>
-              <a:t>‹Nr.›</a:t>
+              <a:t>‹#›</a:t>
             </a:fld>
             <a:endParaRPr lang="en-US" dirty="0"/>
           </a:p>
@@ -1850,7 +3170,7 @@
           </a:lstStyle>
           <a:p>
             <a:r>
-              <a:rPr lang="de-DE" smtClean="0"/>
+              <a:rPr lang="de-DE"/>
               <a:t>Titelmasterformat durch Klicken bearbeiten</a:t>
             </a:r>
             <a:endParaRPr lang="en-US" dirty="0"/>
@@ -1914,7 +3234,7 @@
           <a:p>
             <a:pPr lvl="0"/>
             <a:r>
-              <a:rPr lang="de-DE" smtClean="0"/>
+              <a:rPr lang="de-DE"/>
               <a:t>Formatvorlagen des Textmasters bearbeiten</a:t>
             </a:r>
           </a:p>
@@ -2036,7 +3356,7 @@
           <a:p>
             <a:pPr lvl="0"/>
             <a:r>
-              <a:rPr lang="de-DE" smtClean="0"/>
+              <a:rPr lang="de-DE"/>
               <a:t>Formatvorlagen des Textmasters bearbeiten</a:t>
             </a:r>
           </a:p>
@@ -2060,7 +3380,7 @@
             <a:fld id="{B61BEF0D-F0BB-DE4B-95CE-6DB70DBA9567}" type="datetimeFigureOut">
               <a:rPr lang="en-US" dirty="0"/>
               <a:pPr/>
-              <a:t>9/25/2023</a:t>
+              <a:t>9/25/23</a:t>
             </a:fld>
             <a:endParaRPr lang="en-US" dirty="0"/>
           </a:p>
@@ -2103,7 +3423,7 @@
             <a:fld id="{D57F1E4F-1CFF-5643-939E-217C01CDF565}" type="slidenum">
               <a:rPr lang="en-US" dirty="0"/>
               <a:pPr/>
-              <a:t>‹Nr.›</a:t>
+              <a:t>‹#›</a:t>
             </a:fld>
             <a:endParaRPr lang="en-US" dirty="0"/>
           </a:p>
@@ -2243,7 +3563,7 @@
           </a:lstStyle>
           <a:p>
             <a:r>
-              <a:rPr lang="de-DE" smtClean="0"/>
+              <a:rPr lang="de-DE"/>
               <a:t>Titelmasterformat durch Klicken bearbeiten</a:t>
             </a:r>
             <a:endParaRPr lang="en-US" dirty="0"/>
@@ -2304,7 +3624,7 @@
           <a:p>
             <a:pPr lvl="0"/>
             <a:r>
-              <a:rPr lang="de-DE" smtClean="0"/>
+              <a:rPr lang="de-DE"/>
               <a:t>Formatvorlagen des Textmasters bearbeiten</a:t>
             </a:r>
           </a:p>
@@ -2426,7 +3746,7 @@
           <a:p>
             <a:pPr lvl="0"/>
             <a:r>
-              <a:rPr lang="de-DE" smtClean="0"/>
+              <a:rPr lang="de-DE"/>
               <a:t>Formatvorlagen des Textmasters bearbeiten</a:t>
             </a:r>
           </a:p>
@@ -2450,7 +3770,7 @@
             <a:fld id="{B61BEF0D-F0BB-DE4B-95CE-6DB70DBA9567}" type="datetimeFigureOut">
               <a:rPr lang="en-US" dirty="0"/>
               <a:pPr/>
-              <a:t>9/25/2023</a:t>
+              <a:t>9/25/23</a:t>
             </a:fld>
             <a:endParaRPr lang="en-US" dirty="0"/>
           </a:p>
@@ -2493,7 +3813,7 @@
             <a:fld id="{D57F1E4F-1CFF-5643-939E-217C01CDF565}" type="slidenum">
               <a:rPr lang="en-US" dirty="0"/>
               <a:pPr/>
-              <a:t>‹Nr.›</a:t>
+              <a:t>‹#›</a:t>
             </a:fld>
             <a:endParaRPr lang="en-US" dirty="0"/>
           </a:p>
@@ -2540,7 +3860,7 @@
           <a:lstStyle/>
           <a:p>
             <a:r>
-              <a:rPr lang="de-DE" smtClean="0"/>
+              <a:rPr lang="de-DE"/>
               <a:t>Titelmasterformat durch Klicken bearbeiten</a:t>
             </a:r>
             <a:endParaRPr lang="en-US" dirty="0"/>
@@ -2564,35 +3884,35 @@
           <a:p>
             <a:pPr lvl="0"/>
             <a:r>
-              <a:rPr lang="de-DE" smtClean="0"/>
+              <a:rPr lang="de-DE"/>
               <a:t>Formatvorlagen des Textmasters bearbeiten</a:t>
             </a:r>
           </a:p>
           <a:p>
             <a:pPr lvl="1"/>
             <a:r>
-              <a:rPr lang="de-DE" smtClean="0"/>
+              <a:rPr lang="de-DE"/>
               <a:t>Zweite Ebene</a:t>
             </a:r>
           </a:p>
           <a:p>
             <a:pPr lvl="2"/>
             <a:r>
-              <a:rPr lang="de-DE" smtClean="0"/>
+              <a:rPr lang="de-DE"/>
               <a:t>Dritte Ebene</a:t>
             </a:r>
           </a:p>
           <a:p>
             <a:pPr lvl="3"/>
             <a:r>
-              <a:rPr lang="de-DE" smtClean="0"/>
+              <a:rPr lang="de-DE"/>
               <a:t>Vierte Ebene</a:t>
             </a:r>
           </a:p>
           <a:p>
             <a:pPr lvl="4"/>
             <a:r>
-              <a:rPr lang="de-DE" smtClean="0"/>
+              <a:rPr lang="de-DE"/>
               <a:t>Fünfte Ebene</a:t>
             </a:r>
             <a:endParaRPr lang="en-US" dirty="0"/>
@@ -2616,7 +3936,7 @@
           <a:p>
             <a:fld id="{55C6B4A9-1611-4792-9094-5F34BCA07E0B}" type="datetimeFigureOut">
               <a:rPr lang="en-US" dirty="0"/>
-              <a:t>9/25/2023</a:t>
+              <a:t>9/25/23</a:t>
             </a:fld>
             <a:endParaRPr lang="en-US" dirty="0"/>
           </a:p>
@@ -2658,7 +3978,7 @@
           <a:p>
             <a:fld id="{89333C77-0158-454C-844F-B7AB9BD7DAD4}" type="slidenum">
               <a:rPr lang="en-US" dirty="0"/>
-              <a:t>‹Nr.›</a:t>
+              <a:t>‹#›</a:t>
             </a:fld>
             <a:endParaRPr lang="en-US" dirty="0"/>
           </a:p>
@@ -2710,7 +4030,7 @@
           <a:lstStyle/>
           <a:p>
             <a:r>
-              <a:rPr lang="de-DE" smtClean="0"/>
+              <a:rPr lang="de-DE"/>
               <a:t>Titelmasterformat durch Klicken bearbeiten</a:t>
             </a:r>
             <a:endParaRPr lang="en-US" dirty="0"/>
@@ -2739,35 +4059,35 @@
           <a:p>
             <a:pPr lvl="0"/>
             <a:r>
-              <a:rPr lang="de-DE" smtClean="0"/>
+              <a:rPr lang="de-DE"/>
               <a:t>Formatvorlagen des Textmasters bearbeiten</a:t>
             </a:r>
           </a:p>
           <a:p>
             <a:pPr lvl="1"/>
             <a:r>
-              <a:rPr lang="de-DE" smtClean="0"/>
+              <a:rPr lang="de-DE"/>
               <a:t>Zweite Ebene</a:t>
             </a:r>
           </a:p>
           <a:p>
             <a:pPr lvl="2"/>
             <a:r>
-              <a:rPr lang="de-DE" smtClean="0"/>
+              <a:rPr lang="de-DE"/>
               <a:t>Dritte Ebene</a:t>
             </a:r>
           </a:p>
           <a:p>
             <a:pPr lvl="3"/>
             <a:r>
-              <a:rPr lang="de-DE" smtClean="0"/>
+              <a:rPr lang="de-DE"/>
               <a:t>Vierte Ebene</a:t>
             </a:r>
           </a:p>
           <a:p>
             <a:pPr lvl="4"/>
             <a:r>
-              <a:rPr lang="de-DE" smtClean="0"/>
+              <a:rPr lang="de-DE"/>
               <a:t>Fünfte Ebene</a:t>
             </a:r>
             <a:endParaRPr lang="en-US" dirty="0"/>
@@ -2792,7 +4112,7 @@
             <a:fld id="{B61BEF0D-F0BB-DE4B-95CE-6DB70DBA9567}" type="datetimeFigureOut">
               <a:rPr lang="en-US" dirty="0"/>
               <a:pPr/>
-              <a:t>9/25/2023</a:t>
+              <a:t>9/25/23</a:t>
             </a:fld>
             <a:endParaRPr lang="en-US" dirty="0"/>
           </a:p>
@@ -2835,7 +4155,7 @@
             <a:fld id="{D57F1E4F-1CFF-5643-939E-217C01CDF565}" type="slidenum">
               <a:rPr lang="en-US" dirty="0"/>
               <a:pPr/>
-              <a:t>‹Nr.›</a:t>
+              <a:t>‹#›</a:t>
             </a:fld>
             <a:endParaRPr lang="en-US" dirty="0"/>
           </a:p>
@@ -2882,7 +4202,7 @@
           <a:lstStyle/>
           <a:p>
             <a:r>
-              <a:rPr lang="de-DE" smtClean="0"/>
+              <a:rPr lang="de-DE"/>
               <a:t>Titelmasterformat durch Klicken bearbeiten</a:t>
             </a:r>
             <a:endParaRPr lang="en-US" dirty="0"/>
@@ -2906,35 +4226,35 @@
           <a:p>
             <a:pPr lvl="0"/>
             <a:r>
-              <a:rPr lang="de-DE" smtClean="0"/>
+              <a:rPr lang="de-DE"/>
               <a:t>Formatvorlagen des Textmasters bearbeiten</a:t>
             </a:r>
           </a:p>
           <a:p>
             <a:pPr lvl="1"/>
             <a:r>
-              <a:rPr lang="de-DE" smtClean="0"/>
+              <a:rPr lang="de-DE"/>
               <a:t>Zweite Ebene</a:t>
             </a:r>
           </a:p>
           <a:p>
             <a:pPr lvl="2"/>
             <a:r>
-              <a:rPr lang="de-DE" smtClean="0"/>
+              <a:rPr lang="de-DE"/>
               <a:t>Dritte Ebene</a:t>
             </a:r>
           </a:p>
           <a:p>
             <a:pPr lvl="3"/>
             <a:r>
-              <a:rPr lang="de-DE" smtClean="0"/>
+              <a:rPr lang="de-DE"/>
               <a:t>Vierte Ebene</a:t>
             </a:r>
           </a:p>
           <a:p>
             <a:pPr lvl="4"/>
             <a:r>
-              <a:rPr lang="de-DE" smtClean="0"/>
+              <a:rPr lang="de-DE"/>
               <a:t>Fünfte Ebene</a:t>
             </a:r>
             <a:endParaRPr lang="en-US" dirty="0"/>
@@ -2958,7 +4278,7 @@
           <a:p>
             <a:fld id="{42A54C80-263E-416B-A8E0-580EDEADCBDC}" type="datetimeFigureOut">
               <a:rPr lang="en-US" dirty="0"/>
-              <a:t>9/25/2023</a:t>
+              <a:t>9/25/23</a:t>
             </a:fld>
             <a:endParaRPr lang="en-US" dirty="0"/>
           </a:p>
@@ -3000,7 +4320,7 @@
           <a:p>
             <a:fld id="{519954A3-9DFD-4C44-94BA-B95130A3BA1C}" type="slidenum">
               <a:rPr lang="en-US" dirty="0"/>
-              <a:t>‹Nr.›</a:t>
+              <a:t>‹#›</a:t>
             </a:fld>
             <a:endParaRPr lang="en-US" dirty="0"/>
           </a:p>
@@ -3056,7 +4376,7 @@
           </a:lstStyle>
           <a:p>
             <a:r>
-              <a:rPr lang="de-DE" smtClean="0"/>
+              <a:rPr lang="de-DE"/>
               <a:t>Titelmasterformat durch Klicken bearbeiten</a:t>
             </a:r>
             <a:endParaRPr lang="en-US" dirty="0"/>
@@ -3177,7 +4497,7 @@
           <a:p>
             <a:pPr lvl="0"/>
             <a:r>
-              <a:rPr lang="de-DE" smtClean="0"/>
+              <a:rPr lang="de-DE"/>
               <a:t>Formatvorlagen des Textmasters bearbeiten</a:t>
             </a:r>
           </a:p>
@@ -3201,7 +4521,7 @@
             <a:fld id="{B61BEF0D-F0BB-DE4B-95CE-6DB70DBA9567}" type="datetimeFigureOut">
               <a:rPr lang="en-US" dirty="0"/>
               <a:pPr/>
-              <a:t>9/25/2023</a:t>
+              <a:t>9/25/23</a:t>
             </a:fld>
             <a:endParaRPr lang="en-US" dirty="0"/>
           </a:p>
@@ -3244,7 +4564,7 @@
             <a:fld id="{D57F1E4F-1CFF-5643-939E-217C01CDF565}" type="slidenum">
               <a:rPr lang="en-US" dirty="0"/>
               <a:pPr/>
-              <a:t>‹Nr.›</a:t>
+              <a:t>‹#›</a:t>
             </a:fld>
             <a:endParaRPr lang="en-US" dirty="0"/>
           </a:p>
@@ -3291,7 +4611,7 @@
           <a:lstStyle/>
           <a:p>
             <a:r>
-              <a:rPr lang="de-DE" smtClean="0"/>
+              <a:rPr lang="de-DE"/>
               <a:t>Titelmasterformat durch Klicken bearbeiten</a:t>
             </a:r>
             <a:endParaRPr lang="en-US" dirty="0"/>
@@ -3320,35 +4640,35 @@
           <a:p>
             <a:pPr lvl="0"/>
             <a:r>
-              <a:rPr lang="de-DE" smtClean="0"/>
+              <a:rPr lang="de-DE"/>
               <a:t>Formatvorlagen des Textmasters bearbeiten</a:t>
             </a:r>
           </a:p>
           <a:p>
             <a:pPr lvl="1"/>
             <a:r>
-              <a:rPr lang="de-DE" smtClean="0"/>
+              <a:rPr lang="de-DE"/>
               <a:t>Zweite Ebene</a:t>
             </a:r>
           </a:p>
           <a:p>
             <a:pPr lvl="2"/>
             <a:r>
-              <a:rPr lang="de-DE" smtClean="0"/>
+              <a:rPr lang="de-DE"/>
               <a:t>Dritte Ebene</a:t>
             </a:r>
           </a:p>
           <a:p>
             <a:pPr lvl="3"/>
             <a:r>
-              <a:rPr lang="de-DE" smtClean="0"/>
+              <a:rPr lang="de-DE"/>
               <a:t>Vierte Ebene</a:t>
             </a:r>
           </a:p>
           <a:p>
             <a:pPr lvl="4"/>
             <a:r>
-              <a:rPr lang="de-DE" smtClean="0"/>
+              <a:rPr lang="de-DE"/>
               <a:t>Fünfte Ebene</a:t>
             </a:r>
             <a:endParaRPr lang="en-US" dirty="0"/>
@@ -3377,35 +4697,35 @@
           <a:p>
             <a:pPr lvl="0"/>
             <a:r>
-              <a:rPr lang="de-DE" smtClean="0"/>
+              <a:rPr lang="de-DE"/>
               <a:t>Formatvorlagen des Textmasters bearbeiten</a:t>
             </a:r>
           </a:p>
           <a:p>
             <a:pPr lvl="1"/>
             <a:r>
-              <a:rPr lang="de-DE" smtClean="0"/>
+              <a:rPr lang="de-DE"/>
               <a:t>Zweite Ebene</a:t>
             </a:r>
           </a:p>
           <a:p>
             <a:pPr lvl="2"/>
             <a:r>
-              <a:rPr lang="de-DE" smtClean="0"/>
+              <a:rPr lang="de-DE"/>
               <a:t>Dritte Ebene</a:t>
             </a:r>
           </a:p>
           <a:p>
             <a:pPr lvl="3"/>
             <a:r>
-              <a:rPr lang="de-DE" smtClean="0"/>
+              <a:rPr lang="de-DE"/>
               <a:t>Vierte Ebene</a:t>
             </a:r>
           </a:p>
           <a:p>
             <a:pPr lvl="4"/>
             <a:r>
-              <a:rPr lang="de-DE" smtClean="0"/>
+              <a:rPr lang="de-DE"/>
               <a:t>Fünfte Ebene</a:t>
             </a:r>
             <a:endParaRPr lang="en-US" dirty="0"/>
@@ -3429,7 +4749,7 @@
           <a:p>
             <a:fld id="{42A54C80-263E-416B-A8E0-580EDEADCBDC}" type="datetimeFigureOut">
               <a:rPr lang="en-US" dirty="0"/>
-              <a:t>9/25/2023</a:t>
+              <a:t>9/25/23</a:t>
             </a:fld>
             <a:endParaRPr lang="en-US" dirty="0"/>
           </a:p>
@@ -3471,7 +4791,7 @@
           <a:p>
             <a:fld id="{519954A3-9DFD-4C44-94BA-B95130A3BA1C}" type="slidenum">
               <a:rPr lang="en-US" dirty="0"/>
-              <a:t>‹Nr.›</a:t>
+              <a:t>‹#›</a:t>
             </a:fld>
             <a:endParaRPr lang="en-US" dirty="0"/>
           </a:p>
@@ -3522,7 +4842,7 @@
           </a:lstStyle>
           <a:p>
             <a:r>
-              <a:rPr lang="de-DE" smtClean="0"/>
+              <a:rPr lang="de-DE"/>
               <a:t>Titelmasterformat durch Klicken bearbeiten</a:t>
             </a:r>
             <a:endParaRPr lang="en-US" dirty="0"/>
@@ -3590,7 +4910,7 @@
           <a:p>
             <a:pPr lvl="0"/>
             <a:r>
-              <a:rPr lang="de-DE" smtClean="0"/>
+              <a:rPr lang="de-DE"/>
               <a:t>Formatvorlagen des Textmasters bearbeiten</a:t>
             </a:r>
           </a:p>
@@ -3620,35 +4940,35 @@
           <a:p>
             <a:pPr lvl="0"/>
             <a:r>
-              <a:rPr lang="de-DE" smtClean="0"/>
+              <a:rPr lang="de-DE"/>
               <a:t>Formatvorlagen des Textmasters bearbeiten</a:t>
             </a:r>
           </a:p>
           <a:p>
             <a:pPr lvl="1"/>
             <a:r>
-              <a:rPr lang="de-DE" smtClean="0"/>
+              <a:rPr lang="de-DE"/>
               <a:t>Zweite Ebene</a:t>
             </a:r>
           </a:p>
           <a:p>
             <a:pPr lvl="2"/>
             <a:r>
-              <a:rPr lang="de-DE" smtClean="0"/>
+              <a:rPr lang="de-DE"/>
               <a:t>Dritte Ebene</a:t>
             </a:r>
           </a:p>
           <a:p>
             <a:pPr lvl="3"/>
             <a:r>
-              <a:rPr lang="de-DE" smtClean="0"/>
+              <a:rPr lang="de-DE"/>
               <a:t>Vierte Ebene</a:t>
             </a:r>
           </a:p>
           <a:p>
             <a:pPr lvl="4"/>
             <a:r>
-              <a:rPr lang="de-DE" smtClean="0"/>
+              <a:rPr lang="de-DE"/>
               <a:t>Fünfte Ebene</a:t>
             </a:r>
             <a:endParaRPr lang="en-US" dirty="0"/>
@@ -3716,7 +5036,7 @@
           <a:p>
             <a:pPr lvl="0"/>
             <a:r>
-              <a:rPr lang="de-DE" smtClean="0"/>
+              <a:rPr lang="de-DE"/>
               <a:t>Formatvorlagen des Textmasters bearbeiten</a:t>
             </a:r>
           </a:p>
@@ -3746,35 +5066,35 @@
           <a:p>
             <a:pPr lvl="0"/>
             <a:r>
-              <a:rPr lang="de-DE" smtClean="0"/>
+              <a:rPr lang="de-DE"/>
               <a:t>Formatvorlagen des Textmasters bearbeiten</a:t>
             </a:r>
           </a:p>
           <a:p>
             <a:pPr lvl="1"/>
             <a:r>
-              <a:rPr lang="de-DE" smtClean="0"/>
+              <a:rPr lang="de-DE"/>
               <a:t>Zweite Ebene</a:t>
             </a:r>
           </a:p>
           <a:p>
             <a:pPr lvl="2"/>
             <a:r>
-              <a:rPr lang="de-DE" smtClean="0"/>
+              <a:rPr lang="de-DE"/>
               <a:t>Dritte Ebene</a:t>
             </a:r>
           </a:p>
           <a:p>
             <a:pPr lvl="3"/>
             <a:r>
-              <a:rPr lang="de-DE" smtClean="0"/>
+              <a:rPr lang="de-DE"/>
               <a:t>Vierte Ebene</a:t>
             </a:r>
           </a:p>
           <a:p>
             <a:pPr lvl="4"/>
             <a:r>
-              <a:rPr lang="de-DE" smtClean="0"/>
+              <a:rPr lang="de-DE"/>
               <a:t>Fünfte Ebene</a:t>
             </a:r>
             <a:endParaRPr lang="en-US" dirty="0"/>
@@ -3799,7 +5119,7 @@
             <a:fld id="{B61BEF0D-F0BB-DE4B-95CE-6DB70DBA9567}" type="datetimeFigureOut">
               <a:rPr lang="en-US" dirty="0"/>
               <a:pPr/>
-              <a:t>9/25/2023</a:t>
+              <a:t>9/25/23</a:t>
             </a:fld>
             <a:endParaRPr lang="en-US" dirty="0"/>
           </a:p>
@@ -3842,7 +5162,7 @@
             <a:fld id="{D57F1E4F-1CFF-5643-939E-217C01CDF565}" type="slidenum">
               <a:rPr lang="en-US" dirty="0"/>
               <a:pPr/>
-              <a:t>‹Nr.›</a:t>
+              <a:t>‹#›</a:t>
             </a:fld>
             <a:endParaRPr lang="en-US" dirty="0"/>
           </a:p>
@@ -3894,7 +5214,7 @@
           <a:lstStyle/>
           <a:p>
             <a:r>
-              <a:rPr lang="de-DE" smtClean="0"/>
+              <a:rPr lang="de-DE"/>
               <a:t>Titelmasterformat durch Klicken bearbeiten</a:t>
             </a:r>
             <a:endParaRPr lang="en-US" dirty="0"/>
@@ -3919,7 +5239,7 @@
             <a:fld id="{B61BEF0D-F0BB-DE4B-95CE-6DB70DBA9567}" type="datetimeFigureOut">
               <a:rPr lang="en-US" dirty="0"/>
               <a:pPr/>
-              <a:t>9/25/2023</a:t>
+              <a:t>9/25/23</a:t>
             </a:fld>
             <a:endParaRPr lang="en-US" dirty="0"/>
           </a:p>
@@ -3962,7 +5282,7 @@
             <a:fld id="{D57F1E4F-1CFF-5643-939E-217C01CDF565}" type="slidenum">
               <a:rPr lang="en-US" dirty="0"/>
               <a:pPr/>
-              <a:t>‹Nr.›</a:t>
+              <a:t>‹#›</a:t>
             </a:fld>
             <a:endParaRPr lang="en-US" dirty="0"/>
           </a:p>
@@ -4011,7 +5331,7 @@
             <a:fld id="{B61BEF0D-F0BB-DE4B-95CE-6DB70DBA9567}" type="datetimeFigureOut">
               <a:rPr lang="en-US" dirty="0"/>
               <a:pPr/>
-              <a:t>9/25/2023</a:t>
+              <a:t>9/25/23</a:t>
             </a:fld>
             <a:endParaRPr lang="en-US" dirty="0"/>
           </a:p>
@@ -4054,7 +5374,7 @@
             <a:fld id="{D57F1E4F-1CFF-5643-939E-217C01CDF565}" type="slidenum">
               <a:rPr lang="en-US" dirty="0"/>
               <a:pPr/>
-              <a:t>‹Nr.›</a:t>
+              <a:t>‹#›</a:t>
             </a:fld>
             <a:endParaRPr lang="en-US" dirty="0"/>
           </a:p>
@@ -4112,7 +5432,7 @@
           </a:lstStyle>
           <a:p>
             <a:r>
-              <a:rPr lang="de-DE" smtClean="0"/>
+              <a:rPr lang="de-DE"/>
               <a:t>Titelmasterformat durch Klicken bearbeiten</a:t>
             </a:r>
             <a:endParaRPr lang="en-US" dirty="0"/>
@@ -4143,35 +5463,35 @@
           <a:p>
             <a:pPr lvl="0"/>
             <a:r>
-              <a:rPr lang="de-DE" smtClean="0"/>
+              <a:rPr lang="de-DE"/>
               <a:t>Formatvorlagen des Textmasters bearbeiten</a:t>
             </a:r>
           </a:p>
           <a:p>
             <a:pPr lvl="1"/>
             <a:r>
-              <a:rPr lang="de-DE" smtClean="0"/>
+              <a:rPr lang="de-DE"/>
               <a:t>Zweite Ebene</a:t>
             </a:r>
           </a:p>
           <a:p>
             <a:pPr lvl="2"/>
             <a:r>
-              <a:rPr lang="de-DE" smtClean="0"/>
+              <a:rPr lang="de-DE"/>
               <a:t>Dritte Ebene</a:t>
             </a:r>
           </a:p>
           <a:p>
             <a:pPr lvl="3"/>
             <a:r>
-              <a:rPr lang="de-DE" smtClean="0"/>
+              <a:rPr lang="de-DE"/>
               <a:t>Vierte Ebene</a:t>
             </a:r>
           </a:p>
           <a:p>
             <a:pPr lvl="4"/>
             <a:r>
-              <a:rPr lang="de-DE" smtClean="0"/>
+              <a:rPr lang="de-DE"/>
               <a:t>Fünfte Ebene</a:t>
             </a:r>
             <a:endParaRPr lang="en-US" dirty="0"/>
@@ -4239,7 +5559,7 @@
           <a:p>
             <a:pPr lvl="0"/>
             <a:r>
-              <a:rPr lang="de-DE" smtClean="0"/>
+              <a:rPr lang="de-DE"/>
               <a:t>Formatvorlagen des Textmasters bearbeiten</a:t>
             </a:r>
           </a:p>
@@ -4262,7 +5582,7 @@
           <a:p>
             <a:fld id="{42A54C80-263E-416B-A8E0-580EDEADCBDC}" type="datetimeFigureOut">
               <a:rPr lang="en-US" dirty="0"/>
-              <a:t>9/25/2023</a:t>
+              <a:t>9/25/23</a:t>
             </a:fld>
             <a:endParaRPr lang="en-US" dirty="0"/>
           </a:p>
@@ -4304,7 +5624,7 @@
           <a:p>
             <a:fld id="{519954A3-9DFD-4C44-94BA-B95130A3BA1C}" type="slidenum">
               <a:rPr lang="en-US" dirty="0"/>
-              <a:t>‹Nr.›</a:t>
+              <a:t>‹#›</a:t>
             </a:fld>
             <a:endParaRPr lang="en-US" dirty="0"/>
           </a:p>
@@ -4362,7 +5682,7 @@
           </a:lstStyle>
           <a:p>
             <a:r>
-              <a:rPr lang="de-DE" smtClean="0"/>
+              <a:rPr lang="de-DE"/>
               <a:t>Titelmasterformat durch Klicken bearbeiten</a:t>
             </a:r>
             <a:endParaRPr lang="en-US" dirty="0"/>
@@ -4429,7 +5749,7 @@
           </a:lstStyle>
           <a:p>
             <a:r>
-              <a:rPr lang="de-DE" smtClean="0"/>
+              <a:rPr lang="de-DE"/>
               <a:t>Bild durch Klicken auf Symbol hinzufügen</a:t>
             </a:r>
             <a:endParaRPr lang="en-US" dirty="0"/>
@@ -4497,7 +5817,7 @@
           <a:p>
             <a:pPr lvl="0"/>
             <a:r>
-              <a:rPr lang="de-DE" smtClean="0"/>
+              <a:rPr lang="de-DE"/>
               <a:t>Formatvorlagen des Textmasters bearbeiten</a:t>
             </a:r>
           </a:p>
@@ -4540,7 +5860,7 @@
             <a:fld id="{D57F1E4F-1CFF-5643-939E-217C01CDF565}" type="slidenum">
               <a:rPr lang="en-US" dirty="0"/>
               <a:pPr/>
-              <a:t>‹Nr.›</a:t>
+              <a:t>‹#›</a:t>
             </a:fld>
             <a:endParaRPr lang="en-US" dirty="0"/>
           </a:p>
@@ -4564,7 +5884,7 @@
             <a:fld id="{B61BEF0D-F0BB-DE4B-95CE-6DB70DBA9567}" type="datetimeFigureOut">
               <a:rPr lang="en-US" dirty="0"/>
               <a:pPr/>
-              <a:t>9/25/2023</a:t>
+              <a:t>9/25/23</a:t>
             </a:fld>
             <a:endParaRPr lang="en-US" dirty="0"/>
           </a:p>
@@ -5157,7 +6477,7 @@
           <a:lstStyle/>
           <a:p>
             <a:r>
-              <a:rPr lang="de-DE" smtClean="0"/>
+              <a:rPr lang="de-DE"/>
               <a:t>Titelmasterformat durch Klicken bearbeiten</a:t>
             </a:r>
             <a:endParaRPr lang="en-US" dirty="0"/>
@@ -5191,35 +6511,35 @@
           <a:p>
             <a:pPr lvl="0"/>
             <a:r>
-              <a:rPr lang="de-DE" smtClean="0"/>
+              <a:rPr lang="de-DE"/>
               <a:t>Formatvorlagen des Textmasters bearbeiten</a:t>
             </a:r>
           </a:p>
           <a:p>
             <a:pPr lvl="1"/>
             <a:r>
-              <a:rPr lang="de-DE" smtClean="0"/>
+              <a:rPr lang="de-DE"/>
               <a:t>Zweite Ebene</a:t>
             </a:r>
           </a:p>
           <a:p>
             <a:pPr lvl="2"/>
             <a:r>
-              <a:rPr lang="de-DE" smtClean="0"/>
+              <a:rPr lang="de-DE"/>
               <a:t>Dritte Ebene</a:t>
             </a:r>
           </a:p>
           <a:p>
             <a:pPr lvl="3"/>
             <a:r>
-              <a:rPr lang="de-DE" smtClean="0"/>
+              <a:rPr lang="de-DE"/>
               <a:t>Vierte Ebene</a:t>
             </a:r>
           </a:p>
           <a:p>
             <a:pPr lvl="4"/>
             <a:r>
-              <a:rPr lang="de-DE" smtClean="0"/>
+              <a:rPr lang="de-DE"/>
               <a:t>Fünfte Ebene</a:t>
             </a:r>
             <a:endParaRPr lang="en-US" dirty="0"/>
@@ -5262,7 +6582,7 @@
             <a:fld id="{B61BEF0D-F0BB-DE4B-95CE-6DB70DBA9567}" type="datetimeFigureOut">
               <a:rPr lang="en-US" dirty="0"/>
               <a:pPr/>
-              <a:t>9/25/2023</a:t>
+              <a:t>9/25/23</a:t>
             </a:fld>
             <a:endParaRPr lang="en-US" dirty="0"/>
           </a:p>
@@ -5339,7 +6659,7 @@
             <a:fld id="{D57F1E4F-1CFF-5643-939E-217C01CDF565}" type="slidenum">
               <a:rPr lang="en-US" dirty="0"/>
               <a:pPr/>
-              <a:t>‹Nr.›</a:t>
+              <a:t>‹#›</a:t>
             </a:fld>
             <a:endParaRPr lang="en-US" dirty="0"/>
           </a:p>
@@ -5798,10 +7118,9 @@
           <a:lstStyle/>
           <a:p>
             <a:r>
-              <a:rPr lang="de-DE" dirty="0" smtClean="0"/>
+              <a:rPr lang="de-DE" dirty="0"/>
               <a:t>Schachprojekt</a:t>
             </a:r>
-            <a:endParaRPr lang="de-DE" dirty="0"/>
           </a:p>
         </p:txBody>
       </p:sp>
@@ -5821,18 +7140,17 @@
           <a:lstStyle/>
           <a:p>
             <a:r>
-              <a:rPr lang="de-DE" dirty="0" smtClean="0"/>
+              <a:rPr lang="de-DE" dirty="0"/>
               <a:t>Thomas, </a:t>
             </a:r>
             <a:r>
-              <a:rPr lang="de-DE" dirty="0" err="1" smtClean="0"/>
+              <a:rPr lang="de-DE" dirty="0" err="1"/>
               <a:t>Malaz</a:t>
             </a:r>
             <a:r>
-              <a:rPr lang="de-DE" dirty="0" smtClean="0"/>
+              <a:rPr lang="de-DE" dirty="0"/>
               <a:t>, Ronja, Christian, Ragnar</a:t>
             </a:r>
-            <a:endParaRPr lang="de-DE" dirty="0"/>
           </a:p>
         </p:txBody>
       </p:sp>
@@ -5840,6 +7158,3407 @@
     <p:extLst>
       <p:ext uri="{BB962C8B-B14F-4D97-AF65-F5344CB8AC3E}">
         <p14:creationId xmlns:p14="http://schemas.microsoft.com/office/powerpoint/2010/main" val="832954240"/>
+      </p:ext>
+    </p:extLst>
+  </p:cSld>
+  <p:clrMapOvr>
+    <a:masterClrMapping/>
+  </p:clrMapOvr>
+</p:sld>
+</file>
+
+<file path=ppt/slides/slide10.xml><?xml version="1.0" encoding="utf-8"?>
+<p:sld xmlns:a="http://schemas.openxmlformats.org/drawingml/2006/main" xmlns:r="http://schemas.openxmlformats.org/officeDocument/2006/relationships" xmlns:p="http://schemas.openxmlformats.org/presentationml/2006/main">
+  <p:cSld>
+    <p:spTree>
+      <p:nvGrpSpPr>
+        <p:cNvPr id="1" name=""/>
+        <p:cNvGrpSpPr/>
+        <p:nvPr/>
+      </p:nvGrpSpPr>
+      <p:grpSpPr>
+        <a:xfrm>
+          <a:off x="0" y="0"/>
+          <a:ext cx="0" cy="0"/>
+          <a:chOff x="0" y="0"/>
+          <a:chExt cx="0" cy="0"/>
+        </a:xfrm>
+      </p:grpSpPr>
+      <p:pic>
+        <p:nvPicPr>
+          <p:cNvPr id="5" name="Grafik 4"/>
+          <p:cNvPicPr>
+            <a:picLocks noChangeAspect="1"/>
+          </p:cNvPicPr>
+          <p:nvPr/>
+        </p:nvPicPr>
+        <p:blipFill>
+          <a:blip r:embed="rId2"/>
+          <a:stretch>
+            <a:fillRect/>
+          </a:stretch>
+        </p:blipFill>
+        <p:spPr>
+          <a:xfrm>
+            <a:off x="6737230" y="-2"/>
+            <a:ext cx="5435994" cy="1578635"/>
+          </a:xfrm>
+          <a:prstGeom prst="rect">
+            <a:avLst/>
+          </a:prstGeom>
+        </p:spPr>
+      </p:pic>
+      <p:pic>
+        <p:nvPicPr>
+          <p:cNvPr id="6" name="Grafik 3">
+            <a:extLst>
+              <a:ext uri="{FF2B5EF4-FFF2-40B4-BE49-F238E27FC236}">
+                <a16:creationId xmlns:a16="http://schemas.microsoft.com/office/drawing/2014/main" id="{56B88815-4A6E-60B6-7816-CB302BD70A78}"/>
+              </a:ext>
+            </a:extLst>
+          </p:cNvPr>
+          <p:cNvPicPr>
+            <a:picLocks noChangeAspect="1"/>
+          </p:cNvPicPr>
+          <p:nvPr/>
+        </p:nvPicPr>
+        <p:blipFill>
+          <a:blip r:embed="rId3"/>
+          <a:stretch>
+            <a:fillRect/>
+          </a:stretch>
+        </p:blipFill>
+        <p:spPr>
+          <a:xfrm>
+            <a:off x="0" y="0"/>
+            <a:ext cx="6736691" cy="6858000"/>
+          </a:xfrm>
+          <a:prstGeom prst="rect">
+            <a:avLst/>
+          </a:prstGeom>
+        </p:spPr>
+      </p:pic>
+      <p:sp>
+        <p:nvSpPr>
+          <p:cNvPr id="25" name="Rektangel 24">
+            <a:extLst>
+              <a:ext uri="{FF2B5EF4-FFF2-40B4-BE49-F238E27FC236}">
+                <a16:creationId xmlns:a16="http://schemas.microsoft.com/office/drawing/2014/main" id="{7F26C9A4-CD7E-48E9-8423-8579F75771B2}"/>
+              </a:ext>
+            </a:extLst>
+          </p:cNvPr>
+          <p:cNvSpPr/>
+          <p:nvPr/>
+        </p:nvSpPr>
+        <p:spPr>
+          <a:xfrm>
+            <a:off x="254606" y="952601"/>
+            <a:ext cx="6035040" cy="212171"/>
+          </a:xfrm>
+          <a:prstGeom prst="rect">
+            <a:avLst/>
+          </a:prstGeom>
+          <a:solidFill>
+            <a:srgbClr val="66CC00">
+              <a:alpha val="5000"/>
+            </a:srgbClr>
+          </a:solidFill>
+          <a:ln w="18000">
+            <a:solidFill>
+              <a:srgbClr val="66CC00"/>
+            </a:solidFill>
+          </a:ln>
+        </p:spPr>
+        <p:style>
+          <a:lnRef idx="2">
+            <a:schemeClr val="accent1">
+              <a:shade val="15000"/>
+            </a:schemeClr>
+          </a:lnRef>
+          <a:fillRef idx="1">
+            <a:schemeClr val="accent1"/>
+          </a:fillRef>
+          <a:effectRef idx="0">
+            <a:schemeClr val="accent1"/>
+          </a:effectRef>
+          <a:fontRef idx="minor">
+            <a:schemeClr val="lt1"/>
+          </a:fontRef>
+        </p:style>
+        <p:txBody>
+          <a:bodyPr wrap="none" rtlCol="0" anchor="ctr" anchorCtr="1"/>
+          <a:lstStyle/>
+          <a:p>
+            <a:endParaRPr lang="de-DE">
+              <a:solidFill>
+                <a:srgbClr val="66CC00"/>
+              </a:solidFill>
+            </a:endParaRPr>
+          </a:p>
+        </p:txBody>
+      </p:sp>
+      <p:sp>
+        <p:nvSpPr>
+          <p:cNvPr id="2" name="TextBox 1">
+            <a:extLst>
+              <a:ext uri="{FF2B5EF4-FFF2-40B4-BE49-F238E27FC236}">
+                <a16:creationId xmlns:a16="http://schemas.microsoft.com/office/drawing/2014/main" id="{98BF4963-A4C7-D394-0E7F-26A71FF46DDC}"/>
+              </a:ext>
+            </a:extLst>
+          </p:cNvPr>
+          <p:cNvSpPr txBox="1"/>
+          <p:nvPr/>
+        </p:nvSpPr>
+        <p:spPr>
+          <a:xfrm>
+            <a:off x="6736691" y="1578633"/>
+            <a:ext cx="4508252" cy="1477328"/>
+          </a:xfrm>
+          <a:prstGeom prst="rect">
+            <a:avLst/>
+          </a:prstGeom>
+          <a:noFill/>
+        </p:spPr>
+        <p:txBody>
+          <a:bodyPr wrap="square" rtlCol="0">
+            <a:spAutoFit/>
+          </a:bodyPr>
+          <a:lstStyle/>
+          <a:p>
+            <a:pPr marL="342900" indent="-342900">
+              <a:buAutoNum type="arabicPeriod"/>
+            </a:pPr>
+            <a:r>
+              <a:rPr lang="en-DE" dirty="0"/>
+              <a:t>Hinzufügen aller möglichen Züge</a:t>
+            </a:r>
+          </a:p>
+          <a:p>
+            <a:pPr marL="342900" indent="-342900">
+              <a:buAutoNum type="arabicPeriod"/>
+            </a:pPr>
+            <a:r>
+              <a:rPr lang="en-DE" dirty="0"/>
+              <a:t>Entfernen von Zügen</a:t>
+            </a:r>
+          </a:p>
+          <a:p>
+            <a:pPr marL="800100" lvl="1" indent="-342900">
+              <a:buAutoNum type="arabicPeriod"/>
+            </a:pPr>
+            <a:r>
+              <a:rPr lang="en-DE" dirty="0"/>
+              <a:t>Züge welche aus dem Spielfeld gehen würden</a:t>
+            </a:r>
+          </a:p>
+          <a:p>
+            <a:pPr marL="800100" lvl="1" indent="-342900">
+              <a:buFont typeface="+mj-lt"/>
+              <a:buAutoNum type="arabicPeriod"/>
+            </a:pPr>
+            <a:r>
+              <a:rPr lang="en-DE" dirty="0"/>
+              <a:t>Blockierte züge Entfernen</a:t>
+            </a:r>
+          </a:p>
+        </p:txBody>
+      </p:sp>
+      <p:pic>
+        <p:nvPicPr>
+          <p:cNvPr id="7" name="Picture 6" descr="A black and white chess board&#10;&#10;Description automatically generated">
+            <a:extLst>
+              <a:ext uri="{FF2B5EF4-FFF2-40B4-BE49-F238E27FC236}">
+                <a16:creationId xmlns:a16="http://schemas.microsoft.com/office/drawing/2014/main" id="{0921DA65-89E8-826D-D541-0F379440980F}"/>
+              </a:ext>
+            </a:extLst>
+          </p:cNvPr>
+          <p:cNvPicPr>
+            <a:picLocks noChangeAspect="1"/>
+          </p:cNvPicPr>
+          <p:nvPr/>
+        </p:nvPicPr>
+        <p:blipFill>
+          <a:blip r:embed="rId4"/>
+          <a:stretch>
+            <a:fillRect/>
+          </a:stretch>
+        </p:blipFill>
+        <p:spPr>
+          <a:xfrm>
+            <a:off x="6736691" y="3402152"/>
+            <a:ext cx="3408794" cy="3455848"/>
+          </a:xfrm>
+          <a:prstGeom prst="rect">
+            <a:avLst/>
+          </a:prstGeom>
+        </p:spPr>
+      </p:pic>
+      <mc:AlternateContent xmlns:mc="http://schemas.openxmlformats.org/markup-compatibility/2006">
+        <mc:Choice xmlns:p14="http://schemas.microsoft.com/office/powerpoint/2010/main" Requires="p14">
+          <p:contentPart p14:bwMode="auto" r:id="rId5">
+            <p14:nvContentPartPr>
+              <p14:cNvPr id="16" name="Ink 15">
+                <a:extLst>
+                  <a:ext uri="{FF2B5EF4-FFF2-40B4-BE49-F238E27FC236}">
+                    <a16:creationId xmlns:a16="http://schemas.microsoft.com/office/drawing/2014/main" id="{8732C047-2279-EE4E-69C8-8899B17E5908}"/>
+                  </a:ext>
+                </a:extLst>
+              </p14:cNvPr>
+              <p14:cNvContentPartPr/>
+              <p14:nvPr/>
+            </p14:nvContentPartPr>
+            <p14:xfrm>
+              <a:off x="1444149" y="-907131"/>
+              <a:ext cx="360" cy="360"/>
+            </p14:xfrm>
+          </p:contentPart>
+        </mc:Choice>
+        <mc:Fallback>
+          <p:pic>
+            <p:nvPicPr>
+              <p:cNvPr id="16" name="Ink 15">
+                <a:extLst>
+                  <a:ext uri="{FF2B5EF4-FFF2-40B4-BE49-F238E27FC236}">
+                    <a16:creationId xmlns:a16="http://schemas.microsoft.com/office/drawing/2014/main" id="{8732C047-2279-EE4E-69C8-8899B17E5908}"/>
+                  </a:ext>
+                </a:extLst>
+              </p:cNvPr>
+              <p:cNvPicPr/>
+              <p:nvPr/>
+            </p:nvPicPr>
+            <p:blipFill>
+              <a:blip r:embed="rId6"/>
+              <a:stretch>
+                <a:fillRect/>
+              </a:stretch>
+            </p:blipFill>
+            <p:spPr>
+              <a:xfrm>
+                <a:off x="1435149" y="-916131"/>
+                <a:ext cx="18000" cy="18000"/>
+              </a:xfrm>
+              <a:prstGeom prst="rect">
+                <a:avLst/>
+              </a:prstGeom>
+            </p:spPr>
+          </p:pic>
+        </mc:Fallback>
+      </mc:AlternateContent>
+      <mc:AlternateContent xmlns:mc="http://schemas.openxmlformats.org/markup-compatibility/2006">
+        <mc:Choice xmlns:p14="http://schemas.microsoft.com/office/powerpoint/2010/main" Requires="p14">
+          <p:contentPart p14:bwMode="auto" r:id="rId7">
+            <p14:nvContentPartPr>
+              <p14:cNvPr id="17" name="Ink 16">
+                <a:extLst>
+                  <a:ext uri="{FF2B5EF4-FFF2-40B4-BE49-F238E27FC236}">
+                    <a16:creationId xmlns:a16="http://schemas.microsoft.com/office/drawing/2014/main" id="{6FC666B3-5996-F807-F4EE-BD6593150B3D}"/>
+                  </a:ext>
+                </a:extLst>
+              </p14:cNvPr>
+              <p14:cNvContentPartPr/>
+              <p14:nvPr/>
+            </p14:nvContentPartPr>
+            <p14:xfrm>
+              <a:off x="1444149" y="-900291"/>
+              <a:ext cx="360" cy="360"/>
+            </p14:xfrm>
+          </p:contentPart>
+        </mc:Choice>
+        <mc:Fallback>
+          <p:pic>
+            <p:nvPicPr>
+              <p:cNvPr id="17" name="Ink 16">
+                <a:extLst>
+                  <a:ext uri="{FF2B5EF4-FFF2-40B4-BE49-F238E27FC236}">
+                    <a16:creationId xmlns:a16="http://schemas.microsoft.com/office/drawing/2014/main" id="{6FC666B3-5996-F807-F4EE-BD6593150B3D}"/>
+                  </a:ext>
+                </a:extLst>
+              </p:cNvPr>
+              <p:cNvPicPr/>
+              <p:nvPr/>
+            </p:nvPicPr>
+            <p:blipFill>
+              <a:blip r:embed="rId6"/>
+              <a:stretch>
+                <a:fillRect/>
+              </a:stretch>
+            </p:blipFill>
+            <p:spPr>
+              <a:xfrm>
+                <a:off x="1435149" y="-909291"/>
+                <a:ext cx="18000" cy="18000"/>
+              </a:xfrm>
+              <a:prstGeom prst="rect">
+                <a:avLst/>
+              </a:prstGeom>
+            </p:spPr>
+          </p:pic>
+        </mc:Fallback>
+      </mc:AlternateContent>
+      <mc:AlternateContent xmlns:mc="http://schemas.openxmlformats.org/markup-compatibility/2006">
+        <mc:Choice xmlns:p14="http://schemas.microsoft.com/office/powerpoint/2010/main" Requires="p14">
+          <p:contentPart p14:bwMode="auto" r:id="rId8">
+            <p14:nvContentPartPr>
+              <p14:cNvPr id="18" name="Ink 17">
+                <a:extLst>
+                  <a:ext uri="{FF2B5EF4-FFF2-40B4-BE49-F238E27FC236}">
+                    <a16:creationId xmlns:a16="http://schemas.microsoft.com/office/drawing/2014/main" id="{82D7EBD9-0EF8-2862-F528-6979FE74EDB6}"/>
+                  </a:ext>
+                </a:extLst>
+              </p14:cNvPr>
+              <p14:cNvContentPartPr/>
+              <p14:nvPr/>
+            </p14:nvContentPartPr>
+            <p14:xfrm>
+              <a:off x="1444149" y="-900291"/>
+              <a:ext cx="360" cy="360"/>
+            </p14:xfrm>
+          </p:contentPart>
+        </mc:Choice>
+        <mc:Fallback>
+          <p:pic>
+            <p:nvPicPr>
+              <p:cNvPr id="18" name="Ink 17">
+                <a:extLst>
+                  <a:ext uri="{FF2B5EF4-FFF2-40B4-BE49-F238E27FC236}">
+                    <a16:creationId xmlns:a16="http://schemas.microsoft.com/office/drawing/2014/main" id="{82D7EBD9-0EF8-2862-F528-6979FE74EDB6}"/>
+                  </a:ext>
+                </a:extLst>
+              </p:cNvPr>
+              <p:cNvPicPr/>
+              <p:nvPr/>
+            </p:nvPicPr>
+            <p:blipFill>
+              <a:blip r:embed="rId6"/>
+              <a:stretch>
+                <a:fillRect/>
+              </a:stretch>
+            </p:blipFill>
+            <p:spPr>
+              <a:xfrm>
+                <a:off x="1435149" y="-909291"/>
+                <a:ext cx="18000" cy="18000"/>
+              </a:xfrm>
+              <a:prstGeom prst="rect">
+                <a:avLst/>
+              </a:prstGeom>
+            </p:spPr>
+          </p:pic>
+        </mc:Fallback>
+      </mc:AlternateContent>
+      <p:grpSp>
+        <p:nvGrpSpPr>
+          <p:cNvPr id="20" name="Group 19">
+            <a:extLst>
+              <a:ext uri="{FF2B5EF4-FFF2-40B4-BE49-F238E27FC236}">
+                <a16:creationId xmlns:a16="http://schemas.microsoft.com/office/drawing/2014/main" id="{969E7935-7BC3-D176-F4D5-2E7BBC321F2C}"/>
+              </a:ext>
+            </a:extLst>
+          </p:cNvPr>
+          <p:cNvGrpSpPr/>
+          <p:nvPr/>
+        </p:nvGrpSpPr>
+        <p:grpSpPr>
+          <a:xfrm>
+            <a:off x="9796869" y="5792469"/>
+            <a:ext cx="309960" cy="811800"/>
+            <a:chOff x="9796869" y="5792469"/>
+            <a:chExt cx="309960" cy="811800"/>
+          </a:xfrm>
+        </p:grpSpPr>
+        <mc:AlternateContent xmlns:mc="http://schemas.openxmlformats.org/markup-compatibility/2006">
+          <mc:Choice xmlns:p14="http://schemas.microsoft.com/office/powerpoint/2010/main" Requires="p14">
+            <p:contentPart p14:bwMode="auto" r:id="rId9">
+              <p14:nvContentPartPr>
+                <p14:cNvPr id="3" name="Ink 2">
+                  <a:extLst>
+                    <a:ext uri="{FF2B5EF4-FFF2-40B4-BE49-F238E27FC236}">
+                      <a16:creationId xmlns:a16="http://schemas.microsoft.com/office/drawing/2014/main" id="{19F86E01-30EA-2959-E3D7-64E7A9386AD3}"/>
+                    </a:ext>
+                  </a:extLst>
+                </p14:cNvPr>
+                <p14:cNvContentPartPr/>
+                <p14:nvPr/>
+              </p14:nvContentPartPr>
+              <p14:xfrm>
+                <a:off x="9922509" y="5859789"/>
+                <a:ext cx="13680" cy="744480"/>
+              </p14:xfrm>
+            </p:contentPart>
+          </mc:Choice>
+          <mc:Fallback>
+            <p:pic>
+              <p:nvPicPr>
+                <p:cNvPr id="3" name="Ink 2">
+                  <a:extLst>
+                    <a:ext uri="{FF2B5EF4-FFF2-40B4-BE49-F238E27FC236}">
+                      <a16:creationId xmlns:a16="http://schemas.microsoft.com/office/drawing/2014/main" id="{19F86E01-30EA-2959-E3D7-64E7A9386AD3}"/>
+                    </a:ext>
+                  </a:extLst>
+                </p:cNvPr>
+                <p:cNvPicPr/>
+                <p:nvPr/>
+              </p:nvPicPr>
+              <p:blipFill>
+                <a:blip r:embed="rId10"/>
+                <a:stretch>
+                  <a:fillRect/>
+                </a:stretch>
+              </p:blipFill>
+              <p:spPr>
+                <a:xfrm>
+                  <a:off x="9913869" y="5851149"/>
+                  <a:ext cx="31320" cy="762120"/>
+                </a:xfrm>
+                <a:prstGeom prst="rect">
+                  <a:avLst/>
+                </a:prstGeom>
+              </p:spPr>
+            </p:pic>
+          </mc:Fallback>
+        </mc:AlternateContent>
+        <mc:AlternateContent xmlns:mc="http://schemas.openxmlformats.org/markup-compatibility/2006">
+          <mc:Choice xmlns:p14="http://schemas.microsoft.com/office/powerpoint/2010/main" Requires="p14">
+            <p:contentPart p14:bwMode="auto" r:id="rId11">
+              <p14:nvContentPartPr>
+                <p14:cNvPr id="4" name="Ink 3">
+                  <a:extLst>
+                    <a:ext uri="{FF2B5EF4-FFF2-40B4-BE49-F238E27FC236}">
+                      <a16:creationId xmlns:a16="http://schemas.microsoft.com/office/drawing/2014/main" id="{51CA65C1-B9CE-04D3-9D00-1D6CDBD26EC4}"/>
+                    </a:ext>
+                  </a:extLst>
+                </p14:cNvPr>
+                <p14:cNvContentPartPr/>
+                <p14:nvPr/>
+              </p14:nvContentPartPr>
+              <p14:xfrm>
+                <a:off x="9828909" y="5792469"/>
+                <a:ext cx="226080" cy="151920"/>
+              </p14:xfrm>
+            </p:contentPart>
+          </mc:Choice>
+          <mc:Fallback>
+            <p:pic>
+              <p:nvPicPr>
+                <p:cNvPr id="4" name="Ink 3">
+                  <a:extLst>
+                    <a:ext uri="{FF2B5EF4-FFF2-40B4-BE49-F238E27FC236}">
+                      <a16:creationId xmlns:a16="http://schemas.microsoft.com/office/drawing/2014/main" id="{51CA65C1-B9CE-04D3-9D00-1D6CDBD26EC4}"/>
+                    </a:ext>
+                  </a:extLst>
+                </p:cNvPr>
+                <p:cNvPicPr/>
+                <p:nvPr/>
+              </p:nvPicPr>
+              <p:blipFill>
+                <a:blip r:embed="rId12"/>
+                <a:stretch>
+                  <a:fillRect/>
+                </a:stretch>
+              </p:blipFill>
+              <p:spPr>
+                <a:xfrm>
+                  <a:off x="9820269" y="5783469"/>
+                  <a:ext cx="243720" cy="169560"/>
+                </a:xfrm>
+                <a:prstGeom prst="rect">
+                  <a:avLst/>
+                </a:prstGeom>
+              </p:spPr>
+            </p:pic>
+          </mc:Fallback>
+        </mc:AlternateContent>
+        <mc:AlternateContent xmlns:mc="http://schemas.openxmlformats.org/markup-compatibility/2006">
+          <mc:Choice xmlns:p14="http://schemas.microsoft.com/office/powerpoint/2010/main" Requires="p14">
+            <p:contentPart p14:bwMode="auto" r:id="rId13">
+              <p14:nvContentPartPr>
+                <p14:cNvPr id="12" name="Ink 11">
+                  <a:extLst>
+                    <a:ext uri="{FF2B5EF4-FFF2-40B4-BE49-F238E27FC236}">
+                      <a16:creationId xmlns:a16="http://schemas.microsoft.com/office/drawing/2014/main" id="{7BDA6FE1-7CDD-52C1-7C7D-C27A359FFA7D}"/>
+                    </a:ext>
+                  </a:extLst>
+                </p14:cNvPr>
+                <p14:cNvContentPartPr/>
+                <p14:nvPr/>
+              </p14:nvContentPartPr>
+              <p14:xfrm>
+                <a:off x="9796869" y="6111789"/>
+                <a:ext cx="252360" cy="192960"/>
+              </p14:xfrm>
+            </p:contentPart>
+          </mc:Choice>
+          <mc:Fallback>
+            <p:pic>
+              <p:nvPicPr>
+                <p:cNvPr id="12" name="Ink 11">
+                  <a:extLst>
+                    <a:ext uri="{FF2B5EF4-FFF2-40B4-BE49-F238E27FC236}">
+                      <a16:creationId xmlns:a16="http://schemas.microsoft.com/office/drawing/2014/main" id="{7BDA6FE1-7CDD-52C1-7C7D-C27A359FFA7D}"/>
+                    </a:ext>
+                  </a:extLst>
+                </p:cNvPr>
+                <p:cNvPicPr/>
+                <p:nvPr/>
+              </p:nvPicPr>
+              <p:blipFill>
+                <a:blip r:embed="rId14"/>
+                <a:stretch>
+                  <a:fillRect/>
+                </a:stretch>
+              </p:blipFill>
+              <p:spPr>
+                <a:xfrm>
+                  <a:off x="9787869" y="6103149"/>
+                  <a:ext cx="270000" cy="210600"/>
+                </a:xfrm>
+                <a:prstGeom prst="rect">
+                  <a:avLst/>
+                </a:prstGeom>
+              </p:spPr>
+            </p:pic>
+          </mc:Fallback>
+        </mc:AlternateContent>
+        <mc:AlternateContent xmlns:mc="http://schemas.openxmlformats.org/markup-compatibility/2006">
+          <mc:Choice xmlns:p14="http://schemas.microsoft.com/office/powerpoint/2010/main" Requires="p14">
+            <p:contentPart p14:bwMode="auto" r:id="rId15">
+              <p14:nvContentPartPr>
+                <p14:cNvPr id="19" name="Ink 18">
+                  <a:extLst>
+                    <a:ext uri="{FF2B5EF4-FFF2-40B4-BE49-F238E27FC236}">
+                      <a16:creationId xmlns:a16="http://schemas.microsoft.com/office/drawing/2014/main" id="{62B438D5-3004-3E7D-0949-A47050CBA436}"/>
+                    </a:ext>
+                  </a:extLst>
+                </p14:cNvPr>
+                <p14:cNvContentPartPr/>
+                <p14:nvPr/>
+              </p14:nvContentPartPr>
+              <p14:xfrm>
+                <a:off x="9803709" y="6112509"/>
+                <a:ext cx="303120" cy="189720"/>
+              </p14:xfrm>
+            </p:contentPart>
+          </mc:Choice>
+          <mc:Fallback>
+            <p:pic>
+              <p:nvPicPr>
+                <p:cNvPr id="19" name="Ink 18">
+                  <a:extLst>
+                    <a:ext uri="{FF2B5EF4-FFF2-40B4-BE49-F238E27FC236}">
+                      <a16:creationId xmlns:a16="http://schemas.microsoft.com/office/drawing/2014/main" id="{62B438D5-3004-3E7D-0949-A47050CBA436}"/>
+                    </a:ext>
+                  </a:extLst>
+                </p:cNvPr>
+                <p:cNvPicPr/>
+                <p:nvPr/>
+              </p:nvPicPr>
+              <p:blipFill>
+                <a:blip r:embed="rId16"/>
+                <a:stretch>
+                  <a:fillRect/>
+                </a:stretch>
+              </p:blipFill>
+              <p:spPr>
+                <a:xfrm>
+                  <a:off x="9795069" y="6103509"/>
+                  <a:ext cx="320760" cy="207360"/>
+                </a:xfrm>
+                <a:prstGeom prst="rect">
+                  <a:avLst/>
+                </a:prstGeom>
+              </p:spPr>
+            </p:pic>
+          </mc:Fallback>
+        </mc:AlternateContent>
+      </p:grpSp>
+    </p:spTree>
+    <p:extLst>
+      <p:ext uri="{BB962C8B-B14F-4D97-AF65-F5344CB8AC3E}">
+        <p14:creationId xmlns:p14="http://schemas.microsoft.com/office/powerpoint/2010/main" val="233060084"/>
+      </p:ext>
+    </p:extLst>
+  </p:cSld>
+  <p:clrMapOvr>
+    <a:masterClrMapping/>
+  </p:clrMapOvr>
+  <mc:AlternateContent xmlns:mc="http://schemas.openxmlformats.org/markup-compatibility/2006">
+    <mc:Choice xmlns:p159="http://schemas.microsoft.com/office/powerpoint/2015/09/main" Requires="p159">
+      <p:transition xmlns:p14="http://schemas.microsoft.com/office/powerpoint/2010/main" spd="slow" p14:dur="2000">
+        <p159:morph option="byObject"/>
+      </p:transition>
+    </mc:Choice>
+    <mc:Fallback>
+      <p:transition spd="slow">
+        <p:fade/>
+      </p:transition>
+    </mc:Fallback>
+  </mc:AlternateContent>
+</p:sld>
+</file>
+
+<file path=ppt/slides/slide11.xml><?xml version="1.0" encoding="utf-8"?>
+<p:sld xmlns:a="http://schemas.openxmlformats.org/drawingml/2006/main" xmlns:r="http://schemas.openxmlformats.org/officeDocument/2006/relationships" xmlns:p="http://schemas.openxmlformats.org/presentationml/2006/main">
+  <p:cSld>
+    <p:spTree>
+      <p:nvGrpSpPr>
+        <p:cNvPr id="1" name=""/>
+        <p:cNvGrpSpPr/>
+        <p:nvPr/>
+      </p:nvGrpSpPr>
+      <p:grpSpPr>
+        <a:xfrm>
+          <a:off x="0" y="0"/>
+          <a:ext cx="0" cy="0"/>
+          <a:chOff x="0" y="0"/>
+          <a:chExt cx="0" cy="0"/>
+        </a:xfrm>
+      </p:grpSpPr>
+      <p:pic>
+        <p:nvPicPr>
+          <p:cNvPr id="5" name="Grafik 4"/>
+          <p:cNvPicPr>
+            <a:picLocks noChangeAspect="1"/>
+          </p:cNvPicPr>
+          <p:nvPr/>
+        </p:nvPicPr>
+        <p:blipFill>
+          <a:blip r:embed="rId2"/>
+          <a:stretch>
+            <a:fillRect/>
+          </a:stretch>
+        </p:blipFill>
+        <p:spPr>
+          <a:xfrm>
+            <a:off x="6737230" y="-2"/>
+            <a:ext cx="5435994" cy="1578635"/>
+          </a:xfrm>
+          <a:prstGeom prst="rect">
+            <a:avLst/>
+          </a:prstGeom>
+        </p:spPr>
+      </p:pic>
+      <p:pic>
+        <p:nvPicPr>
+          <p:cNvPr id="6" name="Grafik 3">
+            <a:extLst>
+              <a:ext uri="{FF2B5EF4-FFF2-40B4-BE49-F238E27FC236}">
+                <a16:creationId xmlns:a16="http://schemas.microsoft.com/office/drawing/2014/main" id="{56B88815-4A6E-60B6-7816-CB302BD70A78}"/>
+              </a:ext>
+            </a:extLst>
+          </p:cNvPr>
+          <p:cNvPicPr>
+            <a:picLocks noChangeAspect="1"/>
+          </p:cNvPicPr>
+          <p:nvPr/>
+        </p:nvPicPr>
+        <p:blipFill>
+          <a:blip r:embed="rId3"/>
+          <a:stretch>
+            <a:fillRect/>
+          </a:stretch>
+        </p:blipFill>
+        <p:spPr>
+          <a:xfrm>
+            <a:off x="0" y="0"/>
+            <a:ext cx="6736691" cy="6858000"/>
+          </a:xfrm>
+          <a:prstGeom prst="rect">
+            <a:avLst/>
+          </a:prstGeom>
+        </p:spPr>
+      </p:pic>
+      <p:sp>
+        <p:nvSpPr>
+          <p:cNvPr id="25" name="Rektangel 24">
+            <a:extLst>
+              <a:ext uri="{FF2B5EF4-FFF2-40B4-BE49-F238E27FC236}">
+                <a16:creationId xmlns:a16="http://schemas.microsoft.com/office/drawing/2014/main" id="{7F26C9A4-CD7E-48E9-8423-8579F75771B2}"/>
+              </a:ext>
+            </a:extLst>
+          </p:cNvPr>
+          <p:cNvSpPr/>
+          <p:nvPr/>
+        </p:nvSpPr>
+        <p:spPr>
+          <a:xfrm>
+            <a:off x="280485" y="1133756"/>
+            <a:ext cx="6035040" cy="212171"/>
+          </a:xfrm>
+          <a:prstGeom prst="rect">
+            <a:avLst/>
+          </a:prstGeom>
+          <a:solidFill>
+            <a:srgbClr val="66CC00">
+              <a:alpha val="5000"/>
+            </a:srgbClr>
+          </a:solidFill>
+          <a:ln w="18000">
+            <a:solidFill>
+              <a:srgbClr val="66CC00"/>
+            </a:solidFill>
+          </a:ln>
+        </p:spPr>
+        <p:style>
+          <a:lnRef idx="2">
+            <a:schemeClr val="accent1">
+              <a:shade val="15000"/>
+            </a:schemeClr>
+          </a:lnRef>
+          <a:fillRef idx="1">
+            <a:schemeClr val="accent1"/>
+          </a:fillRef>
+          <a:effectRef idx="0">
+            <a:schemeClr val="accent1"/>
+          </a:effectRef>
+          <a:fontRef idx="minor">
+            <a:schemeClr val="lt1"/>
+          </a:fontRef>
+        </p:style>
+        <p:txBody>
+          <a:bodyPr wrap="none" rtlCol="0" anchor="ctr" anchorCtr="1"/>
+          <a:lstStyle/>
+          <a:p>
+            <a:endParaRPr lang="de-DE">
+              <a:solidFill>
+                <a:srgbClr val="66CC00"/>
+              </a:solidFill>
+            </a:endParaRPr>
+          </a:p>
+        </p:txBody>
+      </p:sp>
+      <p:sp>
+        <p:nvSpPr>
+          <p:cNvPr id="2" name="TextBox 1">
+            <a:extLst>
+              <a:ext uri="{FF2B5EF4-FFF2-40B4-BE49-F238E27FC236}">
+                <a16:creationId xmlns:a16="http://schemas.microsoft.com/office/drawing/2014/main" id="{98BF4963-A4C7-D394-0E7F-26A71FF46DDC}"/>
+              </a:ext>
+            </a:extLst>
+          </p:cNvPr>
+          <p:cNvSpPr txBox="1"/>
+          <p:nvPr/>
+        </p:nvSpPr>
+        <p:spPr>
+          <a:xfrm>
+            <a:off x="6736691" y="1578633"/>
+            <a:ext cx="4508252" cy="2031325"/>
+          </a:xfrm>
+          <a:prstGeom prst="rect">
+            <a:avLst/>
+          </a:prstGeom>
+          <a:noFill/>
+        </p:spPr>
+        <p:txBody>
+          <a:bodyPr wrap="square" rtlCol="0">
+            <a:spAutoFit/>
+          </a:bodyPr>
+          <a:lstStyle/>
+          <a:p>
+            <a:pPr marL="342900" indent="-342900">
+              <a:buAutoNum type="arabicPeriod"/>
+            </a:pPr>
+            <a:r>
+              <a:rPr lang="en-DE" dirty="0"/>
+              <a:t>Hinzufügen aller möglichen Züge</a:t>
+            </a:r>
+          </a:p>
+          <a:p>
+            <a:pPr marL="342900" indent="-342900">
+              <a:buAutoNum type="arabicPeriod"/>
+            </a:pPr>
+            <a:r>
+              <a:rPr lang="en-DE" dirty="0"/>
+              <a:t>Entfernen von Zügen</a:t>
+            </a:r>
+          </a:p>
+          <a:p>
+            <a:pPr marL="800100" lvl="1" indent="-342900">
+              <a:buAutoNum type="arabicPeriod"/>
+            </a:pPr>
+            <a:r>
+              <a:rPr lang="en-DE" dirty="0"/>
+              <a:t>Züge welche aus dem Spielfeld gehen würden</a:t>
+            </a:r>
+          </a:p>
+          <a:p>
+            <a:pPr marL="800100" lvl="1" indent="-342900">
+              <a:buFont typeface="+mj-lt"/>
+              <a:buAutoNum type="arabicPeriod"/>
+            </a:pPr>
+            <a:r>
+              <a:rPr lang="en-DE" dirty="0"/>
+              <a:t>Züge die blockiert sind</a:t>
+            </a:r>
+          </a:p>
+          <a:p>
+            <a:pPr marL="800100" lvl="1" indent="-342900">
+              <a:buFont typeface="+mj-lt"/>
+              <a:buAutoNum type="arabicPeriod"/>
+            </a:pPr>
+            <a:r>
+              <a:rPr lang="en-DE" dirty="0"/>
+              <a:t>Züge die eigene Figuren schlagen würde</a:t>
+            </a:r>
+          </a:p>
+        </p:txBody>
+      </p:sp>
+      <p:pic>
+        <p:nvPicPr>
+          <p:cNvPr id="7" name="Picture 6" descr="A black and white chess board&#10;&#10;Description automatically generated">
+            <a:extLst>
+              <a:ext uri="{FF2B5EF4-FFF2-40B4-BE49-F238E27FC236}">
+                <a16:creationId xmlns:a16="http://schemas.microsoft.com/office/drawing/2014/main" id="{0921DA65-89E8-826D-D541-0F379440980F}"/>
+              </a:ext>
+            </a:extLst>
+          </p:cNvPr>
+          <p:cNvPicPr>
+            <a:picLocks noChangeAspect="1"/>
+          </p:cNvPicPr>
+          <p:nvPr/>
+        </p:nvPicPr>
+        <p:blipFill>
+          <a:blip r:embed="rId4"/>
+          <a:stretch>
+            <a:fillRect/>
+          </a:stretch>
+        </p:blipFill>
+        <p:spPr>
+          <a:xfrm>
+            <a:off x="6743531" y="3591872"/>
+            <a:ext cx="3199498" cy="3243663"/>
+          </a:xfrm>
+          <a:prstGeom prst="rect">
+            <a:avLst/>
+          </a:prstGeom>
+        </p:spPr>
+      </p:pic>
+      <p:grpSp>
+        <p:nvGrpSpPr>
+          <p:cNvPr id="15" name="Group 14">
+            <a:extLst>
+              <a:ext uri="{FF2B5EF4-FFF2-40B4-BE49-F238E27FC236}">
+                <a16:creationId xmlns:a16="http://schemas.microsoft.com/office/drawing/2014/main" id="{AFF26B13-D6F8-9D76-F1C2-02187FB4817B}"/>
+              </a:ext>
+            </a:extLst>
+          </p:cNvPr>
+          <p:cNvGrpSpPr/>
+          <p:nvPr/>
+        </p:nvGrpSpPr>
+        <p:grpSpPr>
+          <a:xfrm>
+            <a:off x="9568269" y="6220149"/>
+            <a:ext cx="359640" cy="426240"/>
+            <a:chOff x="9568269" y="6220149"/>
+            <a:chExt cx="359640" cy="426240"/>
+          </a:xfrm>
+        </p:grpSpPr>
+        <mc:AlternateContent xmlns:mc="http://schemas.openxmlformats.org/markup-compatibility/2006">
+          <mc:Choice xmlns:p14="http://schemas.microsoft.com/office/powerpoint/2010/main" Requires="p14">
+            <p:contentPart p14:bwMode="auto" r:id="rId5">
+              <p14:nvContentPartPr>
+                <p14:cNvPr id="8" name="Ink 7">
+                  <a:extLst>
+                    <a:ext uri="{FF2B5EF4-FFF2-40B4-BE49-F238E27FC236}">
+                      <a16:creationId xmlns:a16="http://schemas.microsoft.com/office/drawing/2014/main" id="{645D5106-9D20-626C-CC28-61611823DA01}"/>
+                    </a:ext>
+                  </a:extLst>
+                </p14:cNvPr>
+                <p14:cNvContentPartPr/>
+                <p14:nvPr/>
+              </p14:nvContentPartPr>
+              <p14:xfrm>
+                <a:off x="9704709" y="6259389"/>
+                <a:ext cx="4680" cy="387000"/>
+              </p14:xfrm>
+            </p:contentPart>
+          </mc:Choice>
+          <mc:Fallback>
+            <p:pic>
+              <p:nvPicPr>
+                <p:cNvPr id="8" name="Ink 7">
+                  <a:extLst>
+                    <a:ext uri="{FF2B5EF4-FFF2-40B4-BE49-F238E27FC236}">
+                      <a16:creationId xmlns:a16="http://schemas.microsoft.com/office/drawing/2014/main" id="{645D5106-9D20-626C-CC28-61611823DA01}"/>
+                    </a:ext>
+                  </a:extLst>
+                </p:cNvPr>
+                <p:cNvPicPr/>
+                <p:nvPr/>
+              </p:nvPicPr>
+              <p:blipFill>
+                <a:blip r:embed="rId6"/>
+                <a:stretch>
+                  <a:fillRect/>
+                </a:stretch>
+              </p:blipFill>
+              <p:spPr>
+                <a:xfrm>
+                  <a:off x="9696069" y="6250749"/>
+                  <a:ext cx="22320" cy="404640"/>
+                </a:xfrm>
+                <a:prstGeom prst="rect">
+                  <a:avLst/>
+                </a:prstGeom>
+              </p:spPr>
+            </p:pic>
+          </mc:Fallback>
+        </mc:AlternateContent>
+        <mc:AlternateContent xmlns:mc="http://schemas.openxmlformats.org/markup-compatibility/2006">
+          <mc:Choice xmlns:p14="http://schemas.microsoft.com/office/powerpoint/2010/main" Requires="p14">
+            <p:contentPart p14:bwMode="auto" r:id="rId7">
+              <p14:nvContentPartPr>
+                <p14:cNvPr id="9" name="Ink 8">
+                  <a:extLst>
+                    <a:ext uri="{FF2B5EF4-FFF2-40B4-BE49-F238E27FC236}">
+                      <a16:creationId xmlns:a16="http://schemas.microsoft.com/office/drawing/2014/main" id="{EF3FE410-0CE7-0FC8-E2A9-74420A001017}"/>
+                    </a:ext>
+                  </a:extLst>
+                </p14:cNvPr>
+                <p14:cNvContentPartPr/>
+                <p14:nvPr/>
+              </p14:nvContentPartPr>
+              <p14:xfrm>
+                <a:off x="9605349" y="6220149"/>
+                <a:ext cx="322560" cy="156240"/>
+              </p14:xfrm>
+            </p:contentPart>
+          </mc:Choice>
+          <mc:Fallback>
+            <p:pic>
+              <p:nvPicPr>
+                <p:cNvPr id="9" name="Ink 8">
+                  <a:extLst>
+                    <a:ext uri="{FF2B5EF4-FFF2-40B4-BE49-F238E27FC236}">
+                      <a16:creationId xmlns:a16="http://schemas.microsoft.com/office/drawing/2014/main" id="{EF3FE410-0CE7-0FC8-E2A9-74420A001017}"/>
+                    </a:ext>
+                  </a:extLst>
+                </p:cNvPr>
+                <p:cNvPicPr/>
+                <p:nvPr/>
+              </p:nvPicPr>
+              <p:blipFill>
+                <a:blip r:embed="rId8"/>
+                <a:stretch>
+                  <a:fillRect/>
+                </a:stretch>
+              </p:blipFill>
+              <p:spPr>
+                <a:xfrm>
+                  <a:off x="9596709" y="6211149"/>
+                  <a:ext cx="340200" cy="173880"/>
+                </a:xfrm>
+                <a:prstGeom prst="rect">
+                  <a:avLst/>
+                </a:prstGeom>
+              </p:spPr>
+            </p:pic>
+          </mc:Fallback>
+        </mc:AlternateContent>
+        <mc:AlternateContent xmlns:mc="http://schemas.openxmlformats.org/markup-compatibility/2006">
+          <mc:Choice xmlns:p14="http://schemas.microsoft.com/office/powerpoint/2010/main" Requires="p14">
+            <p:contentPart p14:bwMode="auto" r:id="rId9">
+              <p14:nvContentPartPr>
+                <p14:cNvPr id="11" name="Ink 10">
+                  <a:extLst>
+                    <a:ext uri="{FF2B5EF4-FFF2-40B4-BE49-F238E27FC236}">
+                      <a16:creationId xmlns:a16="http://schemas.microsoft.com/office/drawing/2014/main" id="{86E361AD-259E-927B-A2D9-279E0A841B4B}"/>
+                    </a:ext>
+                  </a:extLst>
+                </p14:cNvPr>
+                <p14:cNvContentPartPr/>
+                <p14:nvPr/>
+              </p14:nvContentPartPr>
+              <p14:xfrm>
+                <a:off x="9638829" y="6399789"/>
+                <a:ext cx="194760" cy="190440"/>
+              </p14:xfrm>
+            </p:contentPart>
+          </mc:Choice>
+          <mc:Fallback>
+            <p:pic>
+              <p:nvPicPr>
+                <p:cNvPr id="11" name="Ink 10">
+                  <a:extLst>
+                    <a:ext uri="{FF2B5EF4-FFF2-40B4-BE49-F238E27FC236}">
+                      <a16:creationId xmlns:a16="http://schemas.microsoft.com/office/drawing/2014/main" id="{86E361AD-259E-927B-A2D9-279E0A841B4B}"/>
+                    </a:ext>
+                  </a:extLst>
+                </p:cNvPr>
+                <p:cNvPicPr/>
+                <p:nvPr/>
+              </p:nvPicPr>
+              <p:blipFill>
+                <a:blip r:embed="rId10"/>
+                <a:stretch>
+                  <a:fillRect/>
+                </a:stretch>
+              </p:blipFill>
+              <p:spPr>
+                <a:xfrm>
+                  <a:off x="9630189" y="6390789"/>
+                  <a:ext cx="212400" cy="208080"/>
+                </a:xfrm>
+                <a:prstGeom prst="rect">
+                  <a:avLst/>
+                </a:prstGeom>
+              </p:spPr>
+            </p:pic>
+          </mc:Fallback>
+        </mc:AlternateContent>
+        <mc:AlternateContent xmlns:mc="http://schemas.openxmlformats.org/markup-compatibility/2006">
+          <mc:Choice xmlns:p14="http://schemas.microsoft.com/office/powerpoint/2010/main" Requires="p14">
+            <p:contentPart p14:bwMode="auto" r:id="rId11">
+              <p14:nvContentPartPr>
+                <p14:cNvPr id="14" name="Ink 13">
+                  <a:extLst>
+                    <a:ext uri="{FF2B5EF4-FFF2-40B4-BE49-F238E27FC236}">
+                      <a16:creationId xmlns:a16="http://schemas.microsoft.com/office/drawing/2014/main" id="{0470686B-7D3E-65BA-D001-23EAEECD0B36}"/>
+                    </a:ext>
+                  </a:extLst>
+                </p14:cNvPr>
+                <p14:cNvContentPartPr/>
+                <p14:nvPr/>
+              </p14:nvContentPartPr>
+              <p14:xfrm>
+                <a:off x="9568269" y="6418869"/>
+                <a:ext cx="243360" cy="187200"/>
+              </p14:xfrm>
+            </p:contentPart>
+          </mc:Choice>
+          <mc:Fallback>
+            <p:pic>
+              <p:nvPicPr>
+                <p:cNvPr id="14" name="Ink 13">
+                  <a:extLst>
+                    <a:ext uri="{FF2B5EF4-FFF2-40B4-BE49-F238E27FC236}">
+                      <a16:creationId xmlns:a16="http://schemas.microsoft.com/office/drawing/2014/main" id="{0470686B-7D3E-65BA-D001-23EAEECD0B36}"/>
+                    </a:ext>
+                  </a:extLst>
+                </p:cNvPr>
+                <p:cNvPicPr/>
+                <p:nvPr/>
+              </p:nvPicPr>
+              <p:blipFill>
+                <a:blip r:embed="rId12"/>
+                <a:stretch>
+                  <a:fillRect/>
+                </a:stretch>
+              </p:blipFill>
+              <p:spPr>
+                <a:xfrm>
+                  <a:off x="9559629" y="6410229"/>
+                  <a:ext cx="261000" cy="204840"/>
+                </a:xfrm>
+                <a:prstGeom prst="rect">
+                  <a:avLst/>
+                </a:prstGeom>
+              </p:spPr>
+            </p:pic>
+          </mc:Fallback>
+        </mc:AlternateContent>
+      </p:grpSp>
+    </p:spTree>
+    <p:extLst>
+      <p:ext uri="{BB962C8B-B14F-4D97-AF65-F5344CB8AC3E}">
+        <p14:creationId xmlns:p14="http://schemas.microsoft.com/office/powerpoint/2010/main" val="988144457"/>
+      </p:ext>
+    </p:extLst>
+  </p:cSld>
+  <p:clrMapOvr>
+    <a:masterClrMapping/>
+  </p:clrMapOvr>
+  <mc:AlternateContent xmlns:mc="http://schemas.openxmlformats.org/markup-compatibility/2006">
+    <mc:Choice xmlns:p159="http://schemas.microsoft.com/office/powerpoint/2015/09/main" Requires="p159">
+      <p:transition xmlns:p14="http://schemas.microsoft.com/office/powerpoint/2010/main" spd="slow" p14:dur="2000">
+        <p159:morph option="byObject"/>
+      </p:transition>
+    </mc:Choice>
+    <mc:Fallback>
+      <p:transition spd="slow">
+        <p:fade/>
+      </p:transition>
+    </mc:Fallback>
+  </mc:AlternateContent>
+</p:sld>
+</file>
+
+<file path=ppt/slides/slide12.xml><?xml version="1.0" encoding="utf-8"?>
+<p:sld xmlns:a="http://schemas.openxmlformats.org/drawingml/2006/main" xmlns:r="http://schemas.openxmlformats.org/officeDocument/2006/relationships" xmlns:p="http://schemas.openxmlformats.org/presentationml/2006/main">
+  <p:cSld>
+    <p:spTree>
+      <p:nvGrpSpPr>
+        <p:cNvPr id="1" name=""/>
+        <p:cNvGrpSpPr/>
+        <p:nvPr/>
+      </p:nvGrpSpPr>
+      <p:grpSpPr>
+        <a:xfrm>
+          <a:off x="0" y="0"/>
+          <a:ext cx="0" cy="0"/>
+          <a:chOff x="0" y="0"/>
+          <a:chExt cx="0" cy="0"/>
+        </a:xfrm>
+      </p:grpSpPr>
+      <p:pic>
+        <p:nvPicPr>
+          <p:cNvPr id="5" name="Grafik 4"/>
+          <p:cNvPicPr>
+            <a:picLocks noChangeAspect="1"/>
+          </p:cNvPicPr>
+          <p:nvPr/>
+        </p:nvPicPr>
+        <p:blipFill>
+          <a:blip r:embed="rId2"/>
+          <a:stretch>
+            <a:fillRect/>
+          </a:stretch>
+        </p:blipFill>
+        <p:spPr>
+          <a:xfrm>
+            <a:off x="6737230" y="-2"/>
+            <a:ext cx="5435994" cy="1578635"/>
+          </a:xfrm>
+          <a:prstGeom prst="rect">
+            <a:avLst/>
+          </a:prstGeom>
+        </p:spPr>
+      </p:pic>
+      <p:pic>
+        <p:nvPicPr>
+          <p:cNvPr id="6" name="Grafik 3">
+            <a:extLst>
+              <a:ext uri="{FF2B5EF4-FFF2-40B4-BE49-F238E27FC236}">
+                <a16:creationId xmlns:a16="http://schemas.microsoft.com/office/drawing/2014/main" id="{56B88815-4A6E-60B6-7816-CB302BD70A78}"/>
+              </a:ext>
+            </a:extLst>
+          </p:cNvPr>
+          <p:cNvPicPr>
+            <a:picLocks noChangeAspect="1"/>
+          </p:cNvPicPr>
+          <p:nvPr/>
+        </p:nvPicPr>
+        <p:blipFill>
+          <a:blip r:embed="rId3"/>
+          <a:stretch>
+            <a:fillRect/>
+          </a:stretch>
+        </p:blipFill>
+        <p:spPr>
+          <a:xfrm>
+            <a:off x="0" y="0"/>
+            <a:ext cx="6736691" cy="6858000"/>
+          </a:xfrm>
+          <a:prstGeom prst="rect">
+            <a:avLst/>
+          </a:prstGeom>
+        </p:spPr>
+      </p:pic>
+      <p:sp>
+        <p:nvSpPr>
+          <p:cNvPr id="25" name="Rektangel 24">
+            <a:extLst>
+              <a:ext uri="{FF2B5EF4-FFF2-40B4-BE49-F238E27FC236}">
+                <a16:creationId xmlns:a16="http://schemas.microsoft.com/office/drawing/2014/main" id="{7F26C9A4-CD7E-48E9-8423-8579F75771B2}"/>
+              </a:ext>
+            </a:extLst>
+          </p:cNvPr>
+          <p:cNvSpPr/>
+          <p:nvPr/>
+        </p:nvSpPr>
+        <p:spPr>
+          <a:xfrm>
+            <a:off x="265491" y="1262742"/>
+            <a:ext cx="6247452" cy="5595257"/>
+          </a:xfrm>
+          <a:prstGeom prst="rect">
+            <a:avLst/>
+          </a:prstGeom>
+          <a:solidFill>
+            <a:srgbClr val="66CC00">
+              <a:alpha val="5000"/>
+            </a:srgbClr>
+          </a:solidFill>
+          <a:ln w="18000">
+            <a:solidFill>
+              <a:srgbClr val="66CC00"/>
+            </a:solidFill>
+          </a:ln>
+        </p:spPr>
+        <p:style>
+          <a:lnRef idx="2">
+            <a:schemeClr val="accent1">
+              <a:shade val="15000"/>
+            </a:schemeClr>
+          </a:lnRef>
+          <a:fillRef idx="1">
+            <a:schemeClr val="accent1"/>
+          </a:fillRef>
+          <a:effectRef idx="0">
+            <a:schemeClr val="accent1"/>
+          </a:effectRef>
+          <a:fontRef idx="minor">
+            <a:schemeClr val="lt1"/>
+          </a:fontRef>
+        </p:style>
+        <p:txBody>
+          <a:bodyPr wrap="none" rtlCol="0" anchor="ctr" anchorCtr="1"/>
+          <a:lstStyle/>
+          <a:p>
+            <a:endParaRPr lang="de-DE">
+              <a:solidFill>
+                <a:srgbClr val="66CC00"/>
+              </a:solidFill>
+            </a:endParaRPr>
+          </a:p>
+        </p:txBody>
+      </p:sp>
+      <p:sp>
+        <p:nvSpPr>
+          <p:cNvPr id="4" name="TextBox 3">
+            <a:extLst>
+              <a:ext uri="{FF2B5EF4-FFF2-40B4-BE49-F238E27FC236}">
+                <a16:creationId xmlns:a16="http://schemas.microsoft.com/office/drawing/2014/main" id="{D72E0C0D-E0BE-A7B5-61F5-0F800C76F260}"/>
+              </a:ext>
+            </a:extLst>
+          </p:cNvPr>
+          <p:cNvSpPr txBox="1"/>
+          <p:nvPr/>
+        </p:nvSpPr>
+        <p:spPr>
+          <a:xfrm>
+            <a:off x="6736691" y="1578633"/>
+            <a:ext cx="4508252" cy="2585323"/>
+          </a:xfrm>
+          <a:prstGeom prst="rect">
+            <a:avLst/>
+          </a:prstGeom>
+          <a:noFill/>
+        </p:spPr>
+        <p:txBody>
+          <a:bodyPr wrap="square" rtlCol="0">
+            <a:spAutoFit/>
+          </a:bodyPr>
+          <a:lstStyle/>
+          <a:p>
+            <a:pPr marL="342900" indent="-342900">
+              <a:buAutoNum type="arabicPeriod"/>
+            </a:pPr>
+            <a:r>
+              <a:rPr lang="en-DE" dirty="0"/>
+              <a:t>Hinzufügen aller möglichen Züge</a:t>
+            </a:r>
+          </a:p>
+          <a:p>
+            <a:pPr marL="342900" indent="-342900">
+              <a:buAutoNum type="arabicPeriod"/>
+            </a:pPr>
+            <a:r>
+              <a:rPr lang="en-DE" dirty="0"/>
+              <a:t>Entfernen von Zügen</a:t>
+            </a:r>
+          </a:p>
+          <a:p>
+            <a:pPr marL="800100" lvl="1" indent="-342900">
+              <a:buAutoNum type="arabicPeriod"/>
+            </a:pPr>
+            <a:r>
+              <a:rPr lang="en-DE" dirty="0"/>
+              <a:t>Züge welche aus dem Spielfeld gehen würden</a:t>
+            </a:r>
+          </a:p>
+          <a:p>
+            <a:pPr marL="800100" lvl="1" indent="-342900">
+              <a:buFont typeface="+mj-lt"/>
+              <a:buAutoNum type="arabicPeriod"/>
+            </a:pPr>
+            <a:r>
+              <a:rPr lang="en-DE" dirty="0"/>
+              <a:t>Züge die blockiert sind</a:t>
+            </a:r>
+          </a:p>
+          <a:p>
+            <a:pPr marL="800100" lvl="1" indent="-342900">
+              <a:buFont typeface="+mj-lt"/>
+              <a:buAutoNum type="arabicPeriod"/>
+            </a:pPr>
+            <a:r>
+              <a:rPr lang="en-DE" dirty="0"/>
+              <a:t>Züge die eigene Figuren schlagen würde</a:t>
+            </a:r>
+          </a:p>
+          <a:p>
+            <a:pPr marL="800100" lvl="1" indent="-342900">
+              <a:buFont typeface="+mj-lt"/>
+              <a:buAutoNum type="arabicPeriod"/>
+            </a:pPr>
+            <a:r>
+              <a:rPr lang="en-DE" dirty="0"/>
+              <a:t>Entfernen von Rochade wenn die Bedingungen nicht erfüllt sind</a:t>
+            </a:r>
+          </a:p>
+        </p:txBody>
+      </p:sp>
+    </p:spTree>
+    <p:extLst>
+      <p:ext uri="{BB962C8B-B14F-4D97-AF65-F5344CB8AC3E}">
+        <p14:creationId xmlns:p14="http://schemas.microsoft.com/office/powerpoint/2010/main" val="2573421387"/>
+      </p:ext>
+    </p:extLst>
+  </p:cSld>
+  <p:clrMapOvr>
+    <a:masterClrMapping/>
+  </p:clrMapOvr>
+  <mc:AlternateContent xmlns:mc="http://schemas.openxmlformats.org/markup-compatibility/2006">
+    <mc:Choice xmlns:p159="http://schemas.microsoft.com/office/powerpoint/2015/09/main" Requires="p159">
+      <p:transition xmlns:p14="http://schemas.microsoft.com/office/powerpoint/2010/main" spd="slow" p14:dur="2000">
+        <p159:morph option="byObject"/>
+      </p:transition>
+    </mc:Choice>
+    <mc:Fallback>
+      <p:transition spd="slow">
+        <p:fade/>
+      </p:transition>
+    </mc:Fallback>
+  </mc:AlternateContent>
+</p:sld>
+</file>
+
+<file path=ppt/slides/slide13.xml><?xml version="1.0" encoding="utf-8"?>
+<p:sld xmlns:a="http://schemas.openxmlformats.org/drawingml/2006/main" xmlns:r="http://schemas.openxmlformats.org/officeDocument/2006/relationships" xmlns:p="http://schemas.openxmlformats.org/presentationml/2006/main">
+  <p:cSld>
+    <p:spTree>
+      <p:nvGrpSpPr>
+        <p:cNvPr id="1" name=""/>
+        <p:cNvGrpSpPr/>
+        <p:nvPr/>
+      </p:nvGrpSpPr>
+      <p:grpSpPr>
+        <a:xfrm>
+          <a:off x="0" y="0"/>
+          <a:ext cx="0" cy="0"/>
+          <a:chOff x="0" y="0"/>
+          <a:chExt cx="0" cy="0"/>
+        </a:xfrm>
+      </p:grpSpPr>
+      <p:pic>
+        <p:nvPicPr>
+          <p:cNvPr id="5" name="Grafik 4"/>
+          <p:cNvPicPr>
+            <a:picLocks noChangeAspect="1"/>
+          </p:cNvPicPr>
+          <p:nvPr/>
+        </p:nvPicPr>
+        <p:blipFill>
+          <a:blip r:embed="rId2"/>
+          <a:stretch>
+            <a:fillRect/>
+          </a:stretch>
+        </p:blipFill>
+        <p:spPr>
+          <a:xfrm>
+            <a:off x="6737230" y="-2"/>
+            <a:ext cx="5435994" cy="1578635"/>
+          </a:xfrm>
+          <a:prstGeom prst="rect">
+            <a:avLst/>
+          </a:prstGeom>
+        </p:spPr>
+      </p:pic>
+      <p:pic>
+        <p:nvPicPr>
+          <p:cNvPr id="6" name="Grafik 3">
+            <a:extLst>
+              <a:ext uri="{FF2B5EF4-FFF2-40B4-BE49-F238E27FC236}">
+                <a16:creationId xmlns:a16="http://schemas.microsoft.com/office/drawing/2014/main" id="{56B88815-4A6E-60B6-7816-CB302BD70A78}"/>
+              </a:ext>
+            </a:extLst>
+          </p:cNvPr>
+          <p:cNvPicPr>
+            <a:picLocks noChangeAspect="1"/>
+          </p:cNvPicPr>
+          <p:nvPr/>
+        </p:nvPicPr>
+        <p:blipFill>
+          <a:blip r:embed="rId3"/>
+          <a:stretch>
+            <a:fillRect/>
+          </a:stretch>
+        </p:blipFill>
+        <p:spPr>
+          <a:xfrm>
+            <a:off x="0" y="0"/>
+            <a:ext cx="6736691" cy="6858000"/>
+          </a:xfrm>
+          <a:prstGeom prst="rect">
+            <a:avLst/>
+          </a:prstGeom>
+        </p:spPr>
+      </p:pic>
+      <p:sp>
+        <p:nvSpPr>
+          <p:cNvPr id="25" name="Rektangel 24">
+            <a:extLst>
+              <a:ext uri="{FF2B5EF4-FFF2-40B4-BE49-F238E27FC236}">
+                <a16:creationId xmlns:a16="http://schemas.microsoft.com/office/drawing/2014/main" id="{7F26C9A4-CD7E-48E9-8423-8579F75771B2}"/>
+              </a:ext>
+            </a:extLst>
+          </p:cNvPr>
+          <p:cNvSpPr/>
+          <p:nvPr/>
+        </p:nvSpPr>
+        <p:spPr>
+          <a:xfrm>
+            <a:off x="6736690" y="-2"/>
+            <a:ext cx="5455309" cy="1578634"/>
+          </a:xfrm>
+          <a:prstGeom prst="rect">
+            <a:avLst/>
+          </a:prstGeom>
+          <a:solidFill>
+            <a:srgbClr val="66CC00">
+              <a:alpha val="5000"/>
+            </a:srgbClr>
+          </a:solidFill>
+          <a:ln w="18000">
+            <a:solidFill>
+              <a:srgbClr val="66CC00"/>
+            </a:solidFill>
+          </a:ln>
+        </p:spPr>
+        <p:style>
+          <a:lnRef idx="2">
+            <a:schemeClr val="accent1">
+              <a:shade val="15000"/>
+            </a:schemeClr>
+          </a:lnRef>
+          <a:fillRef idx="1">
+            <a:schemeClr val="accent1"/>
+          </a:fillRef>
+          <a:effectRef idx="0">
+            <a:schemeClr val="accent1"/>
+          </a:effectRef>
+          <a:fontRef idx="minor">
+            <a:schemeClr val="lt1"/>
+          </a:fontRef>
+        </p:style>
+        <p:txBody>
+          <a:bodyPr wrap="none" rtlCol="0" anchor="ctr" anchorCtr="1"/>
+          <a:lstStyle/>
+          <a:p>
+            <a:endParaRPr lang="de-DE">
+              <a:solidFill>
+                <a:srgbClr val="66CC00"/>
+              </a:solidFill>
+            </a:endParaRPr>
+          </a:p>
+        </p:txBody>
+      </p:sp>
+      <p:sp>
+        <p:nvSpPr>
+          <p:cNvPr id="2" name="TextBox 1">
+            <a:extLst>
+              <a:ext uri="{FF2B5EF4-FFF2-40B4-BE49-F238E27FC236}">
+                <a16:creationId xmlns:a16="http://schemas.microsoft.com/office/drawing/2014/main" id="{63D3B6D1-0189-541E-2A4C-696B52936CE5}"/>
+              </a:ext>
+            </a:extLst>
+          </p:cNvPr>
+          <p:cNvSpPr txBox="1"/>
+          <p:nvPr/>
+        </p:nvSpPr>
+        <p:spPr>
+          <a:xfrm>
+            <a:off x="6736691" y="1578633"/>
+            <a:ext cx="4508252" cy="3139321"/>
+          </a:xfrm>
+          <a:prstGeom prst="rect">
+            <a:avLst/>
+          </a:prstGeom>
+          <a:noFill/>
+        </p:spPr>
+        <p:txBody>
+          <a:bodyPr wrap="square" rtlCol="0">
+            <a:spAutoFit/>
+          </a:bodyPr>
+          <a:lstStyle/>
+          <a:p>
+            <a:pPr marL="342900" indent="-342900">
+              <a:buAutoNum type="arabicPeriod"/>
+            </a:pPr>
+            <a:r>
+              <a:rPr lang="en-DE" dirty="0"/>
+              <a:t>Hinzufügen aller möglichen Züge</a:t>
+            </a:r>
+          </a:p>
+          <a:p>
+            <a:pPr marL="342900" indent="-342900">
+              <a:buAutoNum type="arabicPeriod"/>
+            </a:pPr>
+            <a:r>
+              <a:rPr lang="en-DE" dirty="0"/>
+              <a:t>Entfernen von Zügen</a:t>
+            </a:r>
+          </a:p>
+          <a:p>
+            <a:pPr marL="800100" lvl="1" indent="-342900">
+              <a:buAutoNum type="arabicPeriod"/>
+            </a:pPr>
+            <a:r>
+              <a:rPr lang="en-DE" dirty="0"/>
+              <a:t>Züge welche aus dem Spielfeld gehen würden</a:t>
+            </a:r>
+          </a:p>
+          <a:p>
+            <a:pPr marL="800100" lvl="1" indent="-342900">
+              <a:buFont typeface="+mj-lt"/>
+              <a:buAutoNum type="arabicPeriod"/>
+            </a:pPr>
+            <a:r>
+              <a:rPr lang="en-DE" dirty="0"/>
+              <a:t>Züge die blockiert sind</a:t>
+            </a:r>
+          </a:p>
+          <a:p>
+            <a:pPr marL="800100" lvl="1" indent="-342900">
+              <a:buFont typeface="+mj-lt"/>
+              <a:buAutoNum type="arabicPeriod"/>
+            </a:pPr>
+            <a:r>
+              <a:rPr lang="en-DE" dirty="0"/>
+              <a:t>Züge die eigene Figuren schlagen würde</a:t>
+            </a:r>
+          </a:p>
+          <a:p>
+            <a:pPr marL="800100" lvl="1" indent="-342900">
+              <a:buFont typeface="+mj-lt"/>
+              <a:buAutoNum type="arabicPeriod"/>
+            </a:pPr>
+            <a:r>
+              <a:rPr lang="en-DE" dirty="0"/>
+              <a:t>Entfernen von Rochade wenn die Bedingungen nicht erfüllt sind</a:t>
+            </a:r>
+          </a:p>
+          <a:p>
+            <a:pPr marL="800100" lvl="1" indent="-342900">
+              <a:buFont typeface="+mj-lt"/>
+              <a:buAutoNum type="arabicPeriod"/>
+            </a:pPr>
+            <a:r>
+              <a:rPr lang="en-DE" dirty="0"/>
+              <a:t>Enfernen von Zügen welchen sich selbst in Schach setzen würde</a:t>
+            </a:r>
+          </a:p>
+        </p:txBody>
+      </p:sp>
+    </p:spTree>
+    <p:extLst>
+      <p:ext uri="{BB962C8B-B14F-4D97-AF65-F5344CB8AC3E}">
+        <p14:creationId xmlns:p14="http://schemas.microsoft.com/office/powerpoint/2010/main" val="3286275814"/>
+      </p:ext>
+    </p:extLst>
+  </p:cSld>
+  <p:clrMapOvr>
+    <a:masterClrMapping/>
+  </p:clrMapOvr>
+  <mc:AlternateContent xmlns:mc="http://schemas.openxmlformats.org/markup-compatibility/2006">
+    <mc:Choice xmlns:p159="http://schemas.microsoft.com/office/powerpoint/2015/09/main" Requires="p159">
+      <p:transition xmlns:p14="http://schemas.microsoft.com/office/powerpoint/2010/main" spd="slow" p14:dur="2000">
+        <p159:morph option="byObject"/>
+      </p:transition>
+    </mc:Choice>
+    <mc:Fallback>
+      <p:transition spd="slow">
+        <p:fade/>
+      </p:transition>
+    </mc:Fallback>
+  </mc:AlternateContent>
+</p:sld>
+</file>
+
+<file path=ppt/slides/slide14.xml><?xml version="1.0" encoding="utf-8"?>
+<p:sld xmlns:a="http://schemas.openxmlformats.org/drawingml/2006/main" xmlns:r="http://schemas.openxmlformats.org/officeDocument/2006/relationships" xmlns:p="http://schemas.openxmlformats.org/presentationml/2006/main">
+  <p:cSld>
+    <p:spTree>
+      <p:nvGrpSpPr>
+        <p:cNvPr id="1" name=""/>
+        <p:cNvGrpSpPr/>
+        <p:nvPr/>
+      </p:nvGrpSpPr>
+      <p:grpSpPr>
+        <a:xfrm>
+          <a:off x="0" y="0"/>
+          <a:ext cx="0" cy="0"/>
+          <a:chOff x="0" y="0"/>
+          <a:chExt cx="0" cy="0"/>
+        </a:xfrm>
+      </p:grpSpPr>
+      <p:sp>
+        <p:nvSpPr>
+          <p:cNvPr id="2" name="Titel 1"/>
+          <p:cNvSpPr>
+            <a:spLocks noGrp="1"/>
+          </p:cNvSpPr>
+          <p:nvPr>
+            <p:ph type="title"/>
+          </p:nvPr>
+        </p:nvSpPr>
+        <p:spPr/>
+        <p:txBody>
+          <a:bodyPr/>
+          <a:lstStyle/>
+          <a:p>
+            <a:r>
+              <a:rPr lang="de-DE" dirty="0"/>
+              <a:t>Schach Methode	</a:t>
+            </a:r>
+          </a:p>
+        </p:txBody>
+      </p:sp>
+      <p:sp>
+        <p:nvSpPr>
+          <p:cNvPr id="3" name="Inhaltsplatzhalter 2"/>
+          <p:cNvSpPr>
+            <a:spLocks noGrp="1"/>
+          </p:cNvSpPr>
+          <p:nvPr>
+            <p:ph idx="1"/>
+          </p:nvPr>
+        </p:nvSpPr>
+        <p:spPr/>
+        <p:txBody>
+          <a:bodyPr/>
+          <a:lstStyle/>
+          <a:p>
+            <a:r>
+              <a:rPr lang="de-DE" dirty="0"/>
+              <a:t>Virtuelles durchführen eines Zuges</a:t>
+            </a:r>
+          </a:p>
+          <a:p>
+            <a:r>
+              <a:rPr lang="de-DE" dirty="0"/>
+              <a:t>Prüfen, ob der König im Schach steht</a:t>
+            </a:r>
+          </a:p>
+          <a:p>
+            <a:pPr lvl="1"/>
+            <a:r>
+              <a:rPr lang="de-DE" dirty="0"/>
+              <a:t>Für alle gegnerischen Figuren auf dem Feld alle theoretischen Züge prüfen und schauen, ob der König durch diese schlagbar wäre</a:t>
+            </a:r>
+          </a:p>
+          <a:p>
+            <a:r>
+              <a:rPr lang="de-DE" dirty="0"/>
+              <a:t>Figuren dürfen sich nicht so bewegen, dass der eigene König danach im Schach steht</a:t>
+            </a:r>
+          </a:p>
+          <a:p>
+            <a:r>
+              <a:rPr lang="de-DE" dirty="0"/>
+              <a:t>Es handelt sich um ein Schachmatt, wenn es keinen Zug für die eigenen Figuren gibt, die nicht dafür sorgen, dass der eigene König im nächsten Zug nicht geschlagen werden kann</a:t>
+            </a:r>
+          </a:p>
+          <a:p>
+            <a:r>
+              <a:rPr lang="de-DE" dirty="0"/>
+              <a:t>Wenn der König im Schach steht können andere Figuren nur Züge machen, welche den König aus dem Schach nehmen </a:t>
+            </a:r>
+          </a:p>
+          <a:p>
+            <a:endParaRPr lang="de-DE" dirty="0"/>
+          </a:p>
+        </p:txBody>
+      </p:sp>
+      <p:pic>
+        <p:nvPicPr>
+          <p:cNvPr id="4" name="Grafik 3"/>
+          <p:cNvPicPr>
+            <a:picLocks noChangeAspect="1"/>
+          </p:cNvPicPr>
+          <p:nvPr/>
+        </p:nvPicPr>
+        <p:blipFill>
+          <a:blip r:embed="rId2"/>
+          <a:stretch>
+            <a:fillRect/>
+          </a:stretch>
+        </p:blipFill>
+        <p:spPr>
+          <a:xfrm>
+            <a:off x="9117727" y="438763"/>
+            <a:ext cx="3000794" cy="6096851"/>
+          </a:xfrm>
+          <a:prstGeom prst="rect">
+            <a:avLst/>
+          </a:prstGeom>
+        </p:spPr>
+      </p:pic>
+      <p:grpSp>
+        <p:nvGrpSpPr>
+          <p:cNvPr id="7" name="Group 6">
+            <a:extLst>
+              <a:ext uri="{FF2B5EF4-FFF2-40B4-BE49-F238E27FC236}">
+                <a16:creationId xmlns:a16="http://schemas.microsoft.com/office/drawing/2014/main" id="{EDD264F1-4F57-4A41-4595-4D4D310872FB}"/>
+              </a:ext>
+            </a:extLst>
+          </p:cNvPr>
+          <p:cNvGrpSpPr/>
+          <p:nvPr/>
+        </p:nvGrpSpPr>
+        <p:grpSpPr>
+          <a:xfrm>
+            <a:off x="10826660" y="3674975"/>
+            <a:ext cx="599760" cy="534600"/>
+            <a:chOff x="10826660" y="3674975"/>
+            <a:chExt cx="599760" cy="534600"/>
+          </a:xfrm>
+        </p:grpSpPr>
+        <mc:AlternateContent xmlns:mc="http://schemas.openxmlformats.org/markup-compatibility/2006">
+          <mc:Choice xmlns:p14="http://schemas.microsoft.com/office/powerpoint/2010/main" Requires="p14">
+            <p:contentPart p14:bwMode="auto" r:id="rId3">
+              <p14:nvContentPartPr>
+                <p14:cNvPr id="5" name="Ink 4">
+                  <a:extLst>
+                    <a:ext uri="{FF2B5EF4-FFF2-40B4-BE49-F238E27FC236}">
+                      <a16:creationId xmlns:a16="http://schemas.microsoft.com/office/drawing/2014/main" id="{E9A2B5C4-D9A3-F4EA-B158-C9DD64C21427}"/>
+                    </a:ext>
+                  </a:extLst>
+                </p14:cNvPr>
+                <p14:cNvContentPartPr/>
+                <p14:nvPr/>
+              </p14:nvContentPartPr>
+              <p14:xfrm>
+                <a:off x="10881740" y="3768215"/>
+                <a:ext cx="544680" cy="357840"/>
+              </p14:xfrm>
+            </p:contentPart>
+          </mc:Choice>
+          <mc:Fallback>
+            <p:pic>
+              <p:nvPicPr>
+                <p:cNvPr id="5" name="Ink 4">
+                  <a:extLst>
+                    <a:ext uri="{FF2B5EF4-FFF2-40B4-BE49-F238E27FC236}">
+                      <a16:creationId xmlns:a16="http://schemas.microsoft.com/office/drawing/2014/main" id="{E9A2B5C4-D9A3-F4EA-B158-C9DD64C21427}"/>
+                    </a:ext>
+                  </a:extLst>
+                </p:cNvPr>
+                <p:cNvPicPr/>
+                <p:nvPr/>
+              </p:nvPicPr>
+              <p:blipFill>
+                <a:blip r:embed="rId4"/>
+                <a:stretch>
+                  <a:fillRect/>
+                </a:stretch>
+              </p:blipFill>
+              <p:spPr>
+                <a:xfrm>
+                  <a:off x="10872740" y="3759215"/>
+                  <a:ext cx="562320" cy="375480"/>
+                </a:xfrm>
+                <a:prstGeom prst="rect">
+                  <a:avLst/>
+                </a:prstGeom>
+              </p:spPr>
+            </p:pic>
+          </mc:Fallback>
+        </mc:AlternateContent>
+        <mc:AlternateContent xmlns:mc="http://schemas.openxmlformats.org/markup-compatibility/2006">
+          <mc:Choice xmlns:p14="http://schemas.microsoft.com/office/powerpoint/2010/main" Requires="p14">
+            <p:contentPart p14:bwMode="auto" r:id="rId5">
+              <p14:nvContentPartPr>
+                <p14:cNvPr id="6" name="Ink 5">
+                  <a:extLst>
+                    <a:ext uri="{FF2B5EF4-FFF2-40B4-BE49-F238E27FC236}">
+                      <a16:creationId xmlns:a16="http://schemas.microsoft.com/office/drawing/2014/main" id="{B6BA8146-5CE6-3561-D18F-D8A63EBEBB76}"/>
+                    </a:ext>
+                  </a:extLst>
+                </p14:cNvPr>
+                <p14:cNvContentPartPr/>
+                <p14:nvPr/>
+              </p14:nvContentPartPr>
+              <p14:xfrm>
+                <a:off x="10826660" y="3674975"/>
+                <a:ext cx="500400" cy="534600"/>
+              </p14:xfrm>
+            </p:contentPart>
+          </mc:Choice>
+          <mc:Fallback>
+            <p:pic>
+              <p:nvPicPr>
+                <p:cNvPr id="6" name="Ink 5">
+                  <a:extLst>
+                    <a:ext uri="{FF2B5EF4-FFF2-40B4-BE49-F238E27FC236}">
+                      <a16:creationId xmlns:a16="http://schemas.microsoft.com/office/drawing/2014/main" id="{B6BA8146-5CE6-3561-D18F-D8A63EBEBB76}"/>
+                    </a:ext>
+                  </a:extLst>
+                </p:cNvPr>
+                <p:cNvPicPr/>
+                <p:nvPr/>
+              </p:nvPicPr>
+              <p:blipFill>
+                <a:blip r:embed="rId6"/>
+                <a:stretch>
+                  <a:fillRect/>
+                </a:stretch>
+              </p:blipFill>
+              <p:spPr>
+                <a:xfrm>
+                  <a:off x="10818020" y="3665975"/>
+                  <a:ext cx="518040" cy="552240"/>
+                </a:xfrm>
+                <a:prstGeom prst="rect">
+                  <a:avLst/>
+                </a:prstGeom>
+              </p:spPr>
+            </p:pic>
+          </mc:Fallback>
+        </mc:AlternateContent>
+      </p:grpSp>
+    </p:spTree>
+    <p:extLst>
+      <p:ext uri="{BB962C8B-B14F-4D97-AF65-F5344CB8AC3E}">
+        <p14:creationId xmlns:p14="http://schemas.microsoft.com/office/powerpoint/2010/main" val="2296846381"/>
+      </p:ext>
+    </p:extLst>
+  </p:cSld>
+  <p:clrMapOvr>
+    <a:masterClrMapping/>
+  </p:clrMapOvr>
+</p:sld>
+</file>
+
+<file path=ppt/slides/slide15.xml><?xml version="1.0" encoding="utf-8"?>
+<p:sld xmlns:a="http://schemas.openxmlformats.org/drawingml/2006/main" xmlns:r="http://schemas.openxmlformats.org/officeDocument/2006/relationships" xmlns:p="http://schemas.openxmlformats.org/presentationml/2006/main">
+  <p:cSld>
+    <p:spTree>
+      <p:nvGrpSpPr>
+        <p:cNvPr id="1" name=""/>
+        <p:cNvGrpSpPr/>
+        <p:nvPr/>
+      </p:nvGrpSpPr>
+      <p:grpSpPr>
+        <a:xfrm>
+          <a:off x="0" y="0"/>
+          <a:ext cx="0" cy="0"/>
+          <a:chOff x="0" y="0"/>
+          <a:chExt cx="0" cy="0"/>
+        </a:xfrm>
+      </p:grpSpPr>
+      <p:sp>
+        <p:nvSpPr>
+          <p:cNvPr id="2" name="Title 1">
+            <a:extLst>
+              <a:ext uri="{FF2B5EF4-FFF2-40B4-BE49-F238E27FC236}">
+                <a16:creationId xmlns:a16="http://schemas.microsoft.com/office/drawing/2014/main" id="{C7102A3F-1CBB-9078-CDB9-81339C0CBC5A}"/>
+              </a:ext>
+            </a:extLst>
+          </p:cNvPr>
+          <p:cNvSpPr>
+            <a:spLocks noGrp="1"/>
+          </p:cNvSpPr>
+          <p:nvPr>
+            <p:ph type="title"/>
+          </p:nvPr>
+        </p:nvSpPr>
+        <p:spPr/>
+        <p:txBody>
+          <a:bodyPr/>
+          <a:lstStyle/>
+          <a:p>
+            <a:r>
+              <a:rPr lang="en-DE" dirty="0"/>
+              <a:t>GUI</a:t>
+            </a:r>
+          </a:p>
+        </p:txBody>
+      </p:sp>
+      <p:sp>
+        <p:nvSpPr>
+          <p:cNvPr id="6" name="TextBox 5">
+            <a:extLst>
+              <a:ext uri="{FF2B5EF4-FFF2-40B4-BE49-F238E27FC236}">
+                <a16:creationId xmlns:a16="http://schemas.microsoft.com/office/drawing/2014/main" id="{539A0042-C6CC-98C4-7079-ECE2B5CC1742}"/>
+              </a:ext>
+            </a:extLst>
+          </p:cNvPr>
+          <p:cNvSpPr txBox="1"/>
+          <p:nvPr/>
+        </p:nvSpPr>
+        <p:spPr>
+          <a:xfrm>
+            <a:off x="677334" y="1930400"/>
+            <a:ext cx="4300108" cy="2308324"/>
+          </a:xfrm>
+          <a:prstGeom prst="rect">
+            <a:avLst/>
+          </a:prstGeom>
+          <a:noFill/>
+        </p:spPr>
+        <p:txBody>
+          <a:bodyPr wrap="square" rtlCol="0">
+            <a:spAutoFit/>
+          </a:bodyPr>
+          <a:lstStyle/>
+          <a:p>
+            <a:pPr marL="285750" indent="-285750">
+              <a:buFont typeface="Arial" panose="020B0604020202020204" pitchFamily="34" charset="0"/>
+              <a:buChar char="•"/>
+            </a:pPr>
+            <a:r>
+              <a:rPr lang="en-DE" dirty="0"/>
+              <a:t>Timer geben verbleibende Zeit pro Team an</a:t>
+            </a:r>
+          </a:p>
+          <a:p>
+            <a:pPr marL="285750" indent="-285750">
+              <a:buFont typeface="Arial" panose="020B0604020202020204" pitchFamily="34" charset="0"/>
+              <a:buChar char="•"/>
+            </a:pPr>
+            <a:r>
+              <a:rPr lang="en-DE" dirty="0"/>
+              <a:t>Jedes Feld ist ein Knopf, welcher seine eigenen Koordinaten speichert</a:t>
+            </a:r>
+          </a:p>
+          <a:p>
+            <a:pPr marL="285750" indent="-285750">
+              <a:buFont typeface="Arial" panose="020B0604020202020204" pitchFamily="34" charset="0"/>
+              <a:buChar char="•"/>
+            </a:pPr>
+            <a:r>
+              <a:rPr lang="en-DE" dirty="0"/>
+              <a:t>Timer stellt verbleibende Zeit für die Spieler dar</a:t>
+            </a:r>
+          </a:p>
+          <a:p>
+            <a:endParaRPr lang="en-DE" dirty="0"/>
+          </a:p>
+          <a:p>
+            <a:pPr marL="285750" indent="-285750">
+              <a:buFont typeface="Arial" panose="020B0604020202020204" pitchFamily="34" charset="0"/>
+              <a:buChar char="•"/>
+            </a:pPr>
+            <a:endParaRPr lang="en-DE" dirty="0"/>
+          </a:p>
+        </p:txBody>
+      </p:sp>
+      <p:pic>
+        <p:nvPicPr>
+          <p:cNvPr id="13" name="Content Placeholder 12" descr="A screenshot of a computer game&#10;&#10;Description automatically generated">
+            <a:extLst>
+              <a:ext uri="{FF2B5EF4-FFF2-40B4-BE49-F238E27FC236}">
+                <a16:creationId xmlns:a16="http://schemas.microsoft.com/office/drawing/2014/main" id="{1B8DCCBC-1372-37C2-0B48-87AF0094802B}"/>
+              </a:ext>
+            </a:extLst>
+          </p:cNvPr>
+          <p:cNvPicPr>
+            <a:picLocks noGrp="1" noChangeAspect="1"/>
+          </p:cNvPicPr>
+          <p:nvPr>
+            <p:ph idx="1"/>
+          </p:nvPr>
+        </p:nvPicPr>
+        <p:blipFill>
+          <a:blip r:embed="rId2"/>
+          <a:stretch>
+            <a:fillRect/>
+          </a:stretch>
+        </p:blipFill>
+        <p:spPr>
+          <a:xfrm>
+            <a:off x="5317853" y="888194"/>
+            <a:ext cx="6457722" cy="5081612"/>
+          </a:xfrm>
+        </p:spPr>
+      </p:pic>
+      <mc:AlternateContent xmlns:mc="http://schemas.openxmlformats.org/markup-compatibility/2006">
+        <mc:Choice xmlns:p14="http://schemas.microsoft.com/office/powerpoint/2010/main" Requires="p14">
+          <p:contentPart p14:bwMode="auto" r:id="rId3">
+            <p14:nvContentPartPr>
+              <p14:cNvPr id="15" name="Ink 14">
+                <a:extLst>
+                  <a:ext uri="{FF2B5EF4-FFF2-40B4-BE49-F238E27FC236}">
+                    <a16:creationId xmlns:a16="http://schemas.microsoft.com/office/drawing/2014/main" id="{B7B98627-FA8E-9574-21E3-4454373EE1F0}"/>
+                  </a:ext>
+                </a:extLst>
+              </p14:cNvPr>
+              <p14:cNvContentPartPr/>
+              <p14:nvPr/>
+            </p14:nvContentPartPr>
+            <p14:xfrm>
+              <a:off x="5301380" y="414095"/>
+              <a:ext cx="2798280" cy="504000"/>
+            </p14:xfrm>
+          </p:contentPart>
+        </mc:Choice>
+        <mc:Fallback>
+          <p:pic>
+            <p:nvPicPr>
+              <p:cNvPr id="15" name="Ink 14">
+                <a:extLst>
+                  <a:ext uri="{FF2B5EF4-FFF2-40B4-BE49-F238E27FC236}">
+                    <a16:creationId xmlns:a16="http://schemas.microsoft.com/office/drawing/2014/main" id="{B7B98627-FA8E-9574-21E3-4454373EE1F0}"/>
+                  </a:ext>
+                </a:extLst>
+              </p:cNvPr>
+              <p:cNvPicPr/>
+              <p:nvPr/>
+            </p:nvPicPr>
+            <p:blipFill>
+              <a:blip r:embed="rId4"/>
+              <a:stretch>
+                <a:fillRect/>
+              </a:stretch>
+            </p:blipFill>
+            <p:spPr>
+              <a:xfrm>
+                <a:off x="5292740" y="405455"/>
+                <a:ext cx="2815920" cy="521640"/>
+              </a:xfrm>
+              <a:prstGeom prst="rect">
+                <a:avLst/>
+              </a:prstGeom>
+            </p:spPr>
+          </p:pic>
+        </mc:Fallback>
+      </mc:AlternateContent>
+      <mc:AlternateContent xmlns:mc="http://schemas.openxmlformats.org/markup-compatibility/2006">
+        <mc:Choice xmlns:p14="http://schemas.microsoft.com/office/powerpoint/2010/main" Requires="p14">
+          <p:contentPart p14:bwMode="auto" r:id="rId5">
+            <p14:nvContentPartPr>
+              <p14:cNvPr id="17" name="Ink 16">
+                <a:extLst>
+                  <a:ext uri="{FF2B5EF4-FFF2-40B4-BE49-F238E27FC236}">
+                    <a16:creationId xmlns:a16="http://schemas.microsoft.com/office/drawing/2014/main" id="{C4400DA3-43A7-014B-C5B8-89099E61CACF}"/>
+                  </a:ext>
+                </a:extLst>
+              </p14:cNvPr>
+              <p14:cNvContentPartPr/>
+              <p14:nvPr/>
+            </p14:nvContentPartPr>
+            <p14:xfrm>
+              <a:off x="8099300" y="414095"/>
+              <a:ext cx="2157840" cy="593280"/>
+            </p14:xfrm>
+          </p:contentPart>
+        </mc:Choice>
+        <mc:Fallback>
+          <p:pic>
+            <p:nvPicPr>
+              <p:cNvPr id="17" name="Ink 16">
+                <a:extLst>
+                  <a:ext uri="{FF2B5EF4-FFF2-40B4-BE49-F238E27FC236}">
+                    <a16:creationId xmlns:a16="http://schemas.microsoft.com/office/drawing/2014/main" id="{C4400DA3-43A7-014B-C5B8-89099E61CACF}"/>
+                  </a:ext>
+                </a:extLst>
+              </p:cNvPr>
+              <p:cNvPicPr/>
+              <p:nvPr/>
+            </p:nvPicPr>
+            <p:blipFill>
+              <a:blip r:embed="rId6"/>
+              <a:stretch>
+                <a:fillRect/>
+              </a:stretch>
+            </p:blipFill>
+            <p:spPr>
+              <a:xfrm>
+                <a:off x="8090660" y="405455"/>
+                <a:ext cx="2175480" cy="610920"/>
+              </a:xfrm>
+              <a:prstGeom prst="rect">
+                <a:avLst/>
+              </a:prstGeom>
+            </p:spPr>
+          </p:pic>
+        </mc:Fallback>
+      </mc:AlternateContent>
+      <p:sp>
+        <p:nvSpPr>
+          <p:cNvPr id="21" name="TextBox 20">
+            <a:extLst>
+              <a:ext uri="{FF2B5EF4-FFF2-40B4-BE49-F238E27FC236}">
+                <a16:creationId xmlns:a16="http://schemas.microsoft.com/office/drawing/2014/main" id="{025FF902-2072-1C8B-15EA-1D0AE8ACD259}"/>
+              </a:ext>
+            </a:extLst>
+          </p:cNvPr>
+          <p:cNvSpPr txBox="1"/>
+          <p:nvPr/>
+        </p:nvSpPr>
+        <p:spPr>
+          <a:xfrm>
+            <a:off x="7522860" y="44763"/>
+            <a:ext cx="1152880" cy="369332"/>
+          </a:xfrm>
+          <a:prstGeom prst="rect">
+            <a:avLst/>
+          </a:prstGeom>
+          <a:noFill/>
+        </p:spPr>
+        <p:txBody>
+          <a:bodyPr wrap="none" rtlCol="0">
+            <a:spAutoFit/>
+          </a:bodyPr>
+          <a:lstStyle/>
+          <a:p>
+            <a:r>
+              <a:rPr lang="en-DE" dirty="0"/>
+              <a:t>J</a:t>
+            </a:r>
+            <a:r>
+              <a:rPr lang="en-GB" dirty="0"/>
+              <a:t>b</a:t>
+            </a:r>
+            <a:r>
+              <a:rPr lang="en-DE" dirty="0"/>
+              <a:t>utton[]</a:t>
+            </a:r>
+          </a:p>
+        </p:txBody>
+      </p:sp>
+      <mc:AlternateContent xmlns:mc="http://schemas.openxmlformats.org/markup-compatibility/2006">
+        <mc:Choice xmlns:p14="http://schemas.microsoft.com/office/powerpoint/2010/main" Requires="p14">
+          <p:contentPart p14:bwMode="auto" r:id="rId7">
+            <p14:nvContentPartPr>
+              <p14:cNvPr id="23" name="Ink 22">
+                <a:extLst>
+                  <a:ext uri="{FF2B5EF4-FFF2-40B4-BE49-F238E27FC236}">
+                    <a16:creationId xmlns:a16="http://schemas.microsoft.com/office/drawing/2014/main" id="{6B40F8A4-0F95-3B17-8B12-4901D99CC5C3}"/>
+                  </a:ext>
+                </a:extLst>
+              </p14:cNvPr>
+              <p14:cNvContentPartPr/>
+              <p14:nvPr/>
+            </p14:nvContentPartPr>
+            <p14:xfrm>
+              <a:off x="4920500" y="930335"/>
+              <a:ext cx="398880" cy="2717640"/>
+            </p14:xfrm>
+          </p:contentPart>
+        </mc:Choice>
+        <mc:Fallback>
+          <p:pic>
+            <p:nvPicPr>
+              <p:cNvPr id="23" name="Ink 22">
+                <a:extLst>
+                  <a:ext uri="{FF2B5EF4-FFF2-40B4-BE49-F238E27FC236}">
+                    <a16:creationId xmlns:a16="http://schemas.microsoft.com/office/drawing/2014/main" id="{6B40F8A4-0F95-3B17-8B12-4901D99CC5C3}"/>
+                  </a:ext>
+                </a:extLst>
+              </p:cNvPr>
+              <p:cNvPicPr/>
+              <p:nvPr/>
+            </p:nvPicPr>
+            <p:blipFill>
+              <a:blip r:embed="rId8"/>
+              <a:stretch>
+                <a:fillRect/>
+              </a:stretch>
+            </p:blipFill>
+            <p:spPr>
+              <a:xfrm>
+                <a:off x="4911500" y="921335"/>
+                <a:ext cx="416520" cy="2735280"/>
+              </a:xfrm>
+              <a:prstGeom prst="rect">
+                <a:avLst/>
+              </a:prstGeom>
+            </p:spPr>
+          </p:pic>
+        </mc:Fallback>
+      </mc:AlternateContent>
+      <mc:AlternateContent xmlns:mc="http://schemas.openxmlformats.org/markup-compatibility/2006">
+        <mc:Choice xmlns:p14="http://schemas.microsoft.com/office/powerpoint/2010/main" Requires="p14">
+          <p:contentPart p14:bwMode="auto" r:id="rId9">
+            <p14:nvContentPartPr>
+              <p14:cNvPr id="25" name="Ink 24">
+                <a:extLst>
+                  <a:ext uri="{FF2B5EF4-FFF2-40B4-BE49-F238E27FC236}">
+                    <a16:creationId xmlns:a16="http://schemas.microsoft.com/office/drawing/2014/main" id="{8FED091A-C360-5863-A537-12935F8739EE}"/>
+                  </a:ext>
+                </a:extLst>
+              </p14:cNvPr>
+              <p14:cNvContentPartPr/>
+              <p14:nvPr/>
+            </p14:nvContentPartPr>
+            <p14:xfrm>
+              <a:off x="4920860" y="3647255"/>
+              <a:ext cx="514080" cy="2311200"/>
+            </p14:xfrm>
+          </p:contentPart>
+        </mc:Choice>
+        <mc:Fallback>
+          <p:pic>
+            <p:nvPicPr>
+              <p:cNvPr id="25" name="Ink 24">
+                <a:extLst>
+                  <a:ext uri="{FF2B5EF4-FFF2-40B4-BE49-F238E27FC236}">
+                    <a16:creationId xmlns:a16="http://schemas.microsoft.com/office/drawing/2014/main" id="{8FED091A-C360-5863-A537-12935F8739EE}"/>
+                  </a:ext>
+                </a:extLst>
+              </p:cNvPr>
+              <p:cNvPicPr/>
+              <p:nvPr/>
+            </p:nvPicPr>
+            <p:blipFill>
+              <a:blip r:embed="rId10"/>
+              <a:stretch>
+                <a:fillRect/>
+              </a:stretch>
+            </p:blipFill>
+            <p:spPr>
+              <a:xfrm>
+                <a:off x="4912220" y="3638615"/>
+                <a:ext cx="531720" cy="2328840"/>
+              </a:xfrm>
+              <a:prstGeom prst="rect">
+                <a:avLst/>
+              </a:prstGeom>
+            </p:spPr>
+          </p:pic>
+        </mc:Fallback>
+      </mc:AlternateContent>
+      <p:sp>
+        <p:nvSpPr>
+          <p:cNvPr id="27" name="TextBox 26">
+            <a:extLst>
+              <a:ext uri="{FF2B5EF4-FFF2-40B4-BE49-F238E27FC236}">
+                <a16:creationId xmlns:a16="http://schemas.microsoft.com/office/drawing/2014/main" id="{222403A1-DC48-DD13-C8B0-C21DAF47E383}"/>
+              </a:ext>
+            </a:extLst>
+          </p:cNvPr>
+          <p:cNvSpPr txBox="1"/>
+          <p:nvPr/>
+        </p:nvSpPr>
+        <p:spPr>
+          <a:xfrm>
+            <a:off x="3634753" y="3414679"/>
+            <a:ext cx="1322798" cy="369332"/>
+          </a:xfrm>
+          <a:prstGeom prst="rect">
+            <a:avLst/>
+          </a:prstGeom>
+          <a:noFill/>
+        </p:spPr>
+        <p:txBody>
+          <a:bodyPr wrap="none" rtlCol="0">
+            <a:spAutoFit/>
+          </a:bodyPr>
+          <a:lstStyle/>
+          <a:p>
+            <a:r>
+              <a:rPr lang="en-DE" dirty="0"/>
+              <a:t>J</a:t>
+            </a:r>
+            <a:r>
+              <a:rPr lang="en-GB" dirty="0"/>
+              <a:t>b</a:t>
+            </a:r>
+            <a:r>
+              <a:rPr lang="en-DE" dirty="0"/>
+              <a:t>utton[][]</a:t>
+            </a:r>
+          </a:p>
+        </p:txBody>
+      </p:sp>
+      <p:sp>
+        <p:nvSpPr>
+          <p:cNvPr id="22" name="Rectángulo 21">
+            <a:extLst>
+              <a:ext uri="{FF2B5EF4-FFF2-40B4-BE49-F238E27FC236}">
+                <a16:creationId xmlns:a16="http://schemas.microsoft.com/office/drawing/2014/main" id="{9388AC11-0027-4A72-80F6-FFADA1ECDFB1}"/>
+              </a:ext>
+            </a:extLst>
+          </p:cNvPr>
+          <p:cNvSpPr/>
+          <p:nvPr/>
+        </p:nvSpPr>
+        <p:spPr>
+          <a:xfrm>
+            <a:off x="10456852" y="2643480"/>
+            <a:ext cx="1136434" cy="3108960"/>
+          </a:xfrm>
+          <a:prstGeom prst="rect">
+            <a:avLst/>
+          </a:prstGeom>
+          <a:solidFill>
+            <a:srgbClr val="F6630D">
+              <a:alpha val="5000"/>
+            </a:srgbClr>
+          </a:solidFill>
+          <a:ln w="18000">
+            <a:solidFill>
+              <a:srgbClr val="F6630D"/>
+            </a:solidFill>
+          </a:ln>
+        </p:spPr>
+        <p:style>
+          <a:lnRef idx="2">
+            <a:schemeClr val="accent1">
+              <a:shade val="15000"/>
+            </a:schemeClr>
+          </a:lnRef>
+          <a:fillRef idx="1">
+            <a:schemeClr val="accent1"/>
+          </a:fillRef>
+          <a:effectRef idx="0">
+            <a:schemeClr val="accent1"/>
+          </a:effectRef>
+          <a:fontRef idx="minor">
+            <a:schemeClr val="lt1"/>
+          </a:fontRef>
+        </p:style>
+        <p:txBody>
+          <a:bodyPr wrap="none" rtlCol="0" anchor="ctr" anchorCtr="1"/>
+          <a:lstStyle/>
+          <a:p>
+            <a:endParaRPr lang="en-US">
+              <a:solidFill>
+                <a:srgbClr val="F6630D"/>
+              </a:solidFill>
+            </a:endParaRPr>
+          </a:p>
+        </p:txBody>
+      </p:sp>
+      <p:grpSp>
+        <p:nvGrpSpPr>
+          <p:cNvPr id="33" name="Group 32">
+            <a:extLst>
+              <a:ext uri="{FF2B5EF4-FFF2-40B4-BE49-F238E27FC236}">
+                <a16:creationId xmlns:a16="http://schemas.microsoft.com/office/drawing/2014/main" id="{B7542C2A-2C9C-7F13-1B46-5E44D2308386}"/>
+              </a:ext>
+            </a:extLst>
+          </p:cNvPr>
+          <p:cNvGrpSpPr/>
+          <p:nvPr/>
+        </p:nvGrpSpPr>
+        <p:grpSpPr>
+          <a:xfrm>
+            <a:off x="10382949" y="5769429"/>
+            <a:ext cx="616320" cy="482760"/>
+            <a:chOff x="10382949" y="5769429"/>
+            <a:chExt cx="616320" cy="482760"/>
+          </a:xfrm>
+        </p:grpSpPr>
+        <mc:AlternateContent xmlns:mc="http://schemas.openxmlformats.org/markup-compatibility/2006">
+          <mc:Choice xmlns:p14="http://schemas.microsoft.com/office/powerpoint/2010/main" Requires="p14">
+            <p:contentPart p14:bwMode="auto" r:id="rId11">
+              <p14:nvContentPartPr>
+                <p14:cNvPr id="31" name="Ink 30">
+                  <a:extLst>
+                    <a:ext uri="{FF2B5EF4-FFF2-40B4-BE49-F238E27FC236}">
+                      <a16:creationId xmlns:a16="http://schemas.microsoft.com/office/drawing/2014/main" id="{B9480F3F-3EB9-6B28-2943-F1B54A2D51FC}"/>
+                    </a:ext>
+                  </a:extLst>
+                </p14:cNvPr>
+                <p14:cNvContentPartPr/>
+                <p14:nvPr/>
+              </p14:nvContentPartPr>
+              <p14:xfrm>
+                <a:off x="10382949" y="5810109"/>
+                <a:ext cx="478800" cy="442080"/>
+              </p14:xfrm>
+            </p:contentPart>
+          </mc:Choice>
+          <mc:Fallback>
+            <p:pic>
+              <p:nvPicPr>
+                <p:cNvPr id="31" name="Ink 30">
+                  <a:extLst>
+                    <a:ext uri="{FF2B5EF4-FFF2-40B4-BE49-F238E27FC236}">
+                      <a16:creationId xmlns:a16="http://schemas.microsoft.com/office/drawing/2014/main" id="{B9480F3F-3EB9-6B28-2943-F1B54A2D51FC}"/>
+                    </a:ext>
+                  </a:extLst>
+                </p:cNvPr>
+                <p:cNvPicPr/>
+                <p:nvPr/>
+              </p:nvPicPr>
+              <p:blipFill>
+                <a:blip r:embed="rId12"/>
+                <a:stretch>
+                  <a:fillRect/>
+                </a:stretch>
+              </p:blipFill>
+              <p:spPr>
+                <a:xfrm>
+                  <a:off x="10374309" y="5801469"/>
+                  <a:ext cx="496440" cy="459720"/>
+                </a:xfrm>
+                <a:prstGeom prst="rect">
+                  <a:avLst/>
+                </a:prstGeom>
+              </p:spPr>
+            </p:pic>
+          </mc:Fallback>
+        </mc:AlternateContent>
+        <mc:AlternateContent xmlns:mc="http://schemas.openxmlformats.org/markup-compatibility/2006">
+          <mc:Choice xmlns:p14="http://schemas.microsoft.com/office/powerpoint/2010/main" Requires="p14">
+            <p:contentPart p14:bwMode="auto" r:id="rId13">
+              <p14:nvContentPartPr>
+                <p14:cNvPr id="32" name="Ink 31">
+                  <a:extLst>
+                    <a:ext uri="{FF2B5EF4-FFF2-40B4-BE49-F238E27FC236}">
+                      <a16:creationId xmlns:a16="http://schemas.microsoft.com/office/drawing/2014/main" id="{A237AD92-47AE-EDBF-2B05-8D4EE8F127F1}"/>
+                    </a:ext>
+                  </a:extLst>
+                </p14:cNvPr>
+                <p14:cNvContentPartPr/>
+                <p14:nvPr/>
+              </p14:nvContentPartPr>
+              <p14:xfrm>
+                <a:off x="10683189" y="5769429"/>
+                <a:ext cx="316080" cy="149760"/>
+              </p14:xfrm>
+            </p:contentPart>
+          </mc:Choice>
+          <mc:Fallback>
+            <p:pic>
+              <p:nvPicPr>
+                <p:cNvPr id="32" name="Ink 31">
+                  <a:extLst>
+                    <a:ext uri="{FF2B5EF4-FFF2-40B4-BE49-F238E27FC236}">
+                      <a16:creationId xmlns:a16="http://schemas.microsoft.com/office/drawing/2014/main" id="{A237AD92-47AE-EDBF-2B05-8D4EE8F127F1}"/>
+                    </a:ext>
+                  </a:extLst>
+                </p:cNvPr>
+                <p:cNvPicPr/>
+                <p:nvPr/>
+              </p:nvPicPr>
+              <p:blipFill>
+                <a:blip r:embed="rId14"/>
+                <a:stretch>
+                  <a:fillRect/>
+                </a:stretch>
+              </p:blipFill>
+              <p:spPr>
+                <a:xfrm>
+                  <a:off x="10674549" y="5760429"/>
+                  <a:ext cx="333720" cy="167400"/>
+                </a:xfrm>
+                <a:prstGeom prst="rect">
+                  <a:avLst/>
+                </a:prstGeom>
+              </p:spPr>
+            </p:pic>
+          </mc:Fallback>
+        </mc:AlternateContent>
+      </p:grpSp>
+      <p:grpSp>
+        <p:nvGrpSpPr>
+          <p:cNvPr id="42" name="Group 41">
+            <a:extLst>
+              <a:ext uri="{FF2B5EF4-FFF2-40B4-BE49-F238E27FC236}">
+                <a16:creationId xmlns:a16="http://schemas.microsoft.com/office/drawing/2014/main" id="{48BC36D2-507B-AE8B-AE2A-EAB26FFF0AC3}"/>
+              </a:ext>
+            </a:extLst>
+          </p:cNvPr>
+          <p:cNvGrpSpPr/>
+          <p:nvPr/>
+        </p:nvGrpSpPr>
+        <p:grpSpPr>
+          <a:xfrm>
+            <a:off x="10618749" y="2873589"/>
+            <a:ext cx="248040" cy="6120"/>
+            <a:chOff x="10618749" y="2873589"/>
+            <a:chExt cx="248040" cy="6120"/>
+          </a:xfrm>
+        </p:grpSpPr>
+        <mc:AlternateContent xmlns:mc="http://schemas.openxmlformats.org/markup-compatibility/2006">
+          <mc:Choice xmlns:p14="http://schemas.microsoft.com/office/powerpoint/2010/main" Requires="p14">
+            <p:contentPart p14:bwMode="auto" r:id="rId15">
+              <p14:nvContentPartPr>
+                <p14:cNvPr id="38" name="Ink 37">
+                  <a:extLst>
+                    <a:ext uri="{FF2B5EF4-FFF2-40B4-BE49-F238E27FC236}">
+                      <a16:creationId xmlns:a16="http://schemas.microsoft.com/office/drawing/2014/main" id="{04161F44-53FD-7BE5-E23B-A26BE8130613}"/>
+                    </a:ext>
+                  </a:extLst>
+                </p14:cNvPr>
+                <p14:cNvContentPartPr/>
+                <p14:nvPr/>
+              </p14:nvContentPartPr>
+              <p14:xfrm>
+                <a:off x="10618749" y="2873589"/>
+                <a:ext cx="360" cy="360"/>
+              </p14:xfrm>
+            </p:contentPart>
+          </mc:Choice>
+          <mc:Fallback>
+            <p:pic>
+              <p:nvPicPr>
+                <p:cNvPr id="38" name="Ink 37">
+                  <a:extLst>
+                    <a:ext uri="{FF2B5EF4-FFF2-40B4-BE49-F238E27FC236}">
+                      <a16:creationId xmlns:a16="http://schemas.microsoft.com/office/drawing/2014/main" id="{04161F44-53FD-7BE5-E23B-A26BE8130613}"/>
+                    </a:ext>
+                  </a:extLst>
+                </p:cNvPr>
+                <p:cNvPicPr/>
+                <p:nvPr/>
+              </p:nvPicPr>
+              <p:blipFill>
+                <a:blip r:embed="rId16"/>
+                <a:stretch>
+                  <a:fillRect/>
+                </a:stretch>
+              </p:blipFill>
+              <p:spPr>
+                <a:xfrm>
+                  <a:off x="10609749" y="2864949"/>
+                  <a:ext cx="18000" cy="18000"/>
+                </a:xfrm>
+                <a:prstGeom prst="rect">
+                  <a:avLst/>
+                </a:prstGeom>
+              </p:spPr>
+            </p:pic>
+          </mc:Fallback>
+        </mc:AlternateContent>
+        <mc:AlternateContent xmlns:mc="http://schemas.openxmlformats.org/markup-compatibility/2006">
+          <mc:Choice xmlns:p14="http://schemas.microsoft.com/office/powerpoint/2010/main" Requires="p14">
+            <p:contentPart p14:bwMode="auto" r:id="rId17">
+              <p14:nvContentPartPr>
+                <p14:cNvPr id="39" name="Ink 38">
+                  <a:extLst>
+                    <a:ext uri="{FF2B5EF4-FFF2-40B4-BE49-F238E27FC236}">
+                      <a16:creationId xmlns:a16="http://schemas.microsoft.com/office/drawing/2014/main" id="{BB92E9D1-71AD-2285-A6ED-C59597776ACD}"/>
+                    </a:ext>
+                  </a:extLst>
+                </p14:cNvPr>
+                <p14:cNvContentPartPr/>
+                <p14:nvPr/>
+              </p14:nvContentPartPr>
+              <p14:xfrm>
+                <a:off x="10729629" y="2873589"/>
+                <a:ext cx="360" cy="360"/>
+              </p14:xfrm>
+            </p:contentPart>
+          </mc:Choice>
+          <mc:Fallback>
+            <p:pic>
+              <p:nvPicPr>
+                <p:cNvPr id="39" name="Ink 38">
+                  <a:extLst>
+                    <a:ext uri="{FF2B5EF4-FFF2-40B4-BE49-F238E27FC236}">
+                      <a16:creationId xmlns:a16="http://schemas.microsoft.com/office/drawing/2014/main" id="{BB92E9D1-71AD-2285-A6ED-C59597776ACD}"/>
+                    </a:ext>
+                  </a:extLst>
+                </p:cNvPr>
+                <p:cNvPicPr/>
+                <p:nvPr/>
+              </p:nvPicPr>
+              <p:blipFill>
+                <a:blip r:embed="rId16"/>
+                <a:stretch>
+                  <a:fillRect/>
+                </a:stretch>
+              </p:blipFill>
+              <p:spPr>
+                <a:xfrm>
+                  <a:off x="10720629" y="2864949"/>
+                  <a:ext cx="18000" cy="18000"/>
+                </a:xfrm>
+                <a:prstGeom prst="rect">
+                  <a:avLst/>
+                </a:prstGeom>
+              </p:spPr>
+            </p:pic>
+          </mc:Fallback>
+        </mc:AlternateContent>
+        <mc:AlternateContent xmlns:mc="http://schemas.openxmlformats.org/markup-compatibility/2006">
+          <mc:Choice xmlns:p14="http://schemas.microsoft.com/office/powerpoint/2010/main" Requires="p14">
+            <p:contentPart p14:bwMode="auto" r:id="rId18">
+              <p14:nvContentPartPr>
+                <p14:cNvPr id="41" name="Ink 40">
+                  <a:extLst>
+                    <a:ext uri="{FF2B5EF4-FFF2-40B4-BE49-F238E27FC236}">
+                      <a16:creationId xmlns:a16="http://schemas.microsoft.com/office/drawing/2014/main" id="{C3184715-C2D2-241A-9DAB-E92B66A9A9F3}"/>
+                    </a:ext>
+                  </a:extLst>
+                </p14:cNvPr>
+                <p14:cNvContentPartPr/>
+                <p14:nvPr/>
+              </p14:nvContentPartPr>
+              <p14:xfrm>
+                <a:off x="10866429" y="2879349"/>
+                <a:ext cx="360" cy="360"/>
+              </p14:xfrm>
+            </p:contentPart>
+          </mc:Choice>
+          <mc:Fallback>
+            <p:pic>
+              <p:nvPicPr>
+                <p:cNvPr id="41" name="Ink 40">
+                  <a:extLst>
+                    <a:ext uri="{FF2B5EF4-FFF2-40B4-BE49-F238E27FC236}">
+                      <a16:creationId xmlns:a16="http://schemas.microsoft.com/office/drawing/2014/main" id="{C3184715-C2D2-241A-9DAB-E92B66A9A9F3}"/>
+                    </a:ext>
+                  </a:extLst>
+                </p:cNvPr>
+                <p:cNvPicPr/>
+                <p:nvPr/>
+              </p:nvPicPr>
+              <p:blipFill>
+                <a:blip r:embed="rId16"/>
+                <a:stretch>
+                  <a:fillRect/>
+                </a:stretch>
+              </p:blipFill>
+              <p:spPr>
+                <a:xfrm>
+                  <a:off x="10857789" y="2870709"/>
+                  <a:ext cx="18000" cy="18000"/>
+                </a:xfrm>
+                <a:prstGeom prst="rect">
+                  <a:avLst/>
+                </a:prstGeom>
+              </p:spPr>
+            </p:pic>
+          </mc:Fallback>
+        </mc:AlternateContent>
+      </p:grpSp>
+      <p:grpSp>
+        <p:nvGrpSpPr>
+          <p:cNvPr id="47" name="Group 46">
+            <a:extLst>
+              <a:ext uri="{FF2B5EF4-FFF2-40B4-BE49-F238E27FC236}">
+                <a16:creationId xmlns:a16="http://schemas.microsoft.com/office/drawing/2014/main" id="{B128091D-176F-0820-D2F1-0783AD75B099}"/>
+              </a:ext>
+            </a:extLst>
+          </p:cNvPr>
+          <p:cNvGrpSpPr/>
+          <p:nvPr/>
+        </p:nvGrpSpPr>
+        <p:grpSpPr>
+          <a:xfrm>
+            <a:off x="10613709" y="3131349"/>
+            <a:ext cx="291600" cy="8640"/>
+            <a:chOff x="10613709" y="3131349"/>
+            <a:chExt cx="291600" cy="8640"/>
+          </a:xfrm>
+        </p:grpSpPr>
+        <mc:AlternateContent xmlns:mc="http://schemas.openxmlformats.org/markup-compatibility/2006">
+          <mc:Choice xmlns:p14="http://schemas.microsoft.com/office/powerpoint/2010/main" Requires="p14">
+            <p:contentPart p14:bwMode="auto" r:id="rId19">
+              <p14:nvContentPartPr>
+                <p14:cNvPr id="43" name="Ink 42">
+                  <a:extLst>
+                    <a:ext uri="{FF2B5EF4-FFF2-40B4-BE49-F238E27FC236}">
+                      <a16:creationId xmlns:a16="http://schemas.microsoft.com/office/drawing/2014/main" id="{A1F9EDE0-8D39-55B4-95EF-0F8808637848}"/>
+                    </a:ext>
+                  </a:extLst>
+                </p14:cNvPr>
+                <p14:cNvContentPartPr/>
+                <p14:nvPr/>
+              </p14:nvContentPartPr>
+              <p14:xfrm>
+                <a:off x="10613709" y="3139629"/>
+                <a:ext cx="360" cy="360"/>
+              </p14:xfrm>
+            </p:contentPart>
+          </mc:Choice>
+          <mc:Fallback>
+            <p:pic>
+              <p:nvPicPr>
+                <p:cNvPr id="43" name="Ink 42">
+                  <a:extLst>
+                    <a:ext uri="{FF2B5EF4-FFF2-40B4-BE49-F238E27FC236}">
+                      <a16:creationId xmlns:a16="http://schemas.microsoft.com/office/drawing/2014/main" id="{A1F9EDE0-8D39-55B4-95EF-0F8808637848}"/>
+                    </a:ext>
+                  </a:extLst>
+                </p:cNvPr>
+                <p:cNvPicPr/>
+                <p:nvPr/>
+              </p:nvPicPr>
+              <p:blipFill>
+                <a:blip r:embed="rId16"/>
+                <a:stretch>
+                  <a:fillRect/>
+                </a:stretch>
+              </p:blipFill>
+              <p:spPr>
+                <a:xfrm>
+                  <a:off x="10604709" y="3130989"/>
+                  <a:ext cx="18000" cy="18000"/>
+                </a:xfrm>
+                <a:prstGeom prst="rect">
+                  <a:avLst/>
+                </a:prstGeom>
+              </p:spPr>
+            </p:pic>
+          </mc:Fallback>
+        </mc:AlternateContent>
+        <mc:AlternateContent xmlns:mc="http://schemas.openxmlformats.org/markup-compatibility/2006">
+          <mc:Choice xmlns:p14="http://schemas.microsoft.com/office/powerpoint/2010/main" Requires="p14">
+            <p:contentPart p14:bwMode="auto" r:id="rId20">
+              <p14:nvContentPartPr>
+                <p14:cNvPr id="44" name="Ink 43">
+                  <a:extLst>
+                    <a:ext uri="{FF2B5EF4-FFF2-40B4-BE49-F238E27FC236}">
+                      <a16:creationId xmlns:a16="http://schemas.microsoft.com/office/drawing/2014/main" id="{3E34A56B-5765-B939-7FFE-BDB4C664E6EB}"/>
+                    </a:ext>
+                  </a:extLst>
+                </p14:cNvPr>
+                <p14:cNvContentPartPr/>
+                <p14:nvPr/>
+              </p14:nvContentPartPr>
+              <p14:xfrm>
+                <a:off x="10744749" y="3131349"/>
+                <a:ext cx="360" cy="360"/>
+              </p14:xfrm>
+            </p:contentPart>
+          </mc:Choice>
+          <mc:Fallback>
+            <p:pic>
+              <p:nvPicPr>
+                <p:cNvPr id="44" name="Ink 43">
+                  <a:extLst>
+                    <a:ext uri="{FF2B5EF4-FFF2-40B4-BE49-F238E27FC236}">
+                      <a16:creationId xmlns:a16="http://schemas.microsoft.com/office/drawing/2014/main" id="{3E34A56B-5765-B939-7FFE-BDB4C664E6EB}"/>
+                    </a:ext>
+                  </a:extLst>
+                </p:cNvPr>
+                <p:cNvPicPr/>
+                <p:nvPr/>
+              </p:nvPicPr>
+              <p:blipFill>
+                <a:blip r:embed="rId16"/>
+                <a:stretch>
+                  <a:fillRect/>
+                </a:stretch>
+              </p:blipFill>
+              <p:spPr>
+                <a:xfrm>
+                  <a:off x="10736109" y="3122709"/>
+                  <a:ext cx="18000" cy="18000"/>
+                </a:xfrm>
+                <a:prstGeom prst="rect">
+                  <a:avLst/>
+                </a:prstGeom>
+              </p:spPr>
+            </p:pic>
+          </mc:Fallback>
+        </mc:AlternateContent>
+        <mc:AlternateContent xmlns:mc="http://schemas.openxmlformats.org/markup-compatibility/2006">
+          <mc:Choice xmlns:p14="http://schemas.microsoft.com/office/powerpoint/2010/main" Requires="p14">
+            <p:contentPart p14:bwMode="auto" r:id="rId21">
+              <p14:nvContentPartPr>
+                <p14:cNvPr id="46" name="Ink 45">
+                  <a:extLst>
+                    <a:ext uri="{FF2B5EF4-FFF2-40B4-BE49-F238E27FC236}">
+                      <a16:creationId xmlns:a16="http://schemas.microsoft.com/office/drawing/2014/main" id="{4037F5CF-4A59-865D-AC7A-82E90BCDEAAD}"/>
+                    </a:ext>
+                  </a:extLst>
+                </p14:cNvPr>
+                <p14:cNvContentPartPr/>
+                <p14:nvPr/>
+              </p14:nvContentPartPr>
+              <p14:xfrm>
+                <a:off x="10904949" y="3131349"/>
+                <a:ext cx="360" cy="360"/>
+              </p14:xfrm>
+            </p:contentPart>
+          </mc:Choice>
+          <mc:Fallback>
+            <p:pic>
+              <p:nvPicPr>
+                <p:cNvPr id="46" name="Ink 45">
+                  <a:extLst>
+                    <a:ext uri="{FF2B5EF4-FFF2-40B4-BE49-F238E27FC236}">
+                      <a16:creationId xmlns:a16="http://schemas.microsoft.com/office/drawing/2014/main" id="{4037F5CF-4A59-865D-AC7A-82E90BCDEAAD}"/>
+                    </a:ext>
+                  </a:extLst>
+                </p:cNvPr>
+                <p:cNvPicPr/>
+                <p:nvPr/>
+              </p:nvPicPr>
+              <p:blipFill>
+                <a:blip r:embed="rId16"/>
+                <a:stretch>
+                  <a:fillRect/>
+                </a:stretch>
+              </p:blipFill>
+              <p:spPr>
+                <a:xfrm>
+                  <a:off x="10896309" y="3122709"/>
+                  <a:ext cx="18000" cy="18000"/>
+                </a:xfrm>
+                <a:prstGeom prst="rect">
+                  <a:avLst/>
+                </a:prstGeom>
+              </p:spPr>
+            </p:pic>
+          </mc:Fallback>
+        </mc:AlternateContent>
+      </p:grpSp>
+      <p:sp>
+        <p:nvSpPr>
+          <p:cNvPr id="48" name="TextBox 47">
+            <a:extLst>
+              <a:ext uri="{FF2B5EF4-FFF2-40B4-BE49-F238E27FC236}">
+                <a16:creationId xmlns:a16="http://schemas.microsoft.com/office/drawing/2014/main" id="{775E1E09-28E5-CA1E-9B6E-06FC7B7350BB}"/>
+              </a:ext>
+            </a:extLst>
+          </p:cNvPr>
+          <p:cNvSpPr txBox="1"/>
+          <p:nvPr/>
+        </p:nvSpPr>
+        <p:spPr>
+          <a:xfrm>
+            <a:off x="9704896" y="6074573"/>
+            <a:ext cx="540533" cy="369332"/>
+          </a:xfrm>
+          <a:prstGeom prst="rect">
+            <a:avLst/>
+          </a:prstGeom>
+          <a:noFill/>
+        </p:spPr>
+        <p:txBody>
+          <a:bodyPr wrap="none" rtlCol="0">
+            <a:spAutoFit/>
+          </a:bodyPr>
+          <a:lstStyle/>
+          <a:p>
+            <a:r>
+              <a:rPr lang="en-DE" dirty="0"/>
+              <a:t>Log</a:t>
+            </a:r>
+          </a:p>
+        </p:txBody>
+      </p:sp>
+      <p:grpSp>
+        <p:nvGrpSpPr>
+          <p:cNvPr id="51" name="Group 50">
+            <a:extLst>
+              <a:ext uri="{FF2B5EF4-FFF2-40B4-BE49-F238E27FC236}">
+                <a16:creationId xmlns:a16="http://schemas.microsoft.com/office/drawing/2014/main" id="{F71AA72D-FD19-B1F8-692B-CD03DDA4982D}"/>
+              </a:ext>
+            </a:extLst>
+          </p:cNvPr>
+          <p:cNvGrpSpPr/>
+          <p:nvPr/>
+        </p:nvGrpSpPr>
+        <p:grpSpPr>
+          <a:xfrm>
+            <a:off x="10434429" y="443589"/>
+            <a:ext cx="1152000" cy="684360"/>
+            <a:chOff x="10434429" y="443589"/>
+            <a:chExt cx="1152000" cy="684360"/>
+          </a:xfrm>
+        </p:grpSpPr>
+        <mc:AlternateContent xmlns:mc="http://schemas.openxmlformats.org/markup-compatibility/2006">
+          <mc:Choice xmlns:p14="http://schemas.microsoft.com/office/powerpoint/2010/main" Requires="p14">
+            <p:contentPart p14:bwMode="auto" r:id="rId22">
+              <p14:nvContentPartPr>
+                <p14:cNvPr id="49" name="Ink 48">
+                  <a:extLst>
+                    <a:ext uri="{FF2B5EF4-FFF2-40B4-BE49-F238E27FC236}">
+                      <a16:creationId xmlns:a16="http://schemas.microsoft.com/office/drawing/2014/main" id="{A6FA5177-DCE8-1FE1-D67D-DEF9AF7C8F43}"/>
+                    </a:ext>
+                  </a:extLst>
+                </p14:cNvPr>
+                <p14:cNvContentPartPr/>
+                <p14:nvPr/>
+              </p14:nvContentPartPr>
+              <p14:xfrm>
+                <a:off x="10434429" y="448989"/>
+                <a:ext cx="720000" cy="570240"/>
+              </p14:xfrm>
+            </p:contentPart>
+          </mc:Choice>
+          <mc:Fallback>
+            <p:pic>
+              <p:nvPicPr>
+                <p:cNvPr id="49" name="Ink 48">
+                  <a:extLst>
+                    <a:ext uri="{FF2B5EF4-FFF2-40B4-BE49-F238E27FC236}">
+                      <a16:creationId xmlns:a16="http://schemas.microsoft.com/office/drawing/2014/main" id="{A6FA5177-DCE8-1FE1-D67D-DEF9AF7C8F43}"/>
+                    </a:ext>
+                  </a:extLst>
+                </p:cNvPr>
+                <p:cNvPicPr/>
+                <p:nvPr/>
+              </p:nvPicPr>
+              <p:blipFill>
+                <a:blip r:embed="rId23"/>
+                <a:stretch>
+                  <a:fillRect/>
+                </a:stretch>
+              </p:blipFill>
+              <p:spPr>
+                <a:xfrm>
+                  <a:off x="10425429" y="439989"/>
+                  <a:ext cx="737640" cy="587880"/>
+                </a:xfrm>
+                <a:prstGeom prst="rect">
+                  <a:avLst/>
+                </a:prstGeom>
+              </p:spPr>
+            </p:pic>
+          </mc:Fallback>
+        </mc:AlternateContent>
+        <mc:AlternateContent xmlns:mc="http://schemas.openxmlformats.org/markup-compatibility/2006">
+          <mc:Choice xmlns:p14="http://schemas.microsoft.com/office/powerpoint/2010/main" Requires="p14">
+            <p:contentPart p14:bwMode="auto" r:id="rId24">
+              <p14:nvContentPartPr>
+                <p14:cNvPr id="50" name="Ink 49">
+                  <a:extLst>
+                    <a:ext uri="{FF2B5EF4-FFF2-40B4-BE49-F238E27FC236}">
+                      <a16:creationId xmlns:a16="http://schemas.microsoft.com/office/drawing/2014/main" id="{4A20D008-EA16-88F5-D89C-8755009333F1}"/>
+                    </a:ext>
+                  </a:extLst>
+                </p14:cNvPr>
+                <p14:cNvContentPartPr/>
+                <p14:nvPr/>
+              </p14:nvContentPartPr>
+              <p14:xfrm>
+                <a:off x="11154069" y="443589"/>
+                <a:ext cx="432360" cy="684360"/>
+              </p14:xfrm>
+            </p:contentPart>
+          </mc:Choice>
+          <mc:Fallback>
+            <p:pic>
+              <p:nvPicPr>
+                <p:cNvPr id="50" name="Ink 49">
+                  <a:extLst>
+                    <a:ext uri="{FF2B5EF4-FFF2-40B4-BE49-F238E27FC236}">
+                      <a16:creationId xmlns:a16="http://schemas.microsoft.com/office/drawing/2014/main" id="{4A20D008-EA16-88F5-D89C-8755009333F1}"/>
+                    </a:ext>
+                  </a:extLst>
+                </p:cNvPr>
+                <p:cNvPicPr/>
+                <p:nvPr/>
+              </p:nvPicPr>
+              <p:blipFill>
+                <a:blip r:embed="rId25"/>
+                <a:stretch>
+                  <a:fillRect/>
+                </a:stretch>
+              </p:blipFill>
+              <p:spPr>
+                <a:xfrm>
+                  <a:off x="11145429" y="434589"/>
+                  <a:ext cx="450000" cy="702000"/>
+                </a:xfrm>
+                <a:prstGeom prst="rect">
+                  <a:avLst/>
+                </a:prstGeom>
+              </p:spPr>
+            </p:pic>
+          </mc:Fallback>
+        </mc:AlternateContent>
+      </p:grpSp>
+      <p:sp>
+        <p:nvSpPr>
+          <p:cNvPr id="52" name="TextBox 51">
+            <a:extLst>
+              <a:ext uri="{FF2B5EF4-FFF2-40B4-BE49-F238E27FC236}">
+                <a16:creationId xmlns:a16="http://schemas.microsoft.com/office/drawing/2014/main" id="{BACAA0B3-C22A-B9C3-990A-B4BBB528042F}"/>
+              </a:ext>
+            </a:extLst>
+          </p:cNvPr>
+          <p:cNvSpPr txBox="1"/>
+          <p:nvPr/>
+        </p:nvSpPr>
+        <p:spPr>
+          <a:xfrm>
+            <a:off x="10761942" y="116541"/>
+            <a:ext cx="784254" cy="369332"/>
+          </a:xfrm>
+          <a:prstGeom prst="rect">
+            <a:avLst/>
+          </a:prstGeom>
+          <a:noFill/>
+        </p:spPr>
+        <p:txBody>
+          <a:bodyPr wrap="none" rtlCol="0">
+            <a:spAutoFit/>
+          </a:bodyPr>
+          <a:lstStyle/>
+          <a:p>
+            <a:r>
+              <a:rPr lang="en-DE" dirty="0"/>
+              <a:t>Timer</a:t>
+            </a:r>
+          </a:p>
+        </p:txBody>
+      </p:sp>
+    </p:spTree>
+    <p:extLst>
+      <p:ext uri="{BB962C8B-B14F-4D97-AF65-F5344CB8AC3E}">
+        <p14:creationId xmlns:p14="http://schemas.microsoft.com/office/powerpoint/2010/main" val="2796188266"/>
+      </p:ext>
+    </p:extLst>
+  </p:cSld>
+  <p:clrMapOvr>
+    <a:masterClrMapping/>
+  </p:clrMapOvr>
+</p:sld>
+</file>
+
+<file path=ppt/slides/slide16.xml><?xml version="1.0" encoding="utf-8"?>
+<p:sld xmlns:a="http://schemas.openxmlformats.org/drawingml/2006/main" xmlns:r="http://schemas.openxmlformats.org/officeDocument/2006/relationships" xmlns:p="http://schemas.openxmlformats.org/presentationml/2006/main">
+  <p:cSld>
+    <p:spTree>
+      <p:nvGrpSpPr>
+        <p:cNvPr id="1" name=""/>
+        <p:cNvGrpSpPr/>
+        <p:nvPr/>
+      </p:nvGrpSpPr>
+      <p:grpSpPr>
+        <a:xfrm>
+          <a:off x="0" y="0"/>
+          <a:ext cx="0" cy="0"/>
+          <a:chOff x="0" y="0"/>
+          <a:chExt cx="0" cy="0"/>
+        </a:xfrm>
+      </p:grpSpPr>
+      <p:sp>
+        <p:nvSpPr>
+          <p:cNvPr id="2" name="Titel 1"/>
+          <p:cNvSpPr>
+            <a:spLocks noGrp="1"/>
+          </p:cNvSpPr>
+          <p:nvPr>
+            <p:ph type="title"/>
+          </p:nvPr>
+        </p:nvSpPr>
+        <p:spPr/>
+        <p:txBody>
+          <a:bodyPr/>
+          <a:lstStyle/>
+          <a:p>
+            <a:r>
+              <a:rPr lang="de-DE" dirty="0"/>
+              <a:t>Speichern/Laden von Spielständen</a:t>
+            </a:r>
+          </a:p>
+        </p:txBody>
+      </p:sp>
+      <p:sp>
+        <p:nvSpPr>
+          <p:cNvPr id="3" name="Inhaltsplatzhalter 2"/>
+          <p:cNvSpPr>
+            <a:spLocks noGrp="1"/>
+          </p:cNvSpPr>
+          <p:nvPr>
+            <p:ph idx="1"/>
+          </p:nvPr>
+        </p:nvSpPr>
+        <p:spPr>
+          <a:xfrm>
+            <a:off x="677334" y="1341079"/>
+            <a:ext cx="6249677" cy="3880773"/>
+          </a:xfrm>
+        </p:spPr>
+        <p:txBody>
+          <a:bodyPr/>
+          <a:lstStyle/>
+          <a:p>
+            <a:r>
+              <a:rPr lang="de-DE" dirty="0" err="1"/>
+              <a:t>Fen</a:t>
+            </a:r>
+            <a:r>
+              <a:rPr lang="de-DE" dirty="0"/>
+              <a:t>-Notation</a:t>
+            </a:r>
+          </a:p>
+          <a:p>
+            <a:pPr lvl="1"/>
+            <a:r>
+              <a:rPr lang="de-DE" dirty="0"/>
+              <a:t>Unterstützt von vielen Online Plattformen wie </a:t>
+            </a:r>
+            <a:r>
+              <a:rPr lang="de-DE" dirty="0" err="1"/>
+              <a:t>Chess.com</a:t>
+            </a:r>
+            <a:endParaRPr lang="de-DE" dirty="0"/>
+          </a:p>
+          <a:p>
+            <a:r>
+              <a:rPr lang="de-DE" dirty="0"/>
+              <a:t>Laden:</a:t>
+            </a:r>
+          </a:p>
+          <a:p>
+            <a:pPr lvl="1"/>
+            <a:r>
+              <a:rPr lang="de-DE" dirty="0"/>
+              <a:t>Spielbrett wird zurückgesetzt und Züge werden der Reihe nach durchgeführt</a:t>
+            </a:r>
+          </a:p>
+          <a:p>
+            <a:r>
+              <a:rPr lang="de-DE" dirty="0"/>
+              <a:t>Speichern:</a:t>
+            </a:r>
+          </a:p>
+          <a:p>
+            <a:pPr lvl="1"/>
+            <a:r>
+              <a:rPr lang="de-DE" dirty="0"/>
+              <a:t>Jeder Zug wird in festgehalten und in eine Datei geschrieben</a:t>
+            </a:r>
+          </a:p>
+        </p:txBody>
+      </p:sp>
+      <p:pic>
+        <p:nvPicPr>
+          <p:cNvPr id="4" name="Grafik 3"/>
+          <p:cNvPicPr>
+            <a:picLocks noChangeAspect="1"/>
+          </p:cNvPicPr>
+          <p:nvPr/>
+        </p:nvPicPr>
+        <p:blipFill>
+          <a:blip r:embed="rId2"/>
+          <a:stretch>
+            <a:fillRect/>
+          </a:stretch>
+        </p:blipFill>
+        <p:spPr>
+          <a:xfrm>
+            <a:off x="822900" y="4150472"/>
+            <a:ext cx="5273100" cy="2347468"/>
+          </a:xfrm>
+          <a:prstGeom prst="rect">
+            <a:avLst/>
+          </a:prstGeom>
+        </p:spPr>
+      </p:pic>
+    </p:spTree>
+    <p:extLst>
+      <p:ext uri="{BB962C8B-B14F-4D97-AF65-F5344CB8AC3E}">
+        <p14:creationId xmlns:p14="http://schemas.microsoft.com/office/powerpoint/2010/main" val="1614047491"/>
+      </p:ext>
+    </p:extLst>
+  </p:cSld>
+  <p:clrMapOvr>
+    <a:masterClrMapping/>
+  </p:clrMapOvr>
+</p:sld>
+</file>
+
+<file path=ppt/slides/slide17.xml><?xml version="1.0" encoding="utf-8"?>
+<p:sld xmlns:a="http://schemas.openxmlformats.org/drawingml/2006/main" xmlns:r="http://schemas.openxmlformats.org/officeDocument/2006/relationships" xmlns:p="http://schemas.openxmlformats.org/presentationml/2006/main">
+  <p:cSld>
+    <p:spTree>
+      <p:nvGrpSpPr>
+        <p:cNvPr id="1" name=""/>
+        <p:cNvGrpSpPr/>
+        <p:nvPr/>
+      </p:nvGrpSpPr>
+      <p:grpSpPr>
+        <a:xfrm>
+          <a:off x="0" y="0"/>
+          <a:ext cx="0" cy="0"/>
+          <a:chOff x="0" y="0"/>
+          <a:chExt cx="0" cy="0"/>
+        </a:xfrm>
+      </p:grpSpPr>
+      <p:sp>
+        <p:nvSpPr>
+          <p:cNvPr id="2" name="Titel 1"/>
+          <p:cNvSpPr>
+            <a:spLocks noGrp="1"/>
+          </p:cNvSpPr>
+          <p:nvPr>
+            <p:ph type="title"/>
+          </p:nvPr>
+        </p:nvSpPr>
+        <p:spPr/>
+        <p:txBody>
+          <a:bodyPr/>
+          <a:lstStyle/>
+          <a:p>
+            <a:r>
+              <a:rPr lang="de-DE" dirty="0"/>
+              <a:t>Probleme während des Projekts</a:t>
+            </a:r>
+          </a:p>
+        </p:txBody>
+      </p:sp>
+      <p:sp>
+        <p:nvSpPr>
+          <p:cNvPr id="3" name="Inhaltsplatzhalter 2"/>
+          <p:cNvSpPr>
+            <a:spLocks noGrp="1"/>
+          </p:cNvSpPr>
+          <p:nvPr>
+            <p:ph idx="1"/>
+          </p:nvPr>
+        </p:nvSpPr>
+        <p:spPr/>
+        <p:txBody>
+          <a:bodyPr/>
+          <a:lstStyle/>
+          <a:p>
+            <a:r>
+              <a:rPr lang="de-DE" dirty="0"/>
+              <a:t>Zu kurze Absprache:</a:t>
+            </a:r>
+          </a:p>
+          <a:p>
+            <a:pPr lvl="1"/>
+            <a:r>
+              <a:rPr lang="de-DE" dirty="0"/>
+              <a:t>Spielfeld startet bei 0,0 (sollte unten links sein ist in der GUI jedoch oben rechts)</a:t>
+            </a:r>
+          </a:p>
+          <a:p>
+            <a:r>
+              <a:rPr lang="de-DE" dirty="0"/>
+              <a:t>Mehr Zeitbedarf als gedacht</a:t>
+            </a:r>
+          </a:p>
+          <a:p>
+            <a:pPr lvl="1"/>
+            <a:r>
+              <a:rPr lang="de-DE" dirty="0"/>
+              <a:t>Methode zur Prüfung des Schachs ist komplizierter als gedacht</a:t>
+            </a:r>
+          </a:p>
+          <a:p>
+            <a:pPr lvl="1"/>
+            <a:r>
+              <a:rPr lang="de-DE" dirty="0"/>
+              <a:t>Fehlender Zeit-Puffer bei Verknüpfung der Logik</a:t>
+            </a:r>
+          </a:p>
+          <a:p>
+            <a:pPr indent="-285750"/>
+            <a:r>
+              <a:rPr lang="de-DE" dirty="0" err="1"/>
+              <a:t>Gui</a:t>
+            </a:r>
+            <a:r>
+              <a:rPr lang="de-DE" dirty="0"/>
+              <a:t> und Logik benötigt mehr Validierung als zuvor gedacht</a:t>
+            </a:r>
+          </a:p>
+        </p:txBody>
+      </p:sp>
+    </p:spTree>
+    <p:extLst>
+      <p:ext uri="{BB962C8B-B14F-4D97-AF65-F5344CB8AC3E}">
+        <p14:creationId xmlns:p14="http://schemas.microsoft.com/office/powerpoint/2010/main" val="203868164"/>
+      </p:ext>
+    </p:extLst>
+  </p:cSld>
+  <p:clrMapOvr>
+    <a:masterClrMapping/>
+  </p:clrMapOvr>
+</p:sld>
+</file>
+
+<file path=ppt/slides/slide18.xml><?xml version="1.0" encoding="utf-8"?>
+<p:sld xmlns:a="http://schemas.openxmlformats.org/drawingml/2006/main" xmlns:r="http://schemas.openxmlformats.org/officeDocument/2006/relationships" xmlns:p="http://schemas.openxmlformats.org/presentationml/2006/main">
+  <p:cSld>
+    <p:spTree>
+      <p:nvGrpSpPr>
+        <p:cNvPr id="1" name=""/>
+        <p:cNvGrpSpPr/>
+        <p:nvPr/>
+      </p:nvGrpSpPr>
+      <p:grpSpPr>
+        <a:xfrm>
+          <a:off x="0" y="0"/>
+          <a:ext cx="0" cy="0"/>
+          <a:chOff x="0" y="0"/>
+          <a:chExt cx="0" cy="0"/>
+        </a:xfrm>
+      </p:grpSpPr>
+      <p:sp>
+        <p:nvSpPr>
+          <p:cNvPr id="2" name="Title 1">
+            <a:extLst>
+              <a:ext uri="{FF2B5EF4-FFF2-40B4-BE49-F238E27FC236}">
+                <a16:creationId xmlns:a16="http://schemas.microsoft.com/office/drawing/2014/main" id="{F3474757-EC9E-299F-EC98-96697F7231ED}"/>
+              </a:ext>
+            </a:extLst>
+          </p:cNvPr>
+          <p:cNvSpPr>
+            <a:spLocks noGrp="1"/>
+          </p:cNvSpPr>
+          <p:nvPr>
+            <p:ph type="title"/>
+          </p:nvPr>
+        </p:nvSpPr>
+        <p:spPr/>
+        <p:txBody>
+          <a:bodyPr/>
+          <a:lstStyle/>
+          <a:p>
+            <a:r>
+              <a:rPr lang="en-DE" dirty="0"/>
+              <a:t>Probleme während des Projekts 2</a:t>
+            </a:r>
+          </a:p>
+        </p:txBody>
+      </p:sp>
+      <p:sp>
+        <p:nvSpPr>
+          <p:cNvPr id="3" name="Content Placeholder 2">
+            <a:extLst>
+              <a:ext uri="{FF2B5EF4-FFF2-40B4-BE49-F238E27FC236}">
+                <a16:creationId xmlns:a16="http://schemas.microsoft.com/office/drawing/2014/main" id="{94F50E94-7937-B575-6512-5502BEE0E370}"/>
+              </a:ext>
+            </a:extLst>
+          </p:cNvPr>
+          <p:cNvSpPr>
+            <a:spLocks noGrp="1"/>
+          </p:cNvSpPr>
+          <p:nvPr>
+            <p:ph idx="1"/>
+          </p:nvPr>
+        </p:nvSpPr>
+        <p:spPr/>
+        <p:txBody>
+          <a:bodyPr/>
+          <a:lstStyle/>
+          <a:p>
+            <a:r>
+              <a:rPr lang="en-DE" dirty="0"/>
+              <a:t>Das Überprüfen und Verhindern von Bewegungen im Bezug zum “Schach” sind noch fehlerhaft</a:t>
+            </a:r>
+          </a:p>
+          <a:p>
+            <a:pPr lvl="1"/>
+            <a:r>
+              <a:rPr lang="en-DE" dirty="0"/>
+              <a:t>Figuren können sich manchmal noch so bewegen, dass der König danach im Schach steht bzw, wenn er im Schach steht sich danach noch im Schach befindet</a:t>
+            </a:r>
+          </a:p>
+          <a:p>
+            <a:r>
+              <a:rPr lang="en-DE" dirty="0"/>
+              <a:t>Elemente fehlen in der Gui, existieren aber schon in der Logik</a:t>
+            </a:r>
+          </a:p>
+          <a:p>
+            <a:pPr lvl="1"/>
+            <a:r>
+              <a:rPr lang="en-DE" dirty="0"/>
+              <a:t>Logging</a:t>
+            </a:r>
+          </a:p>
+          <a:p>
+            <a:pPr lvl="1"/>
+            <a:r>
+              <a:rPr lang="en-DE" dirty="0"/>
+              <a:t>Auswahl der Figur zu welcher promotet werden soll</a:t>
+            </a:r>
+          </a:p>
+        </p:txBody>
+      </p:sp>
+    </p:spTree>
+    <p:extLst>
+      <p:ext uri="{BB962C8B-B14F-4D97-AF65-F5344CB8AC3E}">
+        <p14:creationId xmlns:p14="http://schemas.microsoft.com/office/powerpoint/2010/main" val="2144554691"/>
       </p:ext>
     </p:extLst>
   </p:cSld>
@@ -5882,10 +10601,9 @@
           <a:lstStyle/>
           <a:p>
             <a:r>
-              <a:rPr lang="de-DE" dirty="0" smtClean="0"/>
+              <a:rPr lang="de-DE" dirty="0"/>
               <a:t>Planung</a:t>
             </a:r>
-            <a:endParaRPr lang="de-DE" dirty="0"/>
           </a:p>
         </p:txBody>
       </p:sp>
@@ -5905,49 +10623,49 @@
           <a:lstStyle/>
           <a:p>
             <a:r>
-              <a:rPr lang="de-DE" dirty="0" smtClean="0"/>
+              <a:rPr lang="de-DE" dirty="0"/>
               <a:t>Verteilung der Aufgaben</a:t>
             </a:r>
           </a:p>
           <a:p>
             <a:r>
-              <a:rPr lang="de-DE" dirty="0" smtClean="0"/>
+              <a:rPr lang="de-DE" dirty="0"/>
               <a:t>Zeitliche Einordnung der Aufgaben</a:t>
             </a:r>
           </a:p>
           <a:p>
             <a:pPr lvl="1"/>
             <a:r>
-              <a:rPr lang="de-DE" dirty="0" smtClean="0"/>
+              <a:rPr lang="de-DE" dirty="0"/>
               <a:t>Team </a:t>
             </a:r>
             <a:r>
-              <a:rPr lang="de-DE" dirty="0" err="1" smtClean="0"/>
+              <a:rPr lang="de-DE" dirty="0" err="1"/>
               <a:t>Gui</a:t>
             </a:r>
             <a:r>
-              <a:rPr lang="de-DE" dirty="0" smtClean="0"/>
+              <a:rPr lang="de-DE" dirty="0"/>
               <a:t> (Ronja, Christian)</a:t>
             </a:r>
           </a:p>
           <a:p>
             <a:pPr lvl="1"/>
             <a:r>
-              <a:rPr lang="de-DE" dirty="0" smtClean="0"/>
+              <a:rPr lang="de-DE" dirty="0"/>
               <a:t>Team Logik (Thomas, </a:t>
             </a:r>
             <a:r>
-              <a:rPr lang="de-DE" dirty="0" err="1" smtClean="0"/>
+              <a:rPr lang="de-DE" dirty="0" err="1"/>
               <a:t>Malaz</a:t>
             </a:r>
             <a:r>
-              <a:rPr lang="de-DE" dirty="0" smtClean="0"/>
+              <a:rPr lang="de-DE" dirty="0"/>
               <a:t>, Ragnar)</a:t>
             </a:r>
           </a:p>
           <a:p>
             <a:r>
-              <a:rPr lang="de-DE" dirty="0" smtClean="0"/>
+              <a:rPr lang="de-DE" dirty="0"/>
               <a:t>Getrenntes Arbeiten bis zur Verknüpfung</a:t>
             </a:r>
           </a:p>
@@ -5993,6 +10711,14 @@
 <file path=ppt/slides/slide3.xml><?xml version="1.0" encoding="utf-8"?>
 <p:sld xmlns:a="http://schemas.openxmlformats.org/drawingml/2006/main" xmlns:r="http://schemas.openxmlformats.org/officeDocument/2006/relationships" xmlns:p="http://schemas.openxmlformats.org/presentationml/2006/main">
   <p:cSld>
+    <p:bg>
+      <p:bgPr>
+        <a:solidFill>
+          <a:schemeClr val="bg1"/>
+        </a:solidFill>
+        <a:effectLst/>
+      </p:bgPr>
+    </p:bg>
     <p:spTree>
       <p:nvGrpSpPr>
         <p:cNvPr id="1" name=""/>
@@ -6017,22 +10743,28 @@
             <p:ph type="title"/>
           </p:nvPr>
         </p:nvSpPr>
-        <p:spPr/>
-        <p:txBody>
-          <a:bodyPr/>
+        <p:spPr>
+          <a:xfrm>
+            <a:off x="5536734" y="609600"/>
+            <a:ext cx="3737268" cy="1320800"/>
+          </a:xfrm>
+        </p:spPr>
+        <p:txBody>
+          <a:bodyPr>
+            <a:normAutofit/>
+          </a:bodyPr>
           <a:lstStyle/>
           <a:p>
             <a:r>
-              <a:rPr lang="de-DE" dirty="0" smtClean="0"/>
-              <a:t>Planung GUI</a:t>
-            </a:r>
-            <a:endParaRPr lang="de-DE" dirty="0"/>
-          </a:p>
-        </p:txBody>
-      </p:sp>
-      <p:sp>
-        <p:nvSpPr>
-          <p:cNvPr id="3" name="Inhaltsplatzhalter 2"/>
+              <a:rPr lang="de-DE" dirty="0"/>
+              <a:t>Planung</a:t>
+            </a:r>
+          </a:p>
+        </p:txBody>
+      </p:sp>
+      <p:sp>
+        <p:nvSpPr>
+          <p:cNvPr id="24" name="Inhaltsplatzhalter 2"/>
           <p:cNvSpPr>
             <a:spLocks noGrp="1"/>
           </p:cNvSpPr>
@@ -6040,67 +10772,160 @@
             <p:ph idx="1"/>
           </p:nvPr>
         </p:nvSpPr>
-        <p:spPr/>
-        <p:txBody>
-          <a:bodyPr/>
+        <p:spPr>
+          <a:xfrm>
+            <a:off x="5209563" y="2160589"/>
+            <a:ext cx="4064439" cy="3880773"/>
+          </a:xfrm>
+        </p:spPr>
+        <p:txBody>
+          <a:bodyPr>
+            <a:normAutofit/>
+          </a:bodyPr>
           <a:lstStyle/>
           <a:p>
             <a:r>
-              <a:rPr lang="de-DE" dirty="0" smtClean="0"/>
-              <a:t>Generieren der </a:t>
-            </a:r>
-            <a:r>
-              <a:rPr lang="de-DE" dirty="0" err="1" smtClean="0"/>
+              <a:rPr lang="de-DE" dirty="0"/>
+              <a:t>Verteilung der Aufgaben</a:t>
+            </a:r>
+          </a:p>
+          <a:p>
+            <a:r>
+              <a:rPr lang="de-DE" dirty="0"/>
+              <a:t>Zeitliche Einordnung der Aufgaben</a:t>
+            </a:r>
+          </a:p>
+          <a:p>
+            <a:pPr lvl="1"/>
+            <a:r>
+              <a:rPr lang="de-DE" dirty="0"/>
+              <a:t>Team </a:t>
+            </a:r>
+            <a:r>
+              <a:rPr lang="de-DE" dirty="0" err="1"/>
               <a:t>Gui</a:t>
             </a:r>
             <a:r>
-              <a:rPr lang="de-DE" dirty="0" smtClean="0"/>
-              <a:t> mit Swing</a:t>
-            </a:r>
-          </a:p>
-          <a:p>
-            <a:r>
-              <a:rPr lang="de-DE" dirty="0" smtClean="0"/>
-              <a:t>Erstellen eines 8x8 Feld mit Beschriftung der Felder an den Seiten</a:t>
-            </a:r>
-          </a:p>
-          <a:p>
-            <a:r>
-              <a:rPr lang="de-DE" dirty="0" err="1" smtClean="0"/>
-              <a:t>Timer</a:t>
-            </a:r>
-            <a:r>
-              <a:rPr lang="de-DE" dirty="0" smtClean="0"/>
-              <a:t> an der Seite läuft automatisch, sobald ein Zug erfolgreich durchgeführt wurde</a:t>
-            </a:r>
-          </a:p>
-          <a:p>
-            <a:r>
-              <a:rPr lang="de-DE" dirty="0" smtClean="0"/>
-              <a:t>Jedes Feld ist ein Button</a:t>
-            </a:r>
-          </a:p>
-          <a:p>
-            <a:r>
-              <a:rPr lang="de-DE" dirty="0" smtClean="0"/>
-              <a:t>Felder und Figuren sind in 3 Farben zu implementieren (Schwarz, Weiß, </a:t>
-            </a:r>
-            <a:r>
-              <a:rPr lang="de-DE" dirty="0" err="1" smtClean="0"/>
-              <a:t>Zielfeld</a:t>
-            </a:r>
-            <a:r>
-              <a:rPr lang="de-DE" dirty="0" smtClean="0"/>
-              <a:t>)</a:t>
-            </a:r>
+              <a:rPr lang="de-DE" dirty="0"/>
+              <a:t> (Ronja, Christian)</a:t>
+            </a:r>
+          </a:p>
+          <a:p>
+            <a:pPr lvl="1"/>
+            <a:r>
+              <a:rPr lang="de-DE" dirty="0"/>
+              <a:t>Team Logik (Thomas, </a:t>
+            </a:r>
+            <a:r>
+              <a:rPr lang="de-DE" dirty="0" err="1"/>
+              <a:t>Malaz</a:t>
+            </a:r>
+            <a:r>
+              <a:rPr lang="de-DE" dirty="0"/>
+              <a:t>, Ragnar)</a:t>
+            </a:r>
+          </a:p>
+          <a:p>
+            <a:r>
+              <a:rPr lang="de-DE" dirty="0"/>
+              <a:t>Getrenntes Arbeiten bis zur Verknüpfung</a:t>
+            </a:r>
+          </a:p>
+          <a:p>
             <a:endParaRPr lang="de-DE" dirty="0"/>
           </a:p>
         </p:txBody>
       </p:sp>
+      <p:sp>
+        <p:nvSpPr>
+          <p:cNvPr id="25" name="Isosceles Triangle 9">
+            <a:extLst>
+              <a:ext uri="{FF2B5EF4-FFF2-40B4-BE49-F238E27FC236}">
+                <a16:creationId xmlns:a16="http://schemas.microsoft.com/office/drawing/2014/main" id="{3BCB5F6A-9EB0-40B0-9D13-3023E9A20508}"/>
+              </a:ext>
+              <a:ext uri="{C183D7F6-B498-43B3-948B-1728B52AA6E4}">
+                <adec:decorative xmlns:adec="http://schemas.microsoft.com/office/drawing/2017/decorative" val="1"/>
+              </a:ext>
+            </a:extLst>
+          </p:cNvPr>
+          <p:cNvSpPr>
+            <a:spLocks noGrp="1" noRot="1" noChangeAspect="1" noMove="1" noResize="1" noEditPoints="1" noAdjustHandles="1" noChangeArrowheads="1" noChangeShapeType="1" noTextEdit="1"/>
+          </p:cNvSpPr>
+          <p:nvPr>
+            <p:extLst>
+              <p:ext uri="{386F3935-93C4-4BCD-93E2-E3B085C9AB24}">
+                <p16:designElem xmlns:p16="http://schemas.microsoft.com/office/powerpoint/2015/main" val="1"/>
+              </p:ext>
+            </p:extLst>
+          </p:nvPr>
+        </p:nvSpPr>
+        <p:spPr>
+          <a:xfrm rot="10800000">
+            <a:off x="0" y="0"/>
+            <a:ext cx="842596" cy="5666154"/>
+          </a:xfrm>
+          <a:prstGeom prst="triangle">
+            <a:avLst>
+              <a:gd name="adj" fmla="val 100000"/>
+            </a:avLst>
+          </a:prstGeom>
+          <a:solidFill>
+            <a:schemeClr val="accent1"/>
+          </a:solidFill>
+          <a:ln>
+            <a:noFill/>
+          </a:ln>
+          <a:effectLst/>
+        </p:spPr>
+        <p:style>
+          <a:lnRef idx="1">
+            <a:schemeClr val="accent1"/>
+          </a:lnRef>
+          <a:fillRef idx="3">
+            <a:schemeClr val="accent1"/>
+          </a:fillRef>
+          <a:effectRef idx="2">
+            <a:schemeClr val="accent1"/>
+          </a:effectRef>
+          <a:fontRef idx="minor">
+            <a:schemeClr val="lt1"/>
+          </a:fontRef>
+        </p:style>
+      </p:sp>
+      <p:pic>
+        <p:nvPicPr>
+          <p:cNvPr id="4" name="Grafik 4">
+            <a:extLst>
+              <a:ext uri="{FF2B5EF4-FFF2-40B4-BE49-F238E27FC236}">
+                <a16:creationId xmlns:a16="http://schemas.microsoft.com/office/drawing/2014/main" id="{759B4F53-BEE9-A007-1392-925CF2B263E8}"/>
+              </a:ext>
+            </a:extLst>
+          </p:cNvPr>
+          <p:cNvPicPr>
+            <a:picLocks noChangeAspect="1"/>
+          </p:cNvPicPr>
+          <p:nvPr/>
+        </p:nvPicPr>
+        <p:blipFill>
+          <a:blip r:embed="rId2"/>
+          <a:stretch>
+            <a:fillRect/>
+          </a:stretch>
+        </p:blipFill>
+        <p:spPr>
+          <a:xfrm>
+            <a:off x="0" y="183396"/>
+            <a:ext cx="5209563" cy="6491207"/>
+          </a:xfrm>
+          <a:prstGeom prst="rect">
+            <a:avLst/>
+          </a:prstGeom>
+        </p:spPr>
+      </p:pic>
     </p:spTree>
     <p:extLst>
       <p:ext uri="{BB962C8B-B14F-4D97-AF65-F5344CB8AC3E}">
-        <p14:creationId xmlns:p14="http://schemas.microsoft.com/office/powerpoint/2010/main" val="4176571375"/>
+        <p14:creationId xmlns:p14="http://schemas.microsoft.com/office/powerpoint/2010/main" val="2782711139"/>
       </p:ext>
     </p:extLst>
   </p:cSld>
@@ -6129,7 +10954,13 @@
       </p:grpSpPr>
       <p:sp>
         <p:nvSpPr>
-          <p:cNvPr id="2" name="Titel 1"/>
+          <p:cNvPr id="2" name="Title 1">
+            <a:extLst>
+              <a:ext uri="{FF2B5EF4-FFF2-40B4-BE49-F238E27FC236}">
+                <a16:creationId xmlns:a16="http://schemas.microsoft.com/office/drawing/2014/main" id="{EAD9B483-DDEC-8524-0244-A3A3661B3FD5}"/>
+              </a:ext>
+            </a:extLst>
+          </p:cNvPr>
           <p:cNvSpPr>
             <a:spLocks noGrp="1"/>
           </p:cNvSpPr>
@@ -6143,16 +10974,21 @@
           <a:lstStyle/>
           <a:p>
             <a:r>
-              <a:rPr lang="de-DE" dirty="0" smtClean="0"/>
-              <a:t>Planung Logik</a:t>
-            </a:r>
-            <a:endParaRPr lang="de-DE" dirty="0"/>
-          </a:p>
-        </p:txBody>
-      </p:sp>
-      <p:sp>
-        <p:nvSpPr>
-          <p:cNvPr id="3" name="Inhaltsplatzhalter 2"/>
+              <a:rPr lang="en-DE" dirty="0"/>
+              <a:t>Kooperation</a:t>
+            </a:r>
+          </a:p>
+        </p:txBody>
+      </p:sp>
+      <p:sp>
+        <p:nvSpPr>
+          <p:cNvPr id="3" name="Content Placeholder 2">
+            <a:extLst>
+              <a:ext uri="{FF2B5EF4-FFF2-40B4-BE49-F238E27FC236}">
+                <a16:creationId xmlns:a16="http://schemas.microsoft.com/office/drawing/2014/main" id="{7D3EAE92-4418-5B73-9D8C-5768FA2CFBC1}"/>
+              </a:ext>
+            </a:extLst>
+          </p:cNvPr>
           <p:cNvSpPr>
             <a:spLocks noGrp="1"/>
           </p:cNvSpPr>
@@ -6166,66 +11002,94 @@
           <a:lstStyle/>
           <a:p>
             <a:r>
-              <a:rPr lang="de-DE" dirty="0" smtClean="0"/>
-              <a:t>Spielfeld soll ein Array von Spielfiguren sein</a:t>
-            </a:r>
-          </a:p>
-          <a:p>
-            <a:r>
-              <a:rPr lang="de-DE" dirty="0" smtClean="0"/>
-              <a:t>Jede Spielfigur hat eine Position und </a:t>
-            </a:r>
-            <a:r>
-              <a:rPr lang="de-DE" dirty="0" err="1" smtClean="0"/>
-              <a:t>Moveset</a:t>
-            </a:r>
-            <a:endParaRPr lang="de-DE" dirty="0" smtClean="0"/>
-          </a:p>
-          <a:p>
-            <a:r>
-              <a:rPr lang="de-DE" dirty="0" smtClean="0"/>
-              <a:t>Die </a:t>
-            </a:r>
-            <a:r>
-              <a:rPr lang="de-DE" dirty="0" err="1" smtClean="0"/>
-              <a:t>Movesets</a:t>
-            </a:r>
-            <a:r>
-              <a:rPr lang="de-DE" dirty="0" smtClean="0"/>
-              <a:t> werden je nach Figur Art generiert</a:t>
-            </a:r>
-          </a:p>
-          <a:p>
-            <a:r>
-              <a:rPr lang="de-DE" dirty="0" smtClean="0"/>
-              <a:t>Sonderzüge werden gesondert geprüft</a:t>
-            </a:r>
-          </a:p>
-          <a:p>
-            <a:r>
-              <a:rPr lang="de-DE" dirty="0" smtClean="0"/>
-              <a:t>Methode zur Prüfung, ob Zug valide ist</a:t>
-            </a:r>
-          </a:p>
-          <a:p>
-            <a:r>
-              <a:rPr lang="de-DE" dirty="0" smtClean="0"/>
-              <a:t>Methode die Schach überprüft</a:t>
-            </a:r>
-          </a:p>
-          <a:p>
-            <a:r>
-              <a:rPr lang="de-DE" dirty="0" smtClean="0"/>
-              <a:t>Speichern/Laden von Spielständen</a:t>
-            </a:r>
-            <a:endParaRPr lang="de-DE" dirty="0"/>
+              <a:rPr lang="en-DE" dirty="0"/>
+              <a:t>Austausch über Github Repository</a:t>
+            </a:r>
+          </a:p>
+          <a:p>
+            <a:r>
+              <a:rPr lang="en-GB" dirty="0">
+                <a:hlinkClick r:id="rId2"/>
+              </a:rPr>
+              <a:t>https://github.com/ThomasWagner-dev/Schach</a:t>
+            </a:r>
+            <a:endParaRPr lang="en-GB" dirty="0"/>
+          </a:p>
+          <a:p>
+            <a:endParaRPr lang="en-GB" dirty="0"/>
+          </a:p>
+          <a:p>
+            <a:r>
+              <a:rPr lang="en-GB" dirty="0" err="1"/>
+              <a:t>Probleme</a:t>
+            </a:r>
+            <a:r>
+              <a:rPr lang="en-GB" dirty="0"/>
+              <a:t>: </a:t>
+            </a:r>
+          </a:p>
+          <a:p>
+            <a:pPr lvl="1"/>
+            <a:r>
+              <a:rPr lang="en-GB" dirty="0" err="1"/>
+              <a:t>Kein</a:t>
+            </a:r>
+            <a:r>
+              <a:rPr lang="en-GB" dirty="0"/>
+              <a:t> Git auf </a:t>
+            </a:r>
+            <a:r>
+              <a:rPr lang="en-GB" dirty="0" err="1"/>
+              <a:t>Schulcomputern</a:t>
+            </a:r>
+            <a:r>
+              <a:rPr lang="en-GB" dirty="0"/>
+              <a:t>, </a:t>
+            </a:r>
+            <a:r>
+              <a:rPr lang="en-GB" dirty="0" err="1"/>
+              <a:t>somit</a:t>
+            </a:r>
+            <a:r>
+              <a:rPr lang="en-GB" dirty="0"/>
+              <a:t> </a:t>
+            </a:r>
+            <a:r>
+              <a:rPr lang="en-GB" dirty="0" err="1"/>
+              <a:t>musste</a:t>
+            </a:r>
+            <a:r>
+              <a:rPr lang="en-GB" dirty="0"/>
+              <a:t> dieses </a:t>
+            </a:r>
+            <a:r>
+              <a:rPr lang="en-GB" dirty="0" err="1"/>
+              <a:t>zunächst</a:t>
+            </a:r>
+            <a:r>
+              <a:rPr lang="en-GB" dirty="0"/>
+              <a:t> </a:t>
+            </a:r>
+            <a:r>
+              <a:rPr lang="en-GB" dirty="0" err="1"/>
+              <a:t>installiert</a:t>
+            </a:r>
+            <a:r>
+              <a:rPr lang="en-GB" dirty="0"/>
+              <a:t> </a:t>
+            </a:r>
+            <a:r>
+              <a:rPr lang="en-GB" dirty="0" err="1"/>
+              <a:t>werden</a:t>
+            </a:r>
+            <a:endParaRPr lang="en-DE" dirty="0"/>
           </a:p>
         </p:txBody>
       </p:sp>
     </p:spTree>
     <p:extLst>
       <p:ext uri="{BB962C8B-B14F-4D97-AF65-F5344CB8AC3E}">
-        <p14:creationId xmlns:p14="http://schemas.microsoft.com/office/powerpoint/2010/main" val="1225237835"/>
+        <p14:creationId xmlns:p14="http://schemas.microsoft.com/office/powerpoint/2010/main" val="4180647634"/>
       </p:ext>
     </p:extLst>
   </p:cSld>
@@ -6268,14 +11132,9 @@
           <a:lstStyle/>
           <a:p>
             <a:r>
-              <a:rPr lang="de-DE" dirty="0" smtClean="0"/>
-              <a:t>Die </a:t>
-            </a:r>
-            <a:r>
-              <a:rPr lang="de-DE" dirty="0" err="1" smtClean="0"/>
-              <a:t>Movesets</a:t>
-            </a:r>
-            <a:endParaRPr lang="de-DE" dirty="0"/>
+              <a:rPr lang="de-DE" dirty="0"/>
+              <a:t>Planung GUI</a:t>
+            </a:r>
           </a:p>
         </p:txBody>
       </p:sp>
@@ -6289,6 +11148,260 @@
             <p:ph idx="1"/>
           </p:nvPr>
         </p:nvSpPr>
+        <p:spPr/>
+        <p:txBody>
+          <a:bodyPr/>
+          <a:lstStyle/>
+          <a:p>
+            <a:r>
+              <a:rPr lang="de-DE" dirty="0"/>
+              <a:t>Generieren der </a:t>
+            </a:r>
+            <a:r>
+              <a:rPr lang="de-DE" dirty="0" err="1"/>
+              <a:t>Gui</a:t>
+            </a:r>
+            <a:r>
+              <a:rPr lang="de-DE" dirty="0"/>
+              <a:t> mit Swing</a:t>
+            </a:r>
+          </a:p>
+          <a:p>
+            <a:r>
+              <a:rPr lang="de-DE" dirty="0"/>
+              <a:t>Erstellen eines 8x8 Feld mit Beschriftung der Felder an den Seiten</a:t>
+            </a:r>
+          </a:p>
+          <a:p>
+            <a:r>
+              <a:rPr lang="de-DE" dirty="0" err="1"/>
+              <a:t>Timer</a:t>
+            </a:r>
+            <a:r>
+              <a:rPr lang="de-DE" dirty="0"/>
+              <a:t> an der Seite läuft automatisch, sobald ein Zug erfolgreich durchgeführt wurde</a:t>
+            </a:r>
+          </a:p>
+          <a:p>
+            <a:r>
+              <a:rPr lang="de-DE" dirty="0"/>
+              <a:t>Jedes Feld ist ein Button</a:t>
+            </a:r>
+          </a:p>
+          <a:p>
+            <a:r>
+              <a:rPr lang="de-DE" dirty="0"/>
+              <a:t>Felder und Figuren sind in 3 Farben zu implementieren (Schwarz, Weiß, </a:t>
+            </a:r>
+            <a:r>
+              <a:rPr lang="de-DE" dirty="0" err="1"/>
+              <a:t>Zielfeld</a:t>
+            </a:r>
+            <a:r>
+              <a:rPr lang="de-DE" dirty="0"/>
+              <a:t>)</a:t>
+            </a:r>
+          </a:p>
+        </p:txBody>
+      </p:sp>
+    </p:spTree>
+    <p:extLst>
+      <p:ext uri="{BB962C8B-B14F-4D97-AF65-F5344CB8AC3E}">
+        <p14:creationId xmlns:p14="http://schemas.microsoft.com/office/powerpoint/2010/main" val="4176571375"/>
+      </p:ext>
+    </p:extLst>
+  </p:cSld>
+  <p:clrMapOvr>
+    <a:masterClrMapping/>
+  </p:clrMapOvr>
+</p:sld>
+</file>
+
+<file path=ppt/slides/slide6.xml><?xml version="1.0" encoding="utf-8"?>
+<p:sld xmlns:a="http://schemas.openxmlformats.org/drawingml/2006/main" xmlns:r="http://schemas.openxmlformats.org/officeDocument/2006/relationships" xmlns:p="http://schemas.openxmlformats.org/presentationml/2006/main">
+  <p:cSld>
+    <p:spTree>
+      <p:nvGrpSpPr>
+        <p:cNvPr id="1" name=""/>
+        <p:cNvGrpSpPr/>
+        <p:nvPr/>
+      </p:nvGrpSpPr>
+      <p:grpSpPr>
+        <a:xfrm>
+          <a:off x="0" y="0"/>
+          <a:ext cx="0" cy="0"/>
+          <a:chOff x="0" y="0"/>
+          <a:chExt cx="0" cy="0"/>
+        </a:xfrm>
+      </p:grpSpPr>
+      <p:sp>
+        <p:nvSpPr>
+          <p:cNvPr id="2" name="Titel 1"/>
+          <p:cNvSpPr>
+            <a:spLocks noGrp="1"/>
+          </p:cNvSpPr>
+          <p:nvPr>
+            <p:ph type="title"/>
+          </p:nvPr>
+        </p:nvSpPr>
+        <p:spPr/>
+        <p:txBody>
+          <a:bodyPr/>
+          <a:lstStyle/>
+          <a:p>
+            <a:r>
+              <a:rPr lang="de-DE" dirty="0"/>
+              <a:t>Planung Logik</a:t>
+            </a:r>
+          </a:p>
+        </p:txBody>
+      </p:sp>
+      <p:sp>
+        <p:nvSpPr>
+          <p:cNvPr id="3" name="Inhaltsplatzhalter 2"/>
+          <p:cNvSpPr>
+            <a:spLocks noGrp="1"/>
+          </p:cNvSpPr>
+          <p:nvPr>
+            <p:ph idx="1"/>
+          </p:nvPr>
+        </p:nvSpPr>
+        <p:spPr/>
+        <p:txBody>
+          <a:bodyPr/>
+          <a:lstStyle/>
+          <a:p>
+            <a:r>
+              <a:rPr lang="de-DE" dirty="0"/>
+              <a:t>Spielfeld soll ein Array von Spielfiguren sein</a:t>
+            </a:r>
+          </a:p>
+          <a:p>
+            <a:r>
+              <a:rPr lang="de-DE" dirty="0"/>
+              <a:t>Jede Spielfigur hat eine Position und </a:t>
+            </a:r>
+            <a:r>
+              <a:rPr lang="de-DE" dirty="0" err="1"/>
+              <a:t>Moveset</a:t>
+            </a:r>
+            <a:endParaRPr lang="de-DE" dirty="0"/>
+          </a:p>
+          <a:p>
+            <a:r>
+              <a:rPr lang="de-DE" dirty="0"/>
+              <a:t>Die </a:t>
+            </a:r>
+            <a:r>
+              <a:rPr lang="de-DE" dirty="0" err="1"/>
+              <a:t>Movesets</a:t>
+            </a:r>
+            <a:r>
+              <a:rPr lang="de-DE" dirty="0"/>
+              <a:t> werden je nach Figur Art generiert</a:t>
+            </a:r>
+          </a:p>
+          <a:p>
+            <a:r>
+              <a:rPr lang="de-DE" dirty="0"/>
+              <a:t>Sonderzüge werden gesondert geprüft</a:t>
+            </a:r>
+          </a:p>
+          <a:p>
+            <a:r>
+              <a:rPr lang="de-DE" dirty="0"/>
+              <a:t>Methode zur Prüfung, ob Zug valide ist</a:t>
+            </a:r>
+          </a:p>
+          <a:p>
+            <a:r>
+              <a:rPr lang="de-DE" dirty="0"/>
+              <a:t>Methode die Schach überprüft</a:t>
+            </a:r>
+          </a:p>
+          <a:p>
+            <a:r>
+              <a:rPr lang="de-DE" dirty="0"/>
+              <a:t>Speichern/Laden von Spielständen</a:t>
+            </a:r>
+          </a:p>
+        </p:txBody>
+      </p:sp>
+    </p:spTree>
+    <p:extLst>
+      <p:ext uri="{BB962C8B-B14F-4D97-AF65-F5344CB8AC3E}">
+        <p14:creationId xmlns:p14="http://schemas.microsoft.com/office/powerpoint/2010/main" val="1225237835"/>
+      </p:ext>
+    </p:extLst>
+  </p:cSld>
+  <p:clrMapOvr>
+    <a:masterClrMapping/>
+  </p:clrMapOvr>
+</p:sld>
+</file>
+
+<file path=ppt/slides/slide7.xml><?xml version="1.0" encoding="utf-8"?>
+<p:sld xmlns:a="http://schemas.openxmlformats.org/drawingml/2006/main" xmlns:r="http://schemas.openxmlformats.org/officeDocument/2006/relationships" xmlns:p="http://schemas.openxmlformats.org/presentationml/2006/main">
+  <p:cSld>
+    <p:spTree>
+      <p:nvGrpSpPr>
+        <p:cNvPr id="1" name=""/>
+        <p:cNvGrpSpPr/>
+        <p:nvPr/>
+      </p:nvGrpSpPr>
+      <p:grpSpPr>
+        <a:xfrm>
+          <a:off x="0" y="0"/>
+          <a:ext cx="0" cy="0"/>
+          <a:chOff x="0" y="0"/>
+          <a:chExt cx="0" cy="0"/>
+        </a:xfrm>
+      </p:grpSpPr>
+      <p:sp>
+        <p:nvSpPr>
+          <p:cNvPr id="2" name="Titel 1"/>
+          <p:cNvSpPr>
+            <a:spLocks noGrp="1"/>
+          </p:cNvSpPr>
+          <p:nvPr>
+            <p:ph type="title"/>
+          </p:nvPr>
+        </p:nvSpPr>
+        <p:spPr>
+          <a:xfrm>
+            <a:off x="677334" y="609600"/>
+            <a:ext cx="6518759" cy="1320800"/>
+          </a:xfrm>
+        </p:spPr>
+        <p:txBody>
+          <a:bodyPr/>
+          <a:lstStyle/>
+          <a:p>
+            <a:r>
+              <a:rPr lang="de-DE" dirty="0"/>
+              <a:t>Die </a:t>
+            </a:r>
+            <a:r>
+              <a:rPr lang="de-DE" dirty="0" err="1"/>
+              <a:t>Movesets</a:t>
+            </a:r>
+            <a:r>
+              <a:rPr lang="de-DE" dirty="0"/>
+              <a:t> am Beispiel des Königs</a:t>
+            </a:r>
+          </a:p>
+        </p:txBody>
+      </p:sp>
+      <p:sp>
+        <p:nvSpPr>
+          <p:cNvPr id="3" name="Inhaltsplatzhalter 2"/>
+          <p:cNvSpPr>
+            <a:spLocks noGrp="1"/>
+          </p:cNvSpPr>
+          <p:nvPr>
+            <p:ph idx="1"/>
+          </p:nvPr>
+        </p:nvSpPr>
         <p:spPr>
           <a:xfrm>
             <a:off x="677334" y="2160589"/>
@@ -6300,31 +11413,31 @@
           <a:lstStyle/>
           <a:p>
             <a:r>
-              <a:rPr lang="de-DE" dirty="0" smtClean="0"/>
+              <a:rPr lang="de-DE" dirty="0"/>
               <a:t>Nach </a:t>
             </a:r>
             <a:r>
-              <a:rPr lang="de-DE" dirty="0" err="1" smtClean="0"/>
+              <a:rPr lang="de-DE" dirty="0" err="1"/>
               <a:t>Figurart</a:t>
             </a:r>
-            <a:endParaRPr lang="de-DE" dirty="0" smtClean="0"/>
+            <a:endParaRPr lang="de-DE" dirty="0"/>
           </a:p>
           <a:p>
             <a:pPr lvl="1"/>
             <a:r>
-              <a:rPr lang="de-DE" dirty="0" smtClean="0"/>
+              <a:rPr lang="de-DE" dirty="0"/>
               <a:t>König, Dame, Turm, Läufer, Springer, Bauer</a:t>
             </a:r>
           </a:p>
           <a:p>
             <a:r>
-              <a:rPr lang="de-DE" dirty="0" smtClean="0"/>
+              <a:rPr lang="de-DE" dirty="0"/>
               <a:t>Zuerst alle theoretisch möglichen Züge in ein Array schreiben</a:t>
             </a:r>
           </a:p>
           <a:p>
             <a:r>
-              <a:rPr lang="de-DE" dirty="0" smtClean="0"/>
+              <a:rPr lang="de-DE" dirty="0"/>
               <a:t>Entfernen aller Züge die nicht valide sind (z.B. verbündete Figur steht auf dem Feld)</a:t>
             </a:r>
           </a:p>
@@ -6381,257 +11494,25 @@
     </p:spTree>
     <p:extLst>
       <p:ext uri="{BB962C8B-B14F-4D97-AF65-F5344CB8AC3E}">
-        <p14:creationId xmlns:p14="http://schemas.microsoft.com/office/powerpoint/2010/main" val="4260560856"/>
+        <p14:creationId xmlns:p14="http://schemas.microsoft.com/office/powerpoint/2010/main" val="2058726299"/>
       </p:ext>
     </p:extLst>
   </p:cSld>
   <p:clrMapOvr>
     <a:masterClrMapping/>
   </p:clrMapOvr>
-</p:sld>
-</file>
-
-<file path=ppt/slides/slide6.xml><?xml version="1.0" encoding="utf-8"?>
-<p:sld xmlns:a="http://schemas.openxmlformats.org/drawingml/2006/main" xmlns:r="http://schemas.openxmlformats.org/officeDocument/2006/relationships" xmlns:p="http://schemas.openxmlformats.org/presentationml/2006/main">
-  <p:cSld>
-    <p:spTree>
-      <p:nvGrpSpPr>
-        <p:cNvPr id="1" name=""/>
-        <p:cNvGrpSpPr/>
-        <p:nvPr/>
-      </p:nvGrpSpPr>
-      <p:grpSpPr>
-        <a:xfrm>
-          <a:off x="0" y="0"/>
-          <a:ext cx="0" cy="0"/>
-          <a:chOff x="0" y="0"/>
-          <a:chExt cx="0" cy="0"/>
-        </a:xfrm>
-      </p:grpSpPr>
-      <p:sp>
-        <p:nvSpPr>
-          <p:cNvPr id="2" name="Titel 1"/>
-          <p:cNvSpPr>
-            <a:spLocks noGrp="1"/>
-          </p:cNvSpPr>
-          <p:nvPr>
-            <p:ph type="title"/>
-          </p:nvPr>
-        </p:nvSpPr>
-        <p:spPr/>
-        <p:txBody>
-          <a:bodyPr/>
-          <a:lstStyle/>
-          <a:p>
-            <a:r>
-              <a:rPr lang="de-DE" dirty="0" smtClean="0"/>
-              <a:t>Schach Methode	</a:t>
-            </a:r>
-            <a:endParaRPr lang="de-DE" dirty="0"/>
-          </a:p>
-        </p:txBody>
-      </p:sp>
-      <p:sp>
-        <p:nvSpPr>
-          <p:cNvPr id="3" name="Inhaltsplatzhalter 2"/>
-          <p:cNvSpPr>
-            <a:spLocks noGrp="1"/>
-          </p:cNvSpPr>
-          <p:nvPr>
-            <p:ph idx="1"/>
-          </p:nvPr>
-        </p:nvSpPr>
-        <p:spPr/>
-        <p:txBody>
-          <a:bodyPr/>
-          <a:lstStyle/>
-          <a:p>
-            <a:r>
-              <a:rPr lang="de-DE" dirty="0" smtClean="0"/>
-              <a:t>Virtuelles durchführen eines Zuges</a:t>
-            </a:r>
-          </a:p>
-          <a:p>
-            <a:r>
-              <a:rPr lang="de-DE" dirty="0" smtClean="0"/>
-              <a:t>Prüfen, ob der eigene König im Schach steht</a:t>
-            </a:r>
-          </a:p>
-          <a:p>
-            <a:pPr lvl="1"/>
-            <a:r>
-              <a:rPr lang="de-DE" dirty="0" smtClean="0"/>
-              <a:t>Für alle gegnerischen Figuren auf dem Feld alle theoretischen Züge prüfen und schauen, ob der König durch diese schlagbar wäre</a:t>
-            </a:r>
-          </a:p>
-          <a:p>
-            <a:r>
-              <a:rPr lang="de-DE" dirty="0" smtClean="0"/>
-              <a:t>König darf sich nicht auf Felder bewegen, welche von gegnerischen Figuren erreichbar sind</a:t>
-            </a:r>
-          </a:p>
-          <a:p>
-            <a:r>
-              <a:rPr lang="de-DE" dirty="0" smtClean="0"/>
-              <a:t>Figuren dürfen sich nicht so bewegen, dass der eigene König danach im Schach steht</a:t>
-            </a:r>
-          </a:p>
-          <a:p>
-            <a:r>
-              <a:rPr lang="de-DE" dirty="0" smtClean="0"/>
-              <a:t>Es handelt sich um ein Schachmatt, wenn es keinen Zug für die eigenen Figuren gibt, die nicht dafür sorgen, dass der eigene König im nächsten Zug nicht geschlagen werden kann</a:t>
-            </a:r>
-          </a:p>
-          <a:p>
-            <a:endParaRPr lang="de-DE" dirty="0"/>
-          </a:p>
-        </p:txBody>
-      </p:sp>
-      <p:pic>
-        <p:nvPicPr>
-          <p:cNvPr id="4" name="Grafik 3"/>
-          <p:cNvPicPr>
-            <a:picLocks noChangeAspect="1"/>
-          </p:cNvPicPr>
-          <p:nvPr/>
-        </p:nvPicPr>
-        <p:blipFill>
-          <a:blip r:embed="rId2"/>
-          <a:stretch>
-            <a:fillRect/>
-          </a:stretch>
-        </p:blipFill>
-        <p:spPr>
-          <a:xfrm>
-            <a:off x="9117727" y="438763"/>
-            <a:ext cx="3000794" cy="6096851"/>
-          </a:xfrm>
-          <a:prstGeom prst="rect">
-            <a:avLst/>
-          </a:prstGeom>
-        </p:spPr>
-      </p:pic>
-    </p:spTree>
-    <p:extLst>
-      <p:ext uri="{BB962C8B-B14F-4D97-AF65-F5344CB8AC3E}">
-        <p14:creationId xmlns:p14="http://schemas.microsoft.com/office/powerpoint/2010/main" val="2296846381"/>
-      </p:ext>
-    </p:extLst>
-  </p:cSld>
-  <p:clrMapOvr>
-    <a:masterClrMapping/>
-  </p:clrMapOvr>
-</p:sld>
-</file>
-
-<file path=ppt/slides/slide7.xml><?xml version="1.0" encoding="utf-8"?>
-<p:sld xmlns:a="http://schemas.openxmlformats.org/drawingml/2006/main" xmlns:r="http://schemas.openxmlformats.org/officeDocument/2006/relationships" xmlns:p="http://schemas.openxmlformats.org/presentationml/2006/main">
-  <p:cSld>
-    <p:spTree>
-      <p:nvGrpSpPr>
-        <p:cNvPr id="1" name=""/>
-        <p:cNvGrpSpPr/>
-        <p:nvPr/>
-      </p:nvGrpSpPr>
-      <p:grpSpPr>
-        <a:xfrm>
-          <a:off x="0" y="0"/>
-          <a:ext cx="0" cy="0"/>
-          <a:chOff x="0" y="0"/>
-          <a:chExt cx="0" cy="0"/>
-        </a:xfrm>
-      </p:grpSpPr>
-      <p:sp>
-        <p:nvSpPr>
-          <p:cNvPr id="2" name="Titel 1"/>
-          <p:cNvSpPr>
-            <a:spLocks noGrp="1"/>
-          </p:cNvSpPr>
-          <p:nvPr>
-            <p:ph type="title"/>
-          </p:nvPr>
-        </p:nvSpPr>
-        <p:spPr/>
-        <p:txBody>
-          <a:bodyPr/>
-          <a:lstStyle/>
-          <a:p>
-            <a:r>
-              <a:rPr lang="de-DE" dirty="0" smtClean="0"/>
-              <a:t>Speichern/Laden von Spielständen</a:t>
-            </a:r>
-            <a:endParaRPr lang="de-DE" dirty="0"/>
-          </a:p>
-        </p:txBody>
-      </p:sp>
-      <p:sp>
-        <p:nvSpPr>
-          <p:cNvPr id="3" name="Inhaltsplatzhalter 2"/>
-          <p:cNvSpPr>
-            <a:spLocks noGrp="1"/>
-          </p:cNvSpPr>
-          <p:nvPr>
-            <p:ph idx="1"/>
-          </p:nvPr>
-        </p:nvSpPr>
-        <p:spPr/>
-        <p:txBody>
-          <a:bodyPr/>
-          <a:lstStyle/>
-          <a:p>
-            <a:r>
-              <a:rPr lang="de-DE" dirty="0" err="1" smtClean="0"/>
-              <a:t>Fen</a:t>
-            </a:r>
-            <a:r>
-              <a:rPr lang="de-DE" dirty="0" smtClean="0"/>
-              <a:t>-Notation</a:t>
-            </a:r>
-          </a:p>
-          <a:p>
-            <a:pPr lvl="1"/>
-            <a:r>
-              <a:rPr lang="de-DE" dirty="0" smtClean="0"/>
-              <a:t>Unterstützt von vielen Online Plattformen wie Chess.com</a:t>
-            </a:r>
-            <a:endParaRPr lang="de-DE" dirty="0"/>
-          </a:p>
-        </p:txBody>
-      </p:sp>
-      <p:pic>
-        <p:nvPicPr>
-          <p:cNvPr id="4" name="Grafik 3"/>
-          <p:cNvPicPr>
-            <a:picLocks noChangeAspect="1"/>
-          </p:cNvPicPr>
-          <p:nvPr/>
-        </p:nvPicPr>
-        <p:blipFill>
-          <a:blip r:embed="rId2"/>
-          <a:stretch>
-            <a:fillRect/>
-          </a:stretch>
-        </p:blipFill>
-        <p:spPr>
-          <a:xfrm>
-            <a:off x="1019634" y="3054918"/>
-            <a:ext cx="5273100" cy="2347468"/>
-          </a:xfrm>
-          <a:prstGeom prst="rect">
-            <a:avLst/>
-          </a:prstGeom>
-        </p:spPr>
-      </p:pic>
-    </p:spTree>
-    <p:extLst>
-      <p:ext uri="{BB962C8B-B14F-4D97-AF65-F5344CB8AC3E}">
-        <p14:creationId xmlns:p14="http://schemas.microsoft.com/office/powerpoint/2010/main" val="432332442"/>
-      </p:ext>
-    </p:extLst>
-  </p:cSld>
-  <p:clrMapOvr>
-    <a:masterClrMapping/>
-  </p:clrMapOvr>
+  <mc:AlternateContent xmlns:mc="http://schemas.openxmlformats.org/markup-compatibility/2006">
+    <mc:Choice xmlns:p159="http://schemas.microsoft.com/office/powerpoint/2015/09/main" Requires="p159">
+      <p:transition xmlns:p14="http://schemas.microsoft.com/office/powerpoint/2010/main" spd="slow" p14:dur="2000">
+        <p159:morph option="byObject"/>
+      </p:transition>
+    </mc:Choice>
+    <mc:Fallback>
+      <p:transition spd="slow">
+        <p:fade/>
+      </p:transition>
+    </mc:Fallback>
+  </mc:AlternateContent>
 </p:sld>
 </file>
 
@@ -6652,115 +11533,802 @@
           <a:chExt cx="0" cy="0"/>
         </a:xfrm>
       </p:grpSpPr>
-      <p:sp>
-        <p:nvSpPr>
-          <p:cNvPr id="2" name="Titel 1"/>
-          <p:cNvSpPr>
-            <a:spLocks noGrp="1"/>
-          </p:cNvSpPr>
-          <p:nvPr>
-            <p:ph type="title"/>
-          </p:nvPr>
-        </p:nvSpPr>
-        <p:spPr/>
-        <p:txBody>
-          <a:bodyPr/>
+      <p:pic>
+        <p:nvPicPr>
+          <p:cNvPr id="5" name="Grafik 4"/>
+          <p:cNvPicPr>
+            <a:picLocks noChangeAspect="1"/>
+          </p:cNvPicPr>
+          <p:nvPr/>
+        </p:nvPicPr>
+        <p:blipFill>
+          <a:blip r:embed="rId2"/>
+          <a:stretch>
+            <a:fillRect/>
+          </a:stretch>
+        </p:blipFill>
+        <p:spPr>
+          <a:xfrm>
+            <a:off x="6737230" y="-2"/>
+            <a:ext cx="5435994" cy="1578635"/>
+          </a:xfrm>
+          <a:prstGeom prst="rect">
+            <a:avLst/>
+          </a:prstGeom>
+        </p:spPr>
+      </p:pic>
+      <p:pic>
+        <p:nvPicPr>
+          <p:cNvPr id="6" name="Grafik 3">
+            <a:extLst>
+              <a:ext uri="{FF2B5EF4-FFF2-40B4-BE49-F238E27FC236}">
+                <a16:creationId xmlns:a16="http://schemas.microsoft.com/office/drawing/2014/main" id="{56B88815-4A6E-60B6-7816-CB302BD70A78}"/>
+              </a:ext>
+            </a:extLst>
+          </p:cNvPr>
+          <p:cNvPicPr>
+            <a:picLocks noChangeAspect="1"/>
+          </p:cNvPicPr>
+          <p:nvPr/>
+        </p:nvPicPr>
+        <p:blipFill>
+          <a:blip r:embed="rId3"/>
+          <a:stretch>
+            <a:fillRect/>
+          </a:stretch>
+        </p:blipFill>
+        <p:spPr>
+          <a:xfrm>
+            <a:off x="0" y="0"/>
+            <a:ext cx="6736691" cy="6858000"/>
+          </a:xfrm>
+          <a:prstGeom prst="rect">
+            <a:avLst/>
+          </a:prstGeom>
+        </p:spPr>
+      </p:pic>
+      <p:sp>
+        <p:nvSpPr>
+          <p:cNvPr id="25" name="Rektangel 24">
+            <a:extLst>
+              <a:ext uri="{FF2B5EF4-FFF2-40B4-BE49-F238E27FC236}">
+                <a16:creationId xmlns:a16="http://schemas.microsoft.com/office/drawing/2014/main" id="{7F26C9A4-CD7E-48E9-8423-8579F75771B2}"/>
+              </a:ext>
+            </a:extLst>
+          </p:cNvPr>
+          <p:cNvSpPr/>
+          <p:nvPr/>
+        </p:nvSpPr>
+        <p:spPr>
+          <a:xfrm>
+            <a:off x="243720" y="145096"/>
+            <a:ext cx="6035040" cy="671541"/>
+          </a:xfrm>
+          <a:prstGeom prst="rect">
+            <a:avLst/>
+          </a:prstGeom>
+          <a:solidFill>
+            <a:srgbClr val="66CC00">
+              <a:alpha val="5000"/>
+            </a:srgbClr>
+          </a:solidFill>
+          <a:ln w="18000">
+            <a:solidFill>
+              <a:srgbClr val="66CC00"/>
+            </a:solidFill>
+          </a:ln>
+        </p:spPr>
+        <p:style>
+          <a:lnRef idx="2">
+            <a:schemeClr val="accent1">
+              <a:shade val="15000"/>
+            </a:schemeClr>
+          </a:lnRef>
+          <a:fillRef idx="1">
+            <a:schemeClr val="accent1"/>
+          </a:fillRef>
+          <a:effectRef idx="0">
+            <a:schemeClr val="accent1"/>
+          </a:effectRef>
+          <a:fontRef idx="minor">
+            <a:schemeClr val="lt1"/>
+          </a:fontRef>
+        </p:style>
+        <p:txBody>
+          <a:bodyPr wrap="none" rtlCol="0" anchor="ctr" anchorCtr="1"/>
           <a:lstStyle/>
           <a:p>
-            <a:r>
-              <a:rPr lang="de-DE" dirty="0" smtClean="0"/>
-              <a:t>Probleme während des Projekt</a:t>
-            </a:r>
-            <a:endParaRPr lang="de-DE" dirty="0"/>
-          </a:p>
-        </p:txBody>
-      </p:sp>
-      <p:sp>
-        <p:nvSpPr>
-          <p:cNvPr id="3" name="Inhaltsplatzhalter 2"/>
-          <p:cNvSpPr>
-            <a:spLocks noGrp="1"/>
-          </p:cNvSpPr>
-          <p:nvPr>
-            <p:ph idx="1"/>
-          </p:nvPr>
-        </p:nvSpPr>
-        <p:spPr/>
-        <p:txBody>
-          <a:bodyPr/>
+            <a:endParaRPr lang="de-DE">
+              <a:solidFill>
+                <a:srgbClr val="66CC00"/>
+              </a:solidFill>
+            </a:endParaRPr>
+          </a:p>
+        </p:txBody>
+      </p:sp>
+      <p:sp>
+        <p:nvSpPr>
+          <p:cNvPr id="11" name="TextBox 10">
+            <a:extLst>
+              <a:ext uri="{FF2B5EF4-FFF2-40B4-BE49-F238E27FC236}">
+                <a16:creationId xmlns:a16="http://schemas.microsoft.com/office/drawing/2014/main" id="{5E8B1ADC-155F-95AF-2506-646F1D1CB554}"/>
+              </a:ext>
+            </a:extLst>
+          </p:cNvPr>
+          <p:cNvSpPr txBox="1"/>
+          <p:nvPr/>
+        </p:nvSpPr>
+        <p:spPr>
+          <a:xfrm>
+            <a:off x="6736691" y="1578633"/>
+            <a:ext cx="3852337" cy="369332"/>
+          </a:xfrm>
+          <a:prstGeom prst="rect">
+            <a:avLst/>
+          </a:prstGeom>
+          <a:noFill/>
+        </p:spPr>
+        <p:txBody>
+          <a:bodyPr wrap="none" rtlCol="0">
+            <a:spAutoFit/>
+          </a:bodyPr>
           <a:lstStyle/>
           <a:p>
             <a:r>
-              <a:rPr lang="de-DE" dirty="0" smtClean="0"/>
-              <a:t>Zu kurze Absprache:</a:t>
-            </a:r>
-          </a:p>
-          <a:p>
-            <a:pPr lvl="1"/>
-            <a:r>
-              <a:rPr lang="de-DE" dirty="0" smtClean="0"/>
-              <a:t>Spielfeld startet bei 0,0 (sollte unten links sein ist in der GUI jedoch oben rechts)</a:t>
-            </a:r>
-          </a:p>
-          <a:p>
-            <a:r>
-              <a:rPr lang="de-DE" dirty="0" smtClean="0"/>
-              <a:t>Mehr Zeitbedarf als gedacht</a:t>
-            </a:r>
-          </a:p>
-          <a:p>
-            <a:pPr lvl="1"/>
-            <a:r>
-              <a:rPr lang="de-DE" dirty="0" smtClean="0"/>
-              <a:t>Methode zur Prüfung des Schachs ist komplizierter als gedacht</a:t>
-            </a:r>
-          </a:p>
-          <a:p>
-            <a:pPr lvl="1"/>
-            <a:r>
-              <a:rPr lang="de-DE" dirty="0" smtClean="0"/>
-              <a:t>Fehlender Zeit-Puffer bei Verknüpfung der Logik</a:t>
-            </a:r>
-          </a:p>
-          <a:p>
-            <a:pPr indent="-285750"/>
-            <a:r>
-              <a:rPr lang="de-DE" dirty="0" err="1" smtClean="0"/>
-              <a:t>Gui</a:t>
-            </a:r>
-            <a:r>
-              <a:rPr lang="de-DE" dirty="0" smtClean="0"/>
-              <a:t> und Logik benötigt mehr </a:t>
-            </a:r>
-            <a:r>
-              <a:rPr lang="de-DE" dirty="0" err="1" smtClean="0"/>
-              <a:t>Validirung</a:t>
-            </a:r>
-            <a:r>
-              <a:rPr lang="de-DE" dirty="0" smtClean="0"/>
-              <a:t> als zuvor gedacht</a:t>
-            </a:r>
-          </a:p>
-          <a:p>
-            <a:pPr lvl="1"/>
-            <a:r>
-              <a:rPr lang="de-DE" dirty="0" smtClean="0"/>
-              <a:t>Doppelklicken auf ein Feld führt dazu, dass eine Figur sich selbst schlägt</a:t>
-            </a:r>
-            <a:endParaRPr lang="de-DE" dirty="0"/>
+              <a:rPr lang="en-DE" dirty="0"/>
+              <a:t>1. Hinzufügen aller möglichen Züge</a:t>
+            </a:r>
           </a:p>
         </p:txBody>
       </p:sp>
     </p:spTree>
     <p:extLst>
       <p:ext uri="{BB962C8B-B14F-4D97-AF65-F5344CB8AC3E}">
-        <p14:creationId xmlns:p14="http://schemas.microsoft.com/office/powerpoint/2010/main" val="203868164"/>
+        <p14:creationId xmlns:p14="http://schemas.microsoft.com/office/powerpoint/2010/main" val="4260560856"/>
       </p:ext>
     </p:extLst>
   </p:cSld>
   <p:clrMapOvr>
     <a:masterClrMapping/>
   </p:clrMapOvr>
+  <mc:AlternateContent xmlns:mc="http://schemas.openxmlformats.org/markup-compatibility/2006">
+    <mc:Choice xmlns:p159="http://schemas.microsoft.com/office/powerpoint/2015/09/main" Requires="p159">
+      <p:transition xmlns:p14="http://schemas.microsoft.com/office/powerpoint/2010/main" spd="slow" p14:dur="2000">
+        <p159:morph option="byObject"/>
+      </p:transition>
+    </mc:Choice>
+    <mc:Fallback>
+      <p:transition spd="slow">
+        <p:fade/>
+      </p:transition>
+    </mc:Fallback>
+  </mc:AlternateContent>
+</p:sld>
+</file>
+
+<file path=ppt/slides/slide9.xml><?xml version="1.0" encoding="utf-8"?>
+<p:sld xmlns:a="http://schemas.openxmlformats.org/drawingml/2006/main" xmlns:r="http://schemas.openxmlformats.org/officeDocument/2006/relationships" xmlns:p="http://schemas.openxmlformats.org/presentationml/2006/main">
+  <p:cSld>
+    <p:spTree>
+      <p:nvGrpSpPr>
+        <p:cNvPr id="1" name=""/>
+        <p:cNvGrpSpPr/>
+        <p:nvPr/>
+      </p:nvGrpSpPr>
+      <p:grpSpPr>
+        <a:xfrm>
+          <a:off x="0" y="0"/>
+          <a:ext cx="0" cy="0"/>
+          <a:chOff x="0" y="0"/>
+          <a:chExt cx="0" cy="0"/>
+        </a:xfrm>
+      </p:grpSpPr>
+      <p:pic>
+        <p:nvPicPr>
+          <p:cNvPr id="5" name="Grafik 4"/>
+          <p:cNvPicPr>
+            <a:picLocks noChangeAspect="1"/>
+          </p:cNvPicPr>
+          <p:nvPr/>
+        </p:nvPicPr>
+        <p:blipFill>
+          <a:blip r:embed="rId2"/>
+          <a:stretch>
+            <a:fillRect/>
+          </a:stretch>
+        </p:blipFill>
+        <p:spPr>
+          <a:xfrm>
+            <a:off x="6737230" y="-2"/>
+            <a:ext cx="5435994" cy="1578635"/>
+          </a:xfrm>
+          <a:prstGeom prst="rect">
+            <a:avLst/>
+          </a:prstGeom>
+        </p:spPr>
+      </p:pic>
+      <p:pic>
+        <p:nvPicPr>
+          <p:cNvPr id="6" name="Grafik 3">
+            <a:extLst>
+              <a:ext uri="{FF2B5EF4-FFF2-40B4-BE49-F238E27FC236}">
+                <a16:creationId xmlns:a16="http://schemas.microsoft.com/office/drawing/2014/main" id="{56B88815-4A6E-60B6-7816-CB302BD70A78}"/>
+              </a:ext>
+            </a:extLst>
+          </p:cNvPr>
+          <p:cNvPicPr>
+            <a:picLocks noChangeAspect="1"/>
+          </p:cNvPicPr>
+          <p:nvPr/>
+        </p:nvPicPr>
+        <p:blipFill>
+          <a:blip r:embed="rId3"/>
+          <a:stretch>
+            <a:fillRect/>
+          </a:stretch>
+        </p:blipFill>
+        <p:spPr>
+          <a:xfrm>
+            <a:off x="0" y="0"/>
+            <a:ext cx="6736691" cy="6858000"/>
+          </a:xfrm>
+          <a:prstGeom prst="rect">
+            <a:avLst/>
+          </a:prstGeom>
+        </p:spPr>
+      </p:pic>
+      <p:sp>
+        <p:nvSpPr>
+          <p:cNvPr id="25" name="Rektangel 24">
+            <a:extLst>
+              <a:ext uri="{FF2B5EF4-FFF2-40B4-BE49-F238E27FC236}">
+                <a16:creationId xmlns:a16="http://schemas.microsoft.com/office/drawing/2014/main" id="{7F26C9A4-CD7E-48E9-8423-8579F75771B2}"/>
+              </a:ext>
+            </a:extLst>
+          </p:cNvPr>
+          <p:cNvSpPr/>
+          <p:nvPr/>
+        </p:nvSpPr>
+        <p:spPr>
+          <a:xfrm>
+            <a:off x="254606" y="789315"/>
+            <a:ext cx="6035040" cy="212171"/>
+          </a:xfrm>
+          <a:prstGeom prst="rect">
+            <a:avLst/>
+          </a:prstGeom>
+          <a:solidFill>
+            <a:srgbClr val="66CC00">
+              <a:alpha val="5000"/>
+            </a:srgbClr>
+          </a:solidFill>
+          <a:ln w="18000">
+            <a:solidFill>
+              <a:srgbClr val="66CC00"/>
+            </a:solidFill>
+          </a:ln>
+        </p:spPr>
+        <p:style>
+          <a:lnRef idx="2">
+            <a:schemeClr val="accent1">
+              <a:shade val="15000"/>
+            </a:schemeClr>
+          </a:lnRef>
+          <a:fillRef idx="1">
+            <a:schemeClr val="accent1"/>
+          </a:fillRef>
+          <a:effectRef idx="0">
+            <a:schemeClr val="accent1"/>
+          </a:effectRef>
+          <a:fontRef idx="minor">
+            <a:schemeClr val="lt1"/>
+          </a:fontRef>
+        </p:style>
+        <p:txBody>
+          <a:bodyPr wrap="none" rtlCol="0" anchor="ctr" anchorCtr="1"/>
+          <a:lstStyle/>
+          <a:p>
+            <a:endParaRPr lang="de-DE">
+              <a:solidFill>
+                <a:srgbClr val="66CC00"/>
+              </a:solidFill>
+            </a:endParaRPr>
+          </a:p>
+        </p:txBody>
+      </p:sp>
+      <p:sp>
+        <p:nvSpPr>
+          <p:cNvPr id="2" name="TextBox 1">
+            <a:extLst>
+              <a:ext uri="{FF2B5EF4-FFF2-40B4-BE49-F238E27FC236}">
+                <a16:creationId xmlns:a16="http://schemas.microsoft.com/office/drawing/2014/main" id="{98BF4963-A4C7-D394-0E7F-26A71FF46DDC}"/>
+              </a:ext>
+            </a:extLst>
+          </p:cNvPr>
+          <p:cNvSpPr txBox="1"/>
+          <p:nvPr/>
+        </p:nvSpPr>
+        <p:spPr>
+          <a:xfrm>
+            <a:off x="6736691" y="1578633"/>
+            <a:ext cx="4508252" cy="1477328"/>
+          </a:xfrm>
+          <a:prstGeom prst="rect">
+            <a:avLst/>
+          </a:prstGeom>
+          <a:noFill/>
+        </p:spPr>
+        <p:txBody>
+          <a:bodyPr wrap="square" rtlCol="0">
+            <a:spAutoFit/>
+          </a:bodyPr>
+          <a:lstStyle/>
+          <a:p>
+            <a:pPr marL="342900" indent="-342900">
+              <a:buAutoNum type="arabicPeriod"/>
+            </a:pPr>
+            <a:r>
+              <a:rPr lang="en-DE" dirty="0"/>
+              <a:t>Hinzufügen aller möglichen Züge</a:t>
+            </a:r>
+          </a:p>
+          <a:p>
+            <a:pPr marL="342900" indent="-342900">
+              <a:buAutoNum type="arabicPeriod"/>
+            </a:pPr>
+            <a:r>
+              <a:rPr lang="en-DE" dirty="0"/>
+              <a:t>Entfernen von Zügen</a:t>
+            </a:r>
+          </a:p>
+          <a:p>
+            <a:pPr marL="800100" lvl="1" indent="-342900">
+              <a:buAutoNum type="arabicPeriod"/>
+            </a:pPr>
+            <a:r>
+              <a:rPr lang="en-DE" dirty="0"/>
+              <a:t>Züge welche aus dem Spielfeld gehen würden</a:t>
+            </a:r>
+          </a:p>
+          <a:p>
+            <a:pPr marL="800100" lvl="1" indent="-342900">
+              <a:buFont typeface="+mj-lt"/>
+              <a:buAutoNum type="arabicPeriod"/>
+            </a:pPr>
+            <a:endParaRPr lang="en-DE" dirty="0"/>
+          </a:p>
+        </p:txBody>
+      </p:sp>
+      <p:pic>
+        <p:nvPicPr>
+          <p:cNvPr id="7" name="Picture 6" descr="A black and white chess board&#10;&#10;Description automatically generated">
+            <a:extLst>
+              <a:ext uri="{FF2B5EF4-FFF2-40B4-BE49-F238E27FC236}">
+                <a16:creationId xmlns:a16="http://schemas.microsoft.com/office/drawing/2014/main" id="{0921DA65-89E8-826D-D541-0F379440980F}"/>
+              </a:ext>
+            </a:extLst>
+          </p:cNvPr>
+          <p:cNvPicPr>
+            <a:picLocks noChangeAspect="1"/>
+          </p:cNvPicPr>
+          <p:nvPr/>
+        </p:nvPicPr>
+        <p:blipFill>
+          <a:blip r:embed="rId4"/>
+          <a:stretch>
+            <a:fillRect/>
+          </a:stretch>
+        </p:blipFill>
+        <p:spPr>
+          <a:xfrm>
+            <a:off x="7172120" y="2750962"/>
+            <a:ext cx="4072823" cy="4129043"/>
+          </a:xfrm>
+          <a:prstGeom prst="rect">
+            <a:avLst/>
+          </a:prstGeom>
+        </p:spPr>
+      </p:pic>
+      <p:grpSp>
+        <p:nvGrpSpPr>
+          <p:cNvPr id="14" name="Group 13">
+            <a:extLst>
+              <a:ext uri="{FF2B5EF4-FFF2-40B4-BE49-F238E27FC236}">
+                <a16:creationId xmlns:a16="http://schemas.microsoft.com/office/drawing/2014/main" id="{2C2A8F0D-115B-A2B6-167C-D498020829E4}"/>
+              </a:ext>
+            </a:extLst>
+          </p:cNvPr>
+          <p:cNvGrpSpPr/>
+          <p:nvPr/>
+        </p:nvGrpSpPr>
+        <p:grpSpPr>
+          <a:xfrm>
+            <a:off x="10501389" y="6040149"/>
+            <a:ext cx="1358640" cy="614520"/>
+            <a:chOff x="10501389" y="6040149"/>
+            <a:chExt cx="1358640" cy="614520"/>
+          </a:xfrm>
+        </p:grpSpPr>
+        <mc:AlternateContent xmlns:mc="http://schemas.openxmlformats.org/markup-compatibility/2006">
+          <mc:Choice xmlns:p14="http://schemas.microsoft.com/office/powerpoint/2010/main" Requires="p14">
+            <p:contentPart p14:bwMode="auto" r:id="rId5">
+              <p14:nvContentPartPr>
+                <p14:cNvPr id="8" name="Ink 7">
+                  <a:extLst>
+                    <a:ext uri="{FF2B5EF4-FFF2-40B4-BE49-F238E27FC236}">
+                      <a16:creationId xmlns:a16="http://schemas.microsoft.com/office/drawing/2014/main" id="{AC31E5E8-C766-94F8-363A-A74ABBDC5DFC}"/>
+                    </a:ext>
+                  </a:extLst>
+                </p14:cNvPr>
+                <p14:cNvContentPartPr/>
+                <p14:nvPr/>
+              </p14:nvContentPartPr>
+              <p14:xfrm>
+                <a:off x="10501389" y="6089109"/>
+                <a:ext cx="1127160" cy="565560"/>
+              </p14:xfrm>
+            </p:contentPart>
+          </mc:Choice>
+          <mc:Fallback>
+            <p:pic>
+              <p:nvPicPr>
+                <p:cNvPr id="8" name="Ink 7">
+                  <a:extLst>
+                    <a:ext uri="{FF2B5EF4-FFF2-40B4-BE49-F238E27FC236}">
+                      <a16:creationId xmlns:a16="http://schemas.microsoft.com/office/drawing/2014/main" id="{AC31E5E8-C766-94F8-363A-A74ABBDC5DFC}"/>
+                    </a:ext>
+                  </a:extLst>
+                </p:cNvPr>
+                <p:cNvPicPr/>
+                <p:nvPr/>
+              </p:nvPicPr>
+              <p:blipFill>
+                <a:blip r:embed="rId6"/>
+                <a:stretch>
+                  <a:fillRect/>
+                </a:stretch>
+              </p:blipFill>
+              <p:spPr>
+                <a:xfrm>
+                  <a:off x="10492389" y="6080109"/>
+                  <a:ext cx="1144800" cy="583200"/>
+                </a:xfrm>
+                <a:prstGeom prst="rect">
+                  <a:avLst/>
+                </a:prstGeom>
+              </p:spPr>
+            </p:pic>
+          </mc:Fallback>
+        </mc:AlternateContent>
+        <mc:AlternateContent xmlns:mc="http://schemas.openxmlformats.org/markup-compatibility/2006">
+          <mc:Choice xmlns:p14="http://schemas.microsoft.com/office/powerpoint/2010/main" Requires="p14">
+            <p:contentPart p14:bwMode="auto" r:id="rId7">
+              <p14:nvContentPartPr>
+                <p14:cNvPr id="9" name="Ink 8">
+                  <a:extLst>
+                    <a:ext uri="{FF2B5EF4-FFF2-40B4-BE49-F238E27FC236}">
+                      <a16:creationId xmlns:a16="http://schemas.microsoft.com/office/drawing/2014/main" id="{481C6488-BDE9-CBF4-20BD-4001E92F138A}"/>
+                    </a:ext>
+                  </a:extLst>
+                </p14:cNvPr>
+                <p14:cNvContentPartPr/>
+                <p14:nvPr/>
+              </p14:nvContentPartPr>
+              <p14:xfrm>
+                <a:off x="11411469" y="6040149"/>
+                <a:ext cx="448560" cy="243360"/>
+              </p14:xfrm>
+            </p:contentPart>
+          </mc:Choice>
+          <mc:Fallback>
+            <p:pic>
+              <p:nvPicPr>
+                <p:cNvPr id="9" name="Ink 8">
+                  <a:extLst>
+                    <a:ext uri="{FF2B5EF4-FFF2-40B4-BE49-F238E27FC236}">
+                      <a16:creationId xmlns:a16="http://schemas.microsoft.com/office/drawing/2014/main" id="{481C6488-BDE9-CBF4-20BD-4001E92F138A}"/>
+                    </a:ext>
+                  </a:extLst>
+                </p:cNvPr>
+                <p:cNvPicPr/>
+                <p:nvPr/>
+              </p:nvPicPr>
+              <p:blipFill>
+                <a:blip r:embed="rId8"/>
+                <a:stretch>
+                  <a:fillRect/>
+                </a:stretch>
+              </p:blipFill>
+              <p:spPr>
+                <a:xfrm>
+                  <a:off x="11402469" y="6031509"/>
+                  <a:ext cx="466200" cy="261000"/>
+                </a:xfrm>
+                <a:prstGeom prst="rect">
+                  <a:avLst/>
+                </a:prstGeom>
+              </p:spPr>
+            </p:pic>
+          </mc:Fallback>
+        </mc:AlternateContent>
+        <mc:AlternateContent xmlns:mc="http://schemas.openxmlformats.org/markup-compatibility/2006">
+          <mc:Choice xmlns:p14="http://schemas.microsoft.com/office/powerpoint/2010/main" Requires="p14">
+            <p:contentPart p14:bwMode="auto" r:id="rId9">
+              <p14:nvContentPartPr>
+                <p14:cNvPr id="11" name="Ink 10">
+                  <a:extLst>
+                    <a:ext uri="{FF2B5EF4-FFF2-40B4-BE49-F238E27FC236}">
+                      <a16:creationId xmlns:a16="http://schemas.microsoft.com/office/drawing/2014/main" id="{AE25383C-26A5-D6BE-69D2-D3FFE92955EF}"/>
+                    </a:ext>
+                  </a:extLst>
+                </p14:cNvPr>
+                <p14:cNvContentPartPr/>
+                <p14:nvPr/>
+              </p14:nvContentPartPr>
+              <p14:xfrm>
+                <a:off x="11511549" y="6378189"/>
+                <a:ext cx="256320" cy="169200"/>
+              </p14:xfrm>
+            </p:contentPart>
+          </mc:Choice>
+          <mc:Fallback>
+            <p:pic>
+              <p:nvPicPr>
+                <p:cNvPr id="11" name="Ink 10">
+                  <a:extLst>
+                    <a:ext uri="{FF2B5EF4-FFF2-40B4-BE49-F238E27FC236}">
+                      <a16:creationId xmlns:a16="http://schemas.microsoft.com/office/drawing/2014/main" id="{AE25383C-26A5-D6BE-69D2-D3FFE92955EF}"/>
+                    </a:ext>
+                  </a:extLst>
+                </p:cNvPr>
+                <p:cNvPicPr/>
+                <p:nvPr/>
+              </p:nvPicPr>
+              <p:blipFill>
+                <a:blip r:embed="rId10"/>
+                <a:stretch>
+                  <a:fillRect/>
+                </a:stretch>
+              </p:blipFill>
+              <p:spPr>
+                <a:xfrm>
+                  <a:off x="11502909" y="6369189"/>
+                  <a:ext cx="273960" cy="186840"/>
+                </a:xfrm>
+                <a:prstGeom prst="rect">
+                  <a:avLst/>
+                </a:prstGeom>
+              </p:spPr>
+            </p:pic>
+          </mc:Fallback>
+        </mc:AlternateContent>
+        <mc:AlternateContent xmlns:mc="http://schemas.openxmlformats.org/markup-compatibility/2006">
+          <mc:Choice xmlns:p14="http://schemas.microsoft.com/office/powerpoint/2010/main" Requires="p14">
+            <p:contentPart p14:bwMode="auto" r:id="rId11">
+              <p14:nvContentPartPr>
+                <p14:cNvPr id="13" name="Ink 12">
+                  <a:extLst>
+                    <a:ext uri="{FF2B5EF4-FFF2-40B4-BE49-F238E27FC236}">
+                      <a16:creationId xmlns:a16="http://schemas.microsoft.com/office/drawing/2014/main" id="{09BC6A54-3499-0AC6-EB70-DFC5AA178E62}"/>
+                    </a:ext>
+                  </a:extLst>
+                </p14:cNvPr>
+                <p14:cNvContentPartPr/>
+                <p14:nvPr/>
+              </p14:nvContentPartPr>
+              <p14:xfrm>
+                <a:off x="11457549" y="6350829"/>
+                <a:ext cx="342720" cy="237600"/>
+              </p14:xfrm>
+            </p:contentPart>
+          </mc:Choice>
+          <mc:Fallback>
+            <p:pic>
+              <p:nvPicPr>
+                <p:cNvPr id="13" name="Ink 12">
+                  <a:extLst>
+                    <a:ext uri="{FF2B5EF4-FFF2-40B4-BE49-F238E27FC236}">
+                      <a16:creationId xmlns:a16="http://schemas.microsoft.com/office/drawing/2014/main" id="{09BC6A54-3499-0AC6-EB70-DFC5AA178E62}"/>
+                    </a:ext>
+                  </a:extLst>
+                </p:cNvPr>
+                <p:cNvPicPr/>
+                <p:nvPr/>
+              </p:nvPicPr>
+              <p:blipFill>
+                <a:blip r:embed="rId12"/>
+                <a:stretch>
+                  <a:fillRect/>
+                </a:stretch>
+              </p:blipFill>
+              <p:spPr>
+                <a:xfrm>
+                  <a:off x="11448549" y="6341829"/>
+                  <a:ext cx="360360" cy="255240"/>
+                </a:xfrm>
+                <a:prstGeom prst="rect">
+                  <a:avLst/>
+                </a:prstGeom>
+              </p:spPr>
+            </p:pic>
+          </mc:Fallback>
+        </mc:AlternateContent>
+      </p:grpSp>
+      <mc:AlternateContent xmlns:mc="http://schemas.openxmlformats.org/markup-compatibility/2006">
+        <mc:Choice xmlns:p14="http://schemas.microsoft.com/office/powerpoint/2010/main" Requires="p14">
+          <p:contentPart p14:bwMode="auto" r:id="rId13">
+            <p14:nvContentPartPr>
+              <p14:cNvPr id="16" name="Ink 15">
+                <a:extLst>
+                  <a:ext uri="{FF2B5EF4-FFF2-40B4-BE49-F238E27FC236}">
+                    <a16:creationId xmlns:a16="http://schemas.microsoft.com/office/drawing/2014/main" id="{8732C047-2279-EE4E-69C8-8899B17E5908}"/>
+                  </a:ext>
+                </a:extLst>
+              </p14:cNvPr>
+              <p14:cNvContentPartPr/>
+              <p14:nvPr/>
+            </p14:nvContentPartPr>
+            <p14:xfrm>
+              <a:off x="1444149" y="-907131"/>
+              <a:ext cx="360" cy="360"/>
+            </p14:xfrm>
+          </p:contentPart>
+        </mc:Choice>
+        <mc:Fallback>
+          <p:pic>
+            <p:nvPicPr>
+              <p:cNvPr id="16" name="Ink 15">
+                <a:extLst>
+                  <a:ext uri="{FF2B5EF4-FFF2-40B4-BE49-F238E27FC236}">
+                    <a16:creationId xmlns:a16="http://schemas.microsoft.com/office/drawing/2014/main" id="{8732C047-2279-EE4E-69C8-8899B17E5908}"/>
+                  </a:ext>
+                </a:extLst>
+              </p:cNvPr>
+              <p:cNvPicPr/>
+              <p:nvPr/>
+            </p:nvPicPr>
+            <p:blipFill>
+              <a:blip r:embed="rId14"/>
+              <a:stretch>
+                <a:fillRect/>
+              </a:stretch>
+            </p:blipFill>
+            <p:spPr>
+              <a:xfrm>
+                <a:off x="1435509" y="-915771"/>
+                <a:ext cx="18000" cy="18000"/>
+              </a:xfrm>
+              <a:prstGeom prst="rect">
+                <a:avLst/>
+              </a:prstGeom>
+            </p:spPr>
+          </p:pic>
+        </mc:Fallback>
+      </mc:AlternateContent>
+      <mc:AlternateContent xmlns:mc="http://schemas.openxmlformats.org/markup-compatibility/2006">
+        <mc:Choice xmlns:p14="http://schemas.microsoft.com/office/powerpoint/2010/main" Requires="p14">
+          <p:contentPart p14:bwMode="auto" r:id="rId15">
+            <p14:nvContentPartPr>
+              <p14:cNvPr id="17" name="Ink 16">
+                <a:extLst>
+                  <a:ext uri="{FF2B5EF4-FFF2-40B4-BE49-F238E27FC236}">
+                    <a16:creationId xmlns:a16="http://schemas.microsoft.com/office/drawing/2014/main" id="{6FC666B3-5996-F807-F4EE-BD6593150B3D}"/>
+                  </a:ext>
+                </a:extLst>
+              </p14:cNvPr>
+              <p14:cNvContentPartPr/>
+              <p14:nvPr/>
+            </p14:nvContentPartPr>
+            <p14:xfrm>
+              <a:off x="1444149" y="-900291"/>
+              <a:ext cx="360" cy="360"/>
+            </p14:xfrm>
+          </p:contentPart>
+        </mc:Choice>
+        <mc:Fallback>
+          <p:pic>
+            <p:nvPicPr>
+              <p:cNvPr id="17" name="Ink 16">
+                <a:extLst>
+                  <a:ext uri="{FF2B5EF4-FFF2-40B4-BE49-F238E27FC236}">
+                    <a16:creationId xmlns:a16="http://schemas.microsoft.com/office/drawing/2014/main" id="{6FC666B3-5996-F807-F4EE-BD6593150B3D}"/>
+                  </a:ext>
+                </a:extLst>
+              </p:cNvPr>
+              <p:cNvPicPr/>
+              <p:nvPr/>
+            </p:nvPicPr>
+            <p:blipFill>
+              <a:blip r:embed="rId14"/>
+              <a:stretch>
+                <a:fillRect/>
+              </a:stretch>
+            </p:blipFill>
+            <p:spPr>
+              <a:xfrm>
+                <a:off x="1435509" y="-909291"/>
+                <a:ext cx="18000" cy="18000"/>
+              </a:xfrm>
+              <a:prstGeom prst="rect">
+                <a:avLst/>
+              </a:prstGeom>
+            </p:spPr>
+          </p:pic>
+        </mc:Fallback>
+      </mc:AlternateContent>
+      <mc:AlternateContent xmlns:mc="http://schemas.openxmlformats.org/markup-compatibility/2006">
+        <mc:Choice xmlns:p14="http://schemas.microsoft.com/office/powerpoint/2010/main" Requires="p14">
+          <p:contentPart p14:bwMode="auto" r:id="rId16">
+            <p14:nvContentPartPr>
+              <p14:cNvPr id="18" name="Ink 17">
+                <a:extLst>
+                  <a:ext uri="{FF2B5EF4-FFF2-40B4-BE49-F238E27FC236}">
+                    <a16:creationId xmlns:a16="http://schemas.microsoft.com/office/drawing/2014/main" id="{82D7EBD9-0EF8-2862-F528-6979FE74EDB6}"/>
+                  </a:ext>
+                </a:extLst>
+              </p14:cNvPr>
+              <p14:cNvContentPartPr/>
+              <p14:nvPr/>
+            </p14:nvContentPartPr>
+            <p14:xfrm>
+              <a:off x="1444149" y="-900291"/>
+              <a:ext cx="360" cy="360"/>
+            </p14:xfrm>
+          </p:contentPart>
+        </mc:Choice>
+        <mc:Fallback>
+          <p:pic>
+            <p:nvPicPr>
+              <p:cNvPr id="18" name="Ink 17">
+                <a:extLst>
+                  <a:ext uri="{FF2B5EF4-FFF2-40B4-BE49-F238E27FC236}">
+                    <a16:creationId xmlns:a16="http://schemas.microsoft.com/office/drawing/2014/main" id="{82D7EBD9-0EF8-2862-F528-6979FE74EDB6}"/>
+                  </a:ext>
+                </a:extLst>
+              </p:cNvPr>
+              <p:cNvPicPr/>
+              <p:nvPr/>
+            </p:nvPicPr>
+            <p:blipFill>
+              <a:blip r:embed="rId14"/>
+              <a:stretch>
+                <a:fillRect/>
+              </a:stretch>
+            </p:blipFill>
+            <p:spPr>
+              <a:xfrm>
+                <a:off x="1435509" y="-909291"/>
+                <a:ext cx="18000" cy="18000"/>
+              </a:xfrm>
+              <a:prstGeom prst="rect">
+                <a:avLst/>
+              </a:prstGeom>
+            </p:spPr>
+          </p:pic>
+        </mc:Fallback>
+      </mc:AlternateContent>
+    </p:spTree>
+    <p:extLst>
+      <p:ext uri="{BB962C8B-B14F-4D97-AF65-F5344CB8AC3E}">
+        <p14:creationId xmlns:p14="http://schemas.microsoft.com/office/powerpoint/2010/main" val="3891401552"/>
+      </p:ext>
+    </p:extLst>
+  </p:cSld>
+  <p:clrMapOvr>
+    <a:masterClrMapping/>
+  </p:clrMapOvr>
+  <mc:AlternateContent xmlns:mc="http://schemas.openxmlformats.org/markup-compatibility/2006">
+    <mc:Choice xmlns:p159="http://schemas.microsoft.com/office/powerpoint/2015/09/main" Requires="p159">
+      <p:transition xmlns:p14="http://schemas.microsoft.com/office/powerpoint/2010/main" spd="slow" p14:dur="2000">
+        <p159:morph option="byObject"/>
+      </p:transition>
+    </mc:Choice>
+    <mc:Fallback>
+      <p:transition spd="slow">
+        <p:fade/>
+      </p:transition>
+    </mc:Fallback>
+  </mc:AlternateContent>
 </p:sld>
 </file>
 
@@ -7019,4 +12587,299 @@
     </a:ext>
   </a:extLst>
 </a:theme>
+</file>
+
+<file path=ppt/theme/theme2.xml><?xml version="1.0" encoding="utf-8"?>
+<a:theme xmlns:a="http://schemas.openxmlformats.org/drawingml/2006/main" name="Office Theme">
+  <a:themeElements>
+    <a:clrScheme name="Office">
+      <a:dk1>
+        <a:sysClr val="windowText" lastClr="000000"/>
+      </a:dk1>
+      <a:lt1>
+        <a:sysClr val="window" lastClr="FFFFFF"/>
+      </a:lt1>
+      <a:dk2>
+        <a:srgbClr val="44546A"/>
+      </a:dk2>
+      <a:lt2>
+        <a:srgbClr val="E7E6E6"/>
+      </a:lt2>
+      <a:accent1>
+        <a:srgbClr val="4472C4"/>
+      </a:accent1>
+      <a:accent2>
+        <a:srgbClr val="ED7D31"/>
+      </a:accent2>
+      <a:accent3>
+        <a:srgbClr val="A5A5A5"/>
+      </a:accent3>
+      <a:accent4>
+        <a:srgbClr val="FFC000"/>
+      </a:accent4>
+      <a:accent5>
+        <a:srgbClr val="5B9BD5"/>
+      </a:accent5>
+      <a:accent6>
+        <a:srgbClr val="70AD47"/>
+      </a:accent6>
+      <a:hlink>
+        <a:srgbClr val="0563C1"/>
+      </a:hlink>
+      <a:folHlink>
+        <a:srgbClr val="954F72"/>
+      </a:folHlink>
+    </a:clrScheme>
+    <a:fontScheme name="Office">
+      <a:majorFont>
+        <a:latin typeface="Calibri Light" panose="020F0302020204030204"/>
+        <a:ea typeface=""/>
+        <a:cs typeface=""/>
+        <a:font script="Jpan" typeface="游ゴシック Light"/>
+        <a:font script="Hang" typeface="맑은 고딕"/>
+        <a:font script="Hans" typeface="等线 Light"/>
+        <a:font script="Hant" typeface="新細明體"/>
+        <a:font script="Arab" typeface="Times New Roman"/>
+        <a:font script="Hebr" typeface="Times New Roman"/>
+        <a:font script="Thai" typeface="Angsana New"/>
+        <a:font script="Ethi" typeface="Nyala"/>
+        <a:font script="Beng" typeface="Vrinda"/>
+        <a:font script="Gujr" typeface="Shruti"/>
+        <a:font script="Khmr" typeface="MoolBoran"/>
+        <a:font script="Knda" typeface="Tunga"/>
+        <a:font script="Guru" typeface="Raavi"/>
+        <a:font script="Cans" typeface="Euphemia"/>
+        <a:font script="Cher" typeface="Plantagenet Cherokee"/>
+        <a:font script="Yiii" typeface="Microsoft Yi Baiti"/>
+        <a:font script="Tibt" typeface="Microsoft Himalaya"/>
+        <a:font script="Thaa" typeface="MV Boli"/>
+        <a:font script="Deva" typeface="Mangal"/>
+        <a:font script="Telu" typeface="Gautami"/>
+        <a:font script="Taml" typeface="Latha"/>
+        <a:font script="Syrc" typeface="Estrangelo Edessa"/>
+        <a:font script="Orya" typeface="Kalinga"/>
+        <a:font script="Mlym" typeface="Kartika"/>
+        <a:font script="Laoo" typeface="DokChampa"/>
+        <a:font script="Sinh" typeface="Iskoola Pota"/>
+        <a:font script="Mong" typeface="Mongolian Baiti"/>
+        <a:font script="Viet" typeface="Times New Roman"/>
+        <a:font script="Uigh" typeface="Microsoft Uighur"/>
+        <a:font script="Geor" typeface="Sylfaen"/>
+        <a:font script="Armn" typeface="Arial"/>
+        <a:font script="Bugi" typeface="Leelawadee UI"/>
+        <a:font script="Bopo" typeface="Microsoft JhengHei"/>
+        <a:font script="Java" typeface="Javanese Text"/>
+        <a:font script="Lisu" typeface="Segoe UI"/>
+        <a:font script="Mymr" typeface="Myanmar Text"/>
+        <a:font script="Nkoo" typeface="Ebrima"/>
+        <a:font script="Olck" typeface="Nirmala UI"/>
+        <a:font script="Osma" typeface="Ebrima"/>
+        <a:font script="Phag" typeface="Phagspa"/>
+        <a:font script="Syrn" typeface="Estrangelo Edessa"/>
+        <a:font script="Syrj" typeface="Estrangelo Edessa"/>
+        <a:font script="Syre" typeface="Estrangelo Edessa"/>
+        <a:font script="Sora" typeface="Nirmala UI"/>
+        <a:font script="Tale" typeface="Microsoft Tai Le"/>
+        <a:font script="Talu" typeface="Microsoft New Tai Lue"/>
+        <a:font script="Tfng" typeface="Ebrima"/>
+      </a:majorFont>
+      <a:minorFont>
+        <a:latin typeface="Calibri" panose="020F0502020204030204"/>
+        <a:ea typeface=""/>
+        <a:cs typeface=""/>
+        <a:font script="Jpan" typeface="游ゴシック"/>
+        <a:font script="Hang" typeface="맑은 고딕"/>
+        <a:font script="Hans" typeface="等线"/>
+        <a:font script="Hant" typeface="新細明體"/>
+        <a:font script="Arab" typeface="Arial"/>
+        <a:font script="Hebr" typeface="Arial"/>
+        <a:font script="Thai" typeface="Cordia New"/>
+        <a:font script="Ethi" typeface="Nyala"/>
+        <a:font script="Beng" typeface="Vrinda"/>
+        <a:font script="Gujr" typeface="Shruti"/>
+        <a:font script="Khmr" typeface="DaunPenh"/>
+        <a:font script="Knda" typeface="Tunga"/>
+        <a:font script="Guru" typeface="Raavi"/>
+        <a:font script="Cans" typeface="Euphemia"/>
+        <a:font script="Cher" typeface="Plantagenet Cherokee"/>
+        <a:font script="Yiii" typeface="Microsoft Yi Baiti"/>
+        <a:font script="Tibt" typeface="Microsoft Himalaya"/>
+        <a:font script="Thaa" typeface="MV Boli"/>
+        <a:font script="Deva" typeface="Mangal"/>
+        <a:font script="Telu" typeface="Gautami"/>
+        <a:font script="Taml" typeface="Latha"/>
+        <a:font script="Syrc" typeface="Estrangelo Edessa"/>
+        <a:font script="Orya" typeface="Kalinga"/>
+        <a:font script="Mlym" typeface="Kartika"/>
+        <a:font script="Laoo" typeface="DokChampa"/>
+        <a:font script="Sinh" typeface="Iskoola Pota"/>
+        <a:font script="Mong" typeface="Mongolian Baiti"/>
+        <a:font script="Viet" typeface="Arial"/>
+        <a:font script="Uigh" typeface="Microsoft Uighur"/>
+        <a:font script="Geor" typeface="Sylfaen"/>
+        <a:font script="Armn" typeface="Arial"/>
+        <a:font script="Bugi" typeface="Leelawadee UI"/>
+        <a:font script="Bopo" typeface="Microsoft JhengHei"/>
+        <a:font script="Java" typeface="Javanese Text"/>
+        <a:font script="Lisu" typeface="Segoe UI"/>
+        <a:font script="Mymr" typeface="Myanmar Text"/>
+        <a:font script="Nkoo" typeface="Ebrima"/>
+        <a:font script="Olck" typeface="Nirmala UI"/>
+        <a:font script="Osma" typeface="Ebrima"/>
+        <a:font script="Phag" typeface="Phagspa"/>
+        <a:font script="Syrn" typeface="Estrangelo Edessa"/>
+        <a:font script="Syrj" typeface="Estrangelo Edessa"/>
+        <a:font script="Syre" typeface="Estrangelo Edessa"/>
+        <a:font script="Sora" typeface="Nirmala UI"/>
+        <a:font script="Tale" typeface="Microsoft Tai Le"/>
+        <a:font script="Talu" typeface="Microsoft New Tai Lue"/>
+        <a:font script="Tfng" typeface="Ebrima"/>
+      </a:minorFont>
+    </a:fontScheme>
+    <a:fmtScheme name="Office">
+      <a:fillStyleLst>
+        <a:solidFill>
+          <a:schemeClr val="phClr"/>
+        </a:solidFill>
+        <a:gradFill rotWithShape="1">
+          <a:gsLst>
+            <a:gs pos="0">
+              <a:schemeClr val="phClr">
+                <a:lumMod val="110000"/>
+                <a:satMod val="105000"/>
+                <a:tint val="67000"/>
+              </a:schemeClr>
+            </a:gs>
+            <a:gs pos="50000">
+              <a:schemeClr val="phClr">
+                <a:lumMod val="105000"/>
+                <a:satMod val="103000"/>
+                <a:tint val="73000"/>
+              </a:schemeClr>
+            </a:gs>
+            <a:gs pos="100000">
+              <a:schemeClr val="phClr">
+                <a:lumMod val="105000"/>
+                <a:satMod val="109000"/>
+                <a:tint val="81000"/>
+              </a:schemeClr>
+            </a:gs>
+          </a:gsLst>
+          <a:lin ang="5400000" scaled="0"/>
+        </a:gradFill>
+        <a:gradFill rotWithShape="1">
+          <a:gsLst>
+            <a:gs pos="0">
+              <a:schemeClr val="phClr">
+                <a:satMod val="103000"/>
+                <a:lumMod val="102000"/>
+                <a:tint val="94000"/>
+              </a:schemeClr>
+            </a:gs>
+            <a:gs pos="50000">
+              <a:schemeClr val="phClr">
+                <a:satMod val="110000"/>
+                <a:lumMod val="100000"/>
+                <a:shade val="100000"/>
+              </a:schemeClr>
+            </a:gs>
+            <a:gs pos="100000">
+              <a:schemeClr val="phClr">
+                <a:lumMod val="99000"/>
+                <a:satMod val="120000"/>
+                <a:shade val="78000"/>
+              </a:schemeClr>
+            </a:gs>
+          </a:gsLst>
+          <a:lin ang="5400000" scaled="0"/>
+        </a:gradFill>
+      </a:fillStyleLst>
+      <a:lnStyleLst>
+        <a:ln w="6350" cap="flat" cmpd="sng" algn="ctr">
+          <a:solidFill>
+            <a:schemeClr val="phClr"/>
+          </a:solidFill>
+          <a:prstDash val="solid"/>
+          <a:miter lim="800000"/>
+        </a:ln>
+        <a:ln w="12700" cap="flat" cmpd="sng" algn="ctr">
+          <a:solidFill>
+            <a:schemeClr val="phClr"/>
+          </a:solidFill>
+          <a:prstDash val="solid"/>
+          <a:miter lim="800000"/>
+        </a:ln>
+        <a:ln w="19050" cap="flat" cmpd="sng" algn="ctr">
+          <a:solidFill>
+            <a:schemeClr val="phClr"/>
+          </a:solidFill>
+          <a:prstDash val="solid"/>
+          <a:miter lim="800000"/>
+        </a:ln>
+      </a:lnStyleLst>
+      <a:effectStyleLst>
+        <a:effectStyle>
+          <a:effectLst/>
+        </a:effectStyle>
+        <a:effectStyle>
+          <a:effectLst/>
+        </a:effectStyle>
+        <a:effectStyle>
+          <a:effectLst>
+            <a:outerShdw blurRad="57150" dist="19050" dir="5400000" algn="ctr" rotWithShape="0">
+              <a:srgbClr val="000000">
+                <a:alpha val="63000"/>
+              </a:srgbClr>
+            </a:outerShdw>
+          </a:effectLst>
+        </a:effectStyle>
+      </a:effectStyleLst>
+      <a:bgFillStyleLst>
+        <a:solidFill>
+          <a:schemeClr val="phClr"/>
+        </a:solidFill>
+        <a:solidFill>
+          <a:schemeClr val="phClr">
+            <a:tint val="95000"/>
+            <a:satMod val="170000"/>
+          </a:schemeClr>
+        </a:solidFill>
+        <a:gradFill rotWithShape="1">
+          <a:gsLst>
+            <a:gs pos="0">
+              <a:schemeClr val="phClr">
+                <a:tint val="93000"/>
+                <a:satMod val="150000"/>
+                <a:shade val="98000"/>
+                <a:lumMod val="102000"/>
+              </a:schemeClr>
+            </a:gs>
+            <a:gs pos="50000">
+              <a:schemeClr val="phClr">
+                <a:tint val="98000"/>
+                <a:satMod val="130000"/>
+                <a:shade val="90000"/>
+                <a:lumMod val="103000"/>
+              </a:schemeClr>
+            </a:gs>
+            <a:gs pos="100000">
+              <a:schemeClr val="phClr">
+                <a:shade val="63000"/>
+                <a:satMod val="120000"/>
+              </a:schemeClr>
+            </a:gs>
+          </a:gsLst>
+          <a:lin ang="5400000" scaled="0"/>
+        </a:gradFill>
+      </a:bgFillStyleLst>
+    </a:fmtScheme>
+  </a:themeElements>
+  <a:objectDefaults/>
+  <a:extraClrSchemeLst/>
+  <a:extLst>
+    <a:ext uri="{05A4C25C-085E-4340-85A3-A5531E510DB2}">
+      <thm15:themeFamily xmlns:thm15="http://schemas.microsoft.com/office/thememl/2012/main" name="Office Theme" id="{62F939B6-93AF-4DB8-9C6B-D6C7DFDC589F}" vid="{4A3C46E8-61CC-4603-A589-7422A47A8E4A}"/>
+    </a:ext>
+  </a:extLst>
+</a:theme>
 </file>
--- a/Schachprojekt.pptx
+++ b/Schachprojekt.pptx
@@ -5,7 +5,7 @@
     <p:sldMasterId id="2147483648" r:id="rId1"/>
   </p:sldMasterIdLst>
   <p:notesMasterIdLst>
-    <p:notesMasterId r:id="rId20"/>
+    <p:notesMasterId r:id="rId21"/>
   </p:notesMasterIdLst>
   <p:sldIdLst>
     <p:sldId id="256" r:id="rId2"/>
@@ -23,9 +23,10 @@
     <p:sldId id="271" r:id="rId14"/>
     <p:sldId id="262" r:id="rId15"/>
     <p:sldId id="276" r:id="rId16"/>
-    <p:sldId id="275" r:id="rId17"/>
-    <p:sldId id="261" r:id="rId18"/>
-    <p:sldId id="278" r:id="rId19"/>
+    <p:sldId id="279" r:id="rId17"/>
+    <p:sldId id="275" r:id="rId18"/>
+    <p:sldId id="261" r:id="rId19"/>
+    <p:sldId id="278" r:id="rId20"/>
   </p:sldIdLst>
   <p:sldSz cx="12192000" cy="6858000"/>
   <p:notesSz cx="6858000" cy="9144000"/>
@@ -916,6 +917,146 @@
 </inkml:ink>
 </file>
 
+<file path=ppt/ink/ink35.xml><?xml version="1.0" encoding="utf-8"?>
+<inkml:ink xmlns:inkml="http://www.w3.org/2003/InkML">
+  <inkml:definitions>
+    <inkml:context xml:id="ctx0">
+      <inkml:inkSource xml:id="inkSrc0">
+        <inkml:traceFormat>
+          <inkml:channel name="X" type="integer" min="-2.14748E9" max="2.14748E9" units="cm"/>
+          <inkml:channel name="Y" type="integer" min="-2.14748E9" max="2.14748E9" units="cm"/>
+          <inkml:channel name="F" type="integer" max="32767" units="dev"/>
+        </inkml:traceFormat>
+        <inkml:channelProperties>
+          <inkml:channelProperty channel="X" name="resolution" value="1000" units="1/cm"/>
+          <inkml:channelProperty channel="Y" name="resolution" value="1000" units="1/cm"/>
+          <inkml:channelProperty channel="F" name="resolution" value="0" units="1/dev"/>
+        </inkml:channelProperties>
+      </inkml:inkSource>
+      <inkml:timestamp xml:id="ts0" timeString="2023-09-25T09:54:48.297"/>
+    </inkml:context>
+    <inkml:brush xml:id="br0">
+      <inkml:brushProperty name="width" value="0.05" units="cm"/>
+      <inkml:brushProperty name="height" value="0.05" units="cm"/>
+      <inkml:brushProperty name="color" value="#F6630D"/>
+    </inkml:brush>
+  </inkml:definitions>
+  <inkml:trace contextRef="#ctx0" brushRef="#br0">0 1 24575,'0'0'0</inkml:trace>
+</inkml:ink>
+</file>
+
+<file path=ppt/ink/ink36.xml><?xml version="1.0" encoding="utf-8"?>
+<inkml:ink xmlns:inkml="http://www.w3.org/2003/InkML">
+  <inkml:definitions>
+    <inkml:context xml:id="ctx0">
+      <inkml:inkSource xml:id="inkSrc0">
+        <inkml:traceFormat>
+          <inkml:channel name="X" type="integer" min="-2.14748E9" max="2.14748E9" units="cm"/>
+          <inkml:channel name="Y" type="integer" min="-2.14748E9" max="2.14748E9" units="cm"/>
+          <inkml:channel name="F" type="integer" max="32767" units="dev"/>
+        </inkml:traceFormat>
+        <inkml:channelProperties>
+          <inkml:channelProperty channel="X" name="resolution" value="1000" units="1/cm"/>
+          <inkml:channelProperty channel="Y" name="resolution" value="1000" units="1/cm"/>
+          <inkml:channelProperty channel="F" name="resolution" value="0" units="1/dev"/>
+        </inkml:channelProperties>
+      </inkml:inkSource>
+      <inkml:timestamp xml:id="ts0" timeString="2023-09-25T09:54:49.732"/>
+    </inkml:context>
+    <inkml:brush xml:id="br0">
+      <inkml:brushProperty name="width" value="0.05" units="cm"/>
+      <inkml:brushProperty name="height" value="0.05" units="cm"/>
+      <inkml:brushProperty name="color" value="#F6630D"/>
+    </inkml:brush>
+  </inkml:definitions>
+  <inkml:trace contextRef="#ctx0" brushRef="#br0">0 1 24575,'0'0'0</inkml:trace>
+</inkml:ink>
+</file>
+
+<file path=ppt/ink/ink37.xml><?xml version="1.0" encoding="utf-8"?>
+<inkml:ink xmlns:inkml="http://www.w3.org/2003/InkML">
+  <inkml:definitions>
+    <inkml:context xml:id="ctx0">
+      <inkml:inkSource xml:id="inkSrc0">
+        <inkml:traceFormat>
+          <inkml:channel name="X" type="integer" min="-2.14748E9" max="2.14748E9" units="cm"/>
+          <inkml:channel name="Y" type="integer" min="-2.14748E9" max="2.14748E9" units="cm"/>
+          <inkml:channel name="F" type="integer" max="32767" units="dev"/>
+        </inkml:traceFormat>
+        <inkml:channelProperties>
+          <inkml:channelProperty channel="X" name="resolution" value="1000" units="1/cm"/>
+          <inkml:channelProperty channel="Y" name="resolution" value="1000" units="1/cm"/>
+          <inkml:channelProperty channel="F" name="resolution" value="0" units="1/dev"/>
+        </inkml:channelProperties>
+      </inkml:inkSource>
+      <inkml:timestamp xml:id="ts0" timeString="2023-09-25T09:54:51.139"/>
+    </inkml:context>
+    <inkml:brush xml:id="br0">
+      <inkml:brushProperty name="width" value="0.05" units="cm"/>
+      <inkml:brushProperty name="height" value="0.05" units="cm"/>
+      <inkml:brushProperty name="color" value="#F6630D"/>
+    </inkml:brush>
+  </inkml:definitions>
+  <inkml:trace contextRef="#ctx0" brushRef="#br0">1 1 24575,'0'0'0</inkml:trace>
+</inkml:ink>
+</file>
+
+<file path=ppt/ink/ink38.xml><?xml version="1.0" encoding="utf-8"?>
+<inkml:ink xmlns:inkml="http://www.w3.org/2003/InkML">
+  <inkml:definitions>
+    <inkml:context xml:id="ctx0">
+      <inkml:inkSource xml:id="inkSrc0">
+        <inkml:traceFormat>
+          <inkml:channel name="X" type="integer" min="-2.14748E9" max="2.14748E9" units="cm"/>
+          <inkml:channel name="Y" type="integer" min="-2.14748E9" max="2.14748E9" units="cm"/>
+          <inkml:channel name="F" type="integer" max="32767" units="dev"/>
+        </inkml:traceFormat>
+        <inkml:channelProperties>
+          <inkml:channelProperty channel="X" name="resolution" value="1000" units="1/cm"/>
+          <inkml:channelProperty channel="Y" name="resolution" value="1000" units="1/cm"/>
+          <inkml:channelProperty channel="F" name="resolution" value="0" units="1/dev"/>
+        </inkml:channelProperties>
+      </inkml:inkSource>
+      <inkml:timestamp xml:id="ts0" timeString="2023-09-25T09:54:52.539"/>
+    </inkml:context>
+    <inkml:brush xml:id="br0">
+      <inkml:brushProperty name="width" value="0.05" units="cm"/>
+      <inkml:brushProperty name="height" value="0.05" units="cm"/>
+      <inkml:brushProperty name="color" value="#F6630D"/>
+    </inkml:brush>
+  </inkml:definitions>
+  <inkml:trace contextRef="#ctx0" brushRef="#br0">0 1 24575,'0'0'0</inkml:trace>
+</inkml:ink>
+</file>
+
+<file path=ppt/ink/ink39.xml><?xml version="1.0" encoding="utf-8"?>
+<inkml:ink xmlns:inkml="http://www.w3.org/2003/InkML">
+  <inkml:definitions>
+    <inkml:context xml:id="ctx0">
+      <inkml:inkSource xml:id="inkSrc0">
+        <inkml:traceFormat>
+          <inkml:channel name="X" type="integer" min="-2.14748E9" max="2.14748E9" units="cm"/>
+          <inkml:channel name="Y" type="integer" min="-2.14748E9" max="2.14748E9" units="cm"/>
+          <inkml:channel name="F" type="integer" max="32767" units="dev"/>
+        </inkml:traceFormat>
+        <inkml:channelProperties>
+          <inkml:channelProperty channel="X" name="resolution" value="1000" units="1/cm"/>
+          <inkml:channelProperty channel="Y" name="resolution" value="1000" units="1/cm"/>
+          <inkml:channelProperty channel="F" name="resolution" value="0" units="1/dev"/>
+        </inkml:channelProperties>
+      </inkml:inkSource>
+      <inkml:timestamp xml:id="ts0" timeString="2023-09-25T09:54:53.522"/>
+    </inkml:context>
+    <inkml:brush xml:id="br0">
+      <inkml:brushProperty name="width" value="0.05" units="cm"/>
+      <inkml:brushProperty name="height" value="0.05" units="cm"/>
+      <inkml:brushProperty name="color" value="#F6630D"/>
+    </inkml:brush>
+  </inkml:definitions>
+  <inkml:trace contextRef="#ctx0" brushRef="#br0">1 1 24575,'0'0'0</inkml:trace>
+</inkml:ink>
+</file>
+
 <file path=ppt/ink/ink4.xml><?xml version="1.0" encoding="utf-8"?>
 <inkml:ink xmlns:inkml="http://www.w3.org/2003/InkML">
   <inkml:definitions>
@@ -941,6 +1082,34 @@
     </inkml:brush>
   </inkml:definitions>
   <inkml:trace contextRef="#ctx0" brushRef="#br0">0 659 24575,'9'0'0,"2"0"0,2 0 0,4 0 0,0 0 0,1 0 0,-2 0 0,-2 0 0,-2 0 0,3-1 0,0-2 0,7-4 0,1-3 0,8-9 0,2-2 0,4-8 0,0 0 0,-1-3 0,-2 1 0,1-4 0,-1 0 0,5-4 0,2-2 0,-4 4 0,1-1 0,-6 6 0,3-3 0,-3 5 0,-5 5 0,-8 11 0,-8 7 0,-4 3 0,2-1 0,-3 1 0,-1-1 0,-1-1 0,7-3 0,2-2 0,5 0 0,-1 0 0,-3 0 0,-1 1 0,-3 1 0,0 1 0,-2 5 0,0 2 0,-3 0 0,-2 1 0</inkml:trace>
+</inkml:ink>
+</file>
+
+<file path=ppt/ink/ink40.xml><?xml version="1.0" encoding="utf-8"?>
+<inkml:ink xmlns:inkml="http://www.w3.org/2003/InkML">
+  <inkml:definitions>
+    <inkml:context xml:id="ctx0">
+      <inkml:inkSource xml:id="inkSrc0">
+        <inkml:traceFormat>
+          <inkml:channel name="X" type="integer" min="-2.14748E9" max="2.14748E9" units="cm"/>
+          <inkml:channel name="Y" type="integer" min="-2.14748E9" max="2.14748E9" units="cm"/>
+          <inkml:channel name="F" type="integer" max="32767" units="dev"/>
+        </inkml:traceFormat>
+        <inkml:channelProperties>
+          <inkml:channelProperty channel="X" name="resolution" value="1000" units="1/cm"/>
+          <inkml:channelProperty channel="Y" name="resolution" value="1000" units="1/cm"/>
+          <inkml:channelProperty channel="F" name="resolution" value="0" units="1/dev"/>
+        </inkml:channelProperties>
+      </inkml:inkSource>
+      <inkml:timestamp xml:id="ts0" timeString="2023-09-25T09:54:54.272"/>
+    </inkml:context>
+    <inkml:brush xml:id="br0">
+      <inkml:brushProperty name="width" value="0.05" units="cm"/>
+      <inkml:brushProperty name="height" value="0.05" units="cm"/>
+      <inkml:brushProperty name="color" value="#F6630D"/>
+    </inkml:brush>
+  </inkml:definitions>
+  <inkml:trace contextRef="#ctx0" brushRef="#br0">1 1 24575,'0'0'0</inkml:trace>
 </inkml:ink>
 </file>
 
@@ -10217,6 +10386,667 @@
       </p:grpSpPr>
       <p:sp>
         <p:nvSpPr>
+          <p:cNvPr id="2" name="Title 1">
+            <a:extLst>
+              <a:ext uri="{FF2B5EF4-FFF2-40B4-BE49-F238E27FC236}">
+                <a16:creationId xmlns:a16="http://schemas.microsoft.com/office/drawing/2014/main" id="{C7102A3F-1CBB-9078-CDB9-81339C0CBC5A}"/>
+              </a:ext>
+            </a:extLst>
+          </p:cNvPr>
+          <p:cNvSpPr>
+            <a:spLocks noGrp="1"/>
+          </p:cNvSpPr>
+          <p:nvPr>
+            <p:ph type="title"/>
+          </p:nvPr>
+        </p:nvSpPr>
+        <p:spPr/>
+        <p:txBody>
+          <a:bodyPr/>
+          <a:lstStyle/>
+          <a:p>
+            <a:r>
+              <a:rPr lang="en-DE" dirty="0"/>
+              <a:t>GUI</a:t>
+            </a:r>
+          </a:p>
+        </p:txBody>
+      </p:sp>
+      <p:sp>
+        <p:nvSpPr>
+          <p:cNvPr id="6" name="TextBox 5">
+            <a:extLst>
+              <a:ext uri="{FF2B5EF4-FFF2-40B4-BE49-F238E27FC236}">
+                <a16:creationId xmlns:a16="http://schemas.microsoft.com/office/drawing/2014/main" id="{539A0042-C6CC-98C4-7079-ECE2B5CC1742}"/>
+              </a:ext>
+            </a:extLst>
+          </p:cNvPr>
+          <p:cNvSpPr txBox="1"/>
+          <p:nvPr/>
+        </p:nvSpPr>
+        <p:spPr>
+          <a:xfrm>
+            <a:off x="677334" y="1930400"/>
+            <a:ext cx="4300108" cy="646331"/>
+          </a:xfrm>
+          <a:prstGeom prst="rect">
+            <a:avLst/>
+          </a:prstGeom>
+          <a:noFill/>
+        </p:spPr>
+        <p:txBody>
+          <a:bodyPr wrap="square" rtlCol="0">
+            <a:spAutoFit/>
+          </a:bodyPr>
+          <a:lstStyle/>
+          <a:p>
+            <a:endParaRPr lang="en-DE" dirty="0"/>
+          </a:p>
+          <a:p>
+            <a:pPr marL="285750" indent="-285750">
+              <a:buFont typeface="Arial" panose="020B0604020202020204" pitchFamily="34" charset="0"/>
+              <a:buChar char="•"/>
+            </a:pPr>
+            <a:endParaRPr lang="en-DE" dirty="0"/>
+          </a:p>
+        </p:txBody>
+      </p:sp>
+      <p:grpSp>
+        <p:nvGrpSpPr>
+          <p:cNvPr id="42" name="Group 41">
+            <a:extLst>
+              <a:ext uri="{FF2B5EF4-FFF2-40B4-BE49-F238E27FC236}">
+                <a16:creationId xmlns:a16="http://schemas.microsoft.com/office/drawing/2014/main" id="{48BC36D2-507B-AE8B-AE2A-EAB26FFF0AC3}"/>
+              </a:ext>
+            </a:extLst>
+          </p:cNvPr>
+          <p:cNvGrpSpPr/>
+          <p:nvPr/>
+        </p:nvGrpSpPr>
+        <p:grpSpPr>
+          <a:xfrm>
+            <a:off x="10618749" y="2873589"/>
+            <a:ext cx="248040" cy="6120"/>
+            <a:chOff x="10618749" y="2873589"/>
+            <a:chExt cx="248040" cy="6120"/>
+          </a:xfrm>
+        </p:grpSpPr>
+        <mc:AlternateContent xmlns:mc="http://schemas.openxmlformats.org/markup-compatibility/2006">
+          <mc:Choice xmlns:p14="http://schemas.microsoft.com/office/powerpoint/2010/main" Requires="p14">
+            <p:contentPart p14:bwMode="auto" r:id="rId2">
+              <p14:nvContentPartPr>
+                <p14:cNvPr id="38" name="Ink 37">
+                  <a:extLst>
+                    <a:ext uri="{FF2B5EF4-FFF2-40B4-BE49-F238E27FC236}">
+                      <a16:creationId xmlns:a16="http://schemas.microsoft.com/office/drawing/2014/main" id="{04161F44-53FD-7BE5-E23B-A26BE8130613}"/>
+                    </a:ext>
+                  </a:extLst>
+                </p14:cNvPr>
+                <p14:cNvContentPartPr/>
+                <p14:nvPr/>
+              </p14:nvContentPartPr>
+              <p14:xfrm>
+                <a:off x="10618749" y="2873589"/>
+                <a:ext cx="360" cy="360"/>
+              </p14:xfrm>
+            </p:contentPart>
+          </mc:Choice>
+          <mc:Fallback>
+            <p:pic>
+              <p:nvPicPr>
+                <p:cNvPr id="38" name="Ink 37">
+                  <a:extLst>
+                    <a:ext uri="{FF2B5EF4-FFF2-40B4-BE49-F238E27FC236}">
+                      <a16:creationId xmlns:a16="http://schemas.microsoft.com/office/drawing/2014/main" id="{04161F44-53FD-7BE5-E23B-A26BE8130613}"/>
+                    </a:ext>
+                  </a:extLst>
+                </p:cNvPr>
+                <p:cNvPicPr/>
+                <p:nvPr/>
+              </p:nvPicPr>
+              <p:blipFill>
+                <a:blip r:embed="rId3"/>
+                <a:stretch>
+                  <a:fillRect/>
+                </a:stretch>
+              </p:blipFill>
+              <p:spPr>
+                <a:xfrm>
+                  <a:off x="10609749" y="2864589"/>
+                  <a:ext cx="18000" cy="18000"/>
+                </a:xfrm>
+                <a:prstGeom prst="rect">
+                  <a:avLst/>
+                </a:prstGeom>
+              </p:spPr>
+            </p:pic>
+          </mc:Fallback>
+        </mc:AlternateContent>
+        <mc:AlternateContent xmlns:mc="http://schemas.openxmlformats.org/markup-compatibility/2006">
+          <mc:Choice xmlns:p14="http://schemas.microsoft.com/office/powerpoint/2010/main" Requires="p14">
+            <p:contentPart p14:bwMode="auto" r:id="rId4">
+              <p14:nvContentPartPr>
+                <p14:cNvPr id="39" name="Ink 38">
+                  <a:extLst>
+                    <a:ext uri="{FF2B5EF4-FFF2-40B4-BE49-F238E27FC236}">
+                      <a16:creationId xmlns:a16="http://schemas.microsoft.com/office/drawing/2014/main" id="{BB92E9D1-71AD-2285-A6ED-C59597776ACD}"/>
+                    </a:ext>
+                  </a:extLst>
+                </p14:cNvPr>
+                <p14:cNvContentPartPr/>
+                <p14:nvPr/>
+              </p14:nvContentPartPr>
+              <p14:xfrm>
+                <a:off x="10729629" y="2873589"/>
+                <a:ext cx="360" cy="360"/>
+              </p14:xfrm>
+            </p:contentPart>
+          </mc:Choice>
+          <mc:Fallback>
+            <p:pic>
+              <p:nvPicPr>
+                <p:cNvPr id="39" name="Ink 38">
+                  <a:extLst>
+                    <a:ext uri="{FF2B5EF4-FFF2-40B4-BE49-F238E27FC236}">
+                      <a16:creationId xmlns:a16="http://schemas.microsoft.com/office/drawing/2014/main" id="{BB92E9D1-71AD-2285-A6ED-C59597776ACD}"/>
+                    </a:ext>
+                  </a:extLst>
+                </p:cNvPr>
+                <p:cNvPicPr/>
+                <p:nvPr/>
+              </p:nvPicPr>
+              <p:blipFill>
+                <a:blip r:embed="rId3"/>
+                <a:stretch>
+                  <a:fillRect/>
+                </a:stretch>
+              </p:blipFill>
+              <p:spPr>
+                <a:xfrm>
+                  <a:off x="10720629" y="2864589"/>
+                  <a:ext cx="18000" cy="18000"/>
+                </a:xfrm>
+                <a:prstGeom prst="rect">
+                  <a:avLst/>
+                </a:prstGeom>
+              </p:spPr>
+            </p:pic>
+          </mc:Fallback>
+        </mc:AlternateContent>
+        <mc:AlternateContent xmlns:mc="http://schemas.openxmlformats.org/markup-compatibility/2006">
+          <mc:Choice xmlns:p14="http://schemas.microsoft.com/office/powerpoint/2010/main" Requires="p14">
+            <p:contentPart p14:bwMode="auto" r:id="rId5">
+              <p14:nvContentPartPr>
+                <p14:cNvPr id="41" name="Ink 40">
+                  <a:extLst>
+                    <a:ext uri="{FF2B5EF4-FFF2-40B4-BE49-F238E27FC236}">
+                      <a16:creationId xmlns:a16="http://schemas.microsoft.com/office/drawing/2014/main" id="{C3184715-C2D2-241A-9DAB-E92B66A9A9F3}"/>
+                    </a:ext>
+                  </a:extLst>
+                </p14:cNvPr>
+                <p14:cNvContentPartPr/>
+                <p14:nvPr/>
+              </p14:nvContentPartPr>
+              <p14:xfrm>
+                <a:off x="10866429" y="2879349"/>
+                <a:ext cx="360" cy="360"/>
+              </p14:xfrm>
+            </p:contentPart>
+          </mc:Choice>
+          <mc:Fallback>
+            <p:pic>
+              <p:nvPicPr>
+                <p:cNvPr id="41" name="Ink 40">
+                  <a:extLst>
+                    <a:ext uri="{FF2B5EF4-FFF2-40B4-BE49-F238E27FC236}">
+                      <a16:creationId xmlns:a16="http://schemas.microsoft.com/office/drawing/2014/main" id="{C3184715-C2D2-241A-9DAB-E92B66A9A9F3}"/>
+                    </a:ext>
+                  </a:extLst>
+                </p:cNvPr>
+                <p:cNvPicPr/>
+                <p:nvPr/>
+              </p:nvPicPr>
+              <p:blipFill>
+                <a:blip r:embed="rId3"/>
+                <a:stretch>
+                  <a:fillRect/>
+                </a:stretch>
+              </p:blipFill>
+              <p:spPr>
+                <a:xfrm>
+                  <a:off x="10857429" y="2870349"/>
+                  <a:ext cx="18000" cy="18000"/>
+                </a:xfrm>
+                <a:prstGeom prst="rect">
+                  <a:avLst/>
+                </a:prstGeom>
+              </p:spPr>
+            </p:pic>
+          </mc:Fallback>
+        </mc:AlternateContent>
+      </p:grpSp>
+      <p:grpSp>
+        <p:nvGrpSpPr>
+          <p:cNvPr id="47" name="Group 46">
+            <a:extLst>
+              <a:ext uri="{FF2B5EF4-FFF2-40B4-BE49-F238E27FC236}">
+                <a16:creationId xmlns:a16="http://schemas.microsoft.com/office/drawing/2014/main" id="{B128091D-176F-0820-D2F1-0783AD75B099}"/>
+              </a:ext>
+            </a:extLst>
+          </p:cNvPr>
+          <p:cNvGrpSpPr/>
+          <p:nvPr/>
+        </p:nvGrpSpPr>
+        <p:grpSpPr>
+          <a:xfrm>
+            <a:off x="10613709" y="3131349"/>
+            <a:ext cx="291600" cy="8640"/>
+            <a:chOff x="10613709" y="3131349"/>
+            <a:chExt cx="291600" cy="8640"/>
+          </a:xfrm>
+        </p:grpSpPr>
+        <mc:AlternateContent xmlns:mc="http://schemas.openxmlformats.org/markup-compatibility/2006">
+          <mc:Choice xmlns:p14="http://schemas.microsoft.com/office/powerpoint/2010/main" Requires="p14">
+            <p:contentPart p14:bwMode="auto" r:id="rId6">
+              <p14:nvContentPartPr>
+                <p14:cNvPr id="43" name="Ink 42">
+                  <a:extLst>
+                    <a:ext uri="{FF2B5EF4-FFF2-40B4-BE49-F238E27FC236}">
+                      <a16:creationId xmlns:a16="http://schemas.microsoft.com/office/drawing/2014/main" id="{A1F9EDE0-8D39-55B4-95EF-0F8808637848}"/>
+                    </a:ext>
+                  </a:extLst>
+                </p14:cNvPr>
+                <p14:cNvContentPartPr/>
+                <p14:nvPr/>
+              </p14:nvContentPartPr>
+              <p14:xfrm>
+                <a:off x="10613709" y="3139629"/>
+                <a:ext cx="360" cy="360"/>
+              </p14:xfrm>
+            </p:contentPart>
+          </mc:Choice>
+          <mc:Fallback>
+            <p:pic>
+              <p:nvPicPr>
+                <p:cNvPr id="43" name="Ink 42">
+                  <a:extLst>
+                    <a:ext uri="{FF2B5EF4-FFF2-40B4-BE49-F238E27FC236}">
+                      <a16:creationId xmlns:a16="http://schemas.microsoft.com/office/drawing/2014/main" id="{A1F9EDE0-8D39-55B4-95EF-0F8808637848}"/>
+                    </a:ext>
+                  </a:extLst>
+                </p:cNvPr>
+                <p:cNvPicPr/>
+                <p:nvPr/>
+              </p:nvPicPr>
+              <p:blipFill>
+                <a:blip r:embed="rId3"/>
+                <a:stretch>
+                  <a:fillRect/>
+                </a:stretch>
+              </p:blipFill>
+              <p:spPr>
+                <a:xfrm>
+                  <a:off x="10604709" y="3130629"/>
+                  <a:ext cx="18000" cy="18000"/>
+                </a:xfrm>
+                <a:prstGeom prst="rect">
+                  <a:avLst/>
+                </a:prstGeom>
+              </p:spPr>
+            </p:pic>
+          </mc:Fallback>
+        </mc:AlternateContent>
+        <mc:AlternateContent xmlns:mc="http://schemas.openxmlformats.org/markup-compatibility/2006">
+          <mc:Choice xmlns:p14="http://schemas.microsoft.com/office/powerpoint/2010/main" Requires="p14">
+            <p:contentPart p14:bwMode="auto" r:id="rId7">
+              <p14:nvContentPartPr>
+                <p14:cNvPr id="44" name="Ink 43">
+                  <a:extLst>
+                    <a:ext uri="{FF2B5EF4-FFF2-40B4-BE49-F238E27FC236}">
+                      <a16:creationId xmlns:a16="http://schemas.microsoft.com/office/drawing/2014/main" id="{3E34A56B-5765-B939-7FFE-BDB4C664E6EB}"/>
+                    </a:ext>
+                  </a:extLst>
+                </p14:cNvPr>
+                <p14:cNvContentPartPr/>
+                <p14:nvPr/>
+              </p14:nvContentPartPr>
+              <p14:xfrm>
+                <a:off x="10744749" y="3131349"/>
+                <a:ext cx="360" cy="360"/>
+              </p14:xfrm>
+            </p:contentPart>
+          </mc:Choice>
+          <mc:Fallback>
+            <p:pic>
+              <p:nvPicPr>
+                <p:cNvPr id="44" name="Ink 43">
+                  <a:extLst>
+                    <a:ext uri="{FF2B5EF4-FFF2-40B4-BE49-F238E27FC236}">
+                      <a16:creationId xmlns:a16="http://schemas.microsoft.com/office/drawing/2014/main" id="{3E34A56B-5765-B939-7FFE-BDB4C664E6EB}"/>
+                    </a:ext>
+                  </a:extLst>
+                </p:cNvPr>
+                <p:cNvPicPr/>
+                <p:nvPr/>
+              </p:nvPicPr>
+              <p:blipFill>
+                <a:blip r:embed="rId3"/>
+                <a:stretch>
+                  <a:fillRect/>
+                </a:stretch>
+              </p:blipFill>
+              <p:spPr>
+                <a:xfrm>
+                  <a:off x="10735749" y="3122349"/>
+                  <a:ext cx="18000" cy="18000"/>
+                </a:xfrm>
+                <a:prstGeom prst="rect">
+                  <a:avLst/>
+                </a:prstGeom>
+              </p:spPr>
+            </p:pic>
+          </mc:Fallback>
+        </mc:AlternateContent>
+        <mc:AlternateContent xmlns:mc="http://schemas.openxmlformats.org/markup-compatibility/2006">
+          <mc:Choice xmlns:p14="http://schemas.microsoft.com/office/powerpoint/2010/main" Requires="p14">
+            <p:contentPart p14:bwMode="auto" r:id="rId8">
+              <p14:nvContentPartPr>
+                <p14:cNvPr id="46" name="Ink 45">
+                  <a:extLst>
+                    <a:ext uri="{FF2B5EF4-FFF2-40B4-BE49-F238E27FC236}">
+                      <a16:creationId xmlns:a16="http://schemas.microsoft.com/office/drawing/2014/main" id="{4037F5CF-4A59-865D-AC7A-82E90BCDEAAD}"/>
+                    </a:ext>
+                  </a:extLst>
+                </p14:cNvPr>
+                <p14:cNvContentPartPr/>
+                <p14:nvPr/>
+              </p14:nvContentPartPr>
+              <p14:xfrm>
+                <a:off x="10904949" y="3131349"/>
+                <a:ext cx="360" cy="360"/>
+              </p14:xfrm>
+            </p:contentPart>
+          </mc:Choice>
+          <mc:Fallback>
+            <p:pic>
+              <p:nvPicPr>
+                <p:cNvPr id="46" name="Ink 45">
+                  <a:extLst>
+                    <a:ext uri="{FF2B5EF4-FFF2-40B4-BE49-F238E27FC236}">
+                      <a16:creationId xmlns:a16="http://schemas.microsoft.com/office/drawing/2014/main" id="{4037F5CF-4A59-865D-AC7A-82E90BCDEAAD}"/>
+                    </a:ext>
+                  </a:extLst>
+                </p:cNvPr>
+                <p:cNvPicPr/>
+                <p:nvPr/>
+              </p:nvPicPr>
+              <p:blipFill>
+                <a:blip r:embed="rId3"/>
+                <a:stretch>
+                  <a:fillRect/>
+                </a:stretch>
+              </p:blipFill>
+              <p:spPr>
+                <a:xfrm>
+                  <a:off x="10895949" y="3122349"/>
+                  <a:ext cx="18000" cy="18000"/>
+                </a:xfrm>
+                <a:prstGeom prst="rect">
+                  <a:avLst/>
+                </a:prstGeom>
+              </p:spPr>
+            </p:pic>
+          </mc:Fallback>
+        </mc:AlternateContent>
+      </p:grpSp>
+      <p:sp>
+        <p:nvSpPr>
+          <p:cNvPr id="4" name="Content Placeholder 3">
+            <a:extLst>
+              <a:ext uri="{FF2B5EF4-FFF2-40B4-BE49-F238E27FC236}">
+                <a16:creationId xmlns:a16="http://schemas.microsoft.com/office/drawing/2014/main" id="{06A2FA62-E606-C7F5-5457-7377DA6B84B4}"/>
+              </a:ext>
+            </a:extLst>
+          </p:cNvPr>
+          <p:cNvSpPr>
+            <a:spLocks noGrp="1"/>
+          </p:cNvSpPr>
+          <p:nvPr>
+            <p:ph idx="1"/>
+          </p:nvPr>
+        </p:nvSpPr>
+        <p:spPr>
+          <a:xfrm>
+            <a:off x="677334" y="2160589"/>
+            <a:ext cx="4555815" cy="1086291"/>
+          </a:xfrm>
+        </p:spPr>
+        <p:txBody>
+          <a:bodyPr/>
+          <a:lstStyle/>
+          <a:p>
+            <a:r>
+              <a:rPr lang="en-DE" dirty="0"/>
+              <a:t>Bilder von Figuren</a:t>
+            </a:r>
+          </a:p>
+          <a:p>
+            <a:endParaRPr lang="en-DE" dirty="0"/>
+          </a:p>
+        </p:txBody>
+      </p:sp>
+      <p:pic>
+        <p:nvPicPr>
+          <p:cNvPr id="7" name="Picture 6" descr="A black and white logo&#10;&#10;Description automatically generated">
+            <a:extLst>
+              <a:ext uri="{FF2B5EF4-FFF2-40B4-BE49-F238E27FC236}">
+                <a16:creationId xmlns:a16="http://schemas.microsoft.com/office/drawing/2014/main" id="{42766896-2411-9984-0371-BFD70EE83124}"/>
+              </a:ext>
+            </a:extLst>
+          </p:cNvPr>
+          <p:cNvPicPr>
+            <a:picLocks noChangeAspect="1"/>
+          </p:cNvPicPr>
+          <p:nvPr/>
+        </p:nvPicPr>
+        <p:blipFill>
+          <a:blip r:embed="rId9"/>
+          <a:stretch>
+            <a:fillRect/>
+          </a:stretch>
+        </p:blipFill>
+        <p:spPr>
+          <a:xfrm>
+            <a:off x="7171871" y="847272"/>
+            <a:ext cx="635000" cy="635000"/>
+          </a:xfrm>
+          <a:prstGeom prst="rect">
+            <a:avLst/>
+          </a:prstGeom>
+        </p:spPr>
+      </p:pic>
+      <p:pic>
+        <p:nvPicPr>
+          <p:cNvPr id="9" name="Picture 8" descr="A black hat with a mustache&#10;&#10;Description automatically generated">
+            <a:extLst>
+              <a:ext uri="{FF2B5EF4-FFF2-40B4-BE49-F238E27FC236}">
+                <a16:creationId xmlns:a16="http://schemas.microsoft.com/office/drawing/2014/main" id="{E593BFA6-F73D-B384-3A0E-944206F7088C}"/>
+              </a:ext>
+            </a:extLst>
+          </p:cNvPr>
+          <p:cNvPicPr>
+            <a:picLocks noChangeAspect="1"/>
+          </p:cNvPicPr>
+          <p:nvPr/>
+        </p:nvPicPr>
+        <p:blipFill>
+          <a:blip r:embed="rId10"/>
+          <a:stretch>
+            <a:fillRect/>
+          </a:stretch>
+        </p:blipFill>
+        <p:spPr>
+          <a:xfrm>
+            <a:off x="6074229" y="847272"/>
+            <a:ext cx="635000" cy="635000"/>
+          </a:xfrm>
+          <a:prstGeom prst="rect">
+            <a:avLst/>
+          </a:prstGeom>
+        </p:spPr>
+      </p:pic>
+      <p:pic>
+        <p:nvPicPr>
+          <p:cNvPr id="11" name="Picture 10" descr="A black hat with a mustache&#10;&#10;Description automatically generated">
+            <a:extLst>
+              <a:ext uri="{FF2B5EF4-FFF2-40B4-BE49-F238E27FC236}">
+                <a16:creationId xmlns:a16="http://schemas.microsoft.com/office/drawing/2014/main" id="{0955BA91-9399-75E6-B394-067FFF48EA89}"/>
+              </a:ext>
+            </a:extLst>
+          </p:cNvPr>
+          <p:cNvPicPr>
+            <a:picLocks noChangeAspect="1"/>
+          </p:cNvPicPr>
+          <p:nvPr/>
+        </p:nvPicPr>
+        <p:blipFill>
+          <a:blip r:embed="rId11"/>
+          <a:stretch>
+            <a:fillRect/>
+          </a:stretch>
+        </p:blipFill>
+        <p:spPr>
+          <a:xfrm>
+            <a:off x="5143500" y="847272"/>
+            <a:ext cx="635000" cy="635000"/>
+          </a:xfrm>
+          <a:prstGeom prst="rect">
+            <a:avLst/>
+          </a:prstGeom>
+        </p:spPr>
+      </p:pic>
+      <p:pic>
+        <p:nvPicPr>
+          <p:cNvPr id="14" name="Picture 13" descr="A white and black logo&#10;&#10;Description automatically generated">
+            <a:extLst>
+              <a:ext uri="{FF2B5EF4-FFF2-40B4-BE49-F238E27FC236}">
+                <a16:creationId xmlns:a16="http://schemas.microsoft.com/office/drawing/2014/main" id="{447DB332-D0B3-B13C-7831-A4B6C3BDA7B4}"/>
+              </a:ext>
+            </a:extLst>
+          </p:cNvPr>
+          <p:cNvPicPr>
+            <a:picLocks noChangeAspect="1"/>
+          </p:cNvPicPr>
+          <p:nvPr/>
+        </p:nvPicPr>
+        <p:blipFill>
+          <a:blip r:embed="rId12"/>
+          <a:stretch>
+            <a:fillRect/>
+          </a:stretch>
+        </p:blipFill>
+        <p:spPr>
+          <a:xfrm>
+            <a:off x="7189709" y="1759633"/>
+            <a:ext cx="569242" cy="569242"/>
+          </a:xfrm>
+          <a:prstGeom prst="rect">
+            <a:avLst/>
+          </a:prstGeom>
+        </p:spPr>
+      </p:pic>
+      <p:pic>
+        <p:nvPicPr>
+          <p:cNvPr id="18" name="Picture 17" descr="A white object with black outline&#10;&#10;Description automatically generated">
+            <a:extLst>
+              <a:ext uri="{FF2B5EF4-FFF2-40B4-BE49-F238E27FC236}">
+                <a16:creationId xmlns:a16="http://schemas.microsoft.com/office/drawing/2014/main" id="{8863651D-B4E1-D0DB-E1C6-1FE9D51078C1}"/>
+              </a:ext>
+            </a:extLst>
+          </p:cNvPr>
+          <p:cNvPicPr>
+            <a:picLocks noChangeAspect="1"/>
+          </p:cNvPicPr>
+          <p:nvPr/>
+        </p:nvPicPr>
+        <p:blipFill>
+          <a:blip r:embed="rId13"/>
+          <a:stretch>
+            <a:fillRect/>
+          </a:stretch>
+        </p:blipFill>
+        <p:spPr>
+          <a:xfrm>
+            <a:off x="6074229" y="1702699"/>
+            <a:ext cx="635000" cy="635000"/>
+          </a:xfrm>
+          <a:prstGeom prst="rect">
+            <a:avLst/>
+          </a:prstGeom>
+        </p:spPr>
+      </p:pic>
+      <p:pic>
+        <p:nvPicPr>
+          <p:cNvPr id="20" name="Picture 19" descr="A black and white drawing of a rocket&#10;&#10;Description automatically generated">
+            <a:extLst>
+              <a:ext uri="{FF2B5EF4-FFF2-40B4-BE49-F238E27FC236}">
+                <a16:creationId xmlns:a16="http://schemas.microsoft.com/office/drawing/2014/main" id="{FDE7CEA7-A31C-907F-3AF9-8C043675EC68}"/>
+              </a:ext>
+            </a:extLst>
+          </p:cNvPr>
+          <p:cNvPicPr>
+            <a:picLocks noChangeAspect="1"/>
+          </p:cNvPicPr>
+          <p:nvPr/>
+        </p:nvPicPr>
+        <p:blipFill>
+          <a:blip r:embed="rId14"/>
+          <a:stretch>
+            <a:fillRect/>
+          </a:stretch>
+        </p:blipFill>
+        <p:spPr>
+          <a:xfrm>
+            <a:off x="5197929" y="1757818"/>
+            <a:ext cx="457200" cy="457200"/>
+          </a:xfrm>
+          <a:prstGeom prst="rect">
+            <a:avLst/>
+          </a:prstGeom>
+        </p:spPr>
+      </p:pic>
+    </p:spTree>
+    <p:extLst>
+      <p:ext uri="{BB962C8B-B14F-4D97-AF65-F5344CB8AC3E}">
+        <p14:creationId xmlns:p14="http://schemas.microsoft.com/office/powerpoint/2010/main" val="2863137545"/>
+      </p:ext>
+    </p:extLst>
+  </p:cSld>
+  <p:clrMapOvr>
+    <a:masterClrMapping/>
+  </p:clrMapOvr>
+</p:sld>
+</file>
+
+<file path=ppt/slides/slide17.xml><?xml version="1.0" encoding="utf-8"?>
+<p:sld xmlns:a="http://schemas.openxmlformats.org/drawingml/2006/main" xmlns:r="http://schemas.openxmlformats.org/officeDocument/2006/relationships" xmlns:p="http://schemas.openxmlformats.org/presentationml/2006/main">
+  <p:cSld>
+    <p:spTree>
+      <p:nvGrpSpPr>
+        <p:cNvPr id="1" name=""/>
+        <p:cNvGrpSpPr/>
+        <p:nvPr/>
+      </p:nvGrpSpPr>
+      <p:grpSpPr>
+        <a:xfrm>
+          <a:off x="0" y="0"/>
+          <a:ext cx="0" cy="0"/>
+          <a:chOff x="0" y="0"/>
+          <a:chExt cx="0" cy="0"/>
+        </a:xfrm>
+      </p:grpSpPr>
+      <p:sp>
+        <p:nvSpPr>
           <p:cNvPr id="2" name="Titel 1"/>
           <p:cNvSpPr>
             <a:spLocks noGrp="1"/>
@@ -10343,7 +11173,7 @@
 </p:sld>
 </file>
 
-<file path=ppt/slides/slide17.xml><?xml version="1.0" encoding="utf-8"?>
+<file path=ppt/slides/slide18.xml><?xml version="1.0" encoding="utf-8"?>
 <p:sld xmlns:a="http://schemas.openxmlformats.org/drawingml/2006/main" xmlns:r="http://schemas.openxmlformats.org/officeDocument/2006/relationships" xmlns:p="http://schemas.openxmlformats.org/presentationml/2006/main">
   <p:cSld>
     <p:spTree>
@@ -10455,7 +11285,7 @@
 </p:sld>
 </file>
 
-<file path=ppt/slides/slide18.xml><?xml version="1.0" encoding="utf-8"?>
+<file path=ppt/slides/slide19.xml><?xml version="1.0" encoding="utf-8"?>
 <p:sld xmlns:a="http://schemas.openxmlformats.org/drawingml/2006/main" xmlns:r="http://schemas.openxmlformats.org/officeDocument/2006/relationships" xmlns:p="http://schemas.openxmlformats.org/presentationml/2006/main">
   <p:cSld>
     <p:spTree>
